--- a/clase_6/teoria/Clase_6.pptx
+++ b/clase_6/teoria/Clase_6.pptx
@@ -306,10 +306,18 @@
       </p15:sldGuideLst>
     </p:ext>
     <p:ext uri="GoogleSlidesCustomDataVersion2">
-      <go:slidesCustomData xmlns:go="http://customooxmlschemas.google.com/" xmlns:ahyp="http://schemas.microsoft.com/office/drawing/2018/hyperlinkcolor" xmlns:p15="http://schemas.microsoft.com/office/powerpoint/2012/main" xmlns:p14="http://schemas.microsoft.com/office/powerpoint/2010/main" xmlns:com="http://schemas.openxmlformats.org/drawingml/2006/compatibility" xmlns:pvml="urn:schemas-microsoft-com:office:powerpoint" xmlns:v="urn:schemas-microsoft-com:vml" xmlns:o="urn:schemas-microsoft-com:office:office" xmlns:dgm="http://schemas.openxmlformats.org/drawingml/2006/diagram" xmlns:c="http://schemas.openxmlformats.org/drawingml/2006/chart" xmlns:mv="urn:schemas-microsoft-com:mac:vml" xmlns:mc="http://schemas.openxmlformats.org/markup-compatibility/2006" xmlns="" r:id="rId48" roundtripDataSignature="AMtx7mi43qeBuG6xuqWiq1Kh9QyGOyIiNg=="/>
+      <go:slidesCustomData xmlns="" xmlns:mc="http://schemas.openxmlformats.org/markup-compatibility/2006" xmlns:mv="urn:schemas-microsoft-com:mac:vml" xmlns:c="http://schemas.openxmlformats.org/drawingml/2006/chart" xmlns:dgm="http://schemas.openxmlformats.org/drawingml/2006/diagram" xmlns:o="urn:schemas-microsoft-com:office:office" xmlns:v="urn:schemas-microsoft-com:vml" xmlns:pvml="urn:schemas-microsoft-com:office:powerpoint" xmlns:com="http://schemas.openxmlformats.org/drawingml/2006/compatibility" xmlns:p14="http://schemas.microsoft.com/office/powerpoint/2010/main" xmlns:p15="http://schemas.microsoft.com/office/powerpoint/2012/main" xmlns:ahyp="http://schemas.microsoft.com/office/drawing/2018/hyperlinkcolor" xmlns:go="http://customooxmlschemas.google.com/" r:id="rId48" roundtripDataSignature="AMtx7mi43qeBuG6xuqWiq1Kh9QyGOyIiNg=="/>
     </p:ext>
   </p:extLst>
 </p:presentation>
+</file>
+
+<file path=ppt/revisionInfo.xml><?xml version="1.0" encoding="utf-8"?>
+<p1510:revInfo xmlns:a="http://schemas.openxmlformats.org/drawingml/2006/main" xmlns:r="http://schemas.openxmlformats.org/officeDocument/2006/relationships" xmlns:p1510="http://schemas.microsoft.com/office/powerpoint/2015/10/main">
+  <p1510:revLst>
+    <p1510:client id="{7C9B03B3-4DBB-48A5-996A-D234D8E380B0}" v="3" dt="2025-06-04T00:41:13.996"/>
+  </p1510:revLst>
+</p1510:revInfo>
 </file>
 
 <file path=ppt/changesInfos/changesInfo1.xml><?xml version="1.0" encoding="utf-8"?>
@@ -317,7 +325,7 @@
   <pc:docChgLst>
     <pc:chgData name="Marcos Maillot" userId="fa14b39d-e966-4ebb-a436-4f96f84b9577" providerId="ADAL" clId="{7C9B03B3-4DBB-48A5-996A-D234D8E380B0}"/>
     <pc:docChg chg="custSel modSld">
-      <pc:chgData name="Marcos Maillot" userId="fa14b39d-e966-4ebb-a436-4f96f84b9577" providerId="ADAL" clId="{7C9B03B3-4DBB-48A5-996A-D234D8E380B0}" dt="2025-06-03T14:24:31.393" v="36" actId="20577"/>
+      <pc:chgData name="Marcos Maillot" userId="fa14b39d-e966-4ebb-a436-4f96f84b9577" providerId="ADAL" clId="{7C9B03B3-4DBB-48A5-996A-D234D8E380B0}" dt="2025-06-04T00:41:13.996" v="53"/>
       <pc:docMkLst>
         <pc:docMk/>
       </pc:docMkLst>
@@ -343,6 +351,149 @@
             <ac:spMk id="84" creationId="{00000000-0000-0000-0000-000000000000}"/>
           </ac:spMkLst>
         </pc:spChg>
+      </pc:sldChg>
+      <pc:sldChg chg="addSp delSp modSp mod">
+        <pc:chgData name="Marcos Maillot" userId="fa14b39d-e966-4ebb-a436-4f96f84b9577" providerId="ADAL" clId="{7C9B03B3-4DBB-48A5-996A-D234D8E380B0}" dt="2025-06-04T00:41:13.996" v="53"/>
+        <pc:sldMkLst>
+          <pc:docMk/>
+          <pc:sldMk cId="2515468531" sldId="290"/>
+        </pc:sldMkLst>
+        <pc:grpChg chg="del mod">
+          <ac:chgData name="Marcos Maillot" userId="fa14b39d-e966-4ebb-a436-4f96f84b9577" providerId="ADAL" clId="{7C9B03B3-4DBB-48A5-996A-D234D8E380B0}" dt="2025-06-04T00:41:10.855" v="50"/>
+          <ac:grpSpMkLst>
+            <pc:docMk/>
+            <pc:sldMk cId="2515468531" sldId="290"/>
+            <ac:grpSpMk id="6" creationId="{0DF4CA79-4EC3-220E-CDB3-5F4296775D5B}"/>
+          </ac:grpSpMkLst>
+        </pc:grpChg>
+        <pc:grpChg chg="del mod">
+          <ac:chgData name="Marcos Maillot" userId="fa14b39d-e966-4ebb-a436-4f96f84b9577" providerId="ADAL" clId="{7C9B03B3-4DBB-48A5-996A-D234D8E380B0}" dt="2025-06-04T00:41:13.996" v="53"/>
+          <ac:grpSpMkLst>
+            <pc:docMk/>
+            <pc:sldMk cId="2515468531" sldId="290"/>
+            <ac:grpSpMk id="16" creationId="{19C3D659-A0D5-0E44-0D6D-BAF8BD0ED69E}"/>
+          </ac:grpSpMkLst>
+        </pc:grpChg>
+        <pc:grpChg chg="mod">
+          <ac:chgData name="Marcos Maillot" userId="fa14b39d-e966-4ebb-a436-4f96f84b9577" providerId="ADAL" clId="{7C9B03B3-4DBB-48A5-996A-D234D8E380B0}" dt="2025-06-04T00:41:13.996" v="53"/>
+          <ac:grpSpMkLst>
+            <pc:docMk/>
+            <pc:sldMk cId="2515468531" sldId="290"/>
+            <ac:grpSpMk id="19" creationId="{FE93B399-3A1D-2EB6-5281-ECEF1C31C379}"/>
+          </ac:grpSpMkLst>
+        </pc:grpChg>
+        <pc:inkChg chg="add mod">
+          <ac:chgData name="Marcos Maillot" userId="fa14b39d-e966-4ebb-a436-4f96f84b9577" providerId="ADAL" clId="{7C9B03B3-4DBB-48A5-996A-D234D8E380B0}" dt="2025-06-04T00:41:13.996" v="53"/>
+          <ac:inkMkLst>
+            <pc:docMk/>
+            <pc:sldMk cId="2515468531" sldId="290"/>
+            <ac:inkMk id="3" creationId="{A6386BAD-A2F2-950A-3604-BD3D5127E9F6}"/>
+          </ac:inkMkLst>
+        </pc:inkChg>
+        <pc:inkChg chg="add mod">
+          <ac:chgData name="Marcos Maillot" userId="fa14b39d-e966-4ebb-a436-4f96f84b9577" providerId="ADAL" clId="{7C9B03B3-4DBB-48A5-996A-D234D8E380B0}" dt="2025-06-04T00:41:03.361" v="40"/>
+          <ac:inkMkLst>
+            <pc:docMk/>
+            <pc:sldMk cId="2515468531" sldId="290"/>
+            <ac:inkMk id="4" creationId="{C97540F0-D758-40D0-63CC-5E6903023618}"/>
+          </ac:inkMkLst>
+        </pc:inkChg>
+        <pc:inkChg chg="add mod">
+          <ac:chgData name="Marcos Maillot" userId="fa14b39d-e966-4ebb-a436-4f96f84b9577" providerId="ADAL" clId="{7C9B03B3-4DBB-48A5-996A-D234D8E380B0}" dt="2025-06-04T00:41:03.361" v="40"/>
+          <ac:inkMkLst>
+            <pc:docMk/>
+            <pc:sldMk cId="2515468531" sldId="290"/>
+            <ac:inkMk id="5" creationId="{6DF336C5-A659-F16A-631F-4D758928963A}"/>
+          </ac:inkMkLst>
+        </pc:inkChg>
+        <pc:inkChg chg="add mod">
+          <ac:chgData name="Marcos Maillot" userId="fa14b39d-e966-4ebb-a436-4f96f84b9577" providerId="ADAL" clId="{7C9B03B3-4DBB-48A5-996A-D234D8E380B0}" dt="2025-06-04T00:41:13.996" v="53"/>
+          <ac:inkMkLst>
+            <pc:docMk/>
+            <pc:sldMk cId="2515468531" sldId="290"/>
+            <ac:inkMk id="7" creationId="{B66F48A6-3559-E387-5B70-DD2198E81150}"/>
+          </ac:inkMkLst>
+        </pc:inkChg>
+        <pc:inkChg chg="add mod">
+          <ac:chgData name="Marcos Maillot" userId="fa14b39d-e966-4ebb-a436-4f96f84b9577" providerId="ADAL" clId="{7C9B03B3-4DBB-48A5-996A-D234D8E380B0}" dt="2025-06-04T00:41:13.996" v="53"/>
+          <ac:inkMkLst>
+            <pc:docMk/>
+            <pc:sldMk cId="2515468531" sldId="290"/>
+            <ac:inkMk id="8" creationId="{A8D69D91-3AE8-1EB2-7C05-DD1F941A1049}"/>
+          </ac:inkMkLst>
+        </pc:inkChg>
+        <pc:inkChg chg="add mod">
+          <ac:chgData name="Marcos Maillot" userId="fa14b39d-e966-4ebb-a436-4f96f84b9577" providerId="ADAL" clId="{7C9B03B3-4DBB-48A5-996A-D234D8E380B0}" dt="2025-06-04T00:41:13.996" v="53"/>
+          <ac:inkMkLst>
+            <pc:docMk/>
+            <pc:sldMk cId="2515468531" sldId="290"/>
+            <ac:inkMk id="9" creationId="{CA04CFD9-AA25-1874-9BA1-27CF76D65A30}"/>
+          </ac:inkMkLst>
+        </pc:inkChg>
+        <pc:inkChg chg="add">
+          <ac:chgData name="Marcos Maillot" userId="fa14b39d-e966-4ebb-a436-4f96f84b9577" providerId="ADAL" clId="{7C9B03B3-4DBB-48A5-996A-D234D8E380B0}" dt="2025-06-04T00:41:05.320" v="44" actId="9405"/>
+          <ac:inkMkLst>
+            <pc:docMk/>
+            <pc:sldMk cId="2515468531" sldId="290"/>
+            <ac:inkMk id="10" creationId="{0043F65D-695D-5D63-44ED-A45E2C364D77}"/>
+          </ac:inkMkLst>
+        </pc:inkChg>
+        <pc:inkChg chg="add">
+          <ac:chgData name="Marcos Maillot" userId="fa14b39d-e966-4ebb-a436-4f96f84b9577" providerId="ADAL" clId="{7C9B03B3-4DBB-48A5-996A-D234D8E380B0}" dt="2025-06-04T00:41:05.475" v="45" actId="9405"/>
+          <ac:inkMkLst>
+            <pc:docMk/>
+            <pc:sldMk cId="2515468531" sldId="290"/>
+            <ac:inkMk id="11" creationId="{BE63A762-3C94-7163-A3CC-51784114AE55}"/>
+          </ac:inkMkLst>
+        </pc:inkChg>
+        <pc:inkChg chg="add mod">
+          <ac:chgData name="Marcos Maillot" userId="fa14b39d-e966-4ebb-a436-4f96f84b9577" providerId="ADAL" clId="{7C9B03B3-4DBB-48A5-996A-D234D8E380B0}" dt="2025-06-04T00:41:13.996" v="53"/>
+          <ac:inkMkLst>
+            <pc:docMk/>
+            <pc:sldMk cId="2515468531" sldId="290"/>
+            <ac:inkMk id="12" creationId="{5CD21ED4-AFBB-9656-C096-2C8621BA6CE9}"/>
+          </ac:inkMkLst>
+        </pc:inkChg>
+        <pc:inkChg chg="add mod">
+          <ac:chgData name="Marcos Maillot" userId="fa14b39d-e966-4ebb-a436-4f96f84b9577" providerId="ADAL" clId="{7C9B03B3-4DBB-48A5-996A-D234D8E380B0}" dt="2025-06-04T00:41:13.996" v="53"/>
+          <ac:inkMkLst>
+            <pc:docMk/>
+            <pc:sldMk cId="2515468531" sldId="290"/>
+            <ac:inkMk id="13" creationId="{E2E4225D-7CB3-CF94-B928-BA674646F03B}"/>
+          </ac:inkMkLst>
+        </pc:inkChg>
+        <pc:inkChg chg="add mod">
+          <ac:chgData name="Marcos Maillot" userId="fa14b39d-e966-4ebb-a436-4f96f84b9577" providerId="ADAL" clId="{7C9B03B3-4DBB-48A5-996A-D234D8E380B0}" dt="2025-06-04T00:41:13.996" v="53"/>
+          <ac:inkMkLst>
+            <pc:docMk/>
+            <pc:sldMk cId="2515468531" sldId="290"/>
+            <ac:inkMk id="14" creationId="{064C380F-4D2A-FE8B-7405-0D1616860E79}"/>
+          </ac:inkMkLst>
+        </pc:inkChg>
+        <pc:inkChg chg="add mod">
+          <ac:chgData name="Marcos Maillot" userId="fa14b39d-e966-4ebb-a436-4f96f84b9577" providerId="ADAL" clId="{7C9B03B3-4DBB-48A5-996A-D234D8E380B0}" dt="2025-06-04T00:41:13.996" v="53"/>
+          <ac:inkMkLst>
+            <pc:docMk/>
+            <pc:sldMk cId="2515468531" sldId="290"/>
+            <ac:inkMk id="15" creationId="{716E2411-9935-B488-7C49-8268A1505C69}"/>
+          </ac:inkMkLst>
+        </pc:inkChg>
+        <pc:inkChg chg="add">
+          <ac:chgData name="Marcos Maillot" userId="fa14b39d-e966-4ebb-a436-4f96f84b9577" providerId="ADAL" clId="{7C9B03B3-4DBB-48A5-996A-D234D8E380B0}" dt="2025-06-04T00:41:12.542" v="51" actId="9405"/>
+          <ac:inkMkLst>
+            <pc:docMk/>
+            <pc:sldMk cId="2515468531" sldId="290"/>
+            <ac:inkMk id="17" creationId="{901A1A52-FE27-AD7A-033A-1B1B4320B636}"/>
+          </ac:inkMkLst>
+        </pc:inkChg>
+        <pc:inkChg chg="add">
+          <ac:chgData name="Marcos Maillot" userId="fa14b39d-e966-4ebb-a436-4f96f84b9577" providerId="ADAL" clId="{7C9B03B3-4DBB-48A5-996A-D234D8E380B0}" dt="2025-06-04T00:41:13.370" v="52" actId="9405"/>
+          <ac:inkMkLst>
+            <pc:docMk/>
+            <pc:sldMk cId="2515468531" sldId="290"/>
+            <ac:inkMk id="18" creationId="{2E8B4B14-EDD4-0909-DB2D-D5F9BFEC0589}"/>
+          </ac:inkMkLst>
+        </pc:inkChg>
       </pc:sldChg>
     </pc:docChg>
   </pc:docChgLst>
@@ -628,6 +779,440 @@
     </pc:docChg>
   </pc:docChgLst>
 </pc:chgInfo>
+</file>
+
+<file path=ppt/ink/ink1.xml><?xml version="1.0" encoding="utf-8"?>
+<inkml:ink xmlns:inkml="http://www.w3.org/2003/InkML">
+  <inkml:definitions>
+    <inkml:context xml:id="ctx0">
+      <inkml:inkSource xml:id="inkSrc0">
+        <inkml:traceFormat>
+          <inkml:channel name="X" type="integer" min="-2.14748E9" max="2.14748E9" units="cm"/>
+          <inkml:channel name="Y" type="integer" min="-2.14748E9" max="2.14748E9" units="cm"/>
+          <inkml:channel name="F" type="integer" max="32767" units="dev"/>
+          <inkml:channel name="OA" type="integer" max="360" units="deg"/>
+          <inkml:channel name="OE" type="integer" max="90" units="deg"/>
+        </inkml:traceFormat>
+        <inkml:channelProperties>
+          <inkml:channelProperty channel="X" name="resolution" value="1000" units="1/cm"/>
+          <inkml:channelProperty channel="Y" name="resolution" value="1000" units="1/cm"/>
+          <inkml:channelProperty channel="F" name="resolution" value="0" units="1/dev"/>
+          <inkml:channelProperty channel="OA" name="resolution" value="1000" units="1/deg"/>
+          <inkml:channelProperty channel="OE" name="resolution" value="1000" units="1/deg"/>
+        </inkml:channelProperties>
+      </inkml:inkSource>
+      <inkml:timestamp xml:id="ts0" timeString="2025-06-04T00:41:01.228"/>
+    </inkml:context>
+    <inkml:brush xml:id="br0">
+      <inkml:brushProperty name="width" value="0.035" units="cm"/>
+      <inkml:brushProperty name="height" value="0.035" units="cm"/>
+    </inkml:brush>
+  </inkml:definitions>
+  <inkml:trace contextRef="#ctx0" brushRef="#br0">0 1042 748 0 0,'0'0'116'0'0,"1"-5"4338"0"0,4-14-3045 0 0,-4 9-1285 0 0,1 0-1 0 0,0-1 1 0 0,0 1-1 0 0,1 0 0 0 0,0 1 1 0 0,6-13-1 0 0,11-44 103 0 0,-17 48-5 0 0,2 0 0 0 0,12-32 0 0 0,5-14 41 0 0,-14 31-109 0 0,1 1-1 0 0,2-1 1 0 0,22-45-1 0 0,-12 42 75 0 0,1 0-1 0 0,36-43 1 0 0,-50 70-254 0 0,0 1 1 0 0,1 1-1 0 0,0 0 0 0 0,0 0 1 0 0,0 0-1 0 0,1 2 1 0 0,0-1-1 0 0,1 1 1 0 0,10-4-1 0 0,17-5-159 0 0,46-10 0 0 0,-70 20 312 0 0,0 1 1 0 0,1 1 0 0 0,-1 0-1 0 0,0 0 1 0 0,1 2 0 0 0,-1 0 0 0 0,1 0-1 0 0,-1 1 1 0 0,1 1 0 0 0,-1 1-1 0 0,0 0 1 0 0,0 0 0 0 0,0 2 0 0 0,19 8-1 0 0,-4 2 108 0 0,0 2 1 0 0,-2 1-1 0 0,0 1 0 0 0,-1 2 0 0 0,-1 0 0 0 0,38 42 0 0 0,72 100 1100 0 0,-111-127-960 0 0,-2 2 0 0 0,-2 0 0 0 0,-1 1 0 0 0,21 65 0 0 0,-29-73-159 0 0,1 3-83 0 0,0-1 1 0 0,3 0-1 0 0,0 0 1 0 0,30 44-1 0 0,-33-62-234 0 0,0 0 0 0 0,0 0-1 0 0,1-2 1 0 0,1 1 0 0 0,0-2 0 0 0,1 0-1 0 0,0 0 1 0 0,1-1 0 0 0,1-1-1 0 0,-1-1 1 0 0,30 12 0 0 0,-33-18 87 0 0,-1 1 0 0 0,0-2 1 0 0,1 0-1 0 0,-1 0 0 0 0,1-1 1 0 0,-1-1-1 0 0,1 0 0 0 0,0-1 0 0 0,-1 0 1 0 0,1-1-1 0 0,15-4 0 0 0,-16 3 132 0 0,-1-1 0 0 0,1 0 0 0 0,0-1 0 0 0,-1 0 0 0 0,0-1 0 0 0,19-13 1 0 0,13-10 449 0 0,-29 20-195 0 0,-1 0 0 0 0,1-1 0 0 0,21-23-1 0 0,16-26 616 0 0,-10 1-629 0 0,-2-1 0 0 0,43-92 0 0 0,-22 45 322 0 0,100-134 0 0 0,-108 166-680 0 0,-28 42-222 0 0,2 1 0 0 0,35-31 1 0 0,23-26 172 0 0,-75 78 54 0 0,2 1 0 0 0,-1-1-1 0 0,1 2 1 0 0,0 0 0 0 0,1 0-1 0 0,0 1 1 0 0,0 0 0 0 0,1 1-1 0 0,0 1 1 0 0,0 0 0 0 0,0 1-1 0 0,0 0 1 0 0,1 1 0 0 0,24-3-1 0 0,-37 6 0 0 0,9-2 100 0 0,0 0 0 0 0,1 1 0 0 0,-1 0 1 0 0,0 1-1 0 0,1 0 0 0 0,-1 0 0 0 0,1 2 0 0 0,13 2 0 0 0,-3 4-40 0 0,0 1 0 0 0,0 1 0 0 0,-1 1 0 0 0,-1 1 0 0 0,0 1 0 0 0,0 0 0 0 0,-1 2 0 0 0,23 23 0 0 0,-29-27 86 0 0,1-1 1 0 0,0-1-1 0 0,0 0 1 0 0,1-1-1 0 0,0 0 1 0 0,0-1-1 0 0,1-1 0 0 0,0 0 1 0 0,0-1-1 0 0,0-1 1 0 0,0 0-1 0 0,1-1 0 0 0,0-1 1 0 0,0 0-1 0 0,0-1 1 0 0,17-1-1 0 0,-19-2-41 0 0,0-1 0 0 0,0 0 0 0 0,0-1 0 0 0,0-1 1 0 0,-1 0-1 0 0,0 0 0 0 0,0-1 0 0 0,0-1 0 0 0,-1-1 0 0 0,0 1 0 0 0,15-14 0 0 0,-4 0 331 0 0,-1 0-1 0 0,-1-2 1 0 0,32-44-1 0 0,-45 55-332 0 0,0-1 4 0 0,1 1 1 0 0,0 0-1 0 0,19-19 1 0 0,-28 30-106 0 0,2 1-3 0 0,-2 0 88 0 0,10 10 1809 0 0,-5-5-1693 0 0,0 0-3582 0 0,-2-43-22749 0 0,-5 25 25076 0 0,2 7 689 0 0</inkml:trace>
+</inkml:ink>
+</file>
+
+<file path=ppt/ink/ink10.xml><?xml version="1.0" encoding="utf-8"?>
+<inkml:ink xmlns:inkml="http://www.w3.org/2003/InkML">
+  <inkml:definitions>
+    <inkml:context xml:id="ctx0">
+      <inkml:inkSource xml:id="inkSrc0">
+        <inkml:traceFormat>
+          <inkml:channel name="X" type="integer" min="-2.14748E9" max="2.14748E9" units="cm"/>
+          <inkml:channel name="Y" type="integer" min="-2.14748E9" max="2.14748E9" units="cm"/>
+          <inkml:channel name="F" type="integer" max="32767" units="dev"/>
+          <inkml:channel name="OA" type="integer" max="360" units="deg"/>
+          <inkml:channel name="OE" type="integer" max="90" units="deg"/>
+        </inkml:traceFormat>
+        <inkml:channelProperties>
+          <inkml:channelProperty channel="X" name="resolution" value="1000" units="1/cm"/>
+          <inkml:channelProperty channel="Y" name="resolution" value="1000" units="1/cm"/>
+          <inkml:channelProperty channel="F" name="resolution" value="0" units="1/dev"/>
+          <inkml:channelProperty channel="OA" name="resolution" value="1000" units="1/deg"/>
+          <inkml:channelProperty channel="OE" name="resolution" value="1000" units="1/deg"/>
+        </inkml:channelProperties>
+      </inkml:inkSource>
+      <inkml:timestamp xml:id="ts0" timeString="2025-06-04T00:41:07.622"/>
+    </inkml:context>
+    <inkml:brush xml:id="br0">
+      <inkml:brushProperty name="width" value="0.035" units="cm"/>
+      <inkml:brushProperty name="height" value="0.035" units="cm"/>
+    </inkml:brush>
+  </inkml:definitions>
+  <inkml:trace contextRef="#ctx0" brushRef="#br0">1 4401 184 0 0,'0'0'118'0'0,"0"0"-1"0"0,0 1 1 0 0,1-1 0 0 0,-1 0 0 0 0,0 0-1 0 0,0 0 1 0 0,1 1 0 0 0,-1-1 0 0 0,0 0-1 0 0,0 0 1 0 0,1 0 0 0 0,-1 0 0 0 0,0 1-1 0 0,1-1 1 0 0,-1 0 0 0 0,0 0 0 0 0,1 0-1 0 0,-1 0 1 0 0,0 0 0 0 0,1 0-1 0 0,-1 0 1 0 0,0 0 0 0 0,1 0 0 0 0,-1 0-1 0 0,0 0 1 0 0,0 0 0 0 0,1 0 0 0 0,-1 0-1 0 0,0 0 1 0 0,1 0 0 0 0,-1 0 0 0 0,0-1-1 0 0,1 1 1 0 0,-1 0 0 0 0,0 0-1 0 0,0 0 1 0 0,1-1 0 0 0,25-9 980 0 0,21-15-801 0 0,-3-3-82 0 0,-2-2 0 0 0,-1-3 0 0 0,-2 0-1 0 0,47-52 1 0 0,127-171 387 0 0,-114 133-496 0 0,162-173-219 0 0,-96 112 654 0 0,-90 97-246 0 0,409-434 469 0 0,-181 221 97 0 0,-178 174-17 0 0,5-6-625 0 0,263-241 716 0 0,-238 246-612 0 0,250-192 1097 0 0,-160 128-800 0 0,44-31-415 0 0,-196 159 93 0 0,304-194 1759 0 0,-300 199-2329 0 0,172-95 46 0 0,-200 118 209 0 0,146-52 0 0 0,-36 36 1191 0 0,309-46 0 0 0,-304 67-765 0 0,331-34 439 0 0,-476 63-708 0 0,179-4 140 0 0,-181 7-250 0 0,-1 1 0 0 0,1 2 0 0 0,66 17 0 0 0,-87-16-10 0 0,-2 0 0 0 0,1 1 0 0 0,-1 0-1 0 0,0 1 1 0 0,0 1 0 0 0,-1 1 0 0 0,0-1 0 0 0,0 2-1 0 0,-2 0 1 0 0,1 0 0 0 0,-1 1 0 0 0,-1 1 0 0 0,0 0-1 0 0,-1 0 1 0 0,12 22 0 0 0,-8-4-209 0 0,-2 0 0 0 0,10 47 0 0 0,-9-33-190 0 0,-7-22 329 0 0,-1 1 0 0 0,2 34 0 0 0,2 20 549 0 0,-4-61-413 0 0,3 35 1668 0 0,-36-76 422 0 0,-170-119-1509 0 0,174 116-268 0 0,9 8 2009 0 0,41 47-2900 0 0,-10-15 614 0 0,0 2-1 0 0,-1 0 0 0 0,0 1 1 0 0,-2 0-1 0 0,19 31 1 0 0,16 19 144 0 0,-33-46-222 0 0,-11-15-68 0 0,1 0 1 0 0,0 0 0 0 0,0 0 0 0 0,0-1-1 0 0,0 0 1 0 0,10 8 0 0 0,-12-11 14 0 0,0 0 0 0 0,0 0-1 0 0,1 0 1 0 0,-1 0 0 0 0,0-1 0 0 0,0 1 0 0 0,1-1-1 0 0,-1 1 1 0 0,0-1 0 0 0,1 0 0 0 0,-1 0 0 0 0,0 0 0 0 0,1 0-1 0 0,-1-1 1 0 0,0 1 0 0 0,0 0 0 0 0,1-1 0 0 0,-1 0-1 0 0,0 0 1 0 0,0 1 0 0 0,0-1 0 0 0,0 0 0 0 0,3-2 0 0 0,24-14 370 0 0,0-2 1 0 0,40-34 0 0 0,-40 30 227 0 0,0 2-1 0 0,34-20 1 0 0,-112 68-30592 0 0,40-19 29571 0 0,-1 1 101 0 0</inkml:trace>
+</inkml:ink>
+</file>
+
+<file path=ppt/ink/ink11.xml><?xml version="1.0" encoding="utf-8"?>
+<inkml:ink xmlns:inkml="http://www.w3.org/2003/InkML">
+  <inkml:definitions>
+    <inkml:context xml:id="ctx0">
+      <inkml:inkSource xml:id="inkSrc0">
+        <inkml:traceFormat>
+          <inkml:channel name="X" type="integer" min="-2.14748E9" max="2.14748E9" units="cm"/>
+          <inkml:channel name="Y" type="integer" min="-2.14748E9" max="2.14748E9" units="cm"/>
+          <inkml:channel name="F" type="integer" max="32767" units="dev"/>
+          <inkml:channel name="OA" type="integer" max="360" units="deg"/>
+          <inkml:channel name="OE" type="integer" max="90" units="deg"/>
+        </inkml:traceFormat>
+        <inkml:channelProperties>
+          <inkml:channelProperty channel="X" name="resolution" value="1000" units="1/cm"/>
+          <inkml:channelProperty channel="Y" name="resolution" value="1000" units="1/cm"/>
+          <inkml:channelProperty channel="F" name="resolution" value="0" units="1/dev"/>
+          <inkml:channelProperty channel="OA" name="resolution" value="1000" units="1/deg"/>
+          <inkml:channelProperty channel="OE" name="resolution" value="1000" units="1/deg"/>
+        </inkml:channelProperties>
+      </inkml:inkSource>
+      <inkml:timestamp xml:id="ts0" timeString="2025-06-04T00:41:09.084"/>
+    </inkml:context>
+    <inkml:brush xml:id="br0">
+      <inkml:brushProperty name="width" value="0.035" units="cm"/>
+      <inkml:brushProperty name="height" value="0.035" units="cm"/>
+    </inkml:brush>
+  </inkml:definitions>
+  <inkml:trace contextRef="#ctx0" brushRef="#br0">1155 225 40 0 0,'-1'-3'285'0'0,"0"0"-1"0"0,0 0 1 0 0,-1 0-1 0 0,1 0 1 0 0,-1 0-1 0 0,0 1 1 0 0,1-1 0 0 0,-1 0-1 0 0,-1 1 1 0 0,1 0-1 0 0,0-1 1 0 0,0 1 0 0 0,-1 0-1 0 0,-4-3 1 0 0,-41-27 2022 0 0,1 5-1079 0 0,20 10-547 0 0,-1 1 1 0 0,-1 1-1 0 0,-1 1 1 0 0,0 2 0 0 0,-57-15-1 0 0,48 19-346 0 0,0 1 0 0 0,0 3 0 0 0,-1 1 0 0 0,0 2 0 0 0,0 2 0 0 0,1 1 0 0 0,-43 8 0 0 0,50-3-384 0 0,1 0 0 0 0,0 2-1 0 0,0 1 1 0 0,-53 26-1 0 0,66-26 78 0 0,0 1 0 0 0,1 1 0 0 0,0 0 0 0 0,0 1 0 0 0,2 1 0 0 0,-1 1 0 0 0,2 0 0 0 0,-19 26 0 0 0,25-30 128 0 0,0 0 0 0 0,1 0 0 0 0,1 1-1 0 0,0 0 1 0 0,0 1 0 0 0,1-1 0 0 0,1 1 0 0 0,0 0 0 0 0,0 0-1 0 0,-1 23 1 0 0,4-26-132 0 0,1 0 0 0 0,0 1 0 0 0,1-1 0 0 0,0 1 0 0 0,0-1 0 0 0,1 0 0 0 0,1 0 0 0 0,0 0 0 0 0,0 0 0 0 0,1 0 0 0 0,0 0 0 0 0,1-1 0 0 0,0 0 0 0 0,9 12 0 0 0,-3-5 113 0 0,1-1 1 0 0,1-1 0 0 0,1 0 0 0 0,0-1 0 0 0,0 0 0 0 0,1-1-1 0 0,1-1 1 0 0,0 0 0 0 0,32 14 0 0 0,-22-13 253 0 0,0-2 0 0 0,1-1 0 0 0,0-2 0 0 0,1 0 1 0 0,0-2-1 0 0,31 3 0 0 0,-24-5-70 0 0,0-1 1 0 0,1-2-1 0 0,-1-2 0 0 0,0-1 1 0 0,57-12-1 0 0,-74 11-47 0 0,0-2 0 0 0,0 0 0 0 0,-1-1 0 0 0,0-1 0 0 0,-1 0 0 0 0,1-1 1 0 0,-2-1-1 0 0,1-1 0 0 0,-1 0 0 0 0,-1-1 0 0 0,0 0 0 0 0,17-21 0 0 0,-15 13-122 0 0,-1-2 1 0 0,-1 0-1 0 0,-1 0 0 0 0,-1-1 1 0 0,-1-1-1 0 0,-1 0 0 0 0,-1-1 0 0 0,-1 0 1 0 0,-1 0-1 0 0,-2 0 0 0 0,0-1 1 0 0,-2 0-1 0 0,1-39 0 0 0,-4 57-40 0 0,-1-1 0 0 0,0 1 0 0 0,0-1 0 0 0,-1 1-1 0 0,1-1 1 0 0,-2 1 0 0 0,0 0 0 0 0,0 0 0 0 0,0 0-1 0 0,-1 0 1 0 0,0 1 0 0 0,-9-13 0 0 0,3 7 246 0 0,0 1-1 0 0,-1 1 1 0 0,-1 0 0 0 0,0 1 0 0 0,-26-18 0 0 0,29 23 593 0 0,0 2-3447 0 0,-16 5-16174 0 0,10 5 7363 0 0,5 0 7151 0 0,2 0 4151 0 0,0 0 4161 0 0,-1 0-4477 0 0</inkml:trace>
+</inkml:ink>
+</file>
+
+<file path=ppt/ink/ink12.xml><?xml version="1.0" encoding="utf-8"?>
+<inkml:ink xmlns:inkml="http://www.w3.org/2003/InkML">
+  <inkml:definitions>
+    <inkml:context xml:id="ctx0">
+      <inkml:inkSource xml:id="inkSrc0">
+        <inkml:traceFormat>
+          <inkml:channel name="X" type="integer" min="-2.14748E9" max="2.14748E9" units="cm"/>
+          <inkml:channel name="Y" type="integer" min="-2.14748E9" max="2.14748E9" units="cm"/>
+          <inkml:channel name="F" type="integer" max="32767" units="dev"/>
+          <inkml:channel name="OA" type="integer" max="360" units="deg"/>
+          <inkml:channel name="OE" type="integer" max="90" units="deg"/>
+        </inkml:traceFormat>
+        <inkml:channelProperties>
+          <inkml:channelProperty channel="X" name="resolution" value="1000" units="1/cm"/>
+          <inkml:channelProperty channel="Y" name="resolution" value="1000" units="1/cm"/>
+          <inkml:channelProperty channel="F" name="resolution" value="0" units="1/dev"/>
+          <inkml:channelProperty channel="OA" name="resolution" value="1000" units="1/deg"/>
+          <inkml:channelProperty channel="OE" name="resolution" value="1000" units="1/deg"/>
+        </inkml:channelProperties>
+      </inkml:inkSource>
+      <inkml:timestamp xml:id="ts0" timeString="2025-06-04T00:41:10.287"/>
+    </inkml:context>
+    <inkml:brush xml:id="br0">
+      <inkml:brushProperty name="width" value="0.035" units="cm"/>
+      <inkml:brushProperty name="height" value="0.035" units="cm"/>
+    </inkml:brush>
+  </inkml:definitions>
+  <inkml:trace contextRef="#ctx0" brushRef="#br0">221 40 152 0 0,'0'-1'300'0'0,"0"1"0"0"0,1 0-1 0 0,-1-1 1 0 0,0 1 0 0 0,1 0 0 0 0,-1-1 0 0 0,0 1 0 0 0,1-1-1 0 0,-1 1 1 0 0,0 0 0 0 0,0-1 0 0 0,1 1 0 0 0,-1-1 0 0 0,0 1-1 0 0,0-1 1 0 0,0 1 0 0 0,0-1 0 0 0,0 1 0 0 0,0-1-1 0 0,1 1 1 0 0,-1-1 0 0 0,0 1 0 0 0,-1-1 0 0 0,1 1 0 0 0,0-1-1 0 0,0 1 1 0 0,0-1 0 0 0,0 1 0 0 0,0 0 0 0 0,0-1-1 0 0,0 1 1 0 0,-1-1 0 0 0,1 1 0 0 0,-1-1 0 0 0,-15 7 4563 0 0,-21 20-1888 0 0,18-7-1684 0 0,0 1-1 0 0,1 0 1 0 0,1 1-1 0 0,-16 28 1 0 0,24-35-931 0 0,0 1 0 0 0,1 1 1 0 0,1-1-1 0 0,0 1 0 0 0,1 1 1 0 0,1-1-1 0 0,-5 29 0 0 0,9-37-280 0 0,0 0 1 0 0,1 0-1 0 0,0 0 0 0 0,0-1 0 0 0,1 1 0 0 0,0 0 1 0 0,0 0-1 0 0,1 0 0 0 0,0-1 0 0 0,0 1 0 0 0,1-1 1 0 0,0 1-1 0 0,0-1 0 0 0,1 0 0 0 0,-1 0 0 0 0,2-1 1 0 0,-1 1-1 0 0,1-1 0 0 0,0 0 0 0 0,0 0 0 0 0,1 0 1 0 0,0-1-1 0 0,0 0 0 0 0,0 0 0 0 0,0 0 0 0 0,1-1 1 0 0,0 0-1 0 0,0 0 0 0 0,0-1 0 0 0,9 3 0 0 0,-2-1 65 0 0,-1-1 0 0 0,1 0-1 0 0,0-1 1 0 0,-1-1-1 0 0,1 0 1 0 0,0-1-1 0 0,1 0 1 0 0,-1-1-1 0 0,0-1 1 0 0,0 0 0 0 0,0-1-1 0 0,0 0 1 0 0,-1-1-1 0 0,1-1 1 0 0,-1 0-1 0 0,17-8 1 0 0,-11 0-145 0 0,0 0 0 0 0,-1-1 0 0 0,0-1 0 0 0,-1-1 0 0 0,-1 0 0 0 0,-1-2 0 0 0,0 1 0 0 0,-1-2 0 0 0,0 0 0 0 0,-2 0 0 0 0,0-1 0 0 0,17-39 0 0 0,-27 52 0 0 0,1 0 0 0 0,0 0 0 0 0,-1 0 0 0 0,0 0 0 0 0,-1-1 0 0 0,1 1 0 0 0,-1-1 0 0 0,-1 1 0 0 0,1-1 0 0 0,-1 1 0 0 0,0-1 0 0 0,-1 0 0 0 0,1 1 0 0 0,-1-1 0 0 0,0 1 0 0 0,-3-9 0 0 0,0 6 0 0 0,-1 0 0 0 0,1 0 0 0 0,-1 0 0 0 0,-1 0 0 0 0,0 1 0 0 0,0 0 0 0 0,0 0 0 0 0,-1 0 0 0 0,-13-11 0 0 0,10 12 0 0 0,-1-1 0 0 0,0 1 0 0 0,0 1 0 0 0,0 0 0 0 0,0 0 0 0 0,-1 1 0 0 0,0 1 0 0 0,0 0 0 0 0,-1 0 0 0 0,1 1 0 0 0,-15-1 0 0 0,-19-1 0 0 0,-77 1 0 0 0,121 4 0 0 0,-55 5 0 0 0,53-4 0 0 0,1-1 0 0 0,0 1 0 0 0,0 0 0 0 0,0 0 0 0 0,0 0 0 0 0,1 0 0 0 0,-1 1 0 0 0,0-1 0 0 0,0 1 0 0 0,1 0 0 0 0,-1 0 0 0 0,1 0 0 0 0,0 0 0 0 0,-1 0 0 0 0,1 0 0 0 0,-3 5 0 0 0,-13 20-24578 0 0,10-16 16795 0 0,0 3 7749 0 0,6-9-254 0 0</inkml:trace>
+</inkml:ink>
+</file>
+
+<file path=ppt/ink/ink13.xml><?xml version="1.0" encoding="utf-8"?>
+<inkml:ink xmlns:inkml="http://www.w3.org/2003/InkML">
+  <inkml:definitions>
+    <inkml:context xml:id="ctx0">
+      <inkml:inkSource xml:id="inkSrc0">
+        <inkml:traceFormat>
+          <inkml:channel name="X" type="integer" min="-2.14748E9" max="2.14748E9" units="cm"/>
+          <inkml:channel name="Y" type="integer" min="-2.14748E9" max="2.14748E9" units="cm"/>
+          <inkml:channel name="F" type="integer" max="32767" units="dev"/>
+          <inkml:channel name="OA" type="integer" max="360" units="deg"/>
+          <inkml:channel name="OE" type="integer" max="90" units="deg"/>
+        </inkml:traceFormat>
+        <inkml:channelProperties>
+          <inkml:channelProperty channel="X" name="resolution" value="1000" units="1/cm"/>
+          <inkml:channelProperty channel="Y" name="resolution" value="1000" units="1/cm"/>
+          <inkml:channelProperty channel="F" name="resolution" value="0" units="1/dev"/>
+          <inkml:channelProperty channel="OA" name="resolution" value="1000" units="1/deg"/>
+          <inkml:channelProperty channel="OE" name="resolution" value="1000" units="1/deg"/>
+        </inkml:channelProperties>
+      </inkml:inkSource>
+      <inkml:timestamp xml:id="ts0" timeString="2025-06-04T00:41:12.539"/>
+    </inkml:context>
+    <inkml:brush xml:id="br0">
+      <inkml:brushProperty name="width" value="0.035" units="cm"/>
+      <inkml:brushProperty name="height" value="0.035" units="cm"/>
+    </inkml:brush>
+  </inkml:definitions>
+  <inkml:trace contextRef="#ctx0" brushRef="#br0">92 165 12 0 0,'-2'0'154'0'0,"1"-1"-1"0"0,-1 0 1 0 0,1 1 0 0 0,-1-1-1 0 0,1 0 1 0 0,-1 0 0 0 0,1 1-1 0 0,-1-1 1 0 0,1-1 0 0 0,0 1-1 0 0,0 0 1 0 0,-1 0 0 0 0,1 0-1 0 0,0-1 1 0 0,0 1 0 0 0,0 0-1 0 0,0-1 1 0 0,1 1 0 0 0,-1-1-1 0 0,0 1 1 0 0,0-1 0 0 0,1 1-1 0 0,-1-1 1 0 0,1 0 0 0 0,0 1-1 0 0,-1-1 1 0 0,1 0 0 0 0,0 1-1 0 0,0-1 1 0 0,0 0 0 0 0,0 1-1 0 0,0-1 1 0 0,1 0 0 0 0,-1 1-1 0 0,0-1 1 0 0,1 0 0 0 0,-1 1-1 0 0,1-1 1 0 0,-1 1 0 0 0,1-1-1 0 0,0 1 1 0 0,0-1 0 0 0,0 1-1 0 0,0-1 1 0 0,0 1 0 0 0,1-2-1 0 0,0 1-59 0 0,1-1 0 0 0,-1 1 0 0 0,0 0 0 0 0,1-1-1 0 0,0 1 1 0 0,-1 0 0 0 0,1 0 0 0 0,0 1 0 0 0,0-1-1 0 0,0 1 1 0 0,0-1 0 0 0,0 1 0 0 0,1 0 0 0 0,-1 0-1 0 0,0 0 1 0 0,1 1 0 0 0,-1-1 0 0 0,0 1 0 0 0,1 0 0 0 0,-1 0-1 0 0,0 0 1 0 0,1 0 0 0 0,-1 0 0 0 0,4 2 0 0 0,0 0-15 0 0,-1 1 0 0 0,1 0 1 0 0,-1 0-1 0 0,0 0 0 0 0,0 1 0 0 0,-1 0 1 0 0,1 0-1 0 0,-1 0 0 0 0,0 1 1 0 0,0 0-1 0 0,0 0 0 0 0,0 0 1 0 0,-1 1-1 0 0,0-1 0 0 0,6 12 1 0 0,-9-15 11 0 0,0 0-1 0 0,0 1 1 0 0,0 0 0 0 0,0-1 0 0 0,0 1-1 0 0,-1-1 1 0 0,1 1 0 0 0,-1 0 0 0 0,0 0 0 0 0,0-1-1 0 0,0 1 1 0 0,0 0 0 0 0,0-1 0 0 0,0 1 0 0 0,-1 0-1 0 0,1 0 1 0 0,-1-1 0 0 0,0 1 0 0 0,0-1 0 0 0,0 1-1 0 0,0-1 1 0 0,0 1 0 0 0,-1-1 0 0 0,1 0 0 0 0,-1 1-1 0 0,1-1 1 0 0,-1 0 0 0 0,0 0 0 0 0,0 0 0 0 0,0 0-1 0 0,0 0 1 0 0,0-1 0 0 0,0 1 0 0 0,0-1-1 0 0,-1 1 1 0 0,1-1 0 0 0,-1 0 0 0 0,1 0 0 0 0,-1 0-1 0 0,1 0 1 0 0,-5 0 0 0 0,3 1 68 0 0,-1 0 1 0 0,0-1-1 0 0,0 0 0 0 0,0 0 1 0 0,0 0-1 0 0,-1-1 0 0 0,1 1 1 0 0,0-1-1 0 0,0-1 0 0 0,0 1 1 0 0,0-1-1 0 0,0 0 0 0 0,0 0 1 0 0,0 0-1 0 0,0-1 0 0 0,0 1 1 0 0,0-1-1 0 0,1 0 0 0 0,-1-1 1 0 0,1 1-1 0 0,-1-1 0 0 0,1 0 1 0 0,-6-5-1 0 0,7 5-130 0 0,1 0 1 0 0,-1 0-1 0 0,1 0 0 0 0,0 0 1 0 0,0 0-1 0 0,0 0 0 0 0,0 0 0 0 0,1-1 1 0 0,-1 1-1 0 0,1-1 0 0 0,0 1 1 0 0,0-1-1 0 0,0 1 0 0 0,0-1 1 0 0,1 0-1 0 0,-1 1 0 0 0,1-1 1 0 0,0 0-1 0 0,0 0 0 0 0,0 1 0 0 0,1-1 1 0 0,-1 0-1 0 0,1 1 0 0 0,0-1 1 0 0,0 0-1 0 0,0 1 0 0 0,1-1 1 0 0,-1 1-1 0 0,1 0 0 0 0,0-1 1 0 0,0 1-1 0 0,4-5 0 0 0,-2 2-12 0 0,0 1-1 0 0,1-1 1 0 0,0 1 0 0 0,0 0-1 0 0,0 0 1 0 0,1 0 0 0 0,-1 1-1 0 0,1 0 1 0 0,0 0 0 0 0,1 0-1 0 0,-1 1 1 0 0,0 0 0 0 0,1 0-1 0 0,0 0 1 0 0,0 1-1 0 0,0 0 1 0 0,0 1 0 0 0,0 0-1 0 0,0 0 1 0 0,0 0 0 0 0,0 1-1 0 0,1 0 1 0 0,-1 0 0 0 0,0 1-1 0 0,0-1 1 0 0,0 2 0 0 0,0-1-1 0 0,0 1 1 0 0,0 0 0 0 0,0 1-1 0 0,-1-1 1 0 0,1 1 0 0 0,8 6-1 0 0,-13-8 11 0 0,-1 0 0 0 0,1 0-1 0 0,-1 1 1 0 0,0-1 0 0 0,1 0-1 0 0,-1 1 1 0 0,0-1 0 0 0,0 1-1 0 0,0-1 1 0 0,0 1 0 0 0,0-1-1 0 0,-1 1 1 0 0,1 0 0 0 0,0-1-1 0 0,-1 1 1 0 0,1 0 0 0 0,-1 0-1 0 0,0-1 1 0 0,1 1 0 0 0,-1 0-1 0 0,0 0 1 0 0,0 0 0 0 0,0 0-1 0 0,0-1 1 0 0,-1 1 0 0 0,1 0-1 0 0,0 0 1 0 0,-1-1 0 0 0,1 1-1 0 0,-1 0 1 0 0,0 0 0 0 0,1-1-1 0 0,-1 1 1 0 0,0-1 0 0 0,0 1-1 0 0,0-1 1 0 0,0 1 0 0 0,-1-1-1 0 0,1 1 1 0 0,0-1 0 0 0,0 0 0 0 0,-3 2-1 0 0,0 1 108 0 0,0 0 0 0 0,0-1 1 0 0,0 0-1 0 0,0 1 0 0 0,0-2 0 0 0,-1 1 0 0 0,1 0 0 0 0,-1-1 0 0 0,0 0 1 0 0,0 0-1 0 0,0 0 0 0 0,0-1 0 0 0,-10 2 0 0 0,10-3-45 0 0,-1 0 0 0 0,1 0 1 0 0,-1-1-1 0 0,1 0 0 0 0,-1-1 0 0 0,1 1 0 0 0,-1-1 0 0 0,1 0 0 0 0,0 0 1 0 0,0 0-1 0 0,0-1 0 0 0,0 0 0 0 0,-7-6 0 0 0,10 8-73 0 0,0-1 0 0 0,0 0 0 0 0,0 0 0 0 0,1 0 0 0 0,-1 0 1 0 0,1 0-1 0 0,0 0 0 0 0,-1-1 0 0 0,1 1 0 0 0,0 0 0 0 0,0-1 0 0 0,0 1 0 0 0,1 0 0 0 0,-1-1 0 0 0,1 1 0 0 0,-1-1 0 0 0,1 0 0 0 0,0 1 0 0 0,0-1 0 0 0,0 1 0 0 0,0-1 1 0 0,0 1-1 0 0,1-1 0 0 0,-1 1 0 0 0,1-1 0 0 0,-1 1 0 0 0,1-1 0 0 0,0 1 0 0 0,0 0 0 0 0,0-1 0 0 0,1 1 0 0 0,0-2 0 0 0,1 0-29 0 0,-1 1 0 0 0,0 0 0 0 0,1 0 0 0 0,0 0-1 0 0,-1 0 1 0 0,1 1 0 0 0,0-1 0 0 0,0 1 0 0 0,1-1-1 0 0,-1 1 1 0 0,0 0 0 0 0,1 0 0 0 0,0 1 0 0 0,-1-1 0 0 0,1 1-1 0 0,0 0 1 0 0,0 0 0 0 0,-1 0 0 0 0,1 0 0 0 0,0 1-1 0 0,0-1 1 0 0,0 1 0 0 0,0 0 0 0 0,0 0 0 0 0,0 1 0 0 0,0-1-1 0 0,4 2 1 0 0,-3-1-27 0 0,0 0 1 0 0,0 0-1 0 0,0 0 0 0 0,0 1 1 0 0,-1 0-1 0 0,1 0 0 0 0,-1 0 1 0 0,1 1-1 0 0,-1-1 0 0 0,0 1 0 0 0,0 0 1 0 0,0 0-1 0 0,0 1 0 0 0,-1-1 1 0 0,1 1-1 0 0,-1 0 0 0 0,0-1 1 0 0,0 2-1 0 0,0-1 0 0 0,4 9 1 0 0,-7-11 46 0 0,1 0 1 0 0,-1 0 0 0 0,1-1 0 0 0,-1 1 0 0 0,0 0 0 0 0,0 0 0 0 0,0 0-1 0 0,0 0 1 0 0,0 0 0 0 0,0 0 0 0 0,-1 0 0 0 0,1 0 0 0 0,-1-1 0 0 0,1 1-1 0 0,-1 0 1 0 0,0 0 0 0 0,0 0 0 0 0,1-1 0 0 0,-1 1 0 0 0,0 0 0 0 0,-1-1-1 0 0,1 1 1 0 0,0-1 0 0 0,0 1 0 0 0,-1-1 0 0 0,1 0 0 0 0,0 1 0 0 0,-1-1-1 0 0,0 0 1 0 0,1 0 0 0 0,-1 0 0 0 0,0 0 0 0 0,1 0 0 0 0,-1-1 0 0 0,0 1-1 0 0,0-1 1 0 0,0 1 0 0 0,-3 0 0 0 0,-2 1 135 0 0,0 0-1 0 0,-1 0 1 0 0,1-1-1 0 0,0 0 1 0 0,-1-1-1 0 0,1 1 1 0 0,0-1-1 0 0,-1-1 1 0 0,-7 0-1 0 0,8-2-63 0 0,-1 1 1 0 0,1-1-1 0 0,0 0 1 0 0,-1-1-1 0 0,2 1 1 0 0,-1-2-1 0 0,0 1 1 0 0,-8-8-1 0 0,13 11-57 0 0,-1-1-1 0 0,1 0 0 0 0,0 0 0 0 0,0 0 1 0 0,1 0-1 0 0,-1 0 0 0 0,0 0 1 0 0,1 0-1 0 0,-1 0 0 0 0,1-1 0 0 0,-1 1 1 0 0,1 0-1 0 0,0-1 0 0 0,0 1 0 0 0,0-1 1 0 0,1 0-1 0 0,-1 1 0 0 0,1-1 0 0 0,-1 0 1 0 0,1 1-1 0 0,0-1 0 0 0,0 0 1 0 0,0 0-1 0 0,0 1 0 0 0,0-1 0 0 0,1 0 1 0 0,-1 1-1 0 0,2-4 0 0 0,0 3-29 0 0,0 1 0 0 0,-1-1-1 0 0,1 1 1 0 0,0 0 0 0 0,1 0 0 0 0,-1 0-1 0 0,0 0 1 0 0,1 0 0 0 0,-1 0-1 0 0,1 0 1 0 0,0 1 0 0 0,-1-1 0 0 0,1 1-1 0 0,0 0 1 0 0,0 0 0 0 0,0 0 0 0 0,0 0-1 0 0,0 1 1 0 0,0-1 0 0 0,0 1 0 0 0,0-1-1 0 0,0 1 1 0 0,0 0 0 0 0,0 0-1 0 0,0 1 1 0 0,0-1 0 0 0,0 1 0 0 0,6 1-1 0 0,-5-1-20 0 0,0-1-1 0 0,-1 1 1 0 0,1 0-1 0 0,0 0 0 0 0,-1 1 1 0 0,1-1-1 0 0,-1 1 1 0 0,1-1-1 0 0,-1 1 1 0 0,0 0-1 0 0,1 1 0 0 0,-1-1 1 0 0,0 1-1 0 0,-1-1 1 0 0,1 1-1 0 0,0 0 1 0 0,-1 0-1 0 0,1 0 0 0 0,-1 0 1 0 0,0 0-1 0 0,0 1 1 0 0,2 5-1 0 0,-3-6 27 0 0,-1-1 1 0 0,0 1-1 0 0,-1 0 0 0 0,1-1 1 0 0,0 1-1 0 0,-1-1 0 0 0,1 1 1 0 0,-1-1-1 0 0,0 1 1 0 0,0-1-1 0 0,0 0 0 0 0,0 1 1 0 0,0-1-1 0 0,-1 0 0 0 0,1 0 1 0 0,-1 0-1 0 0,1 0 0 0 0,-1 0 1 0 0,0 0-1 0 0,0 0 0 0 0,0-1 1 0 0,0 1-1 0 0,0-1 0 0 0,-3 3 1 0 0,0 0 28 0 0,-1-1 0 0 0,0 1 0 0 0,0-1 0 0 0,0 0-1 0 0,0-1 1 0 0,-1 1 0 0 0,-12 2 0 0 0,13-5 12 0 0,1 0 0 0 0,-1 0-1 0 0,1-1 1 0 0,-1 0 0 0 0,1 0-1 0 0,-1-1 1 0 0,1 1 0 0 0,0-1-1 0 0,0 0 1 0 0,0-1 0 0 0,0 1 0 0 0,0-1-1 0 0,0 0 1 0 0,-8-7 0 0 0,11 9-27 0 0,1 0 1 0 0,-1 0 0 0 0,0 0-1 0 0,1 0 1 0 0,-1-1 0 0 0,1 1-1 0 0,0-1 1 0 0,-1 1 0 0 0,1-1-1 0 0,0 1 1 0 0,0-1 0 0 0,0 0-1 0 0,0 0 1 0 0,0 1 0 0 0,0-1-1 0 0,1 0 1 0 0,-1 0 0 0 0,1 0-1 0 0,-1 0 1 0 0,1 0 0 0 0,-1 0-1 0 0,1 0 1 0 0,0 0 0 0 0,0 0-1 0 0,0 0 1 0 0,0 0 0 0 0,1 0-1 0 0,-1 0 1 0 0,1 0 0 0 0,-1 0-1 0 0,1 0 1 0 0,-1 1 0 0 0,1-1-1 0 0,0 0 1 0 0,0 0 0 0 0,0 0-1 0 0,0 1 1 0 0,0-1 0 0 0,0 0-1 0 0,1 1 1 0 0,-1-1 0 0 0,0 1-1 0 0,3-2 1 0 0,-1 1-26 0 0,0 0-1 0 0,1-1 0 0 0,0 2 1 0 0,-1-1-1 0 0,1 0 1 0 0,0 1-1 0 0,0-1 1 0 0,0 1-1 0 0,0 0 0 0 0,0 1 1 0 0,0-1-1 0 0,0 1 1 0 0,0-1-1 0 0,0 1 1 0 0,0 1-1 0 0,0-1 1 0 0,0 0-1 0 0,0 1 0 0 0,0 0 1 0 0,0 0-1 0 0,0 0 1 0 0,0 0-1 0 0,0 1 1 0 0,5 2-1 0 0,-5-2-18 0 0,0 0 0 0 0,-1 0 0 0 0,1 0 0 0 0,0 0 0 0 0,-1 1 0 0 0,1-1 0 0 0,-1 1 0 0 0,0 0 0 0 0,0 0 0 0 0,0 0 0 0 0,0 0 0 0 0,-1 0 0 0 0,1 1 0 0 0,-1 0 0 0 0,0-1 0 0 0,0 1 0 0 0,0 0 1 0 0,0 0-1 0 0,-1 0 0 0 0,1 0 0 0 0,-1 0 0 0 0,0 0 0 0 0,0 7 0 0 0,-1-9 27 0 0,0 0 0 0 0,0 0 1 0 0,0 0-1 0 0,0 0 0 0 0,-1 0 0 0 0,1 0 1 0 0,-1 0-1 0 0,1 0 0 0 0,-1 0 0 0 0,0 0 1 0 0,1-1-1 0 0,-1 1 0 0 0,0 0 1 0 0,-1 0-1 0 0,1-1 0 0 0,0 1 0 0 0,0 0 1 0 0,-1-1-1 0 0,1 0 0 0 0,-1 1 0 0 0,1-1 1 0 0,-1 0-1 0 0,-2 3 0 0 0,0-3 20 0 0,0 1 0 0 0,0-1 1 0 0,1 0-1 0 0,-1 0 0 0 0,0 0 0 0 0,0 0 0 0 0,0-1 0 0 0,0 0 0 0 0,0 0 0 0 0,0 0 0 0 0,-7-1 0 0 0,5 1 16 0 0,1-1 0 0 0,-1 0 0 0 0,1 0 0 0 0,0 0 0 0 0,0-1 0 0 0,-1 0 0 0 0,1 0 0 0 0,0 0 0 0 0,0-1-1 0 0,1 1 1 0 0,-1-1 0 0 0,1 0 0 0 0,-1-1 0 0 0,1 1 0 0 0,0-1 0 0 0,0 0 0 0 0,0 0 0 0 0,-5-7 0 0 0,9 9-21 0 0,-1 1 1 0 0,0-1 0 0 0,1 0-1 0 0,-1 1 1 0 0,1-1 0 0 0,0 0-1 0 0,-1 0 1 0 0,1 1 0 0 0,0-1-1 0 0,0 0 1 0 0,0 0 0 0 0,0 0-1 0 0,0 1 1 0 0,1-1 0 0 0,-1 0-1 0 0,0 1 1 0 0,1-1-1 0 0,0 0 1 0 0,-1 1 0 0 0,1-1-1 0 0,0 0 1 0 0,0 1 0 0 0,0-1-1 0 0,0 1 1 0 0,1-3 0 0 0,1 2-13 0 0,0-1 0 0 0,-1 1 0 0 0,1 0 0 0 0,0 0 0 0 0,0 0 0 0 0,1 0 0 0 0,-1 0 0 0 0,0 0 0 0 0,1 1 0 0 0,-1 0 0 0 0,0 0 0 0 0,5-1 0 0 0,-3 1-15 0 0,-1 0 0 0 0,0 0 0 0 0,1 1 0 0 0,-1 0 0 0 0,1 0 0 0 0,-1 0 0 0 0,0 0 0 0 0,1 1 0 0 0,-1-1-1 0 0,6 3 1 0 0,-8-2 8 0 0,0-1 0 0 0,0 1 0 0 0,0 0 0 0 0,0 0 0 0 0,-1 0 1 0 0,1 0-1 0 0,0 0 0 0 0,-1 0 0 0 0,1 0 0 0 0,0 1 0 0 0,-1-1 0 0 0,0 1 0 0 0,1-1 0 0 0,-1 1 0 0 0,0-1 0 0 0,0 1 0 0 0,0 0 0 0 0,0 0 0 0 0,0-1 0 0 0,0 1 0 0 0,0 0 0 0 0,0 3 0 0 0,-1-2 9 0 0,0 1 1 0 0,0 0-1 0 0,0-1 1 0 0,0 1-1 0 0,-1 0 1 0 0,1-1-1 0 0,-1 1 1 0 0,0-1-1 0 0,0 1 1 0 0,0-1-1 0 0,-1 1 1 0 0,1-1-1 0 0,-1 0 1 0 0,0 0-1 0 0,0 1 1 0 0,0-1-1 0 0,0-1 1 0 0,-1 1-1 0 0,1 0 1 0 0,-1-1-1 0 0,1 1 1 0 0,-1-1-1 0 0,0 1 1 0 0,0-1-1 0 0,0 0 0 0 0,0-1 1 0 0,-4 3-1 0 0,1-1-66 0 0,0 0 0 0 0,0 0 0 0 0,0 0 0 0 0,0-1 0 0 0,0 1 0 0 0,-1-2-1 0 0,1 1 1 0 0,-1-1 0 0 0,1 0 0 0 0,-1 0 0 0 0,0-1 0 0 0,1 1 0 0 0,-1-2-1 0 0,-8 0 1 0 0,-24-16-5008 0 0,27 2-1212 0 0,11 14 5770 0 0,1 0-1 0 0,0 1 1 0 0,-1-1-1 0 0,1 0 1 0 0,0 0-1 0 0,0 0 0 0 0,0 0 1 0 0,0 0-1 0 0,0 0 1 0 0,0 0-1 0 0,0 1 1 0 0,0-1-1 0 0,1 0 1 0 0,-1 0-1 0 0,0 0 1 0 0,0 0-1 0 0,1 0 1 0 0,-1 0-1 0 0,1-1 1 0 0,19 6-2547 0 0,-15-1 2782 0 0</inkml:trace>
+</inkml:ink>
+</file>
+
+<file path=ppt/ink/ink14.xml><?xml version="1.0" encoding="utf-8"?>
+<inkml:ink xmlns:inkml="http://www.w3.org/2003/InkML">
+  <inkml:definitions>
+    <inkml:context xml:id="ctx0">
+      <inkml:inkSource xml:id="inkSrc0">
+        <inkml:traceFormat>
+          <inkml:channel name="X" type="integer" min="-2.14748E9" max="2.14748E9" units="cm"/>
+          <inkml:channel name="Y" type="integer" min="-2.14748E9" max="2.14748E9" units="cm"/>
+          <inkml:channel name="F" type="integer" max="32767" units="dev"/>
+          <inkml:channel name="OA" type="integer" max="360" units="deg"/>
+          <inkml:channel name="OE" type="integer" max="90" units="deg"/>
+        </inkml:traceFormat>
+        <inkml:channelProperties>
+          <inkml:channelProperty channel="X" name="resolution" value="1000" units="1/cm"/>
+          <inkml:channelProperty channel="Y" name="resolution" value="1000" units="1/cm"/>
+          <inkml:channelProperty channel="F" name="resolution" value="0" units="1/dev"/>
+          <inkml:channelProperty channel="OA" name="resolution" value="1000" units="1/deg"/>
+          <inkml:channelProperty channel="OE" name="resolution" value="1000" units="1/deg"/>
+        </inkml:channelProperties>
+      </inkml:inkSource>
+      <inkml:timestamp xml:id="ts0" timeString="2025-06-04T00:41:13.367"/>
+    </inkml:context>
+    <inkml:brush xml:id="br0">
+      <inkml:brushProperty name="width" value="0.035" units="cm"/>
+      <inkml:brushProperty name="height" value="0.035" units="cm"/>
+    </inkml:brush>
+  </inkml:definitions>
+  <inkml:trace contextRef="#ctx0" brushRef="#br0">71 59 156 0 0,'-6'-21'5646'0'0,"18"23"-3969"0"0,-10 0-1660 0 0,1 0 0 0 0,0 0 0 0 0,-1 0 0 0 0,1 0 0 0 0,-1 0 0 0 0,1 1 0 0 0,-1-1 0 0 0,0 1 0 0 0,0 0 0 0 0,0 0 0 0 0,1 3 0 0 0,-2-5 54 0 0,-1 0 0 0 0,1 0 0 0 0,-1 1 1 0 0,1-1-1 0 0,-1 0 0 0 0,0 1 0 0 0,1-1 1 0 0,-1 0-1 0 0,0 1 0 0 0,0-1 0 0 0,0 0 1 0 0,0 1-1 0 0,0-1 0 0 0,0 1 0 0 0,0-1 0 0 0,0 0 1 0 0,-1 1-1 0 0,1-1 0 0 0,-1 0 0 0 0,1 1 1 0 0,-1-1-1 0 0,1 0 0 0 0,-1 0 0 0 0,0 1 1 0 0,1-1-1 0 0,-1 0 0 0 0,0 0 0 0 0,0 0 0 0 0,0 0 1 0 0,0 0-1 0 0,0 0 0 0 0,0 0 0 0 0,0 0 1 0 0,0-1-1 0 0,0 1 0 0 0,-1 0 0 0 0,1-1 1 0 0,0 1-1 0 0,0-1 0 0 0,-1 1 0 0 0,1-1 1 0 0,0 1-1 0 0,-1-1 0 0 0,1 0 0 0 0,0 0 0 0 0,-1 0 1 0 0,1 0-1 0 0,0 0 0 0 0,-2 0 0 0 0,-1 0-1 0 0,0 0-1 0 0,1-1 1 0 0,-1 0-1 0 0,0 0 1 0 0,1 0-1 0 0,-1 0 1 0 0,0 0-1 0 0,1-1 1 0 0,0 1-1 0 0,-1-1 1 0 0,1 0-1 0 0,0 0 1 0 0,0 0-1 0 0,0-1 1 0 0,0 1-1 0 0,0-1 1 0 0,1 0-1 0 0,-4-3 0 0 0,5 4-71 0 0,0 0-1 0 0,0 1 1 0 0,0-1-1 0 0,0 0 0 0 0,0 0 1 0 0,1 0-1 0 0,-1 0 1 0 0,0 0-1 0 0,1 0 0 0 0,0 0 1 0 0,-1 0-1 0 0,1 0 0 0 0,0-1 1 0 0,0 1-1 0 0,0 0 1 0 0,0 0-1 0 0,1 0 0 0 0,-1 0 1 0 0,1 0-1 0 0,-1 0 1 0 0,1 0-1 0 0,-1 0 0 0 0,1 0 1 0 0,0 0-1 0 0,0 0 0 0 0,0 0 1 0 0,0 1-1 0 0,1-1 1 0 0,-1 0-1 0 0,0 1 0 0 0,1-1 1 0 0,-1 1-1 0 0,1-1 1 0 0,-1 1-1 0 0,1 0 0 0 0,0-1 1 0 0,0 1-1 0 0,-1 0 0 0 0,5-1 1 0 0,-3 0-13 0 0,0 0 0 0 0,0 1-1 0 0,0 0 1 0 0,0-1 0 0 0,0 1 0 0 0,1 0 0 0 0,-1 1-1 0 0,0-1 1 0 0,1 1 0 0 0,-1-1 0 0 0,0 1 0 0 0,1 0 0 0 0,-1 0-1 0 0,1 0 1 0 0,-1 1 0 0 0,0-1 0 0 0,0 1 0 0 0,1 0-1 0 0,-1 0 1 0 0,0 0 0 0 0,0 0 0 0 0,0 1 0 0 0,0-1 0 0 0,5 4-1 0 0,-7-4-129 0 0,0 0-1 0 0,-1 0 1 0 0,1 0-1 0 0,0 0 0 0 0,-1 0 1 0 0,1 1-1 0 0,-1-1 1 0 0,0 0-1 0 0,1 0 0 0 0,-1 0 1 0 0,0 1-1 0 0,0-1 1 0 0,1 0-1 0 0,-1 0 1 0 0,0 1-1 0 0,0-1 0 0 0,0 0 1 0 0,-1 0-1 0 0,1 1 1 0 0,0-1-1 0 0,0 0 0 0 0,-1 0 1 0 0,1 0-1 0 0,-1 1 1 0 0,1-1-1 0 0,-1 0 0 0 0,1 0 1 0 0,-1 0-1 0 0,0 0 1 0 0,1 0-1 0 0,-1 0 0 0 0,0 0 1 0 0,0 0-1 0 0,-1 1 1 0 0,-36 35-4992 0 0,31-31 4760 0 0,-18 16-715 0 0,17-13 1457 0 0</inkml:trace>
+</inkml:ink>
+</file>
+
+<file path=ppt/ink/ink2.xml><?xml version="1.0" encoding="utf-8"?>
+<inkml:ink xmlns:inkml="http://www.w3.org/2003/InkML">
+  <inkml:definitions>
+    <inkml:context xml:id="ctx0">
+      <inkml:inkSource xml:id="inkSrc0">
+        <inkml:traceFormat>
+          <inkml:channel name="X" type="integer" min="-2.14748E9" max="2.14748E9" units="cm"/>
+          <inkml:channel name="Y" type="integer" min="-2.14748E9" max="2.14748E9" units="cm"/>
+          <inkml:channel name="F" type="integer" max="32767" units="dev"/>
+          <inkml:channel name="OA" type="integer" max="360" units="deg"/>
+          <inkml:channel name="OE" type="integer" max="90" units="deg"/>
+        </inkml:traceFormat>
+        <inkml:channelProperties>
+          <inkml:channelProperty channel="X" name="resolution" value="1000" units="1/cm"/>
+          <inkml:channelProperty channel="Y" name="resolution" value="1000" units="1/cm"/>
+          <inkml:channelProperty channel="F" name="resolution" value="0" units="1/dev"/>
+          <inkml:channelProperty channel="OA" name="resolution" value="1000" units="1/deg"/>
+          <inkml:channelProperty channel="OE" name="resolution" value="1000" units="1/deg"/>
+        </inkml:channelProperties>
+      </inkml:inkSource>
+      <inkml:timestamp xml:id="ts0" timeString="2025-06-04T00:41:01.959"/>
+    </inkml:context>
+    <inkml:brush xml:id="br0">
+      <inkml:brushProperty name="width" value="0.035" units="cm"/>
+      <inkml:brushProperty name="height" value="0.035" units="cm"/>
+    </inkml:brush>
+  </inkml:definitions>
+  <inkml:trace contextRef="#ctx0" brushRef="#br0">0 265 80 0 0,'0'0'167'0'0,"0"0"1"0"0,0 1-1 0 0,0-1 0 0 0,2 2 3179 0 0,-2-1-3179 0 0,0-1 0 0 0,0 0 1 0 0,0 0-1 0 0,1 0 0 0 0,-1 0 0 0 0,0 0 1 0 0,0 0-1 0 0,0 0 0 0 0,0 0 1 0 0,1 0-1 0 0,-1 0 0 0 0,0 0 0 0 0,0 0 1 0 0,0 0-1 0 0,0 0 0 0 0,1 0 1 0 0,-1 0-1 0 0,0 0 0 0 0,2-1 2342 0 0,-2 0-2341 0 0,17-12 4356 0 0,24-27-1881 0 0,-32 30-916 0 0,39-40 1779 0 0,-23 22-1895 0 0,1 1-1 0 0,1 2 0 0 0,1 1 1 0 0,38-25-1 0 0,-91 60-23088 0 0,2-1 16231 0 0,-9 2 2105 0 0,26-11 2902 0 0,0 0 33 0 0</inkml:trace>
+</inkml:ink>
+</file>
+
+<file path=ppt/ink/ink3.xml><?xml version="1.0" encoding="utf-8"?>
+<inkml:ink xmlns:inkml="http://www.w3.org/2003/InkML">
+  <inkml:definitions>
+    <inkml:context xml:id="ctx0">
+      <inkml:inkSource xml:id="inkSrc0">
+        <inkml:traceFormat>
+          <inkml:channel name="X" type="integer" min="-2.14748E9" max="2.14748E9" units="cm"/>
+          <inkml:channel name="Y" type="integer" min="-2.14748E9" max="2.14748E9" units="cm"/>
+          <inkml:channel name="F" type="integer" max="32767" units="dev"/>
+          <inkml:channel name="OA" type="integer" max="360" units="deg"/>
+          <inkml:channel name="OE" type="integer" max="90" units="deg"/>
+        </inkml:traceFormat>
+        <inkml:channelProperties>
+          <inkml:channelProperty channel="X" name="resolution" value="1000" units="1/cm"/>
+          <inkml:channelProperty channel="Y" name="resolution" value="1000" units="1/cm"/>
+          <inkml:channelProperty channel="F" name="resolution" value="0" units="1/dev"/>
+          <inkml:channelProperty channel="OA" name="resolution" value="1000" units="1/deg"/>
+          <inkml:channelProperty channel="OE" name="resolution" value="1000" units="1/deg"/>
+        </inkml:channelProperties>
+      </inkml:inkSource>
+      <inkml:timestamp xml:id="ts0" timeString="2025-06-04T00:41:02.396"/>
+    </inkml:context>
+    <inkml:brush xml:id="br0">
+      <inkml:brushProperty name="width" value="0.035" units="cm"/>
+      <inkml:brushProperty name="height" value="0.035" units="cm"/>
+    </inkml:brush>
+  </inkml:definitions>
+  <inkml:trace contextRef="#ctx0" brushRef="#br0">28 3 36 0 0,'-22'-3'8140'0'0,"22"3"-8001"0"0,-1 1 1 0 0,1-1 0 0 0,0 0 0 0 0,0 0 0 0 0,-1 0 0 0 0,1 1 0 0 0,0-1-1 0 0,-1 0 1 0 0,1 0 0 0 0,0 0 0 0 0,0 1 0 0 0,0-1 0 0 0,-1 0-1 0 0,1 1 1 0 0,0-1 0 0 0,0 0 0 0 0,0 0 0 0 0,0 1 0 0 0,-1-1 0 0 0,1 0-1 0 0,0 1 1 0 0,0-1 0 0 0,0 0 0 0 0,0 1 0 0 0,0-1 0 0 0,0 0-1 0 0,0 1 1 0 0,0-1 0 0 0,0 0 0 0 0,0 1 0 0 0,0-1 0 0 0,0 1-1 0 0,19 37 3019 0 0,-5-11-1828 0 0,-4-5-146 0 0,0-1 0 0 0,18 27-1 0 0,7 10 775 0 0,-28-43-1411 0 0,0 1-47 0 0,1 0 0 0 0,1-1 0 0 0,0 0 0 0 0,0-1 0 0 0,21 23 0 0 0,-25-32 603 0 0,-1-2-1737 0 0,-7-7-3804 0 0,2 2 3052 0 0,-1 0 0 0 0,1-1 0 0 0,0 1 0 0 0,0 0 0 0 0,0 0 0 0 0,1-1-1 0 0,-1 1 1 0 0,0-1 0 0 0,0-4 0 0 0,2-17-3562 0 0,8-9 1993 0 0,-6 26 2578 0 0</inkml:trace>
+</inkml:ink>
+</file>
+
+<file path=ppt/ink/ink4.xml><?xml version="1.0" encoding="utf-8"?>
+<inkml:ink xmlns:inkml="http://www.w3.org/2003/InkML">
+  <inkml:definitions>
+    <inkml:context xml:id="ctx0">
+      <inkml:inkSource xml:id="inkSrc0">
+        <inkml:traceFormat>
+          <inkml:channel name="X" type="integer" min="-2.14748E9" max="2.14748E9" units="cm"/>
+          <inkml:channel name="Y" type="integer" min="-2.14748E9" max="2.14748E9" units="cm"/>
+          <inkml:channel name="F" type="integer" max="32767" units="dev"/>
+          <inkml:channel name="OA" type="integer" max="360" units="deg"/>
+          <inkml:channel name="OE" type="integer" max="90" units="deg"/>
+        </inkml:traceFormat>
+        <inkml:channelProperties>
+          <inkml:channelProperty channel="X" name="resolution" value="1000" units="1/cm"/>
+          <inkml:channelProperty channel="Y" name="resolution" value="1000" units="1/cm"/>
+          <inkml:channelProperty channel="F" name="resolution" value="0" units="1/dev"/>
+          <inkml:channelProperty channel="OA" name="resolution" value="1000" units="1/deg"/>
+          <inkml:channelProperty channel="OE" name="resolution" value="1000" units="1/deg"/>
+        </inkml:channelProperties>
+      </inkml:inkSource>
+      <inkml:timestamp xml:id="ts0" timeString="2025-06-04T00:41:04.898"/>
+    </inkml:context>
+    <inkml:brush xml:id="br0">
+      <inkml:brushProperty name="width" value="0.035" units="cm"/>
+      <inkml:brushProperty name="height" value="0.035" units="cm"/>
+    </inkml:brush>
+  </inkml:definitions>
+  <inkml:trace contextRef="#ctx0" brushRef="#br0">36 1 76 0 0,'0'0'901'0'0,"-8"5"1914"0"0,-8 5-2759 0 0,13-4-443 0 0,1 0 1 0 0,1 1-1 0 0,-1-1 0 0 0,1 0 0 0 0,0 1 0 0 0,0-1 0 0 0,1 1 0 0 0,0 12 0 0 0,0-14 201 0 0,0-4 14 0 0</inkml:trace>
+</inkml:ink>
+</file>
+
+<file path=ppt/ink/ink5.xml><?xml version="1.0" encoding="utf-8"?>
+<inkml:ink xmlns:inkml="http://www.w3.org/2003/InkML">
+  <inkml:definitions>
+    <inkml:context xml:id="ctx0">
+      <inkml:inkSource xml:id="inkSrc0">
+        <inkml:traceFormat>
+          <inkml:channel name="X" type="integer" min="-2.14748E9" max="2.14748E9" units="cm"/>
+          <inkml:channel name="Y" type="integer" min="-2.14748E9" max="2.14748E9" units="cm"/>
+          <inkml:channel name="F" type="integer" max="32767" units="dev"/>
+          <inkml:channel name="OA" type="integer" max="360" units="deg"/>
+          <inkml:channel name="OE" type="integer" max="90" units="deg"/>
+        </inkml:traceFormat>
+        <inkml:channelProperties>
+          <inkml:channelProperty channel="X" name="resolution" value="1000" units="1/cm"/>
+          <inkml:channelProperty channel="Y" name="resolution" value="1000" units="1/cm"/>
+          <inkml:channelProperty channel="F" name="resolution" value="0" units="1/dev"/>
+          <inkml:channelProperty channel="OA" name="resolution" value="1000" units="1/deg"/>
+          <inkml:channelProperty channel="OE" name="resolution" value="1000" units="1/deg"/>
+        </inkml:channelProperties>
+      </inkml:inkSource>
+      <inkml:timestamp xml:id="ts0" timeString="2025-06-04T00:41:05.052"/>
+    </inkml:context>
+    <inkml:brush xml:id="br0">
+      <inkml:brushProperty name="width" value="0.035" units="cm"/>
+      <inkml:brushProperty name="height" value="0.035" units="cm"/>
+    </inkml:brush>
+  </inkml:definitions>
+  <inkml:trace contextRef="#ctx0" brushRef="#br0">21 0 8 0 0,'-5'14'528'0'0,"1"-1"1"0"0,1 1-1 0 0,0 0 1 0 0,-2 21-1 0 0,4-17-1117 0 0,1 0-1 0 0,1 1 0 0 0,3 18 0 0 0,-2-30 1043 0 0</inkml:trace>
+</inkml:ink>
+</file>
+
+<file path=ppt/ink/ink6.xml><?xml version="1.0" encoding="utf-8"?>
+<inkml:ink xmlns:inkml="http://www.w3.org/2003/InkML">
+  <inkml:definitions>
+    <inkml:context xml:id="ctx0">
+      <inkml:inkSource xml:id="inkSrc0">
+        <inkml:traceFormat>
+          <inkml:channel name="X" type="integer" min="-2.14748E9" max="2.14748E9" units="cm"/>
+          <inkml:channel name="Y" type="integer" min="-2.14748E9" max="2.14748E9" units="cm"/>
+          <inkml:channel name="F" type="integer" max="32767" units="dev"/>
+          <inkml:channel name="OA" type="integer" max="360" units="deg"/>
+          <inkml:channel name="OE" type="integer" max="90" units="deg"/>
+        </inkml:traceFormat>
+        <inkml:channelProperties>
+          <inkml:channelProperty channel="X" name="resolution" value="1000" units="1/cm"/>
+          <inkml:channelProperty channel="Y" name="resolution" value="1000" units="1/cm"/>
+          <inkml:channelProperty channel="F" name="resolution" value="0" units="1/dev"/>
+          <inkml:channelProperty channel="OA" name="resolution" value="1000" units="1/deg"/>
+          <inkml:channelProperty channel="OE" name="resolution" value="1000" units="1/deg"/>
+        </inkml:channelProperties>
+      </inkml:inkSource>
+      <inkml:timestamp xml:id="ts0" timeString="2025-06-04T00:41:05.163"/>
+    </inkml:context>
+    <inkml:brush xml:id="br0">
+      <inkml:brushProperty name="width" value="0.035" units="cm"/>
+      <inkml:brushProperty name="height" value="0.035" units="cm"/>
+    </inkml:brush>
+  </inkml:definitions>
+  <inkml:trace contextRef="#ctx0" brushRef="#br0">1 0 20 0 0,'4'15'585'0'0,"0"0"1"0"0,1-1-1 0 0,1 1 0 0 0,9 16 1 0 0,-11-26-779 0 0,-1 0 1 0 0,1 0-1 0 0,0 0 1 0 0,0-1 0 0 0,0 1-1 0 0,0-1 1 0 0,1 0-1 0 0,0 0 1 0 0,0-1-1 0 0,0 1 1 0 0,0-1 0 0 0,1 0-1 0 0,8 3 1 0 0,-7-2 11 0 0</inkml:trace>
+</inkml:ink>
+</file>
+
+<file path=ppt/ink/ink7.xml><?xml version="1.0" encoding="utf-8"?>
+<inkml:ink xmlns:inkml="http://www.w3.org/2003/InkML">
+  <inkml:definitions>
+    <inkml:context xml:id="ctx0">
+      <inkml:inkSource xml:id="inkSrc0">
+        <inkml:traceFormat>
+          <inkml:channel name="X" type="integer" min="-2.14748E9" max="2.14748E9" units="cm"/>
+          <inkml:channel name="Y" type="integer" min="-2.14748E9" max="2.14748E9" units="cm"/>
+          <inkml:channel name="F" type="integer" max="32767" units="dev"/>
+          <inkml:channel name="OA" type="integer" max="360" units="deg"/>
+          <inkml:channel name="OE" type="integer" max="90" units="deg"/>
+        </inkml:traceFormat>
+        <inkml:channelProperties>
+          <inkml:channelProperty channel="X" name="resolution" value="1000" units="1/cm"/>
+          <inkml:channelProperty channel="Y" name="resolution" value="1000" units="1/cm"/>
+          <inkml:channelProperty channel="F" name="resolution" value="0" units="1/dev"/>
+          <inkml:channelProperty channel="OA" name="resolution" value="1000" units="1/deg"/>
+          <inkml:channelProperty channel="OE" name="resolution" value="1000" units="1/deg"/>
+        </inkml:channelProperties>
+      </inkml:inkSource>
+      <inkml:timestamp xml:id="ts0" timeString="2025-06-04T00:41:05.318"/>
+    </inkml:context>
+    <inkml:brush xml:id="br0">
+      <inkml:brushProperty name="width" value="0.035" units="cm"/>
+      <inkml:brushProperty name="height" value="0.035" units="cm"/>
+    </inkml:brush>
+  </inkml:definitions>
+  <inkml:trace contextRef="#ctx0" brushRef="#br0">0 13 140 0 0,'9'3'471'0'0,"1"0"1"0"0,-1-1-1 0 0,1-1 1 0 0,-1 1-1 0 0,1-1 1 0 0,12-1-1 0 0,-15-1-768 0 0,1 0-1 0 0,0 0 1 0 0,-1-1-1 0 0,1 0 1 0 0,7-3-1 0 0,28-5-1024 0 0,-35 7 1133 0 0</inkml:trace>
+</inkml:ink>
+</file>
+
+<file path=ppt/ink/ink8.xml><?xml version="1.0" encoding="utf-8"?>
+<inkml:ink xmlns:inkml="http://www.w3.org/2003/InkML">
+  <inkml:definitions>
+    <inkml:context xml:id="ctx0">
+      <inkml:inkSource xml:id="inkSrc0">
+        <inkml:traceFormat>
+          <inkml:channel name="X" type="integer" min="-2.14748E9" max="2.14748E9" units="cm"/>
+          <inkml:channel name="Y" type="integer" min="-2.14748E9" max="2.14748E9" units="cm"/>
+          <inkml:channel name="F" type="integer" max="32767" units="dev"/>
+          <inkml:channel name="OA" type="integer" max="360" units="deg"/>
+          <inkml:channel name="OE" type="integer" max="90" units="deg"/>
+        </inkml:traceFormat>
+        <inkml:channelProperties>
+          <inkml:channelProperty channel="X" name="resolution" value="1000" units="1/cm"/>
+          <inkml:channelProperty channel="Y" name="resolution" value="1000" units="1/cm"/>
+          <inkml:channelProperty channel="F" name="resolution" value="0" units="1/dev"/>
+          <inkml:channelProperty channel="OA" name="resolution" value="1000" units="1/deg"/>
+          <inkml:channelProperty channel="OE" name="resolution" value="1000" units="1/deg"/>
+        </inkml:channelProperties>
+      </inkml:inkSource>
+      <inkml:timestamp xml:id="ts0" timeString="2025-06-04T00:41:05.473"/>
+    </inkml:context>
+    <inkml:brush xml:id="br0">
+      <inkml:brushProperty name="width" value="0.035" units="cm"/>
+      <inkml:brushProperty name="height" value="0.035" units="cm"/>
+    </inkml:brush>
+  </inkml:definitions>
+  <inkml:trace contextRef="#ctx0" brushRef="#br0">1 427 108 0 0,'5'-2'207'0'0,"1"1"327"0"0,-1 0 1 0 0,1 0-1 0 0,0-1 0 0 0,-1 0 1 0 0,1 0-1 0 0,6-4 1 0 0,-12 6-110 0 0,21-30 637 0 0,19-30-2852 0 0,-29 47 1839 0 0,-1-1 0 0 0,-1 0 0 0 0,14-30 0 0 0,-21 39 120 0 0,0-1 0 0 0,-1 1 0 0 0,1-1 0 0 0,-1 0 0 0 0,0 1 0 0 0,-1-1 0 0 0,1 0 0 0 0,-1 0 0 0 0,0 0 0 0 0,-1 1 0 0 0,1-1 0 0 0,-1 0 0 0 0,0 0 0 0 0,-1 1 0 0 0,-2-9 0 0 0,-43-112-6426 0 0,45 117 6005 0 0</inkml:trace>
+</inkml:ink>
+</file>
+
+<file path=ppt/ink/ink9.xml><?xml version="1.0" encoding="utf-8"?>
+<inkml:ink xmlns:inkml="http://www.w3.org/2003/InkML">
+  <inkml:definitions>
+    <inkml:context xml:id="ctx0">
+      <inkml:inkSource xml:id="inkSrc0">
+        <inkml:traceFormat>
+          <inkml:channel name="X" type="integer" min="-2.14748E9" max="2.14748E9" units="cm"/>
+          <inkml:channel name="Y" type="integer" min="-2.14748E9" max="2.14748E9" units="cm"/>
+          <inkml:channel name="F" type="integer" max="32767" units="dev"/>
+          <inkml:channel name="OA" type="integer" max="360" units="deg"/>
+          <inkml:channel name="OE" type="integer" max="90" units="deg"/>
+        </inkml:traceFormat>
+        <inkml:channelProperties>
+          <inkml:channelProperty channel="X" name="resolution" value="1000" units="1/cm"/>
+          <inkml:channelProperty channel="Y" name="resolution" value="1000" units="1/cm"/>
+          <inkml:channelProperty channel="F" name="resolution" value="0" units="1/dev"/>
+          <inkml:channelProperty channel="OA" name="resolution" value="1000" units="1/deg"/>
+          <inkml:channelProperty channel="OE" name="resolution" value="1000" units="1/deg"/>
+        </inkml:channelProperties>
+      </inkml:inkSource>
+      <inkml:timestamp xml:id="ts0" timeString="2025-06-04T00:41:05.598"/>
+    </inkml:context>
+    <inkml:brush xml:id="br0">
+      <inkml:brushProperty name="width" value="0.035" units="cm"/>
+      <inkml:brushProperty name="height" value="0.035" units="cm"/>
+    </inkml:brush>
+  </inkml:definitions>
+  <inkml:trace contextRef="#ctx0" brushRef="#br0">180 67 160 0 0,'-2'-2'190'0'0,"0"0"0"0"0,-1 1 1 0 0,1-1-1 0 0,-1 1 0 0 0,1-1 0 0 0,-1 1 0 0 0,0 0 0 0 0,0 0 1 0 0,0 0-1 0 0,1 1 0 0 0,-1-1 0 0 0,0 1 0 0 0,0-1 1 0 0,0 1-1 0 0,-5 0 0 0 0,-49 9 4032 0 0,50-7-4331 0 0,0 0 0 0 0,-1 0 0 0 0,1-1 0 0 0,0 0 0 0 0,-1-1 0 0 0,1 0 0 0 0,-12-1 0 0 0,19 1-21 0 0,0-1 0 0 0,-1 1 0 0 0,1-1 0 0 0,-1 1 0 0 0,1-1 0 0 0,-1 1 0 0 0,1-1 0 0 0,0 1 0 0 0,0-1 0 0 0,-1 1 0 0 0,1-1 0 0 0,0 0 0 0 0,0 1 0 0 0,-1-1 1 0 0,1 1-1 0 0,0-1 0 0 0,0 0 0 0 0,0 1 0 0 0,0-1 0 0 0,0 0 0 0 0,0 1 0 0 0,0-1 0 0 0,0 1 0 0 0,0-1 0 0 0,0 0 0 0 0,1 1 0 0 0,-1-1 0 0 0,0 0 0 0 0,0 1 0 0 0,1-1 0 0 0,-1 1 0 0 0,0-1 0 0 0,1 1 0 0 0,-1-1 0 0 0,0 1 0 0 0,1-1 0 0 0,-1 1 0 0 0,1-1 0 0 0,0 0 0 0 0,18-29-635 0 0,-16 26 419 0 0,3-6 123 0 0</inkml:trace>
+</inkml:ink>
 </file>
 
 <file path=ppt/notesMasters/notesMaster1.xml><?xml version="1.0" encoding="utf-8"?>
@@ -28124,6 +28709,741 @@
           </a:ln>
         </p:spPr>
       </p:pic>
+      <p:grpSp>
+        <p:nvGrpSpPr>
+          <p:cNvPr id="19" name="Group 18">
+            <a:extLst>
+              <a:ext uri="{FF2B5EF4-FFF2-40B4-BE49-F238E27FC236}">
+                <a16:creationId xmlns:a16="http://schemas.microsoft.com/office/drawing/2014/main" id="{FE93B399-3A1D-2EB6-5281-ECEF1C31C379}"/>
+              </a:ext>
+            </a:extLst>
+          </p:cNvPr>
+          <p:cNvGrpSpPr/>
+          <p:nvPr/>
+        </p:nvGrpSpPr>
+        <p:grpSpPr>
+          <a:xfrm>
+            <a:off x="243373" y="2158118"/>
+            <a:ext cx="4616640" cy="2382480"/>
+            <a:chOff x="243373" y="2158118"/>
+            <a:chExt cx="4616640" cy="2382480"/>
+          </a:xfrm>
+        </p:grpSpPr>
+        <mc:AlternateContent xmlns:mc="http://schemas.openxmlformats.org/markup-compatibility/2006">
+          <mc:Choice xmlns:p14="http://schemas.microsoft.com/office/powerpoint/2010/main" Requires="p14">
+            <p:contentPart p14:bwMode="auto" r:id="rId4">
+              <p14:nvContentPartPr>
+                <p14:cNvPr id="3" name="Ink 2">
+                  <a:extLst>
+                    <a:ext uri="{FF2B5EF4-FFF2-40B4-BE49-F238E27FC236}">
+                      <a16:creationId xmlns:a16="http://schemas.microsoft.com/office/drawing/2014/main" id="{A6386BAD-A2F2-950A-3604-BD3D5127E9F6}"/>
+                    </a:ext>
+                  </a:extLst>
+                </p14:cNvPr>
+                <p14:cNvContentPartPr/>
+                <p14:nvPr/>
+              </p14:nvContentPartPr>
+              <p14:xfrm>
+                <a:off x="243373" y="4069358"/>
+                <a:ext cx="1344600" cy="471240"/>
+              </p14:xfrm>
+            </p:contentPart>
+          </mc:Choice>
+          <mc:Fallback>
+            <p:pic>
+              <p:nvPicPr>
+                <p:cNvPr id="3" name="Ink 2">
+                  <a:extLst>
+                    <a:ext uri="{FF2B5EF4-FFF2-40B4-BE49-F238E27FC236}">
+                      <a16:creationId xmlns:a16="http://schemas.microsoft.com/office/drawing/2014/main" id="{A6386BAD-A2F2-950A-3604-BD3D5127E9F6}"/>
+                    </a:ext>
+                  </a:extLst>
+                </p:cNvPr>
+                <p:cNvPicPr/>
+                <p:nvPr/>
+              </p:nvPicPr>
+              <p:blipFill>
+                <a:blip r:embed="rId5"/>
+                <a:stretch>
+                  <a:fillRect/>
+                </a:stretch>
+              </p:blipFill>
+              <p:spPr>
+                <a:xfrm>
+                  <a:off x="237253" y="4063238"/>
+                  <a:ext cx="1356840" cy="483480"/>
+                </a:xfrm>
+                <a:prstGeom prst="rect">
+                  <a:avLst/>
+                </a:prstGeom>
+              </p:spPr>
+            </p:pic>
+          </mc:Fallback>
+        </mc:AlternateContent>
+        <mc:AlternateContent xmlns:mc="http://schemas.openxmlformats.org/markup-compatibility/2006">
+          <mc:Choice xmlns:p14="http://schemas.microsoft.com/office/powerpoint/2010/main" Requires="p14">
+            <p:contentPart p14:bwMode="auto" r:id="rId6">
+              <p14:nvContentPartPr>
+                <p14:cNvPr id="4" name="Ink 3">
+                  <a:extLst>
+                    <a:ext uri="{FF2B5EF4-FFF2-40B4-BE49-F238E27FC236}">
+                      <a16:creationId xmlns:a16="http://schemas.microsoft.com/office/drawing/2014/main" id="{C97540F0-D758-40D0-63CC-5E6903023618}"/>
+                    </a:ext>
+                  </a:extLst>
+                </p14:cNvPr>
+                <p14:cNvContentPartPr/>
+                <p14:nvPr/>
+              </p14:nvContentPartPr>
+              <p14:xfrm>
+                <a:off x="1684453" y="3908078"/>
+                <a:ext cx="106200" cy="97200"/>
+              </p14:xfrm>
+            </p:contentPart>
+          </mc:Choice>
+          <mc:Fallback>
+            <p:pic>
+              <p:nvPicPr>
+                <p:cNvPr id="4" name="Ink 3">
+                  <a:extLst>
+                    <a:ext uri="{FF2B5EF4-FFF2-40B4-BE49-F238E27FC236}">
+                      <a16:creationId xmlns:a16="http://schemas.microsoft.com/office/drawing/2014/main" id="{C97540F0-D758-40D0-63CC-5E6903023618}"/>
+                    </a:ext>
+                  </a:extLst>
+                </p:cNvPr>
+                <p:cNvPicPr/>
+                <p:nvPr/>
+              </p:nvPicPr>
+              <p:blipFill>
+                <a:blip r:embed="rId7"/>
+                <a:stretch>
+                  <a:fillRect/>
+                </a:stretch>
+              </p:blipFill>
+              <p:spPr>
+                <a:xfrm>
+                  <a:off x="1678333" y="3901958"/>
+                  <a:ext cx="118440" cy="109440"/>
+                </a:xfrm>
+                <a:prstGeom prst="rect">
+                  <a:avLst/>
+                </a:prstGeom>
+              </p:spPr>
+            </p:pic>
+          </mc:Fallback>
+        </mc:AlternateContent>
+        <mc:AlternateContent xmlns:mc="http://schemas.openxmlformats.org/markup-compatibility/2006">
+          <mc:Choice xmlns:p14="http://schemas.microsoft.com/office/powerpoint/2010/main" Requires="p14">
+            <p:contentPart p14:bwMode="auto" r:id="rId8">
+              <p14:nvContentPartPr>
+                <p14:cNvPr id="5" name="Ink 4">
+                  <a:extLst>
+                    <a:ext uri="{FF2B5EF4-FFF2-40B4-BE49-F238E27FC236}">
+                      <a16:creationId xmlns:a16="http://schemas.microsoft.com/office/drawing/2014/main" id="{6DF336C5-A659-F16A-631F-4D758928963A}"/>
+                    </a:ext>
+                  </a:extLst>
+                </p14:cNvPr>
+                <p14:cNvContentPartPr/>
+                <p14:nvPr/>
+              </p14:nvContentPartPr>
+              <p14:xfrm>
+                <a:off x="1693813" y="3897998"/>
+                <a:ext cx="73800" cy="129600"/>
+              </p14:xfrm>
+            </p:contentPart>
+          </mc:Choice>
+          <mc:Fallback>
+            <p:pic>
+              <p:nvPicPr>
+                <p:cNvPr id="5" name="Ink 4">
+                  <a:extLst>
+                    <a:ext uri="{FF2B5EF4-FFF2-40B4-BE49-F238E27FC236}">
+                      <a16:creationId xmlns:a16="http://schemas.microsoft.com/office/drawing/2014/main" id="{6DF336C5-A659-F16A-631F-4D758928963A}"/>
+                    </a:ext>
+                  </a:extLst>
+                </p:cNvPr>
+                <p:cNvPicPr/>
+                <p:nvPr/>
+              </p:nvPicPr>
+              <p:blipFill>
+                <a:blip r:embed="rId9"/>
+                <a:stretch>
+                  <a:fillRect/>
+                </a:stretch>
+              </p:blipFill>
+              <p:spPr>
+                <a:xfrm>
+                  <a:off x="1687693" y="3891878"/>
+                  <a:ext cx="86040" cy="141840"/>
+                </a:xfrm>
+                <a:prstGeom prst="rect">
+                  <a:avLst/>
+                </a:prstGeom>
+              </p:spPr>
+            </p:pic>
+          </mc:Fallback>
+        </mc:AlternateContent>
+        <mc:AlternateContent xmlns:mc="http://schemas.openxmlformats.org/markup-compatibility/2006">
+          <mc:Choice xmlns:p14="http://schemas.microsoft.com/office/powerpoint/2010/main" Requires="p14">
+            <p:contentPart p14:bwMode="auto" r:id="rId10">
+              <p14:nvContentPartPr>
+                <p14:cNvPr id="7" name="Ink 6">
+                  <a:extLst>
+                    <a:ext uri="{FF2B5EF4-FFF2-40B4-BE49-F238E27FC236}">
+                      <a16:creationId xmlns:a16="http://schemas.microsoft.com/office/drawing/2014/main" id="{B66F48A6-3559-E387-5B70-DD2198E81150}"/>
+                    </a:ext>
+                  </a:extLst>
+                </p14:cNvPr>
+                <p14:cNvContentPartPr/>
+                <p14:nvPr/>
+              </p14:nvContentPartPr>
+              <p14:xfrm>
+                <a:off x="1674373" y="3839318"/>
+                <a:ext cx="13320" cy="33120"/>
+              </p14:xfrm>
+            </p:contentPart>
+          </mc:Choice>
+          <mc:Fallback>
+            <p:pic>
+              <p:nvPicPr>
+                <p:cNvPr id="7" name="Ink 6">
+                  <a:extLst>
+                    <a:ext uri="{FF2B5EF4-FFF2-40B4-BE49-F238E27FC236}">
+                      <a16:creationId xmlns:a16="http://schemas.microsoft.com/office/drawing/2014/main" id="{B66F48A6-3559-E387-5B70-DD2198E81150}"/>
+                    </a:ext>
+                  </a:extLst>
+                </p:cNvPr>
+                <p:cNvPicPr/>
+                <p:nvPr/>
+              </p:nvPicPr>
+              <p:blipFill>
+                <a:blip r:embed="rId11"/>
+                <a:stretch>
+                  <a:fillRect/>
+                </a:stretch>
+              </p:blipFill>
+              <p:spPr>
+                <a:xfrm>
+                  <a:off x="1668253" y="3833198"/>
+                  <a:ext cx="25560" cy="45360"/>
+                </a:xfrm>
+                <a:prstGeom prst="rect">
+                  <a:avLst/>
+                </a:prstGeom>
+              </p:spPr>
+            </p:pic>
+          </mc:Fallback>
+        </mc:AlternateContent>
+        <mc:AlternateContent xmlns:mc="http://schemas.openxmlformats.org/markup-compatibility/2006">
+          <mc:Choice xmlns:p14="http://schemas.microsoft.com/office/powerpoint/2010/main" Requires="p14">
+            <p:contentPart p14:bwMode="auto" r:id="rId12">
+              <p14:nvContentPartPr>
+                <p14:cNvPr id="8" name="Ink 7">
+                  <a:extLst>
+                    <a:ext uri="{FF2B5EF4-FFF2-40B4-BE49-F238E27FC236}">
+                      <a16:creationId xmlns:a16="http://schemas.microsoft.com/office/drawing/2014/main" id="{A8D69D91-3AE8-1EB2-7C05-DD1F941A1049}"/>
+                    </a:ext>
+                  </a:extLst>
+                </p14:cNvPr>
+                <p14:cNvContentPartPr/>
+                <p14:nvPr/>
+              </p14:nvContentPartPr>
+              <p14:xfrm>
+                <a:off x="1662133" y="3891518"/>
+                <a:ext cx="7920" cy="68400"/>
+              </p14:xfrm>
+            </p:contentPart>
+          </mc:Choice>
+          <mc:Fallback>
+            <p:pic>
+              <p:nvPicPr>
+                <p:cNvPr id="8" name="Ink 7">
+                  <a:extLst>
+                    <a:ext uri="{FF2B5EF4-FFF2-40B4-BE49-F238E27FC236}">
+                      <a16:creationId xmlns:a16="http://schemas.microsoft.com/office/drawing/2014/main" id="{A8D69D91-3AE8-1EB2-7C05-DD1F941A1049}"/>
+                    </a:ext>
+                  </a:extLst>
+                </p:cNvPr>
+                <p:cNvPicPr/>
+                <p:nvPr/>
+              </p:nvPicPr>
+              <p:blipFill>
+                <a:blip r:embed="rId13"/>
+                <a:stretch>
+                  <a:fillRect/>
+                </a:stretch>
+              </p:blipFill>
+              <p:spPr>
+                <a:xfrm>
+                  <a:off x="1656013" y="3885398"/>
+                  <a:ext cx="20160" cy="80640"/>
+                </a:xfrm>
+                <a:prstGeom prst="rect">
+                  <a:avLst/>
+                </a:prstGeom>
+              </p:spPr>
+            </p:pic>
+          </mc:Fallback>
+        </mc:AlternateContent>
+        <mc:AlternateContent xmlns:mc="http://schemas.openxmlformats.org/markup-compatibility/2006">
+          <mc:Choice xmlns:p14="http://schemas.microsoft.com/office/powerpoint/2010/main" Requires="p14">
+            <p:contentPart p14:bwMode="auto" r:id="rId14">
+              <p14:nvContentPartPr>
+                <p14:cNvPr id="9" name="Ink 8">
+                  <a:extLst>
+                    <a:ext uri="{FF2B5EF4-FFF2-40B4-BE49-F238E27FC236}">
+                      <a16:creationId xmlns:a16="http://schemas.microsoft.com/office/drawing/2014/main" id="{CA04CFD9-AA25-1874-9BA1-27CF76D65A30}"/>
+                    </a:ext>
+                  </a:extLst>
+                </p14:cNvPr>
+                <p14:cNvContentPartPr/>
+                <p14:nvPr/>
+              </p14:nvContentPartPr>
+              <p14:xfrm>
+                <a:off x="1678333" y="3990158"/>
+                <a:ext cx="41040" cy="55800"/>
+              </p14:xfrm>
+            </p:contentPart>
+          </mc:Choice>
+          <mc:Fallback>
+            <p:pic>
+              <p:nvPicPr>
+                <p:cNvPr id="9" name="Ink 8">
+                  <a:extLst>
+                    <a:ext uri="{FF2B5EF4-FFF2-40B4-BE49-F238E27FC236}">
+                      <a16:creationId xmlns:a16="http://schemas.microsoft.com/office/drawing/2014/main" id="{CA04CFD9-AA25-1874-9BA1-27CF76D65A30}"/>
+                    </a:ext>
+                  </a:extLst>
+                </p:cNvPr>
+                <p:cNvPicPr/>
+                <p:nvPr/>
+              </p:nvPicPr>
+              <p:blipFill>
+                <a:blip r:embed="rId15"/>
+                <a:stretch>
+                  <a:fillRect/>
+                </a:stretch>
+              </p:blipFill>
+              <p:spPr>
+                <a:xfrm>
+                  <a:off x="1672213" y="3984038"/>
+                  <a:ext cx="53280" cy="68040"/>
+                </a:xfrm>
+                <a:prstGeom prst="rect">
+                  <a:avLst/>
+                </a:prstGeom>
+              </p:spPr>
+            </p:pic>
+          </mc:Fallback>
+        </mc:AlternateContent>
+        <mc:AlternateContent xmlns:mc="http://schemas.openxmlformats.org/markup-compatibility/2006">
+          <mc:Choice xmlns:p14="http://schemas.microsoft.com/office/powerpoint/2010/main" Requires="p14">
+            <p:contentPart p14:bwMode="auto" r:id="rId16">
+              <p14:nvContentPartPr>
+                <p14:cNvPr id="10" name="Ink 9">
+                  <a:extLst>
+                    <a:ext uri="{FF2B5EF4-FFF2-40B4-BE49-F238E27FC236}">
+                      <a16:creationId xmlns:a16="http://schemas.microsoft.com/office/drawing/2014/main" id="{0043F65D-695D-5D63-44ED-A45E2C364D77}"/>
+                    </a:ext>
+                  </a:extLst>
+                </p14:cNvPr>
+                <p14:cNvContentPartPr/>
+                <p14:nvPr/>
+              </p14:nvContentPartPr>
+              <p14:xfrm>
+                <a:off x="1737733" y="4044158"/>
+                <a:ext cx="66240" cy="9360"/>
+              </p14:xfrm>
+            </p:contentPart>
+          </mc:Choice>
+          <mc:Fallback>
+            <p:pic>
+              <p:nvPicPr>
+                <p:cNvPr id="10" name="Ink 9">
+                  <a:extLst>
+                    <a:ext uri="{FF2B5EF4-FFF2-40B4-BE49-F238E27FC236}">
+                      <a16:creationId xmlns:a16="http://schemas.microsoft.com/office/drawing/2014/main" id="{0043F65D-695D-5D63-44ED-A45E2C364D77}"/>
+                    </a:ext>
+                  </a:extLst>
+                </p:cNvPr>
+                <p:cNvPicPr/>
+                <p:nvPr/>
+              </p:nvPicPr>
+              <p:blipFill>
+                <a:blip r:embed="rId17"/>
+                <a:stretch>
+                  <a:fillRect/>
+                </a:stretch>
+              </p:blipFill>
+              <p:spPr>
+                <a:xfrm>
+                  <a:off x="1731613" y="4038038"/>
+                  <a:ext cx="78480" cy="21600"/>
+                </a:xfrm>
+                <a:prstGeom prst="rect">
+                  <a:avLst/>
+                </a:prstGeom>
+              </p:spPr>
+            </p:pic>
+          </mc:Fallback>
+        </mc:AlternateContent>
+        <mc:AlternateContent xmlns:mc="http://schemas.openxmlformats.org/markup-compatibility/2006">
+          <mc:Choice xmlns:p14="http://schemas.microsoft.com/office/powerpoint/2010/main" Requires="p14">
+            <p:contentPart p14:bwMode="auto" r:id="rId18">
+              <p14:nvContentPartPr>
+                <p14:cNvPr id="11" name="Ink 10">
+                  <a:extLst>
+                    <a:ext uri="{FF2B5EF4-FFF2-40B4-BE49-F238E27FC236}">
+                      <a16:creationId xmlns:a16="http://schemas.microsoft.com/office/drawing/2014/main" id="{BE63A762-3C94-7163-A3CC-51784114AE55}"/>
+                    </a:ext>
+                  </a:extLst>
+                </p14:cNvPr>
+                <p14:cNvContentPartPr/>
+                <p14:nvPr/>
+              </p14:nvContentPartPr>
+              <p14:xfrm>
+                <a:off x="1830973" y="3883958"/>
+                <a:ext cx="63360" cy="153720"/>
+              </p14:xfrm>
+            </p:contentPart>
+          </mc:Choice>
+          <mc:Fallback>
+            <p:pic>
+              <p:nvPicPr>
+                <p:cNvPr id="11" name="Ink 10">
+                  <a:extLst>
+                    <a:ext uri="{FF2B5EF4-FFF2-40B4-BE49-F238E27FC236}">
+                      <a16:creationId xmlns:a16="http://schemas.microsoft.com/office/drawing/2014/main" id="{BE63A762-3C94-7163-A3CC-51784114AE55}"/>
+                    </a:ext>
+                  </a:extLst>
+                </p:cNvPr>
+                <p:cNvPicPr/>
+                <p:nvPr/>
+              </p:nvPicPr>
+              <p:blipFill>
+                <a:blip r:embed="rId19"/>
+                <a:stretch>
+                  <a:fillRect/>
+                </a:stretch>
+              </p:blipFill>
+              <p:spPr>
+                <a:xfrm>
+                  <a:off x="1824853" y="3877838"/>
+                  <a:ext cx="75600" cy="165960"/>
+                </a:xfrm>
+                <a:prstGeom prst="rect">
+                  <a:avLst/>
+                </a:prstGeom>
+              </p:spPr>
+            </p:pic>
+          </mc:Fallback>
+        </mc:AlternateContent>
+        <mc:AlternateContent xmlns:mc="http://schemas.openxmlformats.org/markup-compatibility/2006">
+          <mc:Choice xmlns:p14="http://schemas.microsoft.com/office/powerpoint/2010/main" Requires="p14">
+            <p:contentPart p14:bwMode="auto" r:id="rId20">
+              <p14:nvContentPartPr>
+                <p14:cNvPr id="12" name="Ink 11">
+                  <a:extLst>
+                    <a:ext uri="{FF2B5EF4-FFF2-40B4-BE49-F238E27FC236}">
+                      <a16:creationId xmlns:a16="http://schemas.microsoft.com/office/drawing/2014/main" id="{5CD21ED4-AFBB-9656-C096-2C8621BA6CE9}"/>
+                    </a:ext>
+                  </a:extLst>
+                </p14:cNvPr>
+                <p14:cNvContentPartPr/>
+                <p14:nvPr/>
+              </p14:nvContentPartPr>
+              <p14:xfrm>
+                <a:off x="1802533" y="3820238"/>
+                <a:ext cx="65160" cy="24840"/>
+              </p14:xfrm>
+            </p:contentPart>
+          </mc:Choice>
+          <mc:Fallback>
+            <p:pic>
+              <p:nvPicPr>
+                <p:cNvPr id="12" name="Ink 11">
+                  <a:extLst>
+                    <a:ext uri="{FF2B5EF4-FFF2-40B4-BE49-F238E27FC236}">
+                      <a16:creationId xmlns:a16="http://schemas.microsoft.com/office/drawing/2014/main" id="{5CD21ED4-AFBB-9656-C096-2C8621BA6CE9}"/>
+                    </a:ext>
+                  </a:extLst>
+                </p:cNvPr>
+                <p:cNvPicPr/>
+                <p:nvPr/>
+              </p:nvPicPr>
+              <p:blipFill>
+                <a:blip r:embed="rId21"/>
+                <a:stretch>
+                  <a:fillRect/>
+                </a:stretch>
+              </p:blipFill>
+              <p:spPr>
+                <a:xfrm>
+                  <a:off x="1796413" y="3814118"/>
+                  <a:ext cx="77400" cy="37080"/>
+                </a:xfrm>
+                <a:prstGeom prst="rect">
+                  <a:avLst/>
+                </a:prstGeom>
+              </p:spPr>
+            </p:pic>
+          </mc:Fallback>
+        </mc:AlternateContent>
+        <mc:AlternateContent xmlns:mc="http://schemas.openxmlformats.org/markup-compatibility/2006">
+          <mc:Choice xmlns:p14="http://schemas.microsoft.com/office/powerpoint/2010/main" Requires="p14">
+            <p:contentPart p14:bwMode="auto" r:id="rId22">
+              <p14:nvContentPartPr>
+                <p14:cNvPr id="13" name="Ink 12">
+                  <a:extLst>
+                    <a:ext uri="{FF2B5EF4-FFF2-40B4-BE49-F238E27FC236}">
+                      <a16:creationId xmlns:a16="http://schemas.microsoft.com/office/drawing/2014/main" id="{E2E4225D-7CB3-CF94-B928-BA674646F03B}"/>
+                    </a:ext>
+                  </a:extLst>
+                </p14:cNvPr>
+                <p14:cNvContentPartPr/>
+                <p14:nvPr/>
+              </p14:nvContentPartPr>
+              <p14:xfrm>
+                <a:off x="1938973" y="2158118"/>
+                <a:ext cx="2597400" cy="1585800"/>
+              </p14:xfrm>
+            </p:contentPart>
+          </mc:Choice>
+          <mc:Fallback>
+            <p:pic>
+              <p:nvPicPr>
+                <p:cNvPr id="13" name="Ink 12">
+                  <a:extLst>
+                    <a:ext uri="{FF2B5EF4-FFF2-40B4-BE49-F238E27FC236}">
+                      <a16:creationId xmlns:a16="http://schemas.microsoft.com/office/drawing/2014/main" id="{E2E4225D-7CB3-CF94-B928-BA674646F03B}"/>
+                    </a:ext>
+                  </a:extLst>
+                </p:cNvPr>
+                <p:cNvPicPr/>
+                <p:nvPr/>
+              </p:nvPicPr>
+              <p:blipFill>
+                <a:blip r:embed="rId23"/>
+                <a:stretch>
+                  <a:fillRect/>
+                </a:stretch>
+              </p:blipFill>
+              <p:spPr>
+                <a:xfrm>
+                  <a:off x="1932853" y="2151998"/>
+                  <a:ext cx="2609640" cy="1598040"/>
+                </a:xfrm>
+                <a:prstGeom prst="rect">
+                  <a:avLst/>
+                </a:prstGeom>
+              </p:spPr>
+            </p:pic>
+          </mc:Fallback>
+        </mc:AlternateContent>
+        <mc:AlternateContent xmlns:mc="http://schemas.openxmlformats.org/markup-compatibility/2006">
+          <mc:Choice xmlns:p14="http://schemas.microsoft.com/office/powerpoint/2010/main" Requires="p14">
+            <p:contentPart p14:bwMode="auto" r:id="rId24">
+              <p14:nvContentPartPr>
+                <p14:cNvPr id="14" name="Ink 13">
+                  <a:extLst>
+                    <a:ext uri="{FF2B5EF4-FFF2-40B4-BE49-F238E27FC236}">
+                      <a16:creationId xmlns:a16="http://schemas.microsoft.com/office/drawing/2014/main" id="{064C380F-4D2A-FE8B-7405-0D1616860E79}"/>
+                    </a:ext>
+                  </a:extLst>
+                </p14:cNvPr>
+                <p14:cNvContentPartPr/>
+                <p14:nvPr/>
+              </p14:nvContentPartPr>
+              <p14:xfrm>
+                <a:off x="4444213" y="3385718"/>
+                <a:ext cx="415800" cy="270360"/>
+              </p14:xfrm>
+            </p:contentPart>
+          </mc:Choice>
+          <mc:Fallback>
+            <p:pic>
+              <p:nvPicPr>
+                <p:cNvPr id="14" name="Ink 13">
+                  <a:extLst>
+                    <a:ext uri="{FF2B5EF4-FFF2-40B4-BE49-F238E27FC236}">
+                      <a16:creationId xmlns:a16="http://schemas.microsoft.com/office/drawing/2014/main" id="{064C380F-4D2A-FE8B-7405-0D1616860E79}"/>
+                    </a:ext>
+                  </a:extLst>
+                </p:cNvPr>
+                <p:cNvPicPr/>
+                <p:nvPr/>
+              </p:nvPicPr>
+              <p:blipFill>
+                <a:blip r:embed="rId25"/>
+                <a:stretch>
+                  <a:fillRect/>
+                </a:stretch>
+              </p:blipFill>
+              <p:spPr>
+                <a:xfrm>
+                  <a:off x="4438093" y="3379598"/>
+                  <a:ext cx="428040" cy="282600"/>
+                </a:xfrm>
+                <a:prstGeom prst="rect">
+                  <a:avLst/>
+                </a:prstGeom>
+              </p:spPr>
+            </p:pic>
+          </mc:Fallback>
+        </mc:AlternateContent>
+        <mc:AlternateContent xmlns:mc="http://schemas.openxmlformats.org/markup-compatibility/2006">
+          <mc:Choice xmlns:p14="http://schemas.microsoft.com/office/powerpoint/2010/main" Requires="p14">
+            <p:contentPart p14:bwMode="auto" r:id="rId26">
+              <p14:nvContentPartPr>
+                <p14:cNvPr id="15" name="Ink 14">
+                  <a:extLst>
+                    <a:ext uri="{FF2B5EF4-FFF2-40B4-BE49-F238E27FC236}">
+                      <a16:creationId xmlns:a16="http://schemas.microsoft.com/office/drawing/2014/main" id="{716E2411-9935-B488-7C49-8268A1505C69}"/>
+                    </a:ext>
+                  </a:extLst>
+                </p14:cNvPr>
+                <p14:cNvContentPartPr/>
+                <p14:nvPr/>
+              </p14:nvContentPartPr>
+              <p14:xfrm>
+                <a:off x="4539253" y="3778118"/>
+                <a:ext cx="219600" cy="201960"/>
+              </p14:xfrm>
+            </p:contentPart>
+          </mc:Choice>
+          <mc:Fallback>
+            <p:pic>
+              <p:nvPicPr>
+                <p:cNvPr id="15" name="Ink 14">
+                  <a:extLst>
+                    <a:ext uri="{FF2B5EF4-FFF2-40B4-BE49-F238E27FC236}">
+                      <a16:creationId xmlns:a16="http://schemas.microsoft.com/office/drawing/2014/main" id="{716E2411-9935-B488-7C49-8268A1505C69}"/>
+                    </a:ext>
+                  </a:extLst>
+                </p:cNvPr>
+                <p:cNvPicPr/>
+                <p:nvPr/>
+              </p:nvPicPr>
+              <p:blipFill>
+                <a:blip r:embed="rId27"/>
+                <a:stretch>
+                  <a:fillRect/>
+                </a:stretch>
+              </p:blipFill>
+              <p:spPr>
+                <a:xfrm>
+                  <a:off x="4533133" y="3771998"/>
+                  <a:ext cx="231840" cy="214200"/>
+                </a:xfrm>
+                <a:prstGeom prst="rect">
+                  <a:avLst/>
+                </a:prstGeom>
+              </p:spPr>
+            </p:pic>
+          </mc:Fallback>
+        </mc:AlternateContent>
+        <mc:AlternateContent xmlns:mc="http://schemas.openxmlformats.org/markup-compatibility/2006">
+          <mc:Choice xmlns:p14="http://schemas.microsoft.com/office/powerpoint/2010/main" Requires="p14">
+            <p:contentPart p14:bwMode="auto" r:id="rId28">
+              <p14:nvContentPartPr>
+                <p14:cNvPr id="17" name="Ink 16">
+                  <a:extLst>
+                    <a:ext uri="{FF2B5EF4-FFF2-40B4-BE49-F238E27FC236}">
+                      <a16:creationId xmlns:a16="http://schemas.microsoft.com/office/drawing/2014/main" id="{901A1A52-FE27-AD7A-033A-1B1B4320B636}"/>
+                    </a:ext>
+                  </a:extLst>
+                </p14:cNvPr>
+                <p14:cNvContentPartPr/>
+                <p14:nvPr/>
+              </p14:nvContentPartPr>
+              <p14:xfrm>
+                <a:off x="1518853" y="4051358"/>
+                <a:ext cx="117000" cy="90360"/>
+              </p14:xfrm>
+            </p:contentPart>
+          </mc:Choice>
+          <mc:Fallback>
+            <p:pic>
+              <p:nvPicPr>
+                <p:cNvPr id="17" name="Ink 16">
+                  <a:extLst>
+                    <a:ext uri="{FF2B5EF4-FFF2-40B4-BE49-F238E27FC236}">
+                      <a16:creationId xmlns:a16="http://schemas.microsoft.com/office/drawing/2014/main" id="{901A1A52-FE27-AD7A-033A-1B1B4320B636}"/>
+                    </a:ext>
+                  </a:extLst>
+                </p:cNvPr>
+                <p:cNvPicPr/>
+                <p:nvPr/>
+              </p:nvPicPr>
+              <p:blipFill>
+                <a:blip r:embed="rId29"/>
+                <a:stretch>
+                  <a:fillRect/>
+                </a:stretch>
+              </p:blipFill>
+              <p:spPr>
+                <a:xfrm>
+                  <a:off x="1512733" y="4045238"/>
+                  <a:ext cx="129240" cy="102600"/>
+                </a:xfrm>
+                <a:prstGeom prst="rect">
+                  <a:avLst/>
+                </a:prstGeom>
+              </p:spPr>
+            </p:pic>
+          </mc:Fallback>
+        </mc:AlternateContent>
+        <mc:AlternateContent xmlns:mc="http://schemas.openxmlformats.org/markup-compatibility/2006">
+          <mc:Choice xmlns:p14="http://schemas.microsoft.com/office/powerpoint/2010/main" Requires="p14">
+            <p:contentPart p14:bwMode="auto" r:id="rId30">
+              <p14:nvContentPartPr>
+                <p14:cNvPr id="18" name="Ink 17">
+                  <a:extLst>
+                    <a:ext uri="{FF2B5EF4-FFF2-40B4-BE49-F238E27FC236}">
+                      <a16:creationId xmlns:a16="http://schemas.microsoft.com/office/drawing/2014/main" id="{2E8B4B14-EDD4-0909-DB2D-D5F9BFEC0589}"/>
+                    </a:ext>
+                  </a:extLst>
+                </p14:cNvPr>
+                <p14:cNvContentPartPr/>
+                <p14:nvPr/>
+              </p14:nvContentPartPr>
+              <p14:xfrm>
+                <a:off x="1581853" y="4064318"/>
+                <a:ext cx="44640" cy="46800"/>
+              </p14:xfrm>
+            </p:contentPart>
+          </mc:Choice>
+          <mc:Fallback>
+            <p:pic>
+              <p:nvPicPr>
+                <p:cNvPr id="18" name="Ink 17">
+                  <a:extLst>
+                    <a:ext uri="{FF2B5EF4-FFF2-40B4-BE49-F238E27FC236}">
+                      <a16:creationId xmlns:a16="http://schemas.microsoft.com/office/drawing/2014/main" id="{2E8B4B14-EDD4-0909-DB2D-D5F9BFEC0589}"/>
+                    </a:ext>
+                  </a:extLst>
+                </p:cNvPr>
+                <p:cNvPicPr/>
+                <p:nvPr/>
+              </p:nvPicPr>
+              <p:blipFill>
+                <a:blip r:embed="rId31"/>
+                <a:stretch>
+                  <a:fillRect/>
+                </a:stretch>
+              </p:blipFill>
+              <p:spPr>
+                <a:xfrm>
+                  <a:off x="1575733" y="4058198"/>
+                  <a:ext cx="56880" cy="59040"/>
+                </a:xfrm>
+                <a:prstGeom prst="rect">
+                  <a:avLst/>
+                </a:prstGeom>
+              </p:spPr>
+            </p:pic>
+          </mc:Fallback>
+        </mc:AlternateContent>
+      </p:grpSp>
     </p:spTree>
     <p:extLst>
       <p:ext uri="{BB962C8B-B14F-4D97-AF65-F5344CB8AC3E}">

--- a/clase_6/teoria/Clase_6.pptx
+++ b/clase_6/teoria/Clase_6.pptx
@@ -306,7 +306,7 @@
       </p15:sldGuideLst>
     </p:ext>
     <p:ext uri="GoogleSlidesCustomDataVersion2">
-      <go:slidesCustomData xmlns="" xmlns:mc="http://schemas.openxmlformats.org/markup-compatibility/2006" xmlns:mv="urn:schemas-microsoft-com:mac:vml" xmlns:c="http://schemas.openxmlformats.org/drawingml/2006/chart" xmlns:dgm="http://schemas.openxmlformats.org/drawingml/2006/diagram" xmlns:o="urn:schemas-microsoft-com:office:office" xmlns:v="urn:schemas-microsoft-com:vml" xmlns:pvml="urn:schemas-microsoft-com:office:powerpoint" xmlns:com="http://schemas.openxmlformats.org/drawingml/2006/compatibility" xmlns:p14="http://schemas.microsoft.com/office/powerpoint/2010/main" xmlns:p15="http://schemas.microsoft.com/office/powerpoint/2012/main" xmlns:ahyp="http://schemas.microsoft.com/office/drawing/2018/hyperlinkcolor" xmlns:go="http://customooxmlschemas.google.com/" r:id="rId48" roundtripDataSignature="AMtx7mi43qeBuG6xuqWiq1Kh9QyGOyIiNg=="/>
+      <go:slidesCustomData xmlns:go="http://customooxmlschemas.google.com/" xmlns:ahyp="http://schemas.microsoft.com/office/drawing/2018/hyperlinkcolor" xmlns:p15="http://schemas.microsoft.com/office/powerpoint/2012/main" xmlns:p14="http://schemas.microsoft.com/office/powerpoint/2010/main" xmlns:com="http://schemas.openxmlformats.org/drawingml/2006/compatibility" xmlns:pvml="urn:schemas-microsoft-com:office:powerpoint" xmlns:v="urn:schemas-microsoft-com:vml" xmlns:o="urn:schemas-microsoft-com:office:office" xmlns:dgm="http://schemas.openxmlformats.org/drawingml/2006/diagram" xmlns:c="http://schemas.openxmlformats.org/drawingml/2006/chart" xmlns:mv="urn:schemas-microsoft-com:mac:vml" xmlns:mc="http://schemas.openxmlformats.org/markup-compatibility/2006" xmlns="" r:id="rId48" roundtripDataSignature="AMtx7mi43qeBuG6xuqWiq1Kh9QyGOyIiNg=="/>
     </p:ext>
   </p:extLst>
 </p:presentation>
@@ -315,395 +315,13 @@
 <file path=ppt/revisionInfo.xml><?xml version="1.0" encoding="utf-8"?>
 <p1510:revInfo xmlns:a="http://schemas.openxmlformats.org/drawingml/2006/main" xmlns:r="http://schemas.openxmlformats.org/officeDocument/2006/relationships" xmlns:p1510="http://schemas.microsoft.com/office/powerpoint/2015/10/main">
   <p1510:revLst>
-    <p1510:client id="{7C9B03B3-4DBB-48A5-996A-D234D8E380B0}" v="3" dt="2025-06-04T00:41:13.996"/>
+    <p1510:client id="{1E84885A-7552-472D-840C-9CF2BF35DFDB}" v="20" dt="2025-08-06T01:07:04.231"/>
   </p1510:revLst>
 </p1510:revInfo>
 </file>
 
 <file path=ppt/changesInfos/changesInfo1.xml><?xml version="1.0" encoding="utf-8"?>
 <pc:chgInfo xmlns:a="http://schemas.openxmlformats.org/drawingml/2006/main" xmlns:r="http://schemas.openxmlformats.org/officeDocument/2006/relationships" xmlns:ac="http://schemas.microsoft.com/office/drawing/2013/main/command" xmlns:pc="http://schemas.microsoft.com/office/powerpoint/2013/main/command">
-  <pc:docChgLst>
-    <pc:chgData name="Marcos Maillot" userId="fa14b39d-e966-4ebb-a436-4f96f84b9577" providerId="ADAL" clId="{7C9B03B3-4DBB-48A5-996A-D234D8E380B0}"/>
-    <pc:docChg chg="custSel modSld">
-      <pc:chgData name="Marcos Maillot" userId="fa14b39d-e966-4ebb-a436-4f96f84b9577" providerId="ADAL" clId="{7C9B03B3-4DBB-48A5-996A-D234D8E380B0}" dt="2025-06-04T00:41:13.996" v="53"/>
-      <pc:docMkLst>
-        <pc:docMk/>
-      </pc:docMkLst>
-      <pc:sldChg chg="modSp mod">
-        <pc:chgData name="Marcos Maillot" userId="fa14b39d-e966-4ebb-a436-4f96f84b9577" providerId="ADAL" clId="{7C9B03B3-4DBB-48A5-996A-D234D8E380B0}" dt="2025-06-03T14:24:31.393" v="36" actId="20577"/>
-        <pc:sldMkLst>
-          <pc:docMk/>
-          <pc:sldMk cId="0" sldId="257"/>
-        </pc:sldMkLst>
-        <pc:spChg chg="mod">
-          <ac:chgData name="Marcos Maillot" userId="fa14b39d-e966-4ebb-a436-4f96f84b9577" providerId="ADAL" clId="{7C9B03B3-4DBB-48A5-996A-D234D8E380B0}" dt="2025-06-03T14:20:06.666" v="22" actId="20577"/>
-          <ac:spMkLst>
-            <pc:docMk/>
-            <pc:sldMk cId="0" sldId="257"/>
-            <ac:spMk id="82" creationId="{00000000-0000-0000-0000-000000000000}"/>
-          </ac:spMkLst>
-        </pc:spChg>
-        <pc:spChg chg="mod">
-          <ac:chgData name="Marcos Maillot" userId="fa14b39d-e966-4ebb-a436-4f96f84b9577" providerId="ADAL" clId="{7C9B03B3-4DBB-48A5-996A-D234D8E380B0}" dt="2025-06-03T14:24:31.393" v="36" actId="20577"/>
-          <ac:spMkLst>
-            <pc:docMk/>
-            <pc:sldMk cId="0" sldId="257"/>
-            <ac:spMk id="84" creationId="{00000000-0000-0000-0000-000000000000}"/>
-          </ac:spMkLst>
-        </pc:spChg>
-      </pc:sldChg>
-      <pc:sldChg chg="addSp delSp modSp mod">
-        <pc:chgData name="Marcos Maillot" userId="fa14b39d-e966-4ebb-a436-4f96f84b9577" providerId="ADAL" clId="{7C9B03B3-4DBB-48A5-996A-D234D8E380B0}" dt="2025-06-04T00:41:13.996" v="53"/>
-        <pc:sldMkLst>
-          <pc:docMk/>
-          <pc:sldMk cId="2515468531" sldId="290"/>
-        </pc:sldMkLst>
-        <pc:grpChg chg="del mod">
-          <ac:chgData name="Marcos Maillot" userId="fa14b39d-e966-4ebb-a436-4f96f84b9577" providerId="ADAL" clId="{7C9B03B3-4DBB-48A5-996A-D234D8E380B0}" dt="2025-06-04T00:41:10.855" v="50"/>
-          <ac:grpSpMkLst>
-            <pc:docMk/>
-            <pc:sldMk cId="2515468531" sldId="290"/>
-            <ac:grpSpMk id="6" creationId="{0DF4CA79-4EC3-220E-CDB3-5F4296775D5B}"/>
-          </ac:grpSpMkLst>
-        </pc:grpChg>
-        <pc:grpChg chg="del mod">
-          <ac:chgData name="Marcos Maillot" userId="fa14b39d-e966-4ebb-a436-4f96f84b9577" providerId="ADAL" clId="{7C9B03B3-4DBB-48A5-996A-D234D8E380B0}" dt="2025-06-04T00:41:13.996" v="53"/>
-          <ac:grpSpMkLst>
-            <pc:docMk/>
-            <pc:sldMk cId="2515468531" sldId="290"/>
-            <ac:grpSpMk id="16" creationId="{19C3D659-A0D5-0E44-0D6D-BAF8BD0ED69E}"/>
-          </ac:grpSpMkLst>
-        </pc:grpChg>
-        <pc:grpChg chg="mod">
-          <ac:chgData name="Marcos Maillot" userId="fa14b39d-e966-4ebb-a436-4f96f84b9577" providerId="ADAL" clId="{7C9B03B3-4DBB-48A5-996A-D234D8E380B0}" dt="2025-06-04T00:41:13.996" v="53"/>
-          <ac:grpSpMkLst>
-            <pc:docMk/>
-            <pc:sldMk cId="2515468531" sldId="290"/>
-            <ac:grpSpMk id="19" creationId="{FE93B399-3A1D-2EB6-5281-ECEF1C31C379}"/>
-          </ac:grpSpMkLst>
-        </pc:grpChg>
-        <pc:inkChg chg="add mod">
-          <ac:chgData name="Marcos Maillot" userId="fa14b39d-e966-4ebb-a436-4f96f84b9577" providerId="ADAL" clId="{7C9B03B3-4DBB-48A5-996A-D234D8E380B0}" dt="2025-06-04T00:41:13.996" v="53"/>
-          <ac:inkMkLst>
-            <pc:docMk/>
-            <pc:sldMk cId="2515468531" sldId="290"/>
-            <ac:inkMk id="3" creationId="{A6386BAD-A2F2-950A-3604-BD3D5127E9F6}"/>
-          </ac:inkMkLst>
-        </pc:inkChg>
-        <pc:inkChg chg="add mod">
-          <ac:chgData name="Marcos Maillot" userId="fa14b39d-e966-4ebb-a436-4f96f84b9577" providerId="ADAL" clId="{7C9B03B3-4DBB-48A5-996A-D234D8E380B0}" dt="2025-06-04T00:41:03.361" v="40"/>
-          <ac:inkMkLst>
-            <pc:docMk/>
-            <pc:sldMk cId="2515468531" sldId="290"/>
-            <ac:inkMk id="4" creationId="{C97540F0-D758-40D0-63CC-5E6903023618}"/>
-          </ac:inkMkLst>
-        </pc:inkChg>
-        <pc:inkChg chg="add mod">
-          <ac:chgData name="Marcos Maillot" userId="fa14b39d-e966-4ebb-a436-4f96f84b9577" providerId="ADAL" clId="{7C9B03B3-4DBB-48A5-996A-D234D8E380B0}" dt="2025-06-04T00:41:03.361" v="40"/>
-          <ac:inkMkLst>
-            <pc:docMk/>
-            <pc:sldMk cId="2515468531" sldId="290"/>
-            <ac:inkMk id="5" creationId="{6DF336C5-A659-F16A-631F-4D758928963A}"/>
-          </ac:inkMkLst>
-        </pc:inkChg>
-        <pc:inkChg chg="add mod">
-          <ac:chgData name="Marcos Maillot" userId="fa14b39d-e966-4ebb-a436-4f96f84b9577" providerId="ADAL" clId="{7C9B03B3-4DBB-48A5-996A-D234D8E380B0}" dt="2025-06-04T00:41:13.996" v="53"/>
-          <ac:inkMkLst>
-            <pc:docMk/>
-            <pc:sldMk cId="2515468531" sldId="290"/>
-            <ac:inkMk id="7" creationId="{B66F48A6-3559-E387-5B70-DD2198E81150}"/>
-          </ac:inkMkLst>
-        </pc:inkChg>
-        <pc:inkChg chg="add mod">
-          <ac:chgData name="Marcos Maillot" userId="fa14b39d-e966-4ebb-a436-4f96f84b9577" providerId="ADAL" clId="{7C9B03B3-4DBB-48A5-996A-D234D8E380B0}" dt="2025-06-04T00:41:13.996" v="53"/>
-          <ac:inkMkLst>
-            <pc:docMk/>
-            <pc:sldMk cId="2515468531" sldId="290"/>
-            <ac:inkMk id="8" creationId="{A8D69D91-3AE8-1EB2-7C05-DD1F941A1049}"/>
-          </ac:inkMkLst>
-        </pc:inkChg>
-        <pc:inkChg chg="add mod">
-          <ac:chgData name="Marcos Maillot" userId="fa14b39d-e966-4ebb-a436-4f96f84b9577" providerId="ADAL" clId="{7C9B03B3-4DBB-48A5-996A-D234D8E380B0}" dt="2025-06-04T00:41:13.996" v="53"/>
-          <ac:inkMkLst>
-            <pc:docMk/>
-            <pc:sldMk cId="2515468531" sldId="290"/>
-            <ac:inkMk id="9" creationId="{CA04CFD9-AA25-1874-9BA1-27CF76D65A30}"/>
-          </ac:inkMkLst>
-        </pc:inkChg>
-        <pc:inkChg chg="add">
-          <ac:chgData name="Marcos Maillot" userId="fa14b39d-e966-4ebb-a436-4f96f84b9577" providerId="ADAL" clId="{7C9B03B3-4DBB-48A5-996A-D234D8E380B0}" dt="2025-06-04T00:41:05.320" v="44" actId="9405"/>
-          <ac:inkMkLst>
-            <pc:docMk/>
-            <pc:sldMk cId="2515468531" sldId="290"/>
-            <ac:inkMk id="10" creationId="{0043F65D-695D-5D63-44ED-A45E2C364D77}"/>
-          </ac:inkMkLst>
-        </pc:inkChg>
-        <pc:inkChg chg="add">
-          <ac:chgData name="Marcos Maillot" userId="fa14b39d-e966-4ebb-a436-4f96f84b9577" providerId="ADAL" clId="{7C9B03B3-4DBB-48A5-996A-D234D8E380B0}" dt="2025-06-04T00:41:05.475" v="45" actId="9405"/>
-          <ac:inkMkLst>
-            <pc:docMk/>
-            <pc:sldMk cId="2515468531" sldId="290"/>
-            <ac:inkMk id="11" creationId="{BE63A762-3C94-7163-A3CC-51784114AE55}"/>
-          </ac:inkMkLst>
-        </pc:inkChg>
-        <pc:inkChg chg="add mod">
-          <ac:chgData name="Marcos Maillot" userId="fa14b39d-e966-4ebb-a436-4f96f84b9577" providerId="ADAL" clId="{7C9B03B3-4DBB-48A5-996A-D234D8E380B0}" dt="2025-06-04T00:41:13.996" v="53"/>
-          <ac:inkMkLst>
-            <pc:docMk/>
-            <pc:sldMk cId="2515468531" sldId="290"/>
-            <ac:inkMk id="12" creationId="{5CD21ED4-AFBB-9656-C096-2C8621BA6CE9}"/>
-          </ac:inkMkLst>
-        </pc:inkChg>
-        <pc:inkChg chg="add mod">
-          <ac:chgData name="Marcos Maillot" userId="fa14b39d-e966-4ebb-a436-4f96f84b9577" providerId="ADAL" clId="{7C9B03B3-4DBB-48A5-996A-D234D8E380B0}" dt="2025-06-04T00:41:13.996" v="53"/>
-          <ac:inkMkLst>
-            <pc:docMk/>
-            <pc:sldMk cId="2515468531" sldId="290"/>
-            <ac:inkMk id="13" creationId="{E2E4225D-7CB3-CF94-B928-BA674646F03B}"/>
-          </ac:inkMkLst>
-        </pc:inkChg>
-        <pc:inkChg chg="add mod">
-          <ac:chgData name="Marcos Maillot" userId="fa14b39d-e966-4ebb-a436-4f96f84b9577" providerId="ADAL" clId="{7C9B03B3-4DBB-48A5-996A-D234D8E380B0}" dt="2025-06-04T00:41:13.996" v="53"/>
-          <ac:inkMkLst>
-            <pc:docMk/>
-            <pc:sldMk cId="2515468531" sldId="290"/>
-            <ac:inkMk id="14" creationId="{064C380F-4D2A-FE8B-7405-0D1616860E79}"/>
-          </ac:inkMkLst>
-        </pc:inkChg>
-        <pc:inkChg chg="add mod">
-          <ac:chgData name="Marcos Maillot" userId="fa14b39d-e966-4ebb-a436-4f96f84b9577" providerId="ADAL" clId="{7C9B03B3-4DBB-48A5-996A-D234D8E380B0}" dt="2025-06-04T00:41:13.996" v="53"/>
-          <ac:inkMkLst>
-            <pc:docMk/>
-            <pc:sldMk cId="2515468531" sldId="290"/>
-            <ac:inkMk id="15" creationId="{716E2411-9935-B488-7C49-8268A1505C69}"/>
-          </ac:inkMkLst>
-        </pc:inkChg>
-        <pc:inkChg chg="add">
-          <ac:chgData name="Marcos Maillot" userId="fa14b39d-e966-4ebb-a436-4f96f84b9577" providerId="ADAL" clId="{7C9B03B3-4DBB-48A5-996A-D234D8E380B0}" dt="2025-06-04T00:41:12.542" v="51" actId="9405"/>
-          <ac:inkMkLst>
-            <pc:docMk/>
-            <pc:sldMk cId="2515468531" sldId="290"/>
-            <ac:inkMk id="17" creationId="{901A1A52-FE27-AD7A-033A-1B1B4320B636}"/>
-          </ac:inkMkLst>
-        </pc:inkChg>
-        <pc:inkChg chg="add">
-          <ac:chgData name="Marcos Maillot" userId="fa14b39d-e966-4ebb-a436-4f96f84b9577" providerId="ADAL" clId="{7C9B03B3-4DBB-48A5-996A-D234D8E380B0}" dt="2025-06-04T00:41:13.370" v="52" actId="9405"/>
-          <ac:inkMkLst>
-            <pc:docMk/>
-            <pc:sldMk cId="2515468531" sldId="290"/>
-            <ac:inkMk id="18" creationId="{2E8B4B14-EDD4-0909-DB2D-D5F9BFEC0589}"/>
-          </ac:inkMkLst>
-        </pc:inkChg>
-      </pc:sldChg>
-    </pc:docChg>
-  </pc:docChgLst>
-  <pc:docChgLst>
-    <pc:chgData name="Marcos Maillot" userId="fa14b39d-e966-4ebb-a436-4f96f84b9577" providerId="ADAL" clId="{6875A249-7888-4363-9F92-056EB10F7CD5}"/>
-    <pc:docChg chg="custSel addSld modSld">
-      <pc:chgData name="Marcos Maillot" userId="fa14b39d-e966-4ebb-a436-4f96f84b9577" providerId="ADAL" clId="{6875A249-7888-4363-9F92-056EB10F7CD5}" dt="2024-11-29T21:45:30.394" v="57" actId="14100"/>
-      <pc:docMkLst>
-        <pc:docMk/>
-      </pc:docMkLst>
-      <pc:sldChg chg="modSp mod">
-        <pc:chgData name="Marcos Maillot" userId="fa14b39d-e966-4ebb-a436-4f96f84b9577" providerId="ADAL" clId="{6875A249-7888-4363-9F92-056EB10F7CD5}" dt="2024-11-29T21:45:30.394" v="57" actId="14100"/>
-        <pc:sldMkLst>
-          <pc:docMk/>
-          <pc:sldMk cId="0" sldId="278"/>
-        </pc:sldMkLst>
-      </pc:sldChg>
-      <pc:sldChg chg="addSp delSp modSp add mod">
-        <pc:chgData name="Marcos Maillot" userId="fa14b39d-e966-4ebb-a436-4f96f84b9577" providerId="ADAL" clId="{6875A249-7888-4363-9F92-056EB10F7CD5}" dt="2024-11-29T21:34:44.944" v="9" actId="1076"/>
-        <pc:sldMkLst>
-          <pc:docMk/>
-          <pc:sldMk cId="3137623413" sldId="291"/>
-        </pc:sldMkLst>
-      </pc:sldChg>
-      <pc:sldChg chg="addSp modSp add mod">
-        <pc:chgData name="Marcos Maillot" userId="fa14b39d-e966-4ebb-a436-4f96f84b9577" providerId="ADAL" clId="{6875A249-7888-4363-9F92-056EB10F7CD5}" dt="2024-11-29T21:36:07.654" v="22" actId="1076"/>
-        <pc:sldMkLst>
-          <pc:docMk/>
-          <pc:sldMk cId="4139229005" sldId="292"/>
-        </pc:sldMkLst>
-      </pc:sldChg>
-      <pc:sldChg chg="addSp delSp modSp add mod">
-        <pc:chgData name="Marcos Maillot" userId="fa14b39d-e966-4ebb-a436-4f96f84b9577" providerId="ADAL" clId="{6875A249-7888-4363-9F92-056EB10F7CD5}" dt="2024-11-29T21:37:21.674" v="39" actId="1076"/>
-        <pc:sldMkLst>
-          <pc:docMk/>
-          <pc:sldMk cId="3179616302" sldId="293"/>
-        </pc:sldMkLst>
-      </pc:sldChg>
-      <pc:sldChg chg="addSp delSp modSp add mod">
-        <pc:chgData name="Marcos Maillot" userId="fa14b39d-e966-4ebb-a436-4f96f84b9577" providerId="ADAL" clId="{6875A249-7888-4363-9F92-056EB10F7CD5}" dt="2024-11-29T21:39:33.364" v="55" actId="1076"/>
-        <pc:sldMkLst>
-          <pc:docMk/>
-          <pc:sldMk cId="1421602177" sldId="294"/>
-        </pc:sldMkLst>
-      </pc:sldChg>
-    </pc:docChg>
-  </pc:docChgLst>
-  <pc:docChgLst>
-    <pc:chgData name="Marcos Maillot" userId="fa14b39d-e966-4ebb-a436-4f96f84b9577" providerId="ADAL" clId="{99863556-EDB4-416E-A189-D7BEBC9D2890}"/>
-    <pc:docChg chg="custSel addSld modSld sldOrd">
-      <pc:chgData name="Marcos Maillot" userId="fa14b39d-e966-4ebb-a436-4f96f84b9577" providerId="ADAL" clId="{99863556-EDB4-416E-A189-D7BEBC9D2890}" dt="2025-04-08T20:00:51.115" v="134" actId="478"/>
-      <pc:docMkLst>
-        <pc:docMk/>
-      </pc:docMkLst>
-      <pc:sldChg chg="modSp mod">
-        <pc:chgData name="Marcos Maillot" userId="fa14b39d-e966-4ebb-a436-4f96f84b9577" providerId="ADAL" clId="{99863556-EDB4-416E-A189-D7BEBC9D2890}" dt="2025-04-08T19:39:40.991" v="2" actId="20577"/>
-        <pc:sldMkLst>
-          <pc:docMk/>
-          <pc:sldMk cId="0" sldId="256"/>
-        </pc:sldMkLst>
-        <pc:spChg chg="mod">
-          <ac:chgData name="Marcos Maillot" userId="fa14b39d-e966-4ebb-a436-4f96f84b9577" providerId="ADAL" clId="{99863556-EDB4-416E-A189-D7BEBC9D2890}" dt="2025-04-08T19:39:40.991" v="2" actId="20577"/>
-          <ac:spMkLst>
-            <pc:docMk/>
-            <pc:sldMk cId="0" sldId="256"/>
-            <ac:spMk id="75" creationId="{00000000-0000-0000-0000-000000000000}"/>
-          </ac:spMkLst>
-        </pc:spChg>
-      </pc:sldChg>
-      <pc:sldChg chg="modSp mod">
-        <pc:chgData name="Marcos Maillot" userId="fa14b39d-e966-4ebb-a436-4f96f84b9577" providerId="ADAL" clId="{99863556-EDB4-416E-A189-D7BEBC9D2890}" dt="2025-04-08T19:41:13.160" v="75" actId="20577"/>
-        <pc:sldMkLst>
-          <pc:docMk/>
-          <pc:sldMk cId="0" sldId="257"/>
-        </pc:sldMkLst>
-        <pc:spChg chg="mod">
-          <ac:chgData name="Marcos Maillot" userId="fa14b39d-e966-4ebb-a436-4f96f84b9577" providerId="ADAL" clId="{99863556-EDB4-416E-A189-D7BEBC9D2890}" dt="2025-04-08T19:40:19.680" v="24" actId="20577"/>
-          <ac:spMkLst>
-            <pc:docMk/>
-            <pc:sldMk cId="0" sldId="257"/>
-            <ac:spMk id="82" creationId="{00000000-0000-0000-0000-000000000000}"/>
-          </ac:spMkLst>
-        </pc:spChg>
-        <pc:spChg chg="mod">
-          <ac:chgData name="Marcos Maillot" userId="fa14b39d-e966-4ebb-a436-4f96f84b9577" providerId="ADAL" clId="{99863556-EDB4-416E-A189-D7BEBC9D2890}" dt="2025-04-08T19:41:13.160" v="75" actId="20577"/>
-          <ac:spMkLst>
-            <pc:docMk/>
-            <pc:sldMk cId="0" sldId="257"/>
-            <ac:spMk id="84" creationId="{00000000-0000-0000-0000-000000000000}"/>
-          </ac:spMkLst>
-        </pc:spChg>
-      </pc:sldChg>
-      <pc:sldChg chg="addSp delSp mod">
-        <pc:chgData name="Marcos Maillot" userId="fa14b39d-e966-4ebb-a436-4f96f84b9577" providerId="ADAL" clId="{99863556-EDB4-416E-A189-D7BEBC9D2890}" dt="2025-04-08T19:48:44.570" v="80" actId="478"/>
-        <pc:sldMkLst>
-          <pc:docMk/>
-          <pc:sldMk cId="0" sldId="272"/>
-        </pc:sldMkLst>
-      </pc:sldChg>
-      <pc:sldChg chg="ord modNotes">
-        <pc:chgData name="Marcos Maillot" userId="fa14b39d-e966-4ebb-a436-4f96f84b9577" providerId="ADAL" clId="{99863556-EDB4-416E-A189-D7BEBC9D2890}" dt="2025-04-08T19:42:14.891" v="77"/>
-        <pc:sldMkLst>
-          <pc:docMk/>
-          <pc:sldMk cId="0" sldId="274"/>
-        </pc:sldMkLst>
-      </pc:sldChg>
-      <pc:sldChg chg="addSp delSp modSp add mod">
-        <pc:chgData name="Marcos Maillot" userId="fa14b39d-e966-4ebb-a436-4f96f84b9577" providerId="ADAL" clId="{99863556-EDB4-416E-A189-D7BEBC9D2890}" dt="2025-04-08T20:00:43.352" v="133" actId="14100"/>
-        <pc:sldMkLst>
-          <pc:docMk/>
-          <pc:sldMk cId="3064181911" sldId="295"/>
-        </pc:sldMkLst>
-        <pc:spChg chg="add mod">
-          <ac:chgData name="Marcos Maillot" userId="fa14b39d-e966-4ebb-a436-4f96f84b9577" providerId="ADAL" clId="{99863556-EDB4-416E-A189-D7BEBC9D2890}" dt="2025-04-08T19:50:01.535" v="94" actId="1076"/>
-          <ac:spMkLst>
-            <pc:docMk/>
-            <pc:sldMk cId="3064181911" sldId="295"/>
-            <ac:spMk id="6" creationId="{680751A2-BC9E-0E52-827C-A35BA93EDF5F}"/>
-          </ac:spMkLst>
-        </pc:spChg>
-        <pc:spChg chg="add mod">
-          <ac:chgData name="Marcos Maillot" userId="fa14b39d-e966-4ebb-a436-4f96f84b9577" providerId="ADAL" clId="{99863556-EDB4-416E-A189-D7BEBC9D2890}" dt="2025-04-08T19:50:11.735" v="97" actId="1076"/>
-          <ac:spMkLst>
-            <pc:docMk/>
-            <pc:sldMk cId="3064181911" sldId="295"/>
-            <ac:spMk id="8" creationId="{9F734DE2-F282-0BE7-B8DD-4BF48C91805E}"/>
-          </ac:spMkLst>
-        </pc:spChg>
-        <pc:spChg chg="add mod">
-          <ac:chgData name="Marcos Maillot" userId="fa14b39d-e966-4ebb-a436-4f96f84b9577" providerId="ADAL" clId="{99863556-EDB4-416E-A189-D7BEBC9D2890}" dt="2025-04-08T19:50:21.720" v="100" actId="1076"/>
-          <ac:spMkLst>
-            <pc:docMk/>
-            <pc:sldMk cId="3064181911" sldId="295"/>
-            <ac:spMk id="10" creationId="{6B4A93BA-BBF1-200A-33A5-9EDC6860B6B2}"/>
-          </ac:spMkLst>
-        </pc:spChg>
-        <pc:spChg chg="add mod">
-          <ac:chgData name="Marcos Maillot" userId="fa14b39d-e966-4ebb-a436-4f96f84b9577" providerId="ADAL" clId="{99863556-EDB4-416E-A189-D7BEBC9D2890}" dt="2025-04-08T20:00:43.352" v="133" actId="14100"/>
-          <ac:spMkLst>
-            <pc:docMk/>
-            <pc:sldMk cId="3064181911" sldId="295"/>
-            <ac:spMk id="11" creationId="{6EE894D3-9313-884A-867C-991982DDDFD3}"/>
-          </ac:spMkLst>
-        </pc:spChg>
-        <pc:spChg chg="mod">
-          <ac:chgData name="Marcos Maillot" userId="fa14b39d-e966-4ebb-a436-4f96f84b9577" providerId="ADAL" clId="{99863556-EDB4-416E-A189-D7BEBC9D2890}" dt="2025-04-08T19:49:00.750" v="85" actId="1076"/>
-          <ac:spMkLst>
-            <pc:docMk/>
-            <pc:sldMk cId="3064181911" sldId="295"/>
-            <ac:spMk id="239" creationId="{59943719-B7F0-CEF9-97F4-CC2E49510DF5}"/>
-          </ac:spMkLst>
-        </pc:spChg>
-        <pc:picChg chg="add mod">
-          <ac:chgData name="Marcos Maillot" userId="fa14b39d-e966-4ebb-a436-4f96f84b9577" providerId="ADAL" clId="{99863556-EDB4-416E-A189-D7BEBC9D2890}" dt="2025-04-08T19:49:21.040" v="89" actId="14100"/>
-          <ac:picMkLst>
-            <pc:docMk/>
-            <pc:sldMk cId="3064181911" sldId="295"/>
-            <ac:picMk id="2" creationId="{CD5FBCD3-7FFB-B68B-0977-0638AF76795B}"/>
-          </ac:picMkLst>
-        </pc:picChg>
-      </pc:sldChg>
-      <pc:sldChg chg="addSp delSp modSp add mod">
-        <pc:chgData name="Marcos Maillot" userId="fa14b39d-e966-4ebb-a436-4f96f84b9577" providerId="ADAL" clId="{99863556-EDB4-416E-A189-D7BEBC9D2890}" dt="2025-04-08T20:00:51.115" v="134" actId="478"/>
-        <pc:sldMkLst>
-          <pc:docMk/>
-          <pc:sldMk cId="238751435" sldId="296"/>
-        </pc:sldMkLst>
-        <pc:spChg chg="add mod">
-          <ac:chgData name="Marcos Maillot" userId="fa14b39d-e966-4ebb-a436-4f96f84b9577" providerId="ADAL" clId="{99863556-EDB4-416E-A189-D7BEBC9D2890}" dt="2025-04-08T19:57:46.170" v="123" actId="14100"/>
-          <ac:spMkLst>
-            <pc:docMk/>
-            <pc:sldMk cId="238751435" sldId="296"/>
-            <ac:spMk id="4" creationId="{DF83B887-C749-C288-7354-0A08D04B3CA0}"/>
-          </ac:spMkLst>
-        </pc:spChg>
-        <pc:spChg chg="mod">
-          <ac:chgData name="Marcos Maillot" userId="fa14b39d-e966-4ebb-a436-4f96f84b9577" providerId="ADAL" clId="{99863556-EDB4-416E-A189-D7BEBC9D2890}" dt="2025-04-08T19:56:29.610" v="120" actId="1076"/>
-          <ac:spMkLst>
-            <pc:docMk/>
-            <pc:sldMk cId="238751435" sldId="296"/>
-            <ac:spMk id="6" creationId="{AACFD0A2-88F0-4AE4-7F1B-9F16BBC3122C}"/>
-          </ac:spMkLst>
-        </pc:spChg>
-        <pc:spChg chg="mod">
-          <ac:chgData name="Marcos Maillot" userId="fa14b39d-e966-4ebb-a436-4f96f84b9577" providerId="ADAL" clId="{99863556-EDB4-416E-A189-D7BEBC9D2890}" dt="2025-04-08T19:55:27.820" v="114" actId="1076"/>
-          <ac:spMkLst>
-            <pc:docMk/>
-            <pc:sldMk cId="238751435" sldId="296"/>
-            <ac:spMk id="8" creationId="{BC4E8ACB-9FB5-EF51-BBFD-4D43E4723E28}"/>
-          </ac:spMkLst>
-        </pc:spChg>
-        <pc:spChg chg="mod">
-          <ac:chgData name="Marcos Maillot" userId="fa14b39d-e966-4ebb-a436-4f96f84b9577" providerId="ADAL" clId="{99863556-EDB4-416E-A189-D7BEBC9D2890}" dt="2025-04-08T19:59:28.520" v="129" actId="1076"/>
-          <ac:spMkLst>
-            <pc:docMk/>
-            <pc:sldMk cId="238751435" sldId="296"/>
-            <ac:spMk id="239" creationId="{95CA89FD-2F4A-8478-5E4E-1D05F7CF1665}"/>
-          </ac:spMkLst>
-        </pc:spChg>
-        <pc:picChg chg="add mod ord">
-          <ac:chgData name="Marcos Maillot" userId="fa14b39d-e966-4ebb-a436-4f96f84b9577" providerId="ADAL" clId="{99863556-EDB4-416E-A189-D7BEBC9D2890}" dt="2025-04-08T19:59:30.073" v="130" actId="14100"/>
-          <ac:picMkLst>
-            <pc:docMk/>
-            <pc:sldMk cId="238751435" sldId="296"/>
-            <ac:picMk id="3" creationId="{BEBCD5B1-74EF-2478-979A-41633BC357D3}"/>
-          </ac:picMkLst>
-        </pc:picChg>
-      </pc:sldChg>
-    </pc:docChg>
-  </pc:docChgLst>
   <pc:docChgLst>
     <pc:chgData name="Marcos Maillot" userId="fa14b39d-e966-4ebb-a436-4f96f84b9577" providerId="ADAL" clId="{EE2FC811-F246-4E28-936B-C5BA500BDF68}"/>
     <pc:docChg chg="undo custSel addSld modSld sldOrd">
@@ -778,6 +396,1019 @@
       </pc:sldChg>
     </pc:docChg>
   </pc:docChgLst>
+  <pc:docChgLst>
+    <pc:chgData name="Marcos Maillot" userId="fa14b39d-e966-4ebb-a436-4f96f84b9577" providerId="ADAL" clId="{1E84885A-7552-472D-840C-9CF2BF35DFDB}"/>
+    <pc:docChg chg="custSel modSld">
+      <pc:chgData name="Marcos Maillot" userId="fa14b39d-e966-4ebb-a436-4f96f84b9577" providerId="ADAL" clId="{1E84885A-7552-472D-840C-9CF2BF35DFDB}" dt="2025-08-06T01:07:04.230" v="99"/>
+      <pc:docMkLst>
+        <pc:docMk/>
+      </pc:docMkLst>
+      <pc:sldChg chg="addSp delSp modSp mod">
+        <pc:chgData name="Marcos Maillot" userId="fa14b39d-e966-4ebb-a436-4f96f84b9577" providerId="ADAL" clId="{1E84885A-7552-472D-840C-9CF2BF35DFDB}" dt="2025-08-06T01:07:04.230" v="99"/>
+        <pc:sldMkLst>
+          <pc:docMk/>
+          <pc:sldMk cId="0" sldId="285"/>
+        </pc:sldMkLst>
+        <pc:grpChg chg="mod">
+          <ac:chgData name="Marcos Maillot" userId="fa14b39d-e966-4ebb-a436-4f96f84b9577" providerId="ADAL" clId="{1E84885A-7552-472D-840C-9CF2BF35DFDB}" dt="2025-08-06T01:06:49.097" v="89"/>
+          <ac:grpSpMkLst>
+            <pc:docMk/>
+            <pc:sldMk cId="0" sldId="285"/>
+            <ac:grpSpMk id="6" creationId="{758CD048-FFA4-9894-E7C0-8457950C5B02}"/>
+          </ac:grpSpMkLst>
+        </pc:grpChg>
+        <pc:grpChg chg="mod">
+          <ac:chgData name="Marcos Maillot" userId="fa14b39d-e966-4ebb-a436-4f96f84b9577" providerId="ADAL" clId="{1E84885A-7552-472D-840C-9CF2BF35DFDB}" dt="2025-08-06T01:07:04.230" v="99"/>
+          <ac:grpSpMkLst>
+            <pc:docMk/>
+            <pc:sldMk cId="0" sldId="285"/>
+            <ac:grpSpMk id="15" creationId="{28889A49-5EF9-E12C-E967-7AD063E5145F}"/>
+          </ac:grpSpMkLst>
+        </pc:grpChg>
+        <pc:inkChg chg="add del">
+          <ac:chgData name="Marcos Maillot" userId="fa14b39d-e966-4ebb-a436-4f96f84b9577" providerId="ADAL" clId="{1E84885A-7552-472D-840C-9CF2BF35DFDB}" dt="2025-08-06T01:06:40.704" v="86"/>
+          <ac:inkMkLst>
+            <pc:docMk/>
+            <pc:sldMk cId="0" sldId="285"/>
+            <ac:inkMk id="2" creationId="{12E74FCD-FDC5-759F-71E9-4881CD5C681F}"/>
+          </ac:inkMkLst>
+        </pc:inkChg>
+        <pc:inkChg chg="add">
+          <ac:chgData name="Marcos Maillot" userId="fa14b39d-e966-4ebb-a436-4f96f84b9577" providerId="ADAL" clId="{1E84885A-7552-472D-840C-9CF2BF35DFDB}" dt="2025-08-06T01:06:40.704" v="86"/>
+          <ac:inkMkLst>
+            <pc:docMk/>
+            <pc:sldMk cId="0" sldId="285"/>
+            <ac:inkMk id="3" creationId="{6E22F2DF-6723-A24B-2D8C-CCDA2641AF23}"/>
+          </ac:inkMkLst>
+        </pc:inkChg>
+        <pc:inkChg chg="add mod">
+          <ac:chgData name="Marcos Maillot" userId="fa14b39d-e966-4ebb-a436-4f96f84b9577" providerId="ADAL" clId="{1E84885A-7552-472D-840C-9CF2BF35DFDB}" dt="2025-08-06T01:06:49.097" v="89"/>
+          <ac:inkMkLst>
+            <pc:docMk/>
+            <pc:sldMk cId="0" sldId="285"/>
+            <ac:inkMk id="4" creationId="{B33276FF-2430-5846-0B5E-2FA0640B1AE0}"/>
+          </ac:inkMkLst>
+        </pc:inkChg>
+        <pc:inkChg chg="add mod">
+          <ac:chgData name="Marcos Maillot" userId="fa14b39d-e966-4ebb-a436-4f96f84b9577" providerId="ADAL" clId="{1E84885A-7552-472D-840C-9CF2BF35DFDB}" dt="2025-08-06T01:06:49.097" v="89"/>
+          <ac:inkMkLst>
+            <pc:docMk/>
+            <pc:sldMk cId="0" sldId="285"/>
+            <ac:inkMk id="5" creationId="{9DA9DCCB-1942-C6EF-857C-3069501DB955}"/>
+          </ac:inkMkLst>
+        </pc:inkChg>
+        <pc:inkChg chg="add">
+          <ac:chgData name="Marcos Maillot" userId="fa14b39d-e966-4ebb-a436-4f96f84b9577" providerId="ADAL" clId="{1E84885A-7552-472D-840C-9CF2BF35DFDB}" dt="2025-08-06T01:06:54.336" v="90" actId="9405"/>
+          <ac:inkMkLst>
+            <pc:docMk/>
+            <pc:sldMk cId="0" sldId="285"/>
+            <ac:inkMk id="7" creationId="{0FE5F255-1F1C-DCF8-CAEE-5567C6A5E19B}"/>
+          </ac:inkMkLst>
+        </pc:inkChg>
+        <pc:inkChg chg="add del">
+          <ac:chgData name="Marcos Maillot" userId="fa14b39d-e966-4ebb-a436-4f96f84b9577" providerId="ADAL" clId="{1E84885A-7552-472D-840C-9CF2BF35DFDB}" dt="2025-08-06T01:06:56.820" v="92"/>
+          <ac:inkMkLst>
+            <pc:docMk/>
+            <pc:sldMk cId="0" sldId="285"/>
+            <ac:inkMk id="8" creationId="{FA364CE8-A3CA-4409-B018-390AC74A113C}"/>
+          </ac:inkMkLst>
+        </pc:inkChg>
+        <pc:inkChg chg="add mod">
+          <ac:chgData name="Marcos Maillot" userId="fa14b39d-e966-4ebb-a436-4f96f84b9577" providerId="ADAL" clId="{1E84885A-7552-472D-840C-9CF2BF35DFDB}" dt="2025-08-06T01:06:58.344" v="93"/>
+          <ac:inkMkLst>
+            <pc:docMk/>
+            <pc:sldMk cId="0" sldId="285"/>
+            <ac:inkMk id="9" creationId="{7639F04C-BBC4-0C61-72E9-98EB66BE33AA}"/>
+          </ac:inkMkLst>
+        </pc:inkChg>
+        <pc:inkChg chg="add">
+          <ac:chgData name="Marcos Maillot" userId="fa14b39d-e966-4ebb-a436-4f96f84b9577" providerId="ADAL" clId="{1E84885A-7552-472D-840C-9CF2BF35DFDB}" dt="2025-08-06T01:06:58.919" v="94" actId="9405"/>
+          <ac:inkMkLst>
+            <pc:docMk/>
+            <pc:sldMk cId="0" sldId="285"/>
+            <ac:inkMk id="10" creationId="{976C2998-CBB3-091B-EC9D-A54147A09367}"/>
+          </ac:inkMkLst>
+        </pc:inkChg>
+        <pc:inkChg chg="add mod">
+          <ac:chgData name="Marcos Maillot" userId="fa14b39d-e966-4ebb-a436-4f96f84b9577" providerId="ADAL" clId="{1E84885A-7552-472D-840C-9CF2BF35DFDB}" dt="2025-08-06T01:07:04.230" v="99"/>
+          <ac:inkMkLst>
+            <pc:docMk/>
+            <pc:sldMk cId="0" sldId="285"/>
+            <ac:inkMk id="11" creationId="{F7F3E7B2-4409-818E-9DE1-8FC115BB99F5}"/>
+          </ac:inkMkLst>
+        </pc:inkChg>
+        <pc:inkChg chg="add mod">
+          <ac:chgData name="Marcos Maillot" userId="fa14b39d-e966-4ebb-a436-4f96f84b9577" providerId="ADAL" clId="{1E84885A-7552-472D-840C-9CF2BF35DFDB}" dt="2025-08-06T01:07:04.230" v="99"/>
+          <ac:inkMkLst>
+            <pc:docMk/>
+            <pc:sldMk cId="0" sldId="285"/>
+            <ac:inkMk id="12" creationId="{3A8E3C2E-DC47-4654-3CE7-420427700874}"/>
+          </ac:inkMkLst>
+        </pc:inkChg>
+        <pc:inkChg chg="add mod">
+          <ac:chgData name="Marcos Maillot" userId="fa14b39d-e966-4ebb-a436-4f96f84b9577" providerId="ADAL" clId="{1E84885A-7552-472D-840C-9CF2BF35DFDB}" dt="2025-08-06T01:07:04.230" v="99"/>
+          <ac:inkMkLst>
+            <pc:docMk/>
+            <pc:sldMk cId="0" sldId="285"/>
+            <ac:inkMk id="13" creationId="{249E1FEE-3A81-DF43-CDA0-072C3BCB63B4}"/>
+          </ac:inkMkLst>
+        </pc:inkChg>
+        <pc:inkChg chg="add mod">
+          <ac:chgData name="Marcos Maillot" userId="fa14b39d-e966-4ebb-a436-4f96f84b9577" providerId="ADAL" clId="{1E84885A-7552-472D-840C-9CF2BF35DFDB}" dt="2025-08-06T01:07:04.230" v="99"/>
+          <ac:inkMkLst>
+            <pc:docMk/>
+            <pc:sldMk cId="0" sldId="285"/>
+            <ac:inkMk id="14" creationId="{15B26C43-9A01-CFB7-623F-2F41117750A4}"/>
+          </ac:inkMkLst>
+        </pc:inkChg>
+      </pc:sldChg>
+      <pc:sldChg chg="addSp delSp modSp mod">
+        <pc:chgData name="Marcos Maillot" userId="fa14b39d-e966-4ebb-a436-4f96f84b9577" providerId="ADAL" clId="{1E84885A-7552-472D-840C-9CF2BF35DFDB}" dt="2025-08-06T01:05:25.432" v="84"/>
+        <pc:sldMkLst>
+          <pc:docMk/>
+          <pc:sldMk cId="2515468531" sldId="290"/>
+        </pc:sldMkLst>
+        <pc:grpChg chg="del">
+          <ac:chgData name="Marcos Maillot" userId="fa14b39d-e966-4ebb-a436-4f96f84b9577" providerId="ADAL" clId="{1E84885A-7552-472D-840C-9CF2BF35DFDB}" dt="2025-08-05T22:01:24.924" v="0" actId="478"/>
+          <ac:grpSpMkLst>
+            <pc:docMk/>
+            <pc:sldMk cId="2515468531" sldId="290"/>
+            <ac:grpSpMk id="19" creationId="{FE93B399-3A1D-2EB6-5281-ECEF1C31C379}"/>
+          </ac:grpSpMkLst>
+        </pc:grpChg>
+        <pc:grpChg chg="del mod">
+          <ac:chgData name="Marcos Maillot" userId="fa14b39d-e966-4ebb-a436-4f96f84b9577" providerId="ADAL" clId="{1E84885A-7552-472D-840C-9CF2BF35DFDB}" dt="2025-08-06T01:03:01.427" v="11"/>
+          <ac:grpSpMkLst>
+            <pc:docMk/>
+            <pc:sldMk cId="2515468531" sldId="290"/>
+            <ac:grpSpMk id="21" creationId="{AEB1E5EF-CE2A-CC05-B441-8A5365B51318}"/>
+          </ac:grpSpMkLst>
+        </pc:grpChg>
+        <pc:grpChg chg="mod">
+          <ac:chgData name="Marcos Maillot" userId="fa14b39d-e966-4ebb-a436-4f96f84b9577" providerId="ADAL" clId="{1E84885A-7552-472D-840C-9CF2BF35DFDB}" dt="2025-08-06T01:03:01.427" v="11"/>
+          <ac:grpSpMkLst>
+            <pc:docMk/>
+            <pc:sldMk cId="2515468531" sldId="290"/>
+            <ac:grpSpMk id="28" creationId="{2025F33C-774D-CCF5-743C-A1DCA28D8FC8}"/>
+          </ac:grpSpMkLst>
+        </pc:grpChg>
+        <pc:grpChg chg="del mod">
+          <ac:chgData name="Marcos Maillot" userId="fa14b39d-e966-4ebb-a436-4f96f84b9577" providerId="ADAL" clId="{1E84885A-7552-472D-840C-9CF2BF35DFDB}" dt="2025-08-06T01:03:01.427" v="11"/>
+          <ac:grpSpMkLst>
+            <pc:docMk/>
+            <pc:sldMk cId="2515468531" sldId="290"/>
+            <ac:grpSpMk id="29" creationId="{0A4CE355-5714-C4C7-1D44-E6C0A40135FA}"/>
+          </ac:grpSpMkLst>
+        </pc:grpChg>
+        <pc:grpChg chg="del mod">
+          <ac:chgData name="Marcos Maillot" userId="fa14b39d-e966-4ebb-a436-4f96f84b9577" providerId="ADAL" clId="{1E84885A-7552-472D-840C-9CF2BF35DFDB}" dt="2025-08-06T01:04:36.277" v="40"/>
+          <ac:grpSpMkLst>
+            <pc:docMk/>
+            <pc:sldMk cId="2515468531" sldId="290"/>
+            <ac:grpSpMk id="30" creationId="{6EB3E180-AA62-A199-5B6C-8D8916A9028D}"/>
+          </ac:grpSpMkLst>
+        </pc:grpChg>
+        <pc:grpChg chg="del mod">
+          <ac:chgData name="Marcos Maillot" userId="fa14b39d-e966-4ebb-a436-4f96f84b9577" providerId="ADAL" clId="{1E84885A-7552-472D-840C-9CF2BF35DFDB}" dt="2025-08-06T01:03:51.600" v="24"/>
+          <ac:grpSpMkLst>
+            <pc:docMk/>
+            <pc:sldMk cId="2515468531" sldId="290"/>
+            <ac:grpSpMk id="37" creationId="{5D5D083A-C5CC-2B1E-1446-23C86C474E3B}"/>
+          </ac:grpSpMkLst>
+        </pc:grpChg>
+        <pc:grpChg chg="del mod">
+          <ac:chgData name="Marcos Maillot" userId="fa14b39d-e966-4ebb-a436-4f96f84b9577" providerId="ADAL" clId="{1E84885A-7552-472D-840C-9CF2BF35DFDB}" dt="2025-08-06T01:03:53.834" v="27"/>
+          <ac:grpSpMkLst>
+            <pc:docMk/>
+            <pc:sldMk cId="2515468531" sldId="290"/>
+            <ac:grpSpMk id="43" creationId="{AB96EF85-7DF2-6EE7-3476-5E23B726A3F2}"/>
+          </ac:grpSpMkLst>
+        </pc:grpChg>
+        <pc:grpChg chg="del mod">
+          <ac:chgData name="Marcos Maillot" userId="fa14b39d-e966-4ebb-a436-4f96f84b9577" providerId="ADAL" clId="{1E84885A-7552-472D-840C-9CF2BF35DFDB}" dt="2025-08-06T01:04:00.306" v="33"/>
+          <ac:grpSpMkLst>
+            <pc:docMk/>
+            <pc:sldMk cId="2515468531" sldId="290"/>
+            <ac:grpSpMk id="46" creationId="{600485F3-0822-E3D0-B6DC-91F516568BA8}"/>
+          </ac:grpSpMkLst>
+        </pc:grpChg>
+        <pc:grpChg chg="del mod">
+          <ac:chgData name="Marcos Maillot" userId="fa14b39d-e966-4ebb-a436-4f96f84b9577" providerId="ADAL" clId="{1E84885A-7552-472D-840C-9CF2BF35DFDB}" dt="2025-08-06T01:04:02.674" v="38"/>
+          <ac:grpSpMkLst>
+            <pc:docMk/>
+            <pc:sldMk cId="2515468531" sldId="290"/>
+            <ac:grpSpMk id="52" creationId="{F186F6E6-DAB3-0507-376B-FF0BDEBAC4D4}"/>
+          </ac:grpSpMkLst>
+        </pc:grpChg>
+        <pc:grpChg chg="mod">
+          <ac:chgData name="Marcos Maillot" userId="fa14b39d-e966-4ebb-a436-4f96f84b9577" providerId="ADAL" clId="{1E84885A-7552-472D-840C-9CF2BF35DFDB}" dt="2025-08-06T01:04:02.674" v="38"/>
+          <ac:grpSpMkLst>
+            <pc:docMk/>
+            <pc:sldMk cId="2515468531" sldId="290"/>
+            <ac:grpSpMk id="57" creationId="{8620C1D0-7F5F-D0C1-D2D5-55AC27AB356A}"/>
+          </ac:grpSpMkLst>
+        </pc:grpChg>
+        <pc:grpChg chg="mod">
+          <ac:chgData name="Marcos Maillot" userId="fa14b39d-e966-4ebb-a436-4f96f84b9577" providerId="ADAL" clId="{1E84885A-7552-472D-840C-9CF2BF35DFDB}" dt="2025-08-06T01:04:36.277" v="40"/>
+          <ac:grpSpMkLst>
+            <pc:docMk/>
+            <pc:sldMk cId="2515468531" sldId="290"/>
+            <ac:grpSpMk id="59" creationId="{A73CFD70-94A8-9159-CB26-50118974BD95}"/>
+          </ac:grpSpMkLst>
+        </pc:grpChg>
+        <pc:grpChg chg="del mod">
+          <ac:chgData name="Marcos Maillot" userId="fa14b39d-e966-4ebb-a436-4f96f84b9577" providerId="ADAL" clId="{1E84885A-7552-472D-840C-9CF2BF35DFDB}" dt="2025-08-06T01:05:07.118" v="74"/>
+          <ac:grpSpMkLst>
+            <pc:docMk/>
+            <pc:sldMk cId="2515468531" sldId="290"/>
+            <ac:grpSpMk id="275" creationId="{36F424C7-4201-7C53-939C-14484A36C904}"/>
+          </ac:grpSpMkLst>
+        </pc:grpChg>
+        <pc:grpChg chg="del mod">
+          <ac:chgData name="Marcos Maillot" userId="fa14b39d-e966-4ebb-a436-4f96f84b9577" providerId="ADAL" clId="{1E84885A-7552-472D-840C-9CF2BF35DFDB}" dt="2025-08-06T01:05:07.118" v="74"/>
+          <ac:grpSpMkLst>
+            <pc:docMk/>
+            <pc:sldMk cId="2515468531" sldId="290"/>
+            <ac:grpSpMk id="276" creationId="{015A201F-CF35-A904-6B05-954D73097D30}"/>
+          </ac:grpSpMkLst>
+        </pc:grpChg>
+        <pc:grpChg chg="del mod">
+          <ac:chgData name="Marcos Maillot" userId="fa14b39d-e966-4ebb-a436-4f96f84b9577" providerId="ADAL" clId="{1E84885A-7552-472D-840C-9CF2BF35DFDB}" dt="2025-08-06T01:05:07.118" v="74"/>
+          <ac:grpSpMkLst>
+            <pc:docMk/>
+            <pc:sldMk cId="2515468531" sldId="290"/>
+            <ac:grpSpMk id="277" creationId="{4AAB7AFA-DE0B-9A1A-AA38-A0EB804A0EF3}"/>
+          </ac:grpSpMkLst>
+        </pc:grpChg>
+        <pc:grpChg chg="mod">
+          <ac:chgData name="Marcos Maillot" userId="fa14b39d-e966-4ebb-a436-4f96f84b9577" providerId="ADAL" clId="{1E84885A-7552-472D-840C-9CF2BF35DFDB}" dt="2025-08-06T01:04:59.591" v="64"/>
+          <ac:grpSpMkLst>
+            <pc:docMk/>
+            <pc:sldMk cId="2515468531" sldId="290"/>
+            <ac:grpSpMk id="278" creationId="{720B0EBE-6B53-06CE-4B7F-5DC0FAA6FB60}"/>
+          </ac:grpSpMkLst>
+        </pc:grpChg>
+        <pc:grpChg chg="del mod">
+          <ac:chgData name="Marcos Maillot" userId="fa14b39d-e966-4ebb-a436-4f96f84b9577" providerId="ADAL" clId="{1E84885A-7552-472D-840C-9CF2BF35DFDB}" dt="2025-08-06T01:05:07.118" v="74"/>
+          <ac:grpSpMkLst>
+            <pc:docMk/>
+            <pc:sldMk cId="2515468531" sldId="290"/>
+            <ac:grpSpMk id="279" creationId="{F518A184-5533-3775-2542-85CB2B7668D9}"/>
+          </ac:grpSpMkLst>
+        </pc:grpChg>
+        <pc:grpChg chg="del mod">
+          <ac:chgData name="Marcos Maillot" userId="fa14b39d-e966-4ebb-a436-4f96f84b9577" providerId="ADAL" clId="{1E84885A-7552-472D-840C-9CF2BF35DFDB}" dt="2025-08-06T01:05:02.575" v="67"/>
+          <ac:grpSpMkLst>
+            <pc:docMk/>
+            <pc:sldMk cId="2515468531" sldId="290"/>
+            <ac:grpSpMk id="280" creationId="{0DD72A5A-91A4-F7C8-E240-08F9F7037427}"/>
+          </ac:grpSpMkLst>
+        </pc:grpChg>
+        <pc:grpChg chg="del mod">
+          <ac:chgData name="Marcos Maillot" userId="fa14b39d-e966-4ebb-a436-4f96f84b9577" providerId="ADAL" clId="{1E84885A-7552-472D-840C-9CF2BF35DFDB}" dt="2025-08-06T01:05:07.118" v="74"/>
+          <ac:grpSpMkLst>
+            <pc:docMk/>
+            <pc:sldMk cId="2515468531" sldId="290"/>
+            <ac:grpSpMk id="283" creationId="{6CDA3EA6-C408-B9B5-7326-B867C13A8E39}"/>
+          </ac:grpSpMkLst>
+        </pc:grpChg>
+        <pc:grpChg chg="del mod">
+          <ac:chgData name="Marcos Maillot" userId="fa14b39d-e966-4ebb-a436-4f96f84b9577" providerId="ADAL" clId="{1E84885A-7552-472D-840C-9CF2BF35DFDB}" dt="2025-08-06T01:05:18.382" v="82"/>
+          <ac:grpSpMkLst>
+            <pc:docMk/>
+            <pc:sldMk cId="2515468531" sldId="290"/>
+            <ac:grpSpMk id="290" creationId="{85BF8BDB-D265-84F3-6D94-7580FC09BCA3}"/>
+          </ac:grpSpMkLst>
+        </pc:grpChg>
+        <pc:grpChg chg="mod">
+          <ac:chgData name="Marcos Maillot" userId="fa14b39d-e966-4ebb-a436-4f96f84b9577" providerId="ADAL" clId="{1E84885A-7552-472D-840C-9CF2BF35DFDB}" dt="2025-08-06T01:05:07.118" v="74"/>
+          <ac:grpSpMkLst>
+            <pc:docMk/>
+            <pc:sldMk cId="2515468531" sldId="290"/>
+            <ac:grpSpMk id="291" creationId="{AA10DAA5-8FDA-7ED3-4DC5-D8D675E0EA13}"/>
+          </ac:grpSpMkLst>
+        </pc:grpChg>
+        <pc:grpChg chg="del mod">
+          <ac:chgData name="Marcos Maillot" userId="fa14b39d-e966-4ebb-a436-4f96f84b9577" providerId="ADAL" clId="{1E84885A-7552-472D-840C-9CF2BF35DFDB}" dt="2025-08-06T01:05:25.432" v="84"/>
+          <ac:grpSpMkLst>
+            <pc:docMk/>
+            <pc:sldMk cId="2515468531" sldId="290"/>
+            <ac:grpSpMk id="299" creationId="{8C20002C-88AF-B15D-07C4-941CB6AFEF31}"/>
+          </ac:grpSpMkLst>
+        </pc:grpChg>
+        <pc:grpChg chg="mod">
+          <ac:chgData name="Marcos Maillot" userId="fa14b39d-e966-4ebb-a436-4f96f84b9577" providerId="ADAL" clId="{1E84885A-7552-472D-840C-9CF2BF35DFDB}" dt="2025-08-06T01:05:25.432" v="84"/>
+          <ac:grpSpMkLst>
+            <pc:docMk/>
+            <pc:sldMk cId="2515468531" sldId="290"/>
+            <ac:grpSpMk id="304" creationId="{39E1F5D7-D9E3-A1CE-FA56-6D69E09CF236}"/>
+          </ac:grpSpMkLst>
+        </pc:grpChg>
+        <pc:inkChg chg="add mod">
+          <ac:chgData name="Marcos Maillot" userId="fa14b39d-e966-4ebb-a436-4f96f84b9577" providerId="ADAL" clId="{1E84885A-7552-472D-840C-9CF2BF35DFDB}" dt="2025-08-06T01:04:36.277" v="40"/>
+          <ac:inkMkLst>
+            <pc:docMk/>
+            <pc:sldMk cId="2515468531" sldId="290"/>
+            <ac:inkMk id="6" creationId="{470101C1-654B-B39E-6A5A-27338202BB40}"/>
+          </ac:inkMkLst>
+        </pc:inkChg>
+        <pc:inkChg chg="add mod">
+          <ac:chgData name="Marcos Maillot" userId="fa14b39d-e966-4ebb-a436-4f96f84b9577" providerId="ADAL" clId="{1E84885A-7552-472D-840C-9CF2BF35DFDB}" dt="2025-08-06T01:04:36.277" v="40"/>
+          <ac:inkMkLst>
+            <pc:docMk/>
+            <pc:sldMk cId="2515468531" sldId="290"/>
+            <ac:inkMk id="16" creationId="{A99D4112-9492-F21E-80F4-E13D2EB7B803}"/>
+          </ac:inkMkLst>
+        </pc:inkChg>
+        <pc:inkChg chg="add mod">
+          <ac:chgData name="Marcos Maillot" userId="fa14b39d-e966-4ebb-a436-4f96f84b9577" providerId="ADAL" clId="{1E84885A-7552-472D-840C-9CF2BF35DFDB}" dt="2025-08-06T01:04:36.277" v="40"/>
+          <ac:inkMkLst>
+            <pc:docMk/>
+            <pc:sldMk cId="2515468531" sldId="290"/>
+            <ac:inkMk id="20" creationId="{FA00E16D-CA66-8631-9A5A-4A5243E53CA7}"/>
+          </ac:inkMkLst>
+        </pc:inkChg>
+        <pc:inkChg chg="add mod">
+          <ac:chgData name="Marcos Maillot" userId="fa14b39d-e966-4ebb-a436-4f96f84b9577" providerId="ADAL" clId="{1E84885A-7552-472D-840C-9CF2BF35DFDB}" dt="2025-08-06T01:04:36.277" v="40"/>
+          <ac:inkMkLst>
+            <pc:docMk/>
+            <pc:sldMk cId="2515468531" sldId="290"/>
+            <ac:inkMk id="22" creationId="{0F244B6C-E502-38FF-9DF3-A1A78446C8B3}"/>
+          </ac:inkMkLst>
+        </pc:inkChg>
+        <pc:inkChg chg="add mod">
+          <ac:chgData name="Marcos Maillot" userId="fa14b39d-e966-4ebb-a436-4f96f84b9577" providerId="ADAL" clId="{1E84885A-7552-472D-840C-9CF2BF35DFDB}" dt="2025-08-06T01:04:36.277" v="40"/>
+          <ac:inkMkLst>
+            <pc:docMk/>
+            <pc:sldMk cId="2515468531" sldId="290"/>
+            <ac:inkMk id="23" creationId="{9C6915B6-50A0-4FAD-FFAA-CD7743845096}"/>
+          </ac:inkMkLst>
+        </pc:inkChg>
+        <pc:inkChg chg="add mod">
+          <ac:chgData name="Marcos Maillot" userId="fa14b39d-e966-4ebb-a436-4f96f84b9577" providerId="ADAL" clId="{1E84885A-7552-472D-840C-9CF2BF35DFDB}" dt="2025-08-06T01:04:36.277" v="40"/>
+          <ac:inkMkLst>
+            <pc:docMk/>
+            <pc:sldMk cId="2515468531" sldId="290"/>
+            <ac:inkMk id="24" creationId="{1AEC5589-7B2C-978F-22C7-536D60FB6599}"/>
+          </ac:inkMkLst>
+        </pc:inkChg>
+        <pc:inkChg chg="add mod">
+          <ac:chgData name="Marcos Maillot" userId="fa14b39d-e966-4ebb-a436-4f96f84b9577" providerId="ADAL" clId="{1E84885A-7552-472D-840C-9CF2BF35DFDB}" dt="2025-08-06T01:04:36.277" v="40"/>
+          <ac:inkMkLst>
+            <pc:docMk/>
+            <pc:sldMk cId="2515468531" sldId="290"/>
+            <ac:inkMk id="25" creationId="{93FD5E4B-2B87-3172-1777-2CBB279EA74A}"/>
+          </ac:inkMkLst>
+        </pc:inkChg>
+        <pc:inkChg chg="add">
+          <ac:chgData name="Marcos Maillot" userId="fa14b39d-e966-4ebb-a436-4f96f84b9577" providerId="ADAL" clId="{1E84885A-7552-472D-840C-9CF2BF35DFDB}" dt="2025-08-06T01:03:00.388" v="9" actId="9405"/>
+          <ac:inkMkLst>
+            <pc:docMk/>
+            <pc:sldMk cId="2515468531" sldId="290"/>
+            <ac:inkMk id="26" creationId="{EF773EAD-1FAC-48B9-F3FE-CFE64E0B3BDA}"/>
+          </ac:inkMkLst>
+        </pc:inkChg>
+        <pc:inkChg chg="add mod">
+          <ac:chgData name="Marcos Maillot" userId="fa14b39d-e966-4ebb-a436-4f96f84b9577" providerId="ADAL" clId="{1E84885A-7552-472D-840C-9CF2BF35DFDB}" dt="2025-08-06T01:03:01.427" v="11"/>
+          <ac:inkMkLst>
+            <pc:docMk/>
+            <pc:sldMk cId="2515468531" sldId="290"/>
+            <ac:inkMk id="27" creationId="{DBE5141E-5665-CB79-6358-557A32B5F047}"/>
+          </ac:inkMkLst>
+        </pc:inkChg>
+        <pc:inkChg chg="add">
+          <ac:chgData name="Marcos Maillot" userId="fa14b39d-e966-4ebb-a436-4f96f84b9577" providerId="ADAL" clId="{1E84885A-7552-472D-840C-9CF2BF35DFDB}" dt="2025-08-06T01:03:01.791" v="12" actId="9405"/>
+          <ac:inkMkLst>
+            <pc:docMk/>
+            <pc:sldMk cId="2515468531" sldId="290"/>
+            <ac:inkMk id="31" creationId="{A1DA11F8-86C1-0C96-2550-91D8BFC74E7B}"/>
+          </ac:inkMkLst>
+        </pc:inkChg>
+        <pc:inkChg chg="add">
+          <ac:chgData name="Marcos Maillot" userId="fa14b39d-e966-4ebb-a436-4f96f84b9577" providerId="ADAL" clId="{1E84885A-7552-472D-840C-9CF2BF35DFDB}" dt="2025-08-06T01:03:43.092" v="13" actId="9405"/>
+          <ac:inkMkLst>
+            <pc:docMk/>
+            <pc:sldMk cId="2515468531" sldId="290"/>
+            <ac:inkMk id="32" creationId="{F86F9C7D-34C0-E6B9-FB77-A57B4D28DF75}"/>
+          </ac:inkMkLst>
+        </pc:inkChg>
+        <pc:inkChg chg="add mod">
+          <ac:chgData name="Marcos Maillot" userId="fa14b39d-e966-4ebb-a436-4f96f84b9577" providerId="ADAL" clId="{1E84885A-7552-472D-840C-9CF2BF35DFDB}" dt="2025-08-06T01:04:00.306" v="33"/>
+          <ac:inkMkLst>
+            <pc:docMk/>
+            <pc:sldMk cId="2515468531" sldId="290"/>
+            <ac:inkMk id="33" creationId="{5CC410EC-BC9B-ACC7-AE85-17180960A136}"/>
+          </ac:inkMkLst>
+        </pc:inkChg>
+        <pc:inkChg chg="add">
+          <ac:chgData name="Marcos Maillot" userId="fa14b39d-e966-4ebb-a436-4f96f84b9577" providerId="ADAL" clId="{1E84885A-7552-472D-840C-9CF2BF35DFDB}" dt="2025-08-06T01:03:45.682" v="15" actId="9405"/>
+          <ac:inkMkLst>
+            <pc:docMk/>
+            <pc:sldMk cId="2515468531" sldId="290"/>
+            <ac:inkMk id="34" creationId="{EF8CA6B9-CA97-16BB-CCB1-E341210A51A2}"/>
+          </ac:inkMkLst>
+        </pc:inkChg>
+        <pc:inkChg chg="add mod">
+          <ac:chgData name="Marcos Maillot" userId="fa14b39d-e966-4ebb-a436-4f96f84b9577" providerId="ADAL" clId="{1E84885A-7552-472D-840C-9CF2BF35DFDB}" dt="2025-08-06T01:04:00.306" v="33"/>
+          <ac:inkMkLst>
+            <pc:docMk/>
+            <pc:sldMk cId="2515468531" sldId="290"/>
+            <ac:inkMk id="35" creationId="{13B89904-3471-28AE-850C-A3D54356C1F8}"/>
+          </ac:inkMkLst>
+        </pc:inkChg>
+        <pc:inkChg chg="add mod">
+          <ac:chgData name="Marcos Maillot" userId="fa14b39d-e966-4ebb-a436-4f96f84b9577" providerId="ADAL" clId="{1E84885A-7552-472D-840C-9CF2BF35DFDB}" dt="2025-08-06T01:04:02.674" v="38"/>
+          <ac:inkMkLst>
+            <pc:docMk/>
+            <pc:sldMk cId="2515468531" sldId="290"/>
+            <ac:inkMk id="36" creationId="{059BBCC7-AF58-07AE-B9CB-294B91A34341}"/>
+          </ac:inkMkLst>
+        </pc:inkChg>
+        <pc:inkChg chg="add">
+          <ac:chgData name="Marcos Maillot" userId="fa14b39d-e966-4ebb-a436-4f96f84b9577" providerId="ADAL" clId="{1E84885A-7552-472D-840C-9CF2BF35DFDB}" dt="2025-08-06T01:03:49.139" v="19" actId="9405"/>
+          <ac:inkMkLst>
+            <pc:docMk/>
+            <pc:sldMk cId="2515468531" sldId="290"/>
+            <ac:inkMk id="38" creationId="{57A2C929-7F91-F2E4-96CF-772160773EEC}"/>
+          </ac:inkMkLst>
+        </pc:inkChg>
+        <pc:inkChg chg="add mod">
+          <ac:chgData name="Marcos Maillot" userId="fa14b39d-e966-4ebb-a436-4f96f84b9577" providerId="ADAL" clId="{1E84885A-7552-472D-840C-9CF2BF35DFDB}" dt="2025-08-06T01:04:02.674" v="38"/>
+          <ac:inkMkLst>
+            <pc:docMk/>
+            <pc:sldMk cId="2515468531" sldId="290"/>
+            <ac:inkMk id="39" creationId="{1711B58A-2E29-200A-7BD2-D95977B1CE94}"/>
+          </ac:inkMkLst>
+        </pc:inkChg>
+        <pc:inkChg chg="add mod">
+          <ac:chgData name="Marcos Maillot" userId="fa14b39d-e966-4ebb-a436-4f96f84b9577" providerId="ADAL" clId="{1E84885A-7552-472D-840C-9CF2BF35DFDB}" dt="2025-08-06T01:04:00.306" v="33"/>
+          <ac:inkMkLst>
+            <pc:docMk/>
+            <pc:sldMk cId="2515468531" sldId="290"/>
+            <ac:inkMk id="40" creationId="{6CD96AD7-FC5C-5464-809B-A0CC1414A599}"/>
+          </ac:inkMkLst>
+        </pc:inkChg>
+        <pc:inkChg chg="add mod">
+          <ac:chgData name="Marcos Maillot" userId="fa14b39d-e966-4ebb-a436-4f96f84b9577" providerId="ADAL" clId="{1E84885A-7552-472D-840C-9CF2BF35DFDB}" dt="2025-08-06T01:04:02.674" v="38"/>
+          <ac:inkMkLst>
+            <pc:docMk/>
+            <pc:sldMk cId="2515468531" sldId="290"/>
+            <ac:inkMk id="41" creationId="{2955C0D3-EB27-57FC-6B59-FF67523E1597}"/>
+          </ac:inkMkLst>
+        </pc:inkChg>
+        <pc:inkChg chg="add mod">
+          <ac:chgData name="Marcos Maillot" userId="fa14b39d-e966-4ebb-a436-4f96f84b9577" providerId="ADAL" clId="{1E84885A-7552-472D-840C-9CF2BF35DFDB}" dt="2025-08-06T01:04:02.674" v="38"/>
+          <ac:inkMkLst>
+            <pc:docMk/>
+            <pc:sldMk cId="2515468531" sldId="290"/>
+            <ac:inkMk id="42" creationId="{A6A27FE7-FB79-2E16-6744-7678209E6608}"/>
+          </ac:inkMkLst>
+        </pc:inkChg>
+        <pc:inkChg chg="add">
+          <ac:chgData name="Marcos Maillot" userId="fa14b39d-e966-4ebb-a436-4f96f84b9577" providerId="ADAL" clId="{1E84885A-7552-472D-840C-9CF2BF35DFDB}" dt="2025-08-06T01:03:52.382" v="25" actId="9405"/>
+          <ac:inkMkLst>
+            <pc:docMk/>
+            <pc:sldMk cId="2515468531" sldId="290"/>
+            <ac:inkMk id="44" creationId="{A751ABB3-DE01-390D-D9FC-2A9143389971}"/>
+          </ac:inkMkLst>
+        </pc:inkChg>
+        <pc:inkChg chg="add mod">
+          <ac:chgData name="Marcos Maillot" userId="fa14b39d-e966-4ebb-a436-4f96f84b9577" providerId="ADAL" clId="{1E84885A-7552-472D-840C-9CF2BF35DFDB}" dt="2025-08-06T01:04:00.306" v="33"/>
+          <ac:inkMkLst>
+            <pc:docMk/>
+            <pc:sldMk cId="2515468531" sldId="290"/>
+            <ac:inkMk id="45" creationId="{6CB29CFD-74C5-BAF8-D24B-0A3707CE53B6}"/>
+          </ac:inkMkLst>
+        </pc:inkChg>
+        <pc:inkChg chg="add">
+          <ac:chgData name="Marcos Maillot" userId="fa14b39d-e966-4ebb-a436-4f96f84b9577" providerId="ADAL" clId="{1E84885A-7552-472D-840C-9CF2BF35DFDB}" dt="2025-08-06T01:03:55.174" v="28" actId="9405"/>
+          <ac:inkMkLst>
+            <pc:docMk/>
+            <pc:sldMk cId="2515468531" sldId="290"/>
+            <ac:inkMk id="47" creationId="{4F3AE93E-2A00-420A-A624-473C689FB60B}"/>
+          </ac:inkMkLst>
+        </pc:inkChg>
+        <pc:inkChg chg="add del">
+          <ac:chgData name="Marcos Maillot" userId="fa14b39d-e966-4ebb-a436-4f96f84b9577" providerId="ADAL" clId="{1E84885A-7552-472D-840C-9CF2BF35DFDB}" dt="2025-08-06T01:03:56.146" v="30"/>
+          <ac:inkMkLst>
+            <pc:docMk/>
+            <pc:sldMk cId="2515468531" sldId="290"/>
+            <ac:inkMk id="48" creationId="{5D804C85-BC51-FCFC-AE3D-E2DF262BBD92}"/>
+          </ac:inkMkLst>
+        </pc:inkChg>
+        <pc:inkChg chg="add">
+          <ac:chgData name="Marcos Maillot" userId="fa14b39d-e966-4ebb-a436-4f96f84b9577" providerId="ADAL" clId="{1E84885A-7552-472D-840C-9CF2BF35DFDB}" dt="2025-08-06T01:03:56.146" v="30"/>
+          <ac:inkMkLst>
+            <pc:docMk/>
+            <pc:sldMk cId="2515468531" sldId="290"/>
+            <ac:inkMk id="49" creationId="{C5004E23-E4E0-D9AA-750A-B73241400990}"/>
+          </ac:inkMkLst>
+        </pc:inkChg>
+        <pc:inkChg chg="add mod">
+          <ac:chgData name="Marcos Maillot" userId="fa14b39d-e966-4ebb-a436-4f96f84b9577" providerId="ADAL" clId="{1E84885A-7552-472D-840C-9CF2BF35DFDB}" dt="2025-08-06T01:04:02.674" v="38"/>
+          <ac:inkMkLst>
+            <pc:docMk/>
+            <pc:sldMk cId="2515468531" sldId="290"/>
+            <ac:inkMk id="50" creationId="{CCE9731A-77F6-AED6-0807-7CC56F0B1941}"/>
+          </ac:inkMkLst>
+        </pc:inkChg>
+        <pc:inkChg chg="add mod">
+          <ac:chgData name="Marcos Maillot" userId="fa14b39d-e966-4ebb-a436-4f96f84b9577" providerId="ADAL" clId="{1E84885A-7552-472D-840C-9CF2BF35DFDB}" dt="2025-08-06T01:04:00.306" v="33"/>
+          <ac:inkMkLst>
+            <pc:docMk/>
+            <pc:sldMk cId="2515468531" sldId="290"/>
+            <ac:inkMk id="51" creationId="{7D020777-3554-03E1-D8ED-57067F9C9D92}"/>
+          </ac:inkMkLst>
+        </pc:inkChg>
+        <pc:inkChg chg="add mod">
+          <ac:chgData name="Marcos Maillot" userId="fa14b39d-e966-4ebb-a436-4f96f84b9577" providerId="ADAL" clId="{1E84885A-7552-472D-840C-9CF2BF35DFDB}" dt="2025-08-06T01:04:02.674" v="38"/>
+          <ac:inkMkLst>
+            <pc:docMk/>
+            <pc:sldMk cId="2515468531" sldId="290"/>
+            <ac:inkMk id="53" creationId="{0990E5AF-93B5-13B4-B062-A100EC1D19A2}"/>
+          </ac:inkMkLst>
+        </pc:inkChg>
+        <pc:inkChg chg="add mod">
+          <ac:chgData name="Marcos Maillot" userId="fa14b39d-e966-4ebb-a436-4f96f84b9577" providerId="ADAL" clId="{1E84885A-7552-472D-840C-9CF2BF35DFDB}" dt="2025-08-06T01:04:02.674" v="38"/>
+          <ac:inkMkLst>
+            <pc:docMk/>
+            <pc:sldMk cId="2515468531" sldId="290"/>
+            <ac:inkMk id="54" creationId="{471F1046-815A-DAF9-514A-DAB879B6CECC}"/>
+          </ac:inkMkLst>
+        </pc:inkChg>
+        <pc:inkChg chg="add">
+          <ac:chgData name="Marcos Maillot" userId="fa14b39d-e966-4ebb-a436-4f96f84b9577" providerId="ADAL" clId="{1E84885A-7552-472D-840C-9CF2BF35DFDB}" dt="2025-08-06T01:04:00.883" v="36" actId="9405"/>
+          <ac:inkMkLst>
+            <pc:docMk/>
+            <pc:sldMk cId="2515468531" sldId="290"/>
+            <ac:inkMk id="55" creationId="{32D0CF00-A0EB-CD79-28CE-23A891E31F97}"/>
+          </ac:inkMkLst>
+        </pc:inkChg>
+        <pc:inkChg chg="add mod">
+          <ac:chgData name="Marcos Maillot" userId="fa14b39d-e966-4ebb-a436-4f96f84b9577" providerId="ADAL" clId="{1E84885A-7552-472D-840C-9CF2BF35DFDB}" dt="2025-08-06T01:04:02.674" v="38"/>
+          <ac:inkMkLst>
+            <pc:docMk/>
+            <pc:sldMk cId="2515468531" sldId="290"/>
+            <ac:inkMk id="56" creationId="{4C82A42F-EF5C-8438-CFB6-EA80DD368FA4}"/>
+          </ac:inkMkLst>
+        </pc:inkChg>
+        <pc:inkChg chg="add mod">
+          <ac:chgData name="Marcos Maillot" userId="fa14b39d-e966-4ebb-a436-4f96f84b9577" providerId="ADAL" clId="{1E84885A-7552-472D-840C-9CF2BF35DFDB}" dt="2025-08-06T01:04:36.277" v="40"/>
+          <ac:inkMkLst>
+            <pc:docMk/>
+            <pc:sldMk cId="2515468531" sldId="290"/>
+            <ac:inkMk id="58" creationId="{C9C052DD-5C85-EB3F-21DD-CF52BFC587E7}"/>
+          </ac:inkMkLst>
+        </pc:inkChg>
+        <pc:inkChg chg="add mod">
+          <ac:chgData name="Marcos Maillot" userId="fa14b39d-e966-4ebb-a436-4f96f84b9577" providerId="ADAL" clId="{1E84885A-7552-472D-840C-9CF2BF35DFDB}" dt="2025-08-06T01:05:02.575" v="67"/>
+          <ac:inkMkLst>
+            <pc:docMk/>
+            <pc:sldMk cId="2515468531" sldId="290"/>
+            <ac:inkMk id="60" creationId="{1C9B7566-A9FE-CD50-7173-AF0AED6BE6D2}"/>
+          </ac:inkMkLst>
+        </pc:inkChg>
+        <pc:inkChg chg="add mod">
+          <ac:chgData name="Marcos Maillot" userId="fa14b39d-e966-4ebb-a436-4f96f84b9577" providerId="ADAL" clId="{1E84885A-7552-472D-840C-9CF2BF35DFDB}" dt="2025-08-06T01:05:07.118" v="74"/>
+          <ac:inkMkLst>
+            <pc:docMk/>
+            <pc:sldMk cId="2515468531" sldId="290"/>
+            <ac:inkMk id="61" creationId="{34113BA6-C72A-6947-2B67-90CBFBF1B03C}"/>
+          </ac:inkMkLst>
+        </pc:inkChg>
+        <pc:inkChg chg="add mod">
+          <ac:chgData name="Marcos Maillot" userId="fa14b39d-e966-4ebb-a436-4f96f84b9577" providerId="ADAL" clId="{1E84885A-7552-472D-840C-9CF2BF35DFDB}" dt="2025-08-06T01:05:02.575" v="67"/>
+          <ac:inkMkLst>
+            <pc:docMk/>
+            <pc:sldMk cId="2515468531" sldId="290"/>
+            <ac:inkMk id="62" creationId="{6279EC76-99E0-2C56-6BA5-EC5F8DD82C9A}"/>
+          </ac:inkMkLst>
+        </pc:inkChg>
+        <pc:inkChg chg="add mod">
+          <ac:chgData name="Marcos Maillot" userId="fa14b39d-e966-4ebb-a436-4f96f84b9577" providerId="ADAL" clId="{1E84885A-7552-472D-840C-9CF2BF35DFDB}" dt="2025-08-06T01:05:02.575" v="67"/>
+          <ac:inkMkLst>
+            <pc:docMk/>
+            <pc:sldMk cId="2515468531" sldId="290"/>
+            <ac:inkMk id="63" creationId="{A8415F27-B78E-5367-B829-BBE21A7A357A}"/>
+          </ac:inkMkLst>
+        </pc:inkChg>
+        <pc:inkChg chg="add mod">
+          <ac:chgData name="Marcos Maillot" userId="fa14b39d-e966-4ebb-a436-4f96f84b9577" providerId="ADAL" clId="{1E84885A-7552-472D-840C-9CF2BF35DFDB}" dt="2025-08-06T01:05:02.575" v="67"/>
+          <ac:inkMkLst>
+            <pc:docMk/>
+            <pc:sldMk cId="2515468531" sldId="290"/>
+            <ac:inkMk id="256" creationId="{83BCEF72-B7CC-BC15-EE86-A420AC83D0E9}"/>
+          </ac:inkMkLst>
+        </pc:inkChg>
+        <pc:inkChg chg="add">
+          <ac:chgData name="Marcos Maillot" userId="fa14b39d-e966-4ebb-a436-4f96f84b9577" providerId="ADAL" clId="{1E84885A-7552-472D-840C-9CF2BF35DFDB}" dt="2025-08-06T01:04:55.067" v="46" actId="9405"/>
+          <ac:inkMkLst>
+            <pc:docMk/>
+            <pc:sldMk cId="2515468531" sldId="290"/>
+            <ac:inkMk id="257" creationId="{06121646-CC24-7BD5-10F6-E371B98097A2}"/>
+          </ac:inkMkLst>
+        </pc:inkChg>
+        <pc:inkChg chg="add">
+          <ac:chgData name="Marcos Maillot" userId="fa14b39d-e966-4ebb-a436-4f96f84b9577" providerId="ADAL" clId="{1E84885A-7552-472D-840C-9CF2BF35DFDB}" dt="2025-08-06T01:04:55.206" v="47" actId="9405"/>
+          <ac:inkMkLst>
+            <pc:docMk/>
+            <pc:sldMk cId="2515468531" sldId="290"/>
+            <ac:inkMk id="258" creationId="{F5E46275-C416-8DA7-F24A-6A378D9B862A}"/>
+          </ac:inkMkLst>
+        </pc:inkChg>
+        <pc:inkChg chg="add">
+          <ac:chgData name="Marcos Maillot" userId="fa14b39d-e966-4ebb-a436-4f96f84b9577" providerId="ADAL" clId="{1E84885A-7552-472D-840C-9CF2BF35DFDB}" dt="2025-08-06T01:04:55.395" v="48" actId="9405"/>
+          <ac:inkMkLst>
+            <pc:docMk/>
+            <pc:sldMk cId="2515468531" sldId="290"/>
+            <ac:inkMk id="259" creationId="{D4204B77-7E44-EBA0-EAB6-3BA8DEDCB7F1}"/>
+          </ac:inkMkLst>
+        </pc:inkChg>
+        <pc:inkChg chg="add mod">
+          <ac:chgData name="Marcos Maillot" userId="fa14b39d-e966-4ebb-a436-4f96f84b9577" providerId="ADAL" clId="{1E84885A-7552-472D-840C-9CF2BF35DFDB}" dt="2025-08-06T01:05:07.118" v="74"/>
+          <ac:inkMkLst>
+            <pc:docMk/>
+            <pc:sldMk cId="2515468531" sldId="290"/>
+            <ac:inkMk id="260" creationId="{926DD3B9-065C-1574-4842-BF4089AE32CF}"/>
+          </ac:inkMkLst>
+        </pc:inkChg>
+        <pc:inkChg chg="add">
+          <ac:chgData name="Marcos Maillot" userId="fa14b39d-e966-4ebb-a436-4f96f84b9577" providerId="ADAL" clId="{1E84885A-7552-472D-840C-9CF2BF35DFDB}" dt="2025-08-06T01:04:55.871" v="50" actId="9405"/>
+          <ac:inkMkLst>
+            <pc:docMk/>
+            <pc:sldMk cId="2515468531" sldId="290"/>
+            <ac:inkMk id="261" creationId="{B237C5E3-9A53-A8A5-7BDE-AA9707BACBE1}"/>
+          </ac:inkMkLst>
+        </pc:inkChg>
+        <pc:inkChg chg="add">
+          <ac:chgData name="Marcos Maillot" userId="fa14b39d-e966-4ebb-a436-4f96f84b9577" providerId="ADAL" clId="{1E84885A-7552-472D-840C-9CF2BF35DFDB}" dt="2025-08-06T01:04:55.999" v="51" actId="9405"/>
+          <ac:inkMkLst>
+            <pc:docMk/>
+            <pc:sldMk cId="2515468531" sldId="290"/>
+            <ac:inkMk id="262" creationId="{557893AC-D59F-D5F4-46A2-34246C280C5C}"/>
+          </ac:inkMkLst>
+        </pc:inkChg>
+        <pc:inkChg chg="add">
+          <ac:chgData name="Marcos Maillot" userId="fa14b39d-e966-4ebb-a436-4f96f84b9577" providerId="ADAL" clId="{1E84885A-7552-472D-840C-9CF2BF35DFDB}" dt="2025-08-06T01:04:56.258" v="52" actId="9405"/>
+          <ac:inkMkLst>
+            <pc:docMk/>
+            <pc:sldMk cId="2515468531" sldId="290"/>
+            <ac:inkMk id="263" creationId="{33C4AA7F-19A8-B23D-3CE4-73B0CD428B27}"/>
+          </ac:inkMkLst>
+        </pc:inkChg>
+        <pc:inkChg chg="add">
+          <ac:chgData name="Marcos Maillot" userId="fa14b39d-e966-4ebb-a436-4f96f84b9577" providerId="ADAL" clId="{1E84885A-7552-472D-840C-9CF2BF35DFDB}" dt="2025-08-06T01:04:56.827" v="53" actId="9405"/>
+          <ac:inkMkLst>
+            <pc:docMk/>
+            <pc:sldMk cId="2515468531" sldId="290"/>
+            <ac:inkMk id="264" creationId="{1E402EB8-44A0-1149-6F0A-A03332AD06FE}"/>
+          </ac:inkMkLst>
+        </pc:inkChg>
+        <pc:inkChg chg="add">
+          <ac:chgData name="Marcos Maillot" userId="fa14b39d-e966-4ebb-a436-4f96f84b9577" providerId="ADAL" clId="{1E84885A-7552-472D-840C-9CF2BF35DFDB}" dt="2025-08-06T01:04:56.982" v="54" actId="9405"/>
+          <ac:inkMkLst>
+            <pc:docMk/>
+            <pc:sldMk cId="2515468531" sldId="290"/>
+            <ac:inkMk id="265" creationId="{864A8F08-EADC-4C64-0C15-B705716DA4D2}"/>
+          </ac:inkMkLst>
+        </pc:inkChg>
+        <pc:inkChg chg="add">
+          <ac:chgData name="Marcos Maillot" userId="fa14b39d-e966-4ebb-a436-4f96f84b9577" providerId="ADAL" clId="{1E84885A-7552-472D-840C-9CF2BF35DFDB}" dt="2025-08-06T01:04:57.103" v="55" actId="9405"/>
+          <ac:inkMkLst>
+            <pc:docMk/>
+            <pc:sldMk cId="2515468531" sldId="290"/>
+            <ac:inkMk id="266" creationId="{57A5CF14-84B8-B3C6-6C13-78BF7DB403D6}"/>
+          </ac:inkMkLst>
+        </pc:inkChg>
+        <pc:inkChg chg="add mod">
+          <ac:chgData name="Marcos Maillot" userId="fa14b39d-e966-4ebb-a436-4f96f84b9577" providerId="ADAL" clId="{1E84885A-7552-472D-840C-9CF2BF35DFDB}" dt="2025-08-06T01:05:25.432" v="84"/>
+          <ac:inkMkLst>
+            <pc:docMk/>
+            <pc:sldMk cId="2515468531" sldId="290"/>
+            <ac:inkMk id="267" creationId="{3F9730AF-239A-F190-5218-47C3999CACEE}"/>
+          </ac:inkMkLst>
+        </pc:inkChg>
+        <pc:inkChg chg="add">
+          <ac:chgData name="Marcos Maillot" userId="fa14b39d-e966-4ebb-a436-4f96f84b9577" providerId="ADAL" clId="{1E84885A-7552-472D-840C-9CF2BF35DFDB}" dt="2025-08-06T01:04:57.597" v="57" actId="9405"/>
+          <ac:inkMkLst>
+            <pc:docMk/>
+            <pc:sldMk cId="2515468531" sldId="290"/>
+            <ac:inkMk id="268" creationId="{C1D37BF6-B168-1951-F2DB-AB45687AACA1}"/>
+          </ac:inkMkLst>
+        </pc:inkChg>
+        <pc:inkChg chg="add mod">
+          <ac:chgData name="Marcos Maillot" userId="fa14b39d-e966-4ebb-a436-4f96f84b9577" providerId="ADAL" clId="{1E84885A-7552-472D-840C-9CF2BF35DFDB}" dt="2025-08-06T01:05:25.432" v="84"/>
+          <ac:inkMkLst>
+            <pc:docMk/>
+            <pc:sldMk cId="2515468531" sldId="290"/>
+            <ac:inkMk id="269" creationId="{86A16F07-5F06-3517-3FAC-C002A96C3047}"/>
+          </ac:inkMkLst>
+        </pc:inkChg>
+        <pc:inkChg chg="add mod">
+          <ac:chgData name="Marcos Maillot" userId="fa14b39d-e966-4ebb-a436-4f96f84b9577" providerId="ADAL" clId="{1E84885A-7552-472D-840C-9CF2BF35DFDB}" dt="2025-08-06T01:05:25.432" v="84"/>
+          <ac:inkMkLst>
+            <pc:docMk/>
+            <pc:sldMk cId="2515468531" sldId="290"/>
+            <ac:inkMk id="270" creationId="{ACD78BCE-C093-01B6-6D50-A260F5905D73}"/>
+          </ac:inkMkLst>
+        </pc:inkChg>
+        <pc:inkChg chg="add mod">
+          <ac:chgData name="Marcos Maillot" userId="fa14b39d-e966-4ebb-a436-4f96f84b9577" providerId="ADAL" clId="{1E84885A-7552-472D-840C-9CF2BF35DFDB}" dt="2025-08-06T01:05:25.432" v="84"/>
+          <ac:inkMkLst>
+            <pc:docMk/>
+            <pc:sldMk cId="2515468531" sldId="290"/>
+            <ac:inkMk id="271" creationId="{50FFC634-2F88-4D74-8A31-014BD4514DA2}"/>
+          </ac:inkMkLst>
+        </pc:inkChg>
+        <pc:inkChg chg="add">
+          <ac:chgData name="Marcos Maillot" userId="fa14b39d-e966-4ebb-a436-4f96f84b9577" providerId="ADAL" clId="{1E84885A-7552-472D-840C-9CF2BF35DFDB}" dt="2025-08-06T01:04:58.409" v="61" actId="9405"/>
+          <ac:inkMkLst>
+            <pc:docMk/>
+            <pc:sldMk cId="2515468531" sldId="290"/>
+            <ac:inkMk id="272" creationId="{A8518A96-740D-2B60-0416-6B621770EC4D}"/>
+          </ac:inkMkLst>
+        </pc:inkChg>
+        <pc:inkChg chg="add">
+          <ac:chgData name="Marcos Maillot" userId="fa14b39d-e966-4ebb-a436-4f96f84b9577" providerId="ADAL" clId="{1E84885A-7552-472D-840C-9CF2BF35DFDB}" dt="2025-08-06T01:04:58.584" v="62" actId="9405"/>
+          <ac:inkMkLst>
+            <pc:docMk/>
+            <pc:sldMk cId="2515468531" sldId="290"/>
+            <ac:inkMk id="273" creationId="{E0EC11BD-B628-6138-2958-61720F8DD3A2}"/>
+          </ac:inkMkLst>
+        </pc:inkChg>
+        <pc:inkChg chg="add">
+          <ac:chgData name="Marcos Maillot" userId="fa14b39d-e966-4ebb-a436-4f96f84b9577" providerId="ADAL" clId="{1E84885A-7552-472D-840C-9CF2BF35DFDB}" dt="2025-08-06T01:04:58.833" v="63" actId="9405"/>
+          <ac:inkMkLst>
+            <pc:docMk/>
+            <pc:sldMk cId="2515468531" sldId="290"/>
+            <ac:inkMk id="274" creationId="{C562EDF7-59DB-948B-3C9D-8BF927BE9B55}"/>
+          </ac:inkMkLst>
+        </pc:inkChg>
+        <pc:inkChg chg="add mod">
+          <ac:chgData name="Marcos Maillot" userId="fa14b39d-e966-4ebb-a436-4f96f84b9577" providerId="ADAL" clId="{1E84885A-7552-472D-840C-9CF2BF35DFDB}" dt="2025-08-06T01:05:07.118" v="74"/>
+          <ac:inkMkLst>
+            <pc:docMk/>
+            <pc:sldMk cId="2515468531" sldId="290"/>
+            <ac:inkMk id="281" creationId="{4032D900-3D06-9596-8C5E-5462D7A43317}"/>
+          </ac:inkMkLst>
+        </pc:inkChg>
+        <pc:inkChg chg="add mod">
+          <ac:chgData name="Marcos Maillot" userId="fa14b39d-e966-4ebb-a436-4f96f84b9577" providerId="ADAL" clId="{1E84885A-7552-472D-840C-9CF2BF35DFDB}" dt="2025-08-06T01:05:02.575" v="67"/>
+          <ac:inkMkLst>
+            <pc:docMk/>
+            <pc:sldMk cId="2515468531" sldId="290"/>
+            <ac:inkMk id="282" creationId="{F085E2B1-305F-E547-C794-06047104C8A3}"/>
+          </ac:inkMkLst>
+        </pc:inkChg>
+        <pc:inkChg chg="add">
+          <ac:chgData name="Marcos Maillot" userId="fa14b39d-e966-4ebb-a436-4f96f84b9577" providerId="ADAL" clId="{1E84885A-7552-472D-840C-9CF2BF35DFDB}" dt="2025-08-06T01:05:03.647" v="68" actId="9405"/>
+          <ac:inkMkLst>
+            <pc:docMk/>
+            <pc:sldMk cId="2515468531" sldId="290"/>
+            <ac:inkMk id="284" creationId="{0F895C57-8B1C-0252-5E18-8FCCC7F1C597}"/>
+          </ac:inkMkLst>
+        </pc:inkChg>
+        <pc:inkChg chg="add">
+          <ac:chgData name="Marcos Maillot" userId="fa14b39d-e966-4ebb-a436-4f96f84b9577" providerId="ADAL" clId="{1E84885A-7552-472D-840C-9CF2BF35DFDB}" dt="2025-08-06T01:05:04.233" v="69" actId="9405"/>
+          <ac:inkMkLst>
+            <pc:docMk/>
+            <pc:sldMk cId="2515468531" sldId="290"/>
+            <ac:inkMk id="285" creationId="{DA2CB252-01EE-D025-4DB9-D80CCB8BB445}"/>
+          </ac:inkMkLst>
+        </pc:inkChg>
+        <pc:inkChg chg="add">
+          <ac:chgData name="Marcos Maillot" userId="fa14b39d-e966-4ebb-a436-4f96f84b9577" providerId="ADAL" clId="{1E84885A-7552-472D-840C-9CF2BF35DFDB}" dt="2025-08-06T01:05:04.938" v="70" actId="9405"/>
+          <ac:inkMkLst>
+            <pc:docMk/>
+            <pc:sldMk cId="2515468531" sldId="290"/>
+            <ac:inkMk id="286" creationId="{C78FEF22-1E11-25DC-0C37-A74F4F44F6F9}"/>
+          </ac:inkMkLst>
+        </pc:inkChg>
+        <pc:inkChg chg="add">
+          <ac:chgData name="Marcos Maillot" userId="fa14b39d-e966-4ebb-a436-4f96f84b9577" providerId="ADAL" clId="{1E84885A-7552-472D-840C-9CF2BF35DFDB}" dt="2025-08-06T01:05:05.519" v="71" actId="9405"/>
+          <ac:inkMkLst>
+            <pc:docMk/>
+            <pc:sldMk cId="2515468531" sldId="290"/>
+            <ac:inkMk id="287" creationId="{6A8E4DAE-C994-2F04-48C2-BE78042FD7F6}"/>
+          </ac:inkMkLst>
+        </pc:inkChg>
+        <pc:inkChg chg="add">
+          <ac:chgData name="Marcos Maillot" userId="fa14b39d-e966-4ebb-a436-4f96f84b9577" providerId="ADAL" clId="{1E84885A-7552-472D-840C-9CF2BF35DFDB}" dt="2025-08-06T01:05:06.012" v="72" actId="9405"/>
+          <ac:inkMkLst>
+            <pc:docMk/>
+            <pc:sldMk cId="2515468531" sldId="290"/>
+            <ac:inkMk id="288" creationId="{A1D00B98-37C7-6453-3BBD-097C7C15612A}"/>
+          </ac:inkMkLst>
+        </pc:inkChg>
+        <pc:inkChg chg="add">
+          <ac:chgData name="Marcos Maillot" userId="fa14b39d-e966-4ebb-a436-4f96f84b9577" providerId="ADAL" clId="{1E84885A-7552-472D-840C-9CF2BF35DFDB}" dt="2025-08-06T01:05:06.517" v="73" actId="9405"/>
+          <ac:inkMkLst>
+            <pc:docMk/>
+            <pc:sldMk cId="2515468531" sldId="290"/>
+            <ac:inkMk id="289" creationId="{634BF37E-643E-F8EB-6305-5D8F2DB5AA7F}"/>
+          </ac:inkMkLst>
+        </pc:inkChg>
+        <pc:inkChg chg="add del">
+          <ac:chgData name="Marcos Maillot" userId="fa14b39d-e966-4ebb-a436-4f96f84b9577" providerId="ADAL" clId="{1E84885A-7552-472D-840C-9CF2BF35DFDB}" dt="2025-08-06T01:05:12.027" v="76"/>
+          <ac:inkMkLst>
+            <pc:docMk/>
+            <pc:sldMk cId="2515468531" sldId="290"/>
+            <ac:inkMk id="292" creationId="{390DC15D-5538-E38E-5674-FEE47F9F07EC}"/>
+          </ac:inkMkLst>
+        </pc:inkChg>
+        <pc:inkChg chg="add">
+          <ac:chgData name="Marcos Maillot" userId="fa14b39d-e966-4ebb-a436-4f96f84b9577" providerId="ADAL" clId="{1E84885A-7552-472D-840C-9CF2BF35DFDB}" dt="2025-08-06T01:05:12.027" v="76"/>
+          <ac:inkMkLst>
+            <pc:docMk/>
+            <pc:sldMk cId="2515468531" sldId="290"/>
+            <ac:inkMk id="293" creationId="{F7519062-6549-7270-3B2E-A79CE6C824DD}"/>
+          </ac:inkMkLst>
+        </pc:inkChg>
+        <pc:inkChg chg="add mod">
+          <ac:chgData name="Marcos Maillot" userId="fa14b39d-e966-4ebb-a436-4f96f84b9577" providerId="ADAL" clId="{1E84885A-7552-472D-840C-9CF2BF35DFDB}" dt="2025-08-06T01:05:25.432" v="84"/>
+          <ac:inkMkLst>
+            <pc:docMk/>
+            <pc:sldMk cId="2515468531" sldId="290"/>
+            <ac:inkMk id="294" creationId="{A113539B-848C-E176-0156-A4957D42BAEF}"/>
+          </ac:inkMkLst>
+        </pc:inkChg>
+        <pc:inkChg chg="add mod">
+          <ac:chgData name="Marcos Maillot" userId="fa14b39d-e966-4ebb-a436-4f96f84b9577" providerId="ADAL" clId="{1E84885A-7552-472D-840C-9CF2BF35DFDB}" dt="2025-08-06T01:05:25.432" v="84"/>
+          <ac:inkMkLst>
+            <pc:docMk/>
+            <pc:sldMk cId="2515468531" sldId="290"/>
+            <ac:inkMk id="295" creationId="{3709DAF8-BFA0-09CE-13A5-606A066E8C1D}"/>
+          </ac:inkMkLst>
+        </pc:inkChg>
+        <pc:inkChg chg="add">
+          <ac:chgData name="Marcos Maillot" userId="fa14b39d-e966-4ebb-a436-4f96f84b9577" providerId="ADAL" clId="{1E84885A-7552-472D-840C-9CF2BF35DFDB}" dt="2025-08-06T01:05:16.472" v="79" actId="9405"/>
+          <ac:inkMkLst>
+            <pc:docMk/>
+            <pc:sldMk cId="2515468531" sldId="290"/>
+            <ac:inkMk id="296" creationId="{B47D20DC-1433-8FD5-8C30-41FBD9A18A69}"/>
+          </ac:inkMkLst>
+        </pc:inkChg>
+        <pc:inkChg chg="add mod">
+          <ac:chgData name="Marcos Maillot" userId="fa14b39d-e966-4ebb-a436-4f96f84b9577" providerId="ADAL" clId="{1E84885A-7552-472D-840C-9CF2BF35DFDB}" dt="2025-08-06T01:05:25.432" v="84"/>
+          <ac:inkMkLst>
+            <pc:docMk/>
+            <pc:sldMk cId="2515468531" sldId="290"/>
+            <ac:inkMk id="297" creationId="{E82D44BD-E2B5-13EE-3AF8-0D3D7DE6973A}"/>
+          </ac:inkMkLst>
+        </pc:inkChg>
+        <pc:inkChg chg="add mod">
+          <ac:chgData name="Marcos Maillot" userId="fa14b39d-e966-4ebb-a436-4f96f84b9577" providerId="ADAL" clId="{1E84885A-7552-472D-840C-9CF2BF35DFDB}" dt="2025-08-06T01:05:25.432" v="84"/>
+          <ac:inkMkLst>
+            <pc:docMk/>
+            <pc:sldMk cId="2515468531" sldId="290"/>
+            <ac:inkMk id="298" creationId="{B349701F-A157-39F4-3B15-C0E8C8E654AB}"/>
+          </ac:inkMkLst>
+        </pc:inkChg>
+        <pc:inkChg chg="add">
+          <ac:chgData name="Marcos Maillot" userId="fa14b39d-e966-4ebb-a436-4f96f84b9577" providerId="ADAL" clId="{1E84885A-7552-472D-840C-9CF2BF35DFDB}" dt="2025-08-06T01:05:24.415" v="83" actId="9405"/>
+          <ac:inkMkLst>
+            <pc:docMk/>
+            <pc:sldMk cId="2515468531" sldId="290"/>
+            <ac:inkMk id="303" creationId="{DB6F3528-2DDF-5A89-9316-A4488C0B35A1}"/>
+          </ac:inkMkLst>
+        </pc:inkChg>
+      </pc:sldChg>
+    </pc:docChg>
+  </pc:docChgLst>
+  <pc:docChgLst>
+    <pc:chgData name="Marcos Maillot" userId="fa14b39d-e966-4ebb-a436-4f96f84b9577" providerId="ADAL" clId="{7C9B03B3-4DBB-48A5-996A-D234D8E380B0}"/>
+    <pc:docChg chg="custSel modSld">
+      <pc:chgData name="Marcos Maillot" userId="fa14b39d-e966-4ebb-a436-4f96f84b9577" providerId="ADAL" clId="{7C9B03B3-4DBB-48A5-996A-D234D8E380B0}" dt="2025-06-04T00:41:13.996" v="53"/>
+      <pc:docMkLst>
+        <pc:docMk/>
+      </pc:docMkLst>
+      <pc:sldChg chg="modSp mod">
+        <pc:chgData name="Marcos Maillot" userId="fa14b39d-e966-4ebb-a436-4f96f84b9577" providerId="ADAL" clId="{7C9B03B3-4DBB-48A5-996A-D234D8E380B0}" dt="2025-06-03T14:24:31.393" v="36" actId="20577"/>
+        <pc:sldMkLst>
+          <pc:docMk/>
+          <pc:sldMk cId="0" sldId="257"/>
+        </pc:sldMkLst>
+        <pc:spChg chg="mod">
+          <ac:chgData name="Marcos Maillot" userId="fa14b39d-e966-4ebb-a436-4f96f84b9577" providerId="ADAL" clId="{7C9B03B3-4DBB-48A5-996A-D234D8E380B0}" dt="2025-06-03T14:20:06.666" v="22" actId="20577"/>
+          <ac:spMkLst>
+            <pc:docMk/>
+            <pc:sldMk cId="0" sldId="257"/>
+            <ac:spMk id="82" creationId="{00000000-0000-0000-0000-000000000000}"/>
+          </ac:spMkLst>
+        </pc:spChg>
+        <pc:spChg chg="mod">
+          <ac:chgData name="Marcos Maillot" userId="fa14b39d-e966-4ebb-a436-4f96f84b9577" providerId="ADAL" clId="{7C9B03B3-4DBB-48A5-996A-D234D8E380B0}" dt="2025-06-03T14:24:31.393" v="36" actId="20577"/>
+          <ac:spMkLst>
+            <pc:docMk/>
+            <pc:sldMk cId="0" sldId="257"/>
+            <ac:spMk id="84" creationId="{00000000-0000-0000-0000-000000000000}"/>
+          </ac:spMkLst>
+        </pc:spChg>
+      </pc:sldChg>
+      <pc:sldChg chg="addSp delSp modSp mod">
+        <pc:chgData name="Marcos Maillot" userId="fa14b39d-e966-4ebb-a436-4f96f84b9577" providerId="ADAL" clId="{7C9B03B3-4DBB-48A5-996A-D234D8E380B0}" dt="2025-06-04T00:41:13.996" v="53"/>
+        <pc:sldMkLst>
+          <pc:docMk/>
+          <pc:sldMk cId="2515468531" sldId="290"/>
+        </pc:sldMkLst>
+      </pc:sldChg>
+    </pc:docChg>
+  </pc:docChgLst>
+  <pc:docChgLst>
+    <pc:chgData name="Marcos Maillot" userId="fa14b39d-e966-4ebb-a436-4f96f84b9577" providerId="ADAL" clId="{6875A249-7888-4363-9F92-056EB10F7CD5}"/>
+    <pc:docChg chg="custSel addSld modSld">
+      <pc:chgData name="Marcos Maillot" userId="fa14b39d-e966-4ebb-a436-4f96f84b9577" providerId="ADAL" clId="{6875A249-7888-4363-9F92-056EB10F7CD5}" dt="2024-11-29T21:45:30.394" v="57" actId="14100"/>
+      <pc:docMkLst>
+        <pc:docMk/>
+      </pc:docMkLst>
+      <pc:sldChg chg="modSp mod">
+        <pc:chgData name="Marcos Maillot" userId="fa14b39d-e966-4ebb-a436-4f96f84b9577" providerId="ADAL" clId="{6875A249-7888-4363-9F92-056EB10F7CD5}" dt="2024-11-29T21:45:30.394" v="57" actId="14100"/>
+        <pc:sldMkLst>
+          <pc:docMk/>
+          <pc:sldMk cId="0" sldId="278"/>
+        </pc:sldMkLst>
+      </pc:sldChg>
+      <pc:sldChg chg="addSp delSp modSp add mod">
+        <pc:chgData name="Marcos Maillot" userId="fa14b39d-e966-4ebb-a436-4f96f84b9577" providerId="ADAL" clId="{6875A249-7888-4363-9F92-056EB10F7CD5}" dt="2024-11-29T21:34:44.944" v="9" actId="1076"/>
+        <pc:sldMkLst>
+          <pc:docMk/>
+          <pc:sldMk cId="3137623413" sldId="291"/>
+        </pc:sldMkLst>
+      </pc:sldChg>
+      <pc:sldChg chg="addSp modSp add mod">
+        <pc:chgData name="Marcos Maillot" userId="fa14b39d-e966-4ebb-a436-4f96f84b9577" providerId="ADAL" clId="{6875A249-7888-4363-9F92-056EB10F7CD5}" dt="2024-11-29T21:36:07.654" v="22" actId="1076"/>
+        <pc:sldMkLst>
+          <pc:docMk/>
+          <pc:sldMk cId="4139229005" sldId="292"/>
+        </pc:sldMkLst>
+      </pc:sldChg>
+      <pc:sldChg chg="addSp delSp modSp add mod">
+        <pc:chgData name="Marcos Maillot" userId="fa14b39d-e966-4ebb-a436-4f96f84b9577" providerId="ADAL" clId="{6875A249-7888-4363-9F92-056EB10F7CD5}" dt="2024-11-29T21:37:21.674" v="39" actId="1076"/>
+        <pc:sldMkLst>
+          <pc:docMk/>
+          <pc:sldMk cId="3179616302" sldId="293"/>
+        </pc:sldMkLst>
+      </pc:sldChg>
+      <pc:sldChg chg="addSp delSp modSp add mod">
+        <pc:chgData name="Marcos Maillot" userId="fa14b39d-e966-4ebb-a436-4f96f84b9577" providerId="ADAL" clId="{6875A249-7888-4363-9F92-056EB10F7CD5}" dt="2024-11-29T21:39:33.364" v="55" actId="1076"/>
+        <pc:sldMkLst>
+          <pc:docMk/>
+          <pc:sldMk cId="1421602177" sldId="294"/>
+        </pc:sldMkLst>
+      </pc:sldChg>
+    </pc:docChg>
+  </pc:docChgLst>
+  <pc:docChgLst>
+    <pc:chgData name="Marcos Maillot" userId="fa14b39d-e966-4ebb-a436-4f96f84b9577" providerId="ADAL" clId="{99863556-EDB4-416E-A189-D7BEBC9D2890}"/>
+    <pc:docChg chg="custSel addSld modSld sldOrd">
+      <pc:chgData name="Marcos Maillot" userId="fa14b39d-e966-4ebb-a436-4f96f84b9577" providerId="ADAL" clId="{99863556-EDB4-416E-A189-D7BEBC9D2890}" dt="2025-04-08T20:00:51.115" v="134" actId="478"/>
+      <pc:docMkLst>
+        <pc:docMk/>
+      </pc:docMkLst>
+      <pc:sldChg chg="modSp mod">
+        <pc:chgData name="Marcos Maillot" userId="fa14b39d-e966-4ebb-a436-4f96f84b9577" providerId="ADAL" clId="{99863556-EDB4-416E-A189-D7BEBC9D2890}" dt="2025-04-08T19:39:40.991" v="2" actId="20577"/>
+        <pc:sldMkLst>
+          <pc:docMk/>
+          <pc:sldMk cId="0" sldId="256"/>
+        </pc:sldMkLst>
+      </pc:sldChg>
+      <pc:sldChg chg="modSp mod">
+        <pc:chgData name="Marcos Maillot" userId="fa14b39d-e966-4ebb-a436-4f96f84b9577" providerId="ADAL" clId="{99863556-EDB4-416E-A189-D7BEBC9D2890}" dt="2025-04-08T19:41:13.160" v="75" actId="20577"/>
+        <pc:sldMkLst>
+          <pc:docMk/>
+          <pc:sldMk cId="0" sldId="257"/>
+        </pc:sldMkLst>
+      </pc:sldChg>
+      <pc:sldChg chg="addSp delSp mod">
+        <pc:chgData name="Marcos Maillot" userId="fa14b39d-e966-4ebb-a436-4f96f84b9577" providerId="ADAL" clId="{99863556-EDB4-416E-A189-D7BEBC9D2890}" dt="2025-04-08T19:48:44.570" v="80" actId="478"/>
+        <pc:sldMkLst>
+          <pc:docMk/>
+          <pc:sldMk cId="0" sldId="272"/>
+        </pc:sldMkLst>
+      </pc:sldChg>
+      <pc:sldChg chg="ord modNotes">
+        <pc:chgData name="Marcos Maillot" userId="fa14b39d-e966-4ebb-a436-4f96f84b9577" providerId="ADAL" clId="{99863556-EDB4-416E-A189-D7BEBC9D2890}" dt="2025-04-08T19:42:14.891" v="77"/>
+        <pc:sldMkLst>
+          <pc:docMk/>
+          <pc:sldMk cId="0" sldId="274"/>
+        </pc:sldMkLst>
+      </pc:sldChg>
+      <pc:sldChg chg="addSp delSp modSp add mod">
+        <pc:chgData name="Marcos Maillot" userId="fa14b39d-e966-4ebb-a436-4f96f84b9577" providerId="ADAL" clId="{99863556-EDB4-416E-A189-D7BEBC9D2890}" dt="2025-04-08T20:00:43.352" v="133" actId="14100"/>
+        <pc:sldMkLst>
+          <pc:docMk/>
+          <pc:sldMk cId="3064181911" sldId="295"/>
+        </pc:sldMkLst>
+      </pc:sldChg>
+      <pc:sldChg chg="addSp delSp modSp add mod">
+        <pc:chgData name="Marcos Maillot" userId="fa14b39d-e966-4ebb-a436-4f96f84b9577" providerId="ADAL" clId="{99863556-EDB4-416E-A189-D7BEBC9D2890}" dt="2025-04-08T20:00:51.115" v="134" actId="478"/>
+        <pc:sldMkLst>
+          <pc:docMk/>
+          <pc:sldMk cId="238751435" sldId="296"/>
+        </pc:sldMkLst>
+      </pc:sldChg>
+    </pc:docChg>
+  </pc:docChgLst>
 </pc:chgInfo>
 </file>
 
@@ -801,14 +1432,14 @@
           <inkml:channelProperty channel="OE" name="resolution" value="1000" units="1/deg"/>
         </inkml:channelProperties>
       </inkml:inkSource>
-      <inkml:timestamp xml:id="ts0" timeString="2025-06-04T00:41:01.228"/>
+      <inkml:timestamp xml:id="ts0" timeString="2025-08-06T01:02:58.926"/>
     </inkml:context>
     <inkml:brush xml:id="br0">
       <inkml:brushProperty name="width" value="0.035" units="cm"/>
       <inkml:brushProperty name="height" value="0.035" units="cm"/>
     </inkml:brush>
   </inkml:definitions>
-  <inkml:trace contextRef="#ctx0" brushRef="#br0">0 1042 748 0 0,'0'0'116'0'0,"1"-5"4338"0"0,4-14-3045 0 0,-4 9-1285 0 0,1 0-1 0 0,0-1 1 0 0,0 1-1 0 0,1 0 0 0 0,0 1 1 0 0,6-13-1 0 0,11-44 103 0 0,-17 48-5 0 0,2 0 0 0 0,12-32 0 0 0,5-14 41 0 0,-14 31-109 0 0,1 1-1 0 0,2-1 1 0 0,22-45-1 0 0,-12 42 75 0 0,1 0-1 0 0,36-43 1 0 0,-50 70-254 0 0,0 1 1 0 0,1 1-1 0 0,0 0 0 0 0,0 0 1 0 0,0 0-1 0 0,1 2 1 0 0,0-1-1 0 0,1 1 1 0 0,10-4-1 0 0,17-5-159 0 0,46-10 0 0 0,-70 20 312 0 0,0 1 1 0 0,1 1 0 0 0,-1 0-1 0 0,0 0 1 0 0,1 2 0 0 0,-1 0 0 0 0,1 0-1 0 0,-1 1 1 0 0,1 1 0 0 0,-1 1-1 0 0,0 0 1 0 0,0 0 0 0 0,0 2 0 0 0,19 8-1 0 0,-4 2 108 0 0,0 2 1 0 0,-2 1-1 0 0,0 1 0 0 0,-1 2 0 0 0,-1 0 0 0 0,38 42 0 0 0,72 100 1100 0 0,-111-127-960 0 0,-2 2 0 0 0,-2 0 0 0 0,-1 1 0 0 0,21 65 0 0 0,-29-73-159 0 0,1 3-83 0 0,0-1 1 0 0,3 0-1 0 0,0 0 1 0 0,30 44-1 0 0,-33-62-234 0 0,0 0 0 0 0,0 0-1 0 0,1-2 1 0 0,1 1 0 0 0,0-2 0 0 0,1 0-1 0 0,0 0 1 0 0,1-1 0 0 0,1-1-1 0 0,-1-1 1 0 0,30 12 0 0 0,-33-18 87 0 0,-1 1 0 0 0,0-2 1 0 0,1 0-1 0 0,-1 0 0 0 0,1-1 1 0 0,-1-1-1 0 0,1 0 0 0 0,0-1 0 0 0,-1 0 1 0 0,1-1-1 0 0,15-4 0 0 0,-16 3 132 0 0,-1-1 0 0 0,1 0 0 0 0,0-1 0 0 0,-1 0 0 0 0,0-1 0 0 0,19-13 1 0 0,13-10 449 0 0,-29 20-195 0 0,-1 0 0 0 0,1-1 0 0 0,21-23-1 0 0,16-26 616 0 0,-10 1-629 0 0,-2-1 0 0 0,43-92 0 0 0,-22 45 322 0 0,100-134 0 0 0,-108 166-680 0 0,-28 42-222 0 0,2 1 0 0 0,35-31 1 0 0,23-26 172 0 0,-75 78 54 0 0,2 1 0 0 0,-1-1-1 0 0,1 2 1 0 0,0 0 0 0 0,1 0-1 0 0,0 1 1 0 0,0 0 0 0 0,1 1-1 0 0,0 1 1 0 0,0 0 0 0 0,0 1-1 0 0,0 0 1 0 0,1 1 0 0 0,24-3-1 0 0,-37 6 0 0 0,9-2 100 0 0,0 0 0 0 0,1 1 0 0 0,-1 0 1 0 0,0 1-1 0 0,1 0 0 0 0,-1 0 0 0 0,1 2 0 0 0,13 2 0 0 0,-3 4-40 0 0,0 1 0 0 0,0 1 0 0 0,-1 1 0 0 0,-1 1 0 0 0,0 1 0 0 0,0 0 0 0 0,-1 2 0 0 0,23 23 0 0 0,-29-27 86 0 0,1-1 1 0 0,0-1-1 0 0,0 0 1 0 0,1-1-1 0 0,0 0 1 0 0,0-1-1 0 0,1-1 0 0 0,0 0 1 0 0,0-1-1 0 0,0-1 1 0 0,0 0-1 0 0,1-1 0 0 0,0-1 1 0 0,0 0-1 0 0,0-1 1 0 0,17-1-1 0 0,-19-2-41 0 0,0-1 0 0 0,0 0 0 0 0,0-1 0 0 0,0-1 1 0 0,-1 0-1 0 0,0 0 0 0 0,0-1 0 0 0,0-1 0 0 0,-1-1 0 0 0,0 1 0 0 0,15-14 0 0 0,-4 0 331 0 0,-1 0-1 0 0,-1-2 1 0 0,32-44-1 0 0,-45 55-332 0 0,0-1 4 0 0,1 1 1 0 0,0 0-1 0 0,19-19 1 0 0,-28 30-106 0 0,2 1-3 0 0,-2 0 88 0 0,10 10 1809 0 0,-5-5-1693 0 0,0 0-3582 0 0,-2-43-22749 0 0,-5 25 25076 0 0,2 7 689 0 0</inkml:trace>
+  <inkml:trace contextRef="#ctx0" brushRef="#br0">126 5 136 0 0,'-1'-1'133'0'0,"-1"0"1"0"0,1 1-1 0 0,-1-1 0 0 0,1 1 1 0 0,-1-1-1 0 0,1 1 1 0 0,-1 0-1 0 0,0 0 0 0 0,1-1 1 0 0,-1 1-1 0 0,1 0 0 0 0,-1 1 1 0 0,0-1-1 0 0,1 0 1 0 0,-1 0-1 0 0,1 1 0 0 0,-1-1 1 0 0,1 0-1 0 0,-1 1 0 0 0,1 0 1 0 0,-1-1-1 0 0,-1 2 1 0 0,0 1-22 0 0,0-1 0 0 0,1 0 0 0 0,-1 1 0 0 0,1-1 0 0 0,0 1 1 0 0,0 0-1 0 0,0 0 0 0 0,0 0 0 0 0,1 0 0 0 0,-3 4 1 0 0,-2 11 110 0 0,0-1 1 0 0,1 1 0 0 0,-4 24-1 0 0,6-24 454 0 0,-11 29 142 0 0,9-36-428 0 0,2 0 0 0 0,0 0 0 0 0,0 0 1 0 0,1 1-1 0 0,-1 13 0 0 0,4-24-387 0 0,-1 0-1 0 0,1 0 1 0 0,0 0 0 0 0,-1 0-1 0 0,1 0 1 0 0,0 0 0 0 0,0-1-1 0 0,0 1 1 0 0,0 0 0 0 0,0 0 0 0 0,0-1-1 0 0,0 1 1 0 0,0-1 0 0 0,0 1-1 0 0,0-1 1 0 0,0 1 0 0 0,0-1-1 0 0,0 0 1 0 0,0 1 0 0 0,1-1 0 0 0,-1 0-1 0 0,0 0 1 0 0,3 0 0 0 0,37 5-204 0 0,-34-5 177 0 0,82 8-327 0 0,-49-7 452 0 0,0 2-1 0 0,0 2 1 0 0,0 2 0 0 0,-1 1 0 0 0,0 2 0 0 0,37 15 0 0 0,-76-25-99 0 0,1 1 1 0 0,0 0 0 0 0,0-1 0 0 0,0 1 0 0 0,0-1 0 0 0,0 1 0 0 0,0-1 0 0 0,0 0 0 0 0,1 1 0 0 0,-1-1 0 0 0,0 0 0 0 0,0 0 0 0 0,0 0-1 0 0,0 0 1 0 0,0 0 0 0 0,0 0 0 0 0,0 0 0 0 0,1 0 0 0 0,-1 0 0 0 0,0 0 0 0 0,0-1 0 0 0,0 1 0 0 0,0 0 0 0 0,0-1 0 0 0,2 0 0 0 0,6-26-114 0 0,-5 4 38 0 0,3 3-9 0 0,0-1-1 0 0,1 1 1 0 0,1 0-1 0 0,13-22 0 0 0,-6 18 166 0 0,1 0-1 0 0,1 1 0 0 0,1 1 1 0 0,40-36-1 0 0,-59 57-11 0 0,-4 2-16 0 0,0 0 0 0 0,0 1 0 0 0,-1-1 0 0 0,1 1 0 0 0,0 0 0 0 0,0-1 0 0 0,-4 4 0 0 0,-10 5 125 0 0,-7-1-44 0 0,0-1 0 0 0,0-2 0 0 0,0 0 0 0 0,-1-1 0 0 0,-41 2 0 0 0,54-7-484 0 0,-1-1 0 0 0,1 0 1 0 0,0-1-1 0 0,0 0 0 0 0,-17-5 1 0 0,20 4-428 0 0,1-1 1 0 0,0 0 0 0 0,0 0-1 0 0,0-1 1 0 0,1 0 0 0 0,-1-1-1 0 0,-13-12 1 0 0,-19-14-1373 0 0,33 27 1895 0 0</inkml:trace>
 </inkml:ink>
 </file>
 
@@ -832,14 +1463,14 @@
           <inkml:channelProperty channel="OE" name="resolution" value="1000" units="1/deg"/>
         </inkml:channelProperties>
       </inkml:inkSource>
-      <inkml:timestamp xml:id="ts0" timeString="2025-06-04T00:41:07.622"/>
+      <inkml:timestamp xml:id="ts0" timeString="2025-08-06T01:03:55.172"/>
     </inkml:context>
     <inkml:brush xml:id="br0">
       <inkml:brushProperty name="width" value="0.035" units="cm"/>
       <inkml:brushProperty name="height" value="0.035" units="cm"/>
     </inkml:brush>
   </inkml:definitions>
-  <inkml:trace contextRef="#ctx0" brushRef="#br0">1 4401 184 0 0,'0'0'118'0'0,"0"0"-1"0"0,0 1 1 0 0,1-1 0 0 0,-1 0 0 0 0,0 0-1 0 0,0 0 1 0 0,1 1 0 0 0,-1-1 0 0 0,0 0-1 0 0,0 0 1 0 0,1 0 0 0 0,-1 0 0 0 0,0 1-1 0 0,1-1 1 0 0,-1 0 0 0 0,0 0 0 0 0,1 0-1 0 0,-1 0 1 0 0,0 0 0 0 0,1 0-1 0 0,-1 0 1 0 0,0 0 0 0 0,1 0 0 0 0,-1 0-1 0 0,0 0 1 0 0,0 0 0 0 0,1 0 0 0 0,-1 0-1 0 0,0 0 1 0 0,1 0 0 0 0,-1 0 0 0 0,0-1-1 0 0,1 1 1 0 0,-1 0 0 0 0,0 0-1 0 0,0 0 1 0 0,1-1 0 0 0,25-9 980 0 0,21-15-801 0 0,-3-3-82 0 0,-2-2 0 0 0,-1-3 0 0 0,-2 0-1 0 0,47-52 1 0 0,127-171 387 0 0,-114 133-496 0 0,162-173-219 0 0,-96 112 654 0 0,-90 97-246 0 0,409-434 469 0 0,-181 221 97 0 0,-178 174-17 0 0,5-6-625 0 0,263-241 716 0 0,-238 246-612 0 0,250-192 1097 0 0,-160 128-800 0 0,44-31-415 0 0,-196 159 93 0 0,304-194 1759 0 0,-300 199-2329 0 0,172-95 46 0 0,-200 118 209 0 0,146-52 0 0 0,-36 36 1191 0 0,309-46 0 0 0,-304 67-765 0 0,331-34 439 0 0,-476 63-708 0 0,179-4 140 0 0,-181 7-250 0 0,-1 1 0 0 0,1 2 0 0 0,66 17 0 0 0,-87-16-10 0 0,-2 0 0 0 0,1 1 0 0 0,-1 0-1 0 0,0 1 1 0 0,0 1 0 0 0,-1 1 0 0 0,0-1 0 0 0,0 2-1 0 0,-2 0 1 0 0,1 0 0 0 0,-1 1 0 0 0,-1 1 0 0 0,0 0-1 0 0,-1 0 1 0 0,12 22 0 0 0,-8-4-209 0 0,-2 0 0 0 0,10 47 0 0 0,-9-33-190 0 0,-7-22 329 0 0,-1 1 0 0 0,2 34 0 0 0,2 20 549 0 0,-4-61-413 0 0,3 35 1668 0 0,-36-76 422 0 0,-170-119-1509 0 0,174 116-268 0 0,9 8 2009 0 0,41 47-2900 0 0,-10-15 614 0 0,0 2-1 0 0,-1 0 0 0 0,0 1 1 0 0,-2 0-1 0 0,19 31 1 0 0,16 19 144 0 0,-33-46-222 0 0,-11-15-68 0 0,1 0 1 0 0,0 0 0 0 0,0 0 0 0 0,0-1-1 0 0,0 0 1 0 0,10 8 0 0 0,-12-11 14 0 0,0 0 0 0 0,0 0-1 0 0,1 0 1 0 0,-1 0 0 0 0,0-1 0 0 0,0 1 0 0 0,1-1-1 0 0,-1 1 1 0 0,0-1 0 0 0,1 0 0 0 0,-1 0 0 0 0,0 0 0 0 0,1 0-1 0 0,-1-1 1 0 0,0 1 0 0 0,0 0 0 0 0,1-1 0 0 0,-1 0-1 0 0,0 0 1 0 0,0 1 0 0 0,0-1 0 0 0,0 0 0 0 0,3-2 0 0 0,24-14 370 0 0,0-2 1 0 0,40-34 0 0 0,-40 30 227 0 0,0 2-1 0 0,34-20 1 0 0,-112 68-30592 0 0,40-19 29571 0 0,-1 1 101 0 0</inkml:trace>
+  <inkml:trace contextRef="#ctx0" brushRef="#br0">918 117 4 0 0,'-4'-6'401'0'0,"0"0"0"0"0,0 1 0 0 0,-1 0 0 0 0,1-1 0 0 0,-1 1 0 0 0,-1 1 0 0 0,1-1 0 0 0,-1 1 0 0 0,0 0 0 0 0,1 0 0 0 0,-2 0-1 0 0,1 1 1 0 0,0 0 0 0 0,-1 1 0 0 0,-12-5 0 0 0,-15-2 1863 0 0,-64-10-1 0 0,82 16-2301 0 0,-24-3 212 0 0,0 2 1 0 0,-1 2 0 0 0,1 1 0 0 0,-1 2 0 0 0,0 2 0 0 0,-63 13-1 0 0,85-12-179 0 0,0 0 0 0 0,0 2 0 0 0,1 0-1 0 0,0 2 1 0 0,0 0 0 0 0,1 0 0 0 0,-1 2 0 0 0,2 0-1 0 0,0 1 1 0 0,0 1 0 0 0,1 0 0 0 0,0 1-1 0 0,1 1 1 0 0,1 0 0 0 0,-21 28 0 0 0,28-30-1 0 0,0-1 1 0 0,1 1-1 0 0,0 0 1 0 0,1 1-1 0 0,1-1 1 0 0,0 1-1 0 0,0-1 1 0 0,1 1-1 0 0,1 0 1 0 0,0 0 0 0 0,1 0-1 0 0,1 0 1 0 0,0 0-1 0 0,0 0 1 0 0,1 0-1 0 0,1-1 1 0 0,7 22-1 0 0,-1-4-29 0 0,2-1 0 0 0,1 0 1 0 0,2-1-1 0 0,0-1 0 0 0,2 0 0 0 0,24 32 0 0 0,-29-46 11 0 0,0 0-1 0 0,1 0 1 0 0,0-1-1 0 0,0-1 1 0 0,2 0-1 0 0,-1-1 1 0 0,2 0 0 0 0,-1-1-1 0 0,1 0 1 0 0,0-2-1 0 0,1 0 1 0 0,0 0-1 0 0,0-1 1 0 0,0-1 0 0 0,32 5-1 0 0,-27-8 90 0 0,1 0-1 0 0,0-1 1 0 0,-1-2 0 0 0,1 0-1 0 0,0-1 1 0 0,0-1 0 0 0,-1-1-1 0 0,0-1 1 0 0,0-1 0 0 0,0-1-1 0 0,-1-1 1 0 0,22-11-1 0 0,-24 9 76 0 0,0-1 0 0 0,0 0-1 0 0,-1-1 1 0 0,0-1 0 0 0,-1-1-1 0 0,-1 0 1 0 0,21-26-1 0 0,-29 32-71 0 0,0-1 0 0 0,0 0-1 0 0,-1-1 1 0 0,-1 1 0 0 0,1-1 0 0 0,-1 0-1 0 0,-1-1 1 0 0,0 1 0 0 0,-1-1-1 0 0,0 0 1 0 0,0 0 0 0 0,-1 0 0 0 0,0 0-1 0 0,-1 0 1 0 0,-1-20 0 0 0,0 28-193 0 0,0 1 0 0 0,0-1 0 0 0,-1 0 0 0 0,1 1 0 0 0,-1-1 0 0 0,0 0-1 0 0,1 1 1 0 0,-1-1 0 0 0,-1 1 0 0 0,1-1 0 0 0,0 1 0 0 0,0 0 0 0 0,-1 0 0 0 0,1-1 0 0 0,-1 1 0 0 0,-4-4 0 0 0,5 5-95 0 0,-1 0-1 0 0,0 1 0 0 0,1-1 1 0 0,-1 0-1 0 0,0 0 1 0 0,0 1-1 0 0,0-1 1 0 0,1 1-1 0 0,-1-1 0 0 0,0 1 1 0 0,0 0-1 0 0,0 0 1 0 0,0 0-1 0 0,0 0 1 0 0,0 0-1 0 0,0 0 0 0 0,0 1 1 0 0,-2 0-1 0 0,-3 1-260 0 0,0 1 0 0 0,1-1 0 0 0,-1 2 0 0 0,1-1 0 0 0,0 1 0 0 0,0 0 0 0 0,0 0 0 0 0,0 0 0 0 0,1 1 0 0 0,-1 0 0 0 0,-4 7 0 0 0,-6 8-162 0 0,2 1 1 0 0,-22 38-1 0 0,19-27 381 0 0</inkml:trace>
 </inkml:ink>
 </file>
 
@@ -852,25 +1483,21 @@
           <inkml:channel name="X" type="integer" min="-2.14748E9" max="2.14748E9" units="cm"/>
           <inkml:channel name="Y" type="integer" min="-2.14748E9" max="2.14748E9" units="cm"/>
           <inkml:channel name="F" type="integer" max="32767" units="dev"/>
-          <inkml:channel name="OA" type="integer" max="360" units="deg"/>
-          <inkml:channel name="OE" type="integer" max="90" units="deg"/>
         </inkml:traceFormat>
         <inkml:channelProperties>
           <inkml:channelProperty channel="X" name="resolution" value="1000" units="1/cm"/>
           <inkml:channelProperty channel="Y" name="resolution" value="1000" units="1/cm"/>
           <inkml:channelProperty channel="F" name="resolution" value="0" units="1/dev"/>
-          <inkml:channelProperty channel="OA" name="resolution" value="1000" units="1/deg"/>
-          <inkml:channelProperty channel="OE" name="resolution" value="1000" units="1/deg"/>
         </inkml:channelProperties>
       </inkml:inkSource>
-      <inkml:timestamp xml:id="ts0" timeString="2025-06-04T00:41:09.084"/>
+      <inkml:timestamp xml:id="ts0" timeString="2025-08-06T01:03:56.146"/>
     </inkml:context>
     <inkml:brush xml:id="br0">
       <inkml:brushProperty name="width" value="0.035" units="cm"/>
       <inkml:brushProperty name="height" value="0.035" units="cm"/>
     </inkml:brush>
   </inkml:definitions>
-  <inkml:trace contextRef="#ctx0" brushRef="#br0">1155 225 40 0 0,'-1'-3'285'0'0,"0"0"-1"0"0,0 0 1 0 0,-1 0-1 0 0,1 0 1 0 0,-1 0-1 0 0,0 1 1 0 0,1-1 0 0 0,-1 0-1 0 0,-1 1 1 0 0,1 0-1 0 0,0-1 1 0 0,0 1 0 0 0,-1 0-1 0 0,-4-3 1 0 0,-41-27 2022 0 0,1 5-1079 0 0,20 10-547 0 0,-1 1 1 0 0,-1 1-1 0 0,-1 1 1 0 0,0 2 0 0 0,-57-15-1 0 0,48 19-346 0 0,0 1 0 0 0,0 3 0 0 0,-1 1 0 0 0,0 2 0 0 0,0 2 0 0 0,1 1 0 0 0,-43 8 0 0 0,50-3-384 0 0,1 0 0 0 0,0 2-1 0 0,0 1 1 0 0,-53 26-1 0 0,66-26 78 0 0,0 1 0 0 0,1 1 0 0 0,0 0 0 0 0,0 1 0 0 0,2 1 0 0 0,-1 1 0 0 0,2 0 0 0 0,-19 26 0 0 0,25-30 128 0 0,0 0 0 0 0,1 0 0 0 0,1 1-1 0 0,0 0 1 0 0,0 1 0 0 0,1-1 0 0 0,1 1 0 0 0,0 0 0 0 0,0 0-1 0 0,-1 23 1 0 0,4-26-132 0 0,1 0 0 0 0,0 1 0 0 0,1-1 0 0 0,0 1 0 0 0,0-1 0 0 0,1 0 0 0 0,1 0 0 0 0,0 0 0 0 0,0 0 0 0 0,1 0 0 0 0,0 0 0 0 0,1-1 0 0 0,0 0 0 0 0,9 12 0 0 0,-3-5 113 0 0,1-1 1 0 0,1-1 0 0 0,1 0 0 0 0,0-1 0 0 0,0 0 0 0 0,1-1-1 0 0,1-1 1 0 0,0 0 0 0 0,32 14 0 0 0,-22-13 253 0 0,0-2 0 0 0,1-1 0 0 0,0-2 0 0 0,1 0 1 0 0,0-2-1 0 0,31 3 0 0 0,-24-5-70 0 0,0-1 1 0 0,1-2-1 0 0,-1-2 0 0 0,0-1 1 0 0,57-12-1 0 0,-74 11-47 0 0,0-2 0 0 0,0 0 0 0 0,-1-1 0 0 0,0-1 0 0 0,-1 0 0 0 0,1-1 1 0 0,-2-1-1 0 0,1-1 0 0 0,-1 0 0 0 0,-1-1 0 0 0,0 0 0 0 0,17-21 0 0 0,-15 13-122 0 0,-1-2 1 0 0,-1 0-1 0 0,-1 0 0 0 0,-1-1 1 0 0,-1-1-1 0 0,-1 0 0 0 0,-1-1 0 0 0,-1 0 1 0 0,-1 0-1 0 0,-2 0 0 0 0,0-1 1 0 0,-2 0-1 0 0,1-39 0 0 0,-4 57-40 0 0,-1-1 0 0 0,0 1 0 0 0,0-1 0 0 0,-1 1-1 0 0,1-1 1 0 0,-2 1 0 0 0,0 0 0 0 0,0 0 0 0 0,0 0-1 0 0,-1 0 1 0 0,0 1 0 0 0,-9-13 0 0 0,3 7 246 0 0,0 1-1 0 0,-1 1 1 0 0,-1 0 0 0 0,0 1 0 0 0,-26-18 0 0 0,29 23 593 0 0,0 2-3447 0 0,-16 5-16174 0 0,10 5 7363 0 0,5 0 7151 0 0,2 0 4151 0 0,0 0 4161 0 0,-1 0-4477 0 0</inkml:trace>
+  <inkml:trace contextRef="#ctx0" brushRef="#br0">1099 301 14774,'0'12'0,"-2"0"0,0-1 0,-1 1 0,-1 0 0,0-1 0,-2 1 0,0-1 0,-1 0 0,-1 0 0,0 0 0,-2 0 0,0-1 0,-1 0 0,-1 0 0,0 0 0,-1-1 0,-1 0 0,0 0 0,-1 0 0,0-1 0,-2 0 0,1-1 0,-2 1 0,1-2 0,-1 1 0,-1-1 0,0-1 0,0 0 0,-1 0 0,0-1 0,-1 0 0,1 0 0,-1-1 0,0-1 0,-1 0 0,1 0 0,0-1 0,-1 0 0,1-1 0,-1 0 0,0-1 0,1 0 0,0-1 0,-1 0 0,1 0 0,0-1 0,1-1 0,-1 0 0,1 0 0,0-1 0,1 0 0,0 0 0,0-1 0,1-1 0,1 1 0,-1-2 0,2 1 0,-1-1 0,2 0 0,0-1 0,1 0 0,0 0 0,1 0 0,1-1 0,0 0 0,1 0 0,1 0 0,0-1 0,2 0 0,0 0 0,1 0 0,1 0 0,0-1 0,2 1 0,0-1 0,1 0 0,1 1 0,0-1 0,2 0 0,0 0 0,2 0 0,0 1 0,1-1 0,1 0 0,0 1 0,2-1 0,0 1 0,1 0 0,1 0 0,0 0 0,2 0 0,0 1 0,1 0 0,1 0 0,0 0 0,1 1 0,1 0 0,0 0 0,1 0 0,0 1 0,2 0 0,-1 1 0,2-1 0,-1 2 0,1-1 0,1 1 0,0 1 0,0 0 0,1 0 0,0 1 0,1 0 0,-1 0 0,1 1 0,0 1 0,1 0 0,-1 0 0,0 1 0,1 0 0,0 1 0,-1 0 0,1 1 0,-1 0 0,0 1 0,1 0 0,-1 0 0,0 1 0,-1 1 0,1 0 0,-1 0 0,0 1 0,-1 0 0,0 0 0,0 1 0,-1 1 0,-1-1 0,1 2 0,-2-1 0,1 1 0,-2 0 0,0 1 0,-1 0 0,0 0 0,-1 0 0,-1 1 0,0 0 0,-1 0 0,-1 0 0,0 1 0,-2 0 0,0 0 0,-1 0 0,-1 0 0,0 1 0,-2-1 0,0 1 0,-1 0 0,-1-1 0,0 1 0,-2 0 0</inkml:trace>
 </inkml:ink>
 </file>
 
@@ -894,14 +1521,14 @@
           <inkml:channelProperty channel="OE" name="resolution" value="1000" units="1/deg"/>
         </inkml:channelProperties>
       </inkml:inkSource>
-      <inkml:timestamp xml:id="ts0" timeString="2025-06-04T00:41:10.287"/>
+      <inkml:timestamp xml:id="ts0" timeString="2025-08-06T01:03:44.325"/>
     </inkml:context>
     <inkml:brush xml:id="br0">
       <inkml:brushProperty name="width" value="0.035" units="cm"/>
       <inkml:brushProperty name="height" value="0.035" units="cm"/>
     </inkml:brush>
   </inkml:definitions>
-  <inkml:trace contextRef="#ctx0" brushRef="#br0">221 40 152 0 0,'0'-1'300'0'0,"0"1"0"0"0,1 0-1 0 0,-1-1 1 0 0,0 1 0 0 0,1 0 0 0 0,-1-1 0 0 0,0 1 0 0 0,1-1-1 0 0,-1 1 1 0 0,0 0 0 0 0,0-1 0 0 0,1 1 0 0 0,-1-1 0 0 0,0 1-1 0 0,0-1 1 0 0,0 1 0 0 0,0-1 0 0 0,0 1 0 0 0,0-1-1 0 0,1 1 1 0 0,-1-1 0 0 0,0 1 0 0 0,-1-1 0 0 0,1 1 0 0 0,0-1-1 0 0,0 1 1 0 0,0-1 0 0 0,0 1 0 0 0,0 0 0 0 0,0-1-1 0 0,0 1 1 0 0,-1-1 0 0 0,1 1 0 0 0,-1-1 0 0 0,-15 7 4563 0 0,-21 20-1888 0 0,18-7-1684 0 0,0 1-1 0 0,1 0 1 0 0,1 1-1 0 0,-16 28 1 0 0,24-35-931 0 0,0 1 0 0 0,1 1 1 0 0,1-1-1 0 0,0 1 0 0 0,1 1 1 0 0,1-1-1 0 0,-5 29 0 0 0,9-37-280 0 0,0 0 1 0 0,1 0-1 0 0,0 0 0 0 0,0-1 0 0 0,1 1 0 0 0,0 0 1 0 0,0 0-1 0 0,1 0 0 0 0,0-1 0 0 0,0 1 0 0 0,1-1 1 0 0,0 1-1 0 0,0-1 0 0 0,1 0 0 0 0,-1 0 0 0 0,2-1 1 0 0,-1 1-1 0 0,1-1 0 0 0,0 0 0 0 0,0 0 0 0 0,1 0 1 0 0,0-1-1 0 0,0 0 0 0 0,0 0 0 0 0,0 0 0 0 0,1-1 1 0 0,0 0-1 0 0,0 0 0 0 0,0-1 0 0 0,9 3 0 0 0,-2-1 65 0 0,-1-1 0 0 0,1 0-1 0 0,0-1 1 0 0,-1-1-1 0 0,1 0 1 0 0,0-1-1 0 0,1 0 1 0 0,-1-1-1 0 0,0-1 1 0 0,0 0 0 0 0,0-1-1 0 0,0 0 1 0 0,-1-1-1 0 0,1-1 1 0 0,-1 0-1 0 0,17-8 1 0 0,-11 0-145 0 0,0 0 0 0 0,-1-1 0 0 0,0-1 0 0 0,-1-1 0 0 0,-1 0 0 0 0,-1-2 0 0 0,0 1 0 0 0,-1-2 0 0 0,0 0 0 0 0,-2 0 0 0 0,0-1 0 0 0,17-39 0 0 0,-27 52 0 0 0,1 0 0 0 0,0 0 0 0 0,-1 0 0 0 0,0 0 0 0 0,-1-1 0 0 0,1 1 0 0 0,-1-1 0 0 0,-1 1 0 0 0,1-1 0 0 0,-1 1 0 0 0,0-1 0 0 0,-1 0 0 0 0,1 1 0 0 0,-1-1 0 0 0,0 1 0 0 0,-3-9 0 0 0,0 6 0 0 0,-1 0 0 0 0,1 0 0 0 0,-1 0 0 0 0,-1 0 0 0 0,0 1 0 0 0,0 0 0 0 0,0 0 0 0 0,-1 0 0 0 0,-13-11 0 0 0,10 12 0 0 0,-1-1 0 0 0,0 1 0 0 0,0 1 0 0 0,0 0 0 0 0,0 0 0 0 0,-1 1 0 0 0,0 1 0 0 0,0 0 0 0 0,-1 0 0 0 0,1 1 0 0 0,-15-1 0 0 0,-19-1 0 0 0,-77 1 0 0 0,121 4 0 0 0,-55 5 0 0 0,53-4 0 0 0,1-1 0 0 0,0 1 0 0 0,0 0 0 0 0,0 0 0 0 0,0 0 0 0 0,1 0 0 0 0,-1 1 0 0 0,0-1 0 0 0,0 1 0 0 0,1 0 0 0 0,-1 0 0 0 0,1 0 0 0 0,0 0 0 0 0,-1 0 0 0 0,1 0 0 0 0,-3 5 0 0 0,-13 20-24578 0 0,10-16 16795 0 0,0 3 7749 0 0,6-9-254 0 0</inkml:trace>
+  <inkml:trace contextRef="#ctx0" brushRef="#br0">93 1 196 0 0,'-11'3'680'0'0,"1"1"1"0"0,0 0-1 0 0,-18 9 1 0 0,-5 13 4206 0 0,39-22-1798 0 0,25 7-2422 0 0,16 2-101 0 0,0-3 0 0 0,2-1-1 0 0,-1-2 1 0 0,1-3 0 0 0,-1-2 0 0 0,1-2 0 0 0,0-2 0 0 0,0-2-1 0 0,-1-2 1 0 0,54-14 0 0 0,-80 13 3617 0 0,-8 2-7575 0 0,-33 23-14453 0 0,14-13 17476 0 0,-2 1 75 0 0</inkml:trace>
 </inkml:ink>
 </file>
 
@@ -925,14 +1552,14 @@
           <inkml:channelProperty channel="OE" name="resolution" value="1000" units="1/deg"/>
         </inkml:channelProperties>
       </inkml:inkSource>
-      <inkml:timestamp xml:id="ts0" timeString="2025-06-04T00:41:12.539"/>
+      <inkml:timestamp xml:id="ts0" timeString="2025-08-06T01:03:46.127"/>
     </inkml:context>
     <inkml:brush xml:id="br0">
       <inkml:brushProperty name="width" value="0.035" units="cm"/>
       <inkml:brushProperty name="height" value="0.035" units="cm"/>
     </inkml:brush>
   </inkml:definitions>
-  <inkml:trace contextRef="#ctx0" brushRef="#br0">92 165 12 0 0,'-2'0'154'0'0,"1"-1"-1"0"0,-1 0 1 0 0,1 1 0 0 0,-1-1-1 0 0,1 0 1 0 0,-1 0 0 0 0,1 1-1 0 0,-1-1 1 0 0,1-1 0 0 0,0 1-1 0 0,0 0 1 0 0,-1 0 0 0 0,1 0-1 0 0,0-1 1 0 0,0 1 0 0 0,0 0-1 0 0,0-1 1 0 0,1 1 0 0 0,-1-1-1 0 0,0 1 1 0 0,0-1 0 0 0,1 1-1 0 0,-1-1 1 0 0,1 0 0 0 0,0 1-1 0 0,-1-1 1 0 0,1 0 0 0 0,0 1-1 0 0,0-1 1 0 0,0 0 0 0 0,0 1-1 0 0,0-1 1 0 0,1 0 0 0 0,-1 1-1 0 0,0-1 1 0 0,1 0 0 0 0,-1 1-1 0 0,1-1 1 0 0,-1 1 0 0 0,1-1-1 0 0,0 1 1 0 0,0-1 0 0 0,0 1-1 0 0,0-1 1 0 0,0 1 0 0 0,1-2-1 0 0,0 1-59 0 0,1-1 0 0 0,-1 1 0 0 0,0 0 0 0 0,1-1-1 0 0,0 1 1 0 0,-1 0 0 0 0,1 0 0 0 0,0 1 0 0 0,0-1-1 0 0,0 1 1 0 0,0-1 0 0 0,0 1 0 0 0,1 0 0 0 0,-1 0-1 0 0,0 0 1 0 0,1 1 0 0 0,-1-1 0 0 0,0 1 0 0 0,1 0 0 0 0,-1 0-1 0 0,0 0 1 0 0,1 0 0 0 0,-1 0 0 0 0,4 2 0 0 0,0 0-15 0 0,-1 1 0 0 0,1 0 1 0 0,-1 0-1 0 0,0 0 0 0 0,0 1 0 0 0,-1 0 1 0 0,1 0-1 0 0,-1 0 0 0 0,0 1 1 0 0,0 0-1 0 0,0 0 0 0 0,0 0 1 0 0,-1 1-1 0 0,0-1 0 0 0,6 12 1 0 0,-9-15 11 0 0,0 0-1 0 0,0 1 1 0 0,0 0 0 0 0,0-1 0 0 0,0 1-1 0 0,-1-1 1 0 0,1 1 0 0 0,-1 0 0 0 0,0 0 0 0 0,0-1-1 0 0,0 1 1 0 0,0 0 0 0 0,0-1 0 0 0,0 1 0 0 0,-1 0-1 0 0,1 0 1 0 0,-1-1 0 0 0,0 1 0 0 0,0-1 0 0 0,0 1-1 0 0,0-1 1 0 0,0 1 0 0 0,-1-1 0 0 0,1 0 0 0 0,-1 1-1 0 0,1-1 1 0 0,-1 0 0 0 0,0 0 0 0 0,0 0 0 0 0,0 0-1 0 0,0 0 1 0 0,0-1 0 0 0,0 1 0 0 0,0-1-1 0 0,-1 1 1 0 0,1-1 0 0 0,-1 0 0 0 0,1 0 0 0 0,-1 0-1 0 0,1 0 1 0 0,-5 0 0 0 0,3 1 68 0 0,-1 0 1 0 0,0-1-1 0 0,0 0 0 0 0,0 0 1 0 0,0 0-1 0 0,-1-1 0 0 0,1 1 1 0 0,0-1-1 0 0,0-1 0 0 0,0 1 1 0 0,0-1-1 0 0,0 0 0 0 0,0 0 1 0 0,0 0-1 0 0,0-1 0 0 0,0 1 1 0 0,0-1-1 0 0,1 0 0 0 0,-1-1 1 0 0,1 1-1 0 0,-1-1 0 0 0,1 0 1 0 0,-6-5-1 0 0,7 5-130 0 0,1 0 1 0 0,-1 0-1 0 0,1 0 0 0 0,0 0 1 0 0,0 0-1 0 0,0 0 0 0 0,0 0 0 0 0,1-1 1 0 0,-1 1-1 0 0,1-1 0 0 0,0 1 1 0 0,0-1-1 0 0,0 1 0 0 0,0-1 1 0 0,1 0-1 0 0,-1 1 0 0 0,1-1 1 0 0,0 0-1 0 0,0 0 0 0 0,0 1 0 0 0,1-1 1 0 0,-1 0-1 0 0,1 1 0 0 0,0-1 1 0 0,0 0-1 0 0,0 1 0 0 0,1-1 1 0 0,-1 1-1 0 0,1 0 0 0 0,0-1 1 0 0,0 1-1 0 0,4-5 0 0 0,-2 2-12 0 0,0 1-1 0 0,1-1 1 0 0,0 1 0 0 0,0 0-1 0 0,0 0 1 0 0,1 0 0 0 0,-1 1-1 0 0,1 0 1 0 0,0 0 0 0 0,1 0-1 0 0,-1 1 1 0 0,0 0 0 0 0,1 0-1 0 0,0 0 1 0 0,0 1-1 0 0,0 0 1 0 0,0 1 0 0 0,0 0-1 0 0,0 0 1 0 0,0 0 0 0 0,0 1-1 0 0,1 0 1 0 0,-1 0 0 0 0,0 1-1 0 0,0-1 1 0 0,0 2 0 0 0,0-1-1 0 0,0 1 1 0 0,0 0 0 0 0,0 1-1 0 0,-1-1 1 0 0,1 1 0 0 0,8 6-1 0 0,-13-8 11 0 0,-1 0 0 0 0,1 0-1 0 0,-1 1 1 0 0,0-1 0 0 0,1 0-1 0 0,-1 1 1 0 0,0-1 0 0 0,0 1-1 0 0,0-1 1 0 0,0 1 0 0 0,0-1-1 0 0,-1 1 1 0 0,1 0 0 0 0,0-1-1 0 0,-1 1 1 0 0,1 0 0 0 0,-1 0-1 0 0,0-1 1 0 0,1 1 0 0 0,-1 0-1 0 0,0 0 1 0 0,0 0 0 0 0,0 0-1 0 0,0-1 1 0 0,-1 1 0 0 0,1 0-1 0 0,0 0 1 0 0,-1-1 0 0 0,1 1-1 0 0,-1 0 1 0 0,0 0 0 0 0,1-1-1 0 0,-1 1 1 0 0,0-1 0 0 0,0 1-1 0 0,0-1 1 0 0,0 1 0 0 0,-1-1-1 0 0,1 1 1 0 0,0-1 0 0 0,0 0 0 0 0,-3 2-1 0 0,0 1 108 0 0,0 0 0 0 0,0-1 1 0 0,0 0-1 0 0,0 1 0 0 0,0-2 0 0 0,-1 1 0 0 0,1 0 0 0 0,-1-1 0 0 0,0 0 1 0 0,0 0-1 0 0,0 0 0 0 0,0-1 0 0 0,-10 2 0 0 0,10-3-45 0 0,-1 0 0 0 0,1 0 1 0 0,-1-1-1 0 0,1 0 0 0 0,-1-1 0 0 0,1 1 0 0 0,-1-1 0 0 0,1 0 0 0 0,0 0 1 0 0,0 0-1 0 0,0-1 0 0 0,0 0 0 0 0,-7-6 0 0 0,10 8-73 0 0,0-1 0 0 0,0 0 0 0 0,0 0 0 0 0,1 0 0 0 0,-1 0 1 0 0,1 0-1 0 0,0 0 0 0 0,-1-1 0 0 0,1 1 0 0 0,0 0 0 0 0,0-1 0 0 0,0 1 0 0 0,1 0 0 0 0,-1-1 0 0 0,1 1 0 0 0,-1-1 0 0 0,1 0 0 0 0,0 1 0 0 0,0-1 0 0 0,0 1 0 0 0,0-1 1 0 0,0 1-1 0 0,1-1 0 0 0,-1 1 0 0 0,1-1 0 0 0,-1 1 0 0 0,1-1 0 0 0,0 1 0 0 0,0 0 0 0 0,0-1 0 0 0,1 1 0 0 0,0-2 0 0 0,1 0-29 0 0,-1 1 0 0 0,0 0 0 0 0,1 0 0 0 0,0 0-1 0 0,-1 0 1 0 0,1 1 0 0 0,0-1 0 0 0,0 1 0 0 0,1-1-1 0 0,-1 1 1 0 0,0 0 0 0 0,1 0 0 0 0,0 1 0 0 0,-1-1 0 0 0,1 1-1 0 0,0 0 1 0 0,0 0 0 0 0,-1 0 0 0 0,1 0 0 0 0,0 1-1 0 0,0-1 1 0 0,0 1 0 0 0,0 0 0 0 0,0 0 0 0 0,0 1 0 0 0,0-1-1 0 0,4 2 1 0 0,-3-1-27 0 0,0 0 1 0 0,0 0-1 0 0,0 0 0 0 0,0 1 1 0 0,-1 0-1 0 0,1 0 0 0 0,-1 0 1 0 0,1 1-1 0 0,-1-1 0 0 0,0 1 0 0 0,0 0 1 0 0,0 0-1 0 0,0 1 0 0 0,-1-1 1 0 0,1 1-1 0 0,-1 0 0 0 0,0-1 1 0 0,0 2-1 0 0,0-1 0 0 0,4 9 1 0 0,-7-11 46 0 0,1 0 1 0 0,-1 0 0 0 0,1-1 0 0 0,-1 1 0 0 0,0 0 0 0 0,0 0 0 0 0,0 0-1 0 0,0 0 1 0 0,0 0 0 0 0,0 0 0 0 0,-1 0 0 0 0,1 0 0 0 0,-1-1 0 0 0,1 1-1 0 0,-1 0 1 0 0,0 0 0 0 0,0 0 0 0 0,1-1 0 0 0,-1 1 0 0 0,0 0 0 0 0,-1-1-1 0 0,1 1 1 0 0,0-1 0 0 0,0 1 0 0 0,-1-1 0 0 0,1 0 0 0 0,0 1 0 0 0,-1-1-1 0 0,0 0 1 0 0,1 0 0 0 0,-1 0 0 0 0,0 0 0 0 0,1 0 0 0 0,-1-1 0 0 0,0 1-1 0 0,0-1 1 0 0,0 1 0 0 0,-3 0 0 0 0,-2 1 135 0 0,0 0-1 0 0,-1 0 1 0 0,1-1-1 0 0,0 0 1 0 0,-1-1-1 0 0,1 1 1 0 0,0-1-1 0 0,-1-1 1 0 0,-7 0-1 0 0,8-2-63 0 0,-1 1 1 0 0,1-1-1 0 0,0 0 1 0 0,-1-1-1 0 0,2 1 1 0 0,-1-2-1 0 0,0 1 1 0 0,-8-8-1 0 0,13 11-57 0 0,-1-1-1 0 0,1 0 0 0 0,0 0 0 0 0,0 0 1 0 0,1 0-1 0 0,-1 0 0 0 0,0 0 1 0 0,1 0-1 0 0,-1 0 0 0 0,1-1 0 0 0,-1 1 1 0 0,1 0-1 0 0,0-1 0 0 0,0 1 0 0 0,0-1 1 0 0,1 0-1 0 0,-1 1 0 0 0,1-1 0 0 0,-1 0 1 0 0,1 1-1 0 0,0-1 0 0 0,0 0 1 0 0,0 0-1 0 0,0 1 0 0 0,0-1 0 0 0,1 0 1 0 0,-1 1-1 0 0,2-4 0 0 0,0 3-29 0 0,0 1 0 0 0,-1-1-1 0 0,1 1 1 0 0,0 0 0 0 0,1 0 0 0 0,-1 0-1 0 0,0 0 1 0 0,1 0 0 0 0,-1 0-1 0 0,1 0 1 0 0,0 1 0 0 0,-1-1 0 0 0,1 1-1 0 0,0 0 1 0 0,0 0 0 0 0,0 0 0 0 0,0 0-1 0 0,0 1 1 0 0,0-1 0 0 0,0 1 0 0 0,0-1-1 0 0,0 1 1 0 0,0 0 0 0 0,0 0-1 0 0,0 1 1 0 0,0-1 0 0 0,0 1 0 0 0,6 1-1 0 0,-5-1-20 0 0,0-1-1 0 0,-1 1 1 0 0,1 0-1 0 0,0 0 0 0 0,-1 1 1 0 0,1-1-1 0 0,-1 1 1 0 0,1-1-1 0 0,-1 1 1 0 0,0 0-1 0 0,1 1 0 0 0,-1-1 1 0 0,0 1-1 0 0,-1-1 1 0 0,1 1-1 0 0,0 0 1 0 0,-1 0-1 0 0,1 0 0 0 0,-1 0 1 0 0,0 0-1 0 0,0 1 1 0 0,2 5-1 0 0,-3-6 27 0 0,-1-1 1 0 0,0 1-1 0 0,-1 0 0 0 0,1-1 1 0 0,0 1-1 0 0,-1-1 0 0 0,1 1 1 0 0,-1-1-1 0 0,0 1 1 0 0,0-1-1 0 0,0 0 0 0 0,0 1 1 0 0,0-1-1 0 0,-1 0 0 0 0,1 0 1 0 0,-1 0-1 0 0,1 0 0 0 0,-1 0 1 0 0,0 0-1 0 0,0 0 0 0 0,0-1 1 0 0,0 1-1 0 0,0-1 0 0 0,-3 3 1 0 0,0 0 28 0 0,-1-1 0 0 0,0 1 0 0 0,0-1 0 0 0,0 0-1 0 0,0-1 1 0 0,-1 1 0 0 0,-12 2 0 0 0,13-5 12 0 0,1 0 0 0 0,-1 0-1 0 0,1-1 1 0 0,-1 0 0 0 0,1 0-1 0 0,-1-1 1 0 0,1 1 0 0 0,0-1-1 0 0,0 0 1 0 0,0-1 0 0 0,0 1 0 0 0,0-1-1 0 0,0 0 1 0 0,-8-7 0 0 0,11 9-27 0 0,1 0 1 0 0,-1 0 0 0 0,0 0-1 0 0,1 0 1 0 0,-1-1 0 0 0,1 1-1 0 0,0-1 1 0 0,-1 1 0 0 0,1-1-1 0 0,0 1 1 0 0,0-1 0 0 0,0 0-1 0 0,0 0 1 0 0,0 1 0 0 0,0-1-1 0 0,1 0 1 0 0,-1 0 0 0 0,1 0-1 0 0,-1 0 1 0 0,1 0 0 0 0,-1 0-1 0 0,1 0 1 0 0,0 0 0 0 0,0 0-1 0 0,0 0 1 0 0,0 0 0 0 0,1 0-1 0 0,-1 0 1 0 0,1 0 0 0 0,-1 0-1 0 0,1 0 1 0 0,-1 1 0 0 0,1-1-1 0 0,0 0 1 0 0,0 0 0 0 0,0 0-1 0 0,0 1 1 0 0,0-1 0 0 0,0 0-1 0 0,1 1 1 0 0,-1-1 0 0 0,0 1-1 0 0,3-2 1 0 0,-1 1-26 0 0,0 0-1 0 0,1-1 0 0 0,0 2 1 0 0,-1-1-1 0 0,1 0 1 0 0,0 1-1 0 0,0-1 1 0 0,0 1-1 0 0,0 0 0 0 0,0 1 1 0 0,0-1-1 0 0,0 1 1 0 0,0-1-1 0 0,0 1 1 0 0,0 1-1 0 0,0-1 1 0 0,0 0-1 0 0,0 1 0 0 0,0 0 1 0 0,0 0-1 0 0,0 0 1 0 0,0 0-1 0 0,0 1 1 0 0,5 2-1 0 0,-5-2-18 0 0,0 0 0 0 0,-1 0 0 0 0,1 0 0 0 0,0 0 0 0 0,-1 1 0 0 0,1-1 0 0 0,-1 1 0 0 0,0 0 0 0 0,0 0 0 0 0,0 0 0 0 0,0 0 0 0 0,-1 0 0 0 0,1 1 0 0 0,-1 0 0 0 0,0-1 0 0 0,0 1 0 0 0,0 0 1 0 0,0 0-1 0 0,-1 0 0 0 0,1 0 0 0 0,-1 0 0 0 0,0 0 0 0 0,0 7 0 0 0,-1-9 27 0 0,0 0 0 0 0,0 0 1 0 0,0 0-1 0 0,0 0 0 0 0,-1 0 0 0 0,1 0 1 0 0,-1 0-1 0 0,1 0 0 0 0,-1 0 0 0 0,0 0 1 0 0,1-1-1 0 0,-1 1 0 0 0,0 0 1 0 0,-1 0-1 0 0,1-1 0 0 0,0 1 0 0 0,0 0 1 0 0,-1-1-1 0 0,1 0 0 0 0,-1 1 0 0 0,1-1 1 0 0,-1 0-1 0 0,-2 3 0 0 0,0-3 20 0 0,0 1 0 0 0,0-1 1 0 0,1 0-1 0 0,-1 0 0 0 0,0 0 0 0 0,0 0 0 0 0,0-1 0 0 0,0 0 0 0 0,0 0 0 0 0,0 0 0 0 0,-7-1 0 0 0,5 1 16 0 0,1-1 0 0 0,-1 0 0 0 0,1 0 0 0 0,0 0 0 0 0,0-1 0 0 0,-1 0 0 0 0,1 0 0 0 0,0 0 0 0 0,0-1-1 0 0,1 1 1 0 0,-1-1 0 0 0,1 0 0 0 0,-1-1 0 0 0,1 1 0 0 0,0-1 0 0 0,0 0 0 0 0,0 0 0 0 0,-5-7 0 0 0,9 9-21 0 0,-1 1 1 0 0,0-1 0 0 0,1 0-1 0 0,-1 1 1 0 0,1-1 0 0 0,0 0-1 0 0,-1 0 1 0 0,1 1 0 0 0,0-1-1 0 0,0 0 1 0 0,0 0 0 0 0,0 0-1 0 0,0 1 1 0 0,1-1 0 0 0,-1 0-1 0 0,0 1 1 0 0,1-1-1 0 0,0 0 1 0 0,-1 1 0 0 0,1-1-1 0 0,0 0 1 0 0,0 1 0 0 0,0-1-1 0 0,0 1 1 0 0,1-3 0 0 0,1 2-13 0 0,0-1 0 0 0,-1 1 0 0 0,1 0 0 0 0,0 0 0 0 0,0 0 0 0 0,1 0 0 0 0,-1 0 0 0 0,0 0 0 0 0,1 1 0 0 0,-1 0 0 0 0,0 0 0 0 0,5-1 0 0 0,-3 1-15 0 0,-1 0 0 0 0,0 0 0 0 0,1 1 0 0 0,-1 0 0 0 0,1 0 0 0 0,-1 0 0 0 0,0 0 0 0 0,1 1 0 0 0,-1-1-1 0 0,6 3 1 0 0,-8-2 8 0 0,0-1 0 0 0,0 1 0 0 0,0 0 0 0 0,0 0 0 0 0,-1 0 1 0 0,1 0-1 0 0,0 0 0 0 0,-1 0 0 0 0,1 0 0 0 0,0 1 0 0 0,-1-1 0 0 0,0 1 0 0 0,1-1 0 0 0,-1 1 0 0 0,0-1 0 0 0,0 1 0 0 0,0 0 0 0 0,0 0 0 0 0,0-1 0 0 0,0 1 0 0 0,0 0 0 0 0,0 3 0 0 0,-1-2 9 0 0,0 1 1 0 0,0 0-1 0 0,0-1 1 0 0,0 1-1 0 0,-1 0 1 0 0,1-1-1 0 0,-1 1 1 0 0,0-1-1 0 0,0 1 1 0 0,0-1-1 0 0,-1 1 1 0 0,1-1-1 0 0,-1 0 1 0 0,0 0-1 0 0,0 1 1 0 0,0-1-1 0 0,0-1 1 0 0,-1 1-1 0 0,1 0 1 0 0,-1-1-1 0 0,1 1 1 0 0,-1-1-1 0 0,0 1 1 0 0,0-1-1 0 0,0 0 0 0 0,0-1 1 0 0,-4 3-1 0 0,1-1-66 0 0,0 0 0 0 0,0 0 0 0 0,0 0 0 0 0,0-1 0 0 0,0 1 0 0 0,-1-2-1 0 0,1 1 1 0 0,-1-1 0 0 0,1 0 0 0 0,-1 0 0 0 0,0-1 0 0 0,1 1 0 0 0,-1-2-1 0 0,-8 0 1 0 0,-24-16-5008 0 0,27 2-1212 0 0,11 14 5770 0 0,1 0-1 0 0,0 1 1 0 0,-1-1-1 0 0,1 0 1 0 0,0 0-1 0 0,0 0 0 0 0,0 0 1 0 0,0 0-1 0 0,0 0 1 0 0,0 0-1 0 0,0 1 1 0 0,0-1-1 0 0,1 0 1 0 0,-1 0-1 0 0,0 0 1 0 0,0 0-1 0 0,1 0 1 0 0,-1 0-1 0 0,1-1 1 0 0,19 6-2547 0 0,-15-1 2782 0 0</inkml:trace>
+  <inkml:trace contextRef="#ctx0" brushRef="#br0">1 2 72 0 0,'15'-1'6658'0'0,"22"10"-4097"0"0,-31-7-2347 0 0,80 17 1058 0 0,46-3-2299 0 0,-74-10-3093 0 0,103 23-1 0 0,-106-12 2965 0 0,-38-13 903 0 0</inkml:trace>
 </inkml:ink>
 </file>
 
@@ -956,14 +1583,169 @@
           <inkml:channelProperty channel="OE" name="resolution" value="1000" units="1/deg"/>
         </inkml:channelProperties>
       </inkml:inkSource>
-      <inkml:timestamp xml:id="ts0" timeString="2025-06-04T00:41:13.367"/>
+      <inkml:timestamp xml:id="ts0" timeString="2025-08-06T01:03:46.406"/>
     </inkml:context>
     <inkml:brush xml:id="br0">
       <inkml:brushProperty name="width" value="0.035" units="cm"/>
       <inkml:brushProperty name="height" value="0.035" units="cm"/>
     </inkml:brush>
   </inkml:definitions>
-  <inkml:trace contextRef="#ctx0" brushRef="#br0">71 59 156 0 0,'-6'-21'5646'0'0,"18"23"-3969"0"0,-10 0-1660 0 0,1 0 0 0 0,0 0 0 0 0,-1 0 0 0 0,1 0 0 0 0,-1 0 0 0 0,1 1 0 0 0,-1-1 0 0 0,0 1 0 0 0,0 0 0 0 0,0 0 0 0 0,1 3 0 0 0,-2-5 54 0 0,-1 0 0 0 0,1 0 0 0 0,-1 1 1 0 0,1-1-1 0 0,-1 0 0 0 0,0 1 0 0 0,1-1 1 0 0,-1 0-1 0 0,0 1 0 0 0,0-1 0 0 0,0 0 1 0 0,0 1-1 0 0,0-1 0 0 0,0 1 0 0 0,0-1 0 0 0,0 0 1 0 0,-1 1-1 0 0,1-1 0 0 0,-1 0 0 0 0,1 1 1 0 0,-1-1-1 0 0,1 0 0 0 0,-1 0 0 0 0,0 1 1 0 0,1-1-1 0 0,-1 0 0 0 0,0 0 0 0 0,0 0 0 0 0,0 0 1 0 0,0 0-1 0 0,0 0 0 0 0,0 0 0 0 0,0 0 1 0 0,0-1-1 0 0,0 1 0 0 0,-1 0 0 0 0,1-1 1 0 0,0 1-1 0 0,0-1 0 0 0,-1 1 0 0 0,1-1 1 0 0,0 1-1 0 0,-1-1 0 0 0,1 0 0 0 0,0 0 0 0 0,-1 0 1 0 0,1 0-1 0 0,0 0 0 0 0,-2 0 0 0 0,-1 0-1 0 0,0 0-1 0 0,1-1 1 0 0,-1 0-1 0 0,0 0 1 0 0,1 0-1 0 0,-1 0 1 0 0,0 0-1 0 0,1-1 1 0 0,0 1-1 0 0,-1-1 1 0 0,1 0-1 0 0,0 0 1 0 0,0 0-1 0 0,0-1 1 0 0,0 1-1 0 0,0-1 1 0 0,1 0-1 0 0,-4-3 0 0 0,5 4-71 0 0,0 0-1 0 0,0 1 1 0 0,0-1-1 0 0,0 0 0 0 0,0 0 1 0 0,1 0-1 0 0,-1 0 1 0 0,0 0-1 0 0,1 0 0 0 0,0 0 1 0 0,-1 0-1 0 0,1 0 0 0 0,0-1 1 0 0,0 1-1 0 0,0 0 1 0 0,0 0-1 0 0,1 0 0 0 0,-1 0 1 0 0,1 0-1 0 0,-1 0 1 0 0,1 0-1 0 0,-1 0 0 0 0,1 0 1 0 0,0 0-1 0 0,0 0 0 0 0,0 0 1 0 0,0 1-1 0 0,1-1 1 0 0,-1 0-1 0 0,0 1 0 0 0,1-1 1 0 0,-1 1-1 0 0,1-1 1 0 0,-1 1-1 0 0,1 0 0 0 0,0-1 1 0 0,0 1-1 0 0,-1 0 0 0 0,5-1 1 0 0,-3 0-13 0 0,0 0 0 0 0,0 1-1 0 0,0 0 1 0 0,0-1 0 0 0,0 1 0 0 0,1 0 0 0 0,-1 1-1 0 0,0-1 1 0 0,1 1 0 0 0,-1-1 0 0 0,0 1 0 0 0,1 0 0 0 0,-1 0-1 0 0,1 0 1 0 0,-1 1 0 0 0,0-1 0 0 0,0 1 0 0 0,1 0-1 0 0,-1 0 1 0 0,0 0 0 0 0,0 0 0 0 0,0 1 0 0 0,0-1 0 0 0,5 4-1 0 0,-7-4-129 0 0,0 0-1 0 0,-1 0 1 0 0,1 0-1 0 0,0 0 0 0 0,-1 0 1 0 0,1 1-1 0 0,-1-1 1 0 0,0 0-1 0 0,1 0 0 0 0,-1 0 1 0 0,0 1-1 0 0,0-1 1 0 0,1 0-1 0 0,-1 0 1 0 0,0 1-1 0 0,0-1 0 0 0,0 0 1 0 0,-1 0-1 0 0,1 1 1 0 0,0-1-1 0 0,0 0 0 0 0,-1 0 1 0 0,1 0-1 0 0,-1 1 1 0 0,1-1-1 0 0,-1 0 0 0 0,1 0 1 0 0,-1 0-1 0 0,0 0 1 0 0,1 0-1 0 0,-1 0 0 0 0,0 0 1 0 0,0 0-1 0 0,-1 1 1 0 0,-36 35-4992 0 0,31-31 4760 0 0,-18 16-715 0 0,17-13 1457 0 0</inkml:trace>
+  <inkml:trace contextRef="#ctx0" brushRef="#br0">1 70 52 0 0,'6'0'1080'0'0,"0"0"-1"0"0,0 0 1 0 0,0 0-1 0 0,0 0 1 0 0,0 1-1 0 0,0 0 1 0 0,-1 1-1 0 0,10 2 1 0 0,24 4-489 0 0,-12-9-582 0 0,-1-1 1 0 0,1-1-1 0 0,-1-1 0 0 0,0-1 0 0 0,0-2 1 0 0,38-14-1 0 0,-31 9-2012 0 0,-1 3 0 0 0,1 1 0 0 0,41-5 0 0 0,-17 16-11 0 0,-44 0 1724 0 0</inkml:trace>
+</inkml:ink>
+</file>
+
+<file path=ppt/ink/ink15.xml><?xml version="1.0" encoding="utf-8"?>
+<inkml:ink xmlns:inkml="http://www.w3.org/2003/InkML">
+  <inkml:definitions>
+    <inkml:context xml:id="ctx0">
+      <inkml:inkSource xml:id="inkSrc0">
+        <inkml:traceFormat>
+          <inkml:channel name="X" type="integer" min="-2.14748E9" max="2.14748E9" units="cm"/>
+          <inkml:channel name="Y" type="integer" min="-2.14748E9" max="2.14748E9" units="cm"/>
+          <inkml:channel name="F" type="integer" max="32767" units="dev"/>
+          <inkml:channel name="OA" type="integer" max="360" units="deg"/>
+          <inkml:channel name="OE" type="integer" max="90" units="deg"/>
+        </inkml:traceFormat>
+        <inkml:channelProperties>
+          <inkml:channelProperty channel="X" name="resolution" value="1000" units="1/cm"/>
+          <inkml:channelProperty channel="Y" name="resolution" value="1000" units="1/cm"/>
+          <inkml:channelProperty channel="F" name="resolution" value="0" units="1/dev"/>
+          <inkml:channelProperty channel="OA" name="resolution" value="1000" units="1/deg"/>
+          <inkml:channelProperty channel="OE" name="resolution" value="1000" units="1/deg"/>
+        </inkml:channelProperties>
+      </inkml:inkSource>
+      <inkml:timestamp xml:id="ts0" timeString="2025-08-06T01:03:50.720"/>
+    </inkml:context>
+    <inkml:brush xml:id="br0">
+      <inkml:brushProperty name="width" value="0.035" units="cm"/>
+      <inkml:brushProperty name="height" value="0.035" units="cm"/>
+    </inkml:brush>
+  </inkml:definitions>
+  <inkml:trace contextRef="#ctx0" brushRef="#br0">30 5 132 0 0,'0'0'73'0'0,"0"-1"-1"0"0,0 1 1 0 0,0 0 0 0 0,0 0-1 0 0,0-1 1 0 0,-1 1 0 0 0,1 0-1 0 0,0 0 1 0 0,0 0 0 0 0,0 0-1 0 0,0-1 1 0 0,-1 1-1 0 0,1 0 1 0 0,0 0 0 0 0,0 0-1 0 0,0 0 1 0 0,-1 0 0 0 0,1-1-1 0 0,0 1 1 0 0,0 0 0 0 0,-1 0-1 0 0,1 0 1 0 0,0 0 0 0 0,0 0-1 0 0,0 0 1 0 0,-1 0 0 0 0,1 0-1 0 0,0 0 1 0 0,0 0 0 0 0,-1 0-1 0 0,1 0 1 0 0,0 0 0 0 0,0 0-1 0 0,-1 0 1 0 0,1 0-1 0 0,0 0 1 0 0,0 0 0 0 0,-1 1-1 0 0,1-1 1 0 0,0 0 0 0 0,0 0-1 0 0,0 0 1 0 0,-1 0 0 0 0,1 0-1 0 0,0 1 1 0 0,0-1 0 0 0,0 0-1 0 0,-1 0 1 0 0,1 0 0 0 0,0 0-1 0 0,0 1 1 0 0,0-1 0 0 0,0 0-1 0 0,0 0 1 0 0,0 1 0 0 0,0-1-1 0 0,-1 0 1 0 0,1 0-1 0 0,0 1 1 0 0,0-1 0 0 0,0 0-1 0 0,0 0 1 0 0,0 1 0 0 0,-6 30 1955 0 0,3 37-278 0 0,4 190 2218 0 0,0-103-4263 0 0,-1-53-1851 0 0,-4-116-5011 0 0,-1-18 5382 0 0,3-4 839 0 0,1 21 725 0 0</inkml:trace>
+</inkml:ink>
+</file>
+
+<file path=ppt/ink/ink16.xml><?xml version="1.0" encoding="utf-8"?>
+<inkml:ink xmlns:inkml="http://www.w3.org/2003/InkML">
+  <inkml:definitions>
+    <inkml:context xml:id="ctx0">
+      <inkml:inkSource xml:id="inkSrc0">
+        <inkml:traceFormat>
+          <inkml:channel name="X" type="integer" min="-2.14748E9" max="2.14748E9" units="cm"/>
+          <inkml:channel name="Y" type="integer" min="-2.14748E9" max="2.14748E9" units="cm"/>
+          <inkml:channel name="F" type="integer" max="32767" units="dev"/>
+          <inkml:channel name="OA" type="integer" max="360" units="deg"/>
+          <inkml:channel name="OE" type="integer" max="90" units="deg"/>
+        </inkml:traceFormat>
+        <inkml:channelProperties>
+          <inkml:channelProperty channel="X" name="resolution" value="1000" units="1/cm"/>
+          <inkml:channelProperty channel="Y" name="resolution" value="1000" units="1/cm"/>
+          <inkml:channelProperty channel="F" name="resolution" value="0" units="1/dev"/>
+          <inkml:channelProperty channel="OA" name="resolution" value="1000" units="1/deg"/>
+          <inkml:channelProperty channel="OE" name="resolution" value="1000" units="1/deg"/>
+        </inkml:channelProperties>
+      </inkml:inkSource>
+      <inkml:timestamp xml:id="ts0" timeString="2025-08-06T01:03:51.090"/>
+    </inkml:context>
+    <inkml:brush xml:id="br0">
+      <inkml:brushProperty name="width" value="0.035" units="cm"/>
+      <inkml:brushProperty name="height" value="0.035" units="cm"/>
+    </inkml:brush>
+  </inkml:definitions>
+  <inkml:trace contextRef="#ctx0" brushRef="#br0">143 1 64 0 0,'-8'4'3798'0'0,"-10"16"-2398"0"0,-16 25 293 0 0,30-39-1387 0 0,-7 9 420 0 0,0 0-1 0 0,1 1 0 0 0,1 0 0 0 0,0 1 0 0 0,2 0 0 0 0,0 0 0 0 0,-7 25 0 0 0,14-41-716 0 0,0-1 0 0 0,0 1 0 0 0,-1-1 0 0 0,1 1 0 0 0,0-1 0 0 0,0 1 0 0 0,0-1 0 0 0,0 0 0 0 0,0 1 0 0 0,0-1 0 0 0,0 1 0 0 0,1-1 0 0 0,-1 1 0 0 0,0-1 0 0 0,0 1 0 0 0,0-1 0 0 0,0 0 0 0 0,1 1-1 0 0,-1-1 1 0 0,0 1 0 0 0,0-1 0 0 0,1 0 0 0 0,-1 1 0 0 0,0-1 0 0 0,0 0 0 0 0,1 1 0 0 0,-1-1 0 0 0,1 0 0 0 0,-1 1 0 0 0,0-1 0 0 0,1 0 0 0 0,-1 0 0 0 0,1 0 0 0 0,0 1 0 0 0,20-1 3 0 0,19-13-119 0 0,-18 2 138 0 0,-1-2 0 0 0,0-1 0 0 0,0-1 0 0 0,-2 0 0 0 0,0-1 0 0 0,-1-1 0 0 0,29-35 0 0 0,-47 52-70 0 0,0 0-1 0 0,0 0 1 0 0,0 0 0 0 0,0-1-1 0 0,0 1 1 0 0,0 0 0 0 0,0 0-1 0 0,0 0 1 0 0,1 0-1 0 0,-1 0 1 0 0,0-1 0 0 0,0 1-1 0 0,0 0 1 0 0,0 0 0 0 0,0 0-1 0 0,0 0 1 0 0,0-1-1 0 0,0 1 1 0 0,0 0 0 0 0,0 0-1 0 0,0 0 1 0 0,0 0 0 0 0,0 0-1 0 0,0-1 1 0 0,0 1-1 0 0,0 0 1 0 0,0 0 0 0 0,0 0-1 0 0,0 0 1 0 0,0-1 0 0 0,-1 1-1 0 0,1 0 1 0 0,0 0-1 0 0,0 0 1 0 0,0 0 0 0 0,0 0-1 0 0,0-1 1 0 0,0 1 0 0 0,0 0-1 0 0,-1 0 1 0 0,1 0-1 0 0,0 0 1 0 0,0 0 0 0 0,0 0-1 0 0,0 0 1 0 0,0 0 0 0 0,-1 0-1 0 0,1 0 1 0 0,0-1-1 0 0,0 1 1 0 0,0 0 0 0 0,0 0-1 0 0,-1 0 1 0 0,-15-2-2841 0 0,-15 3-2073 0 0,-29 3 1751 0 0,47-4 2950 0 0</inkml:trace>
+</inkml:ink>
+</file>
+
+<file path=ppt/ink/ink17.xml><?xml version="1.0" encoding="utf-8"?>
+<inkml:ink xmlns:inkml="http://www.w3.org/2003/InkML">
+  <inkml:definitions>
+    <inkml:context xml:id="ctx0">
+      <inkml:inkSource xml:id="inkSrc0">
+        <inkml:traceFormat>
+          <inkml:channel name="X" type="integer" min="-2.14748E9" max="2.14748E9" units="cm"/>
+          <inkml:channel name="Y" type="integer" min="-2.14748E9" max="2.14748E9" units="cm"/>
+          <inkml:channel name="F" type="integer" max="32767" units="dev"/>
+          <inkml:channel name="OA" type="integer" max="360" units="deg"/>
+          <inkml:channel name="OE" type="integer" max="90" units="deg"/>
+        </inkml:traceFormat>
+        <inkml:channelProperties>
+          <inkml:channelProperty channel="X" name="resolution" value="1000" units="1/cm"/>
+          <inkml:channelProperty channel="Y" name="resolution" value="1000" units="1/cm"/>
+          <inkml:channelProperty channel="F" name="resolution" value="0" units="1/dev"/>
+          <inkml:channelProperty channel="OA" name="resolution" value="1000" units="1/deg"/>
+          <inkml:channelProperty channel="OE" name="resolution" value="1000" units="1/deg"/>
+        </inkml:channelProperties>
+      </inkml:inkSource>
+      <inkml:timestamp xml:id="ts0" timeString="2025-08-06T01:03:49.783"/>
+    </inkml:context>
+    <inkml:brush xml:id="br0">
+      <inkml:brushProperty name="width" value="0.035" units="cm"/>
+      <inkml:brushProperty name="height" value="0.035" units="cm"/>
+    </inkml:brush>
+  </inkml:definitions>
+  <inkml:trace contextRef="#ctx0" brushRef="#br0">39 1 40 0 0,'0'0'242'0'0,"-15"32"5295"0"0,8 13-3972 0 0,2 0-1 0 0,2 0 1 0 0,5 77 0 0 0,-1 24-1247 0 0,-3-109-314 0 0,-1 33-2874 0 0,-1-108-6130 0 0,3 29 8730 0 0,0-1 42 0 0</inkml:trace>
+</inkml:ink>
+</file>
+
+<file path=ppt/ink/ink18.xml><?xml version="1.0" encoding="utf-8"?>
+<inkml:ink xmlns:inkml="http://www.w3.org/2003/InkML">
+  <inkml:definitions>
+    <inkml:context xml:id="ctx0">
+      <inkml:inkSource xml:id="inkSrc0">
+        <inkml:traceFormat>
+          <inkml:channel name="X" type="integer" min="-2.14748E9" max="2.14748E9" units="cm"/>
+          <inkml:channel name="Y" type="integer" min="-2.14748E9" max="2.14748E9" units="cm"/>
+          <inkml:channel name="F" type="integer" max="32767" units="dev"/>
+          <inkml:channel name="OA" type="integer" max="360" units="deg"/>
+          <inkml:channel name="OE" type="integer" max="90" units="deg"/>
+        </inkml:traceFormat>
+        <inkml:channelProperties>
+          <inkml:channelProperty channel="X" name="resolution" value="1000" units="1/cm"/>
+          <inkml:channelProperty channel="Y" name="resolution" value="1000" units="1/cm"/>
+          <inkml:channelProperty channel="F" name="resolution" value="0" units="1/dev"/>
+          <inkml:channelProperty channel="OA" name="resolution" value="1000" units="1/deg"/>
+          <inkml:channelProperty channel="OE" name="resolution" value="1000" units="1/deg"/>
+        </inkml:channelProperties>
+      </inkml:inkSource>
+      <inkml:timestamp xml:id="ts0" timeString="2025-08-06T01:03:50.243"/>
+    </inkml:context>
+    <inkml:brush xml:id="br0">
+      <inkml:brushProperty name="width" value="0.035" units="cm"/>
+      <inkml:brushProperty name="height" value="0.035" units="cm"/>
+    </inkml:brush>
+  </inkml:definitions>
+  <inkml:trace contextRef="#ctx0" brushRef="#br0">115 0 164 0 0,'0'4'4820'0'0,"2"41"-1446"0"0,-3-35-3066 0 0,-1 0-1 0 0,0-1 1 0 0,-1 1-1 0 0,0-1 1 0 0,0 1-1 0 0,-1-1 1 0 0,0 0-1 0 0,-1-1 1 0 0,-7 11-1 0 0,-1-2 257 0 0,-1-1-1 0 0,-1 0 0 0 0,-20 16 1 0 0,35-32-568 0 0,29 0-276 0 0,0-2 129 0 0,54-10-1 0 0,-73 10 161 0 0,0-1 0 0 0,1 1 0 0 0,-1-2 0 0 0,0 1 0 0 0,0-2 0 0 0,-1 1 0 0 0,1-1 0 0 0,-1-1 0 0 0,0 0 0 0 0,-1 0 0 0 0,11-9 0 0 0,-19 14 17 0 0,1 0-1 0 0,-1 1 1 0 0,1-1 0 0 0,-1 0 0 0 0,1 0-1 0 0,-1 1 1 0 0,0-1 0 0 0,0 0 0 0 0,1 0-1 0 0,-1 0 1 0 0,0 0 0 0 0,0 1 0 0 0,0-1-1 0 0,0 0 1 0 0,0 0 0 0 0,0 0 0 0 0,0 0-1 0 0,0 0 1 0 0,0 0 0 0 0,0 1 0 0 0,0-1-1 0 0,-1 0 1 0 0,1 0 0 0 0,0 0 0 0 0,-1 0-1 0 0,1 1 1 0 0,-1-1 0 0 0,1 0 0 0 0,0 0-1 0 0,-1 1 1 0 0,0-1 0 0 0,1 0 0 0 0,-1 1-1 0 0,1-1 1 0 0,-1 1 0 0 0,0-1-1 0 0,1 1 1 0 0,-1-1 0 0 0,0 1 0 0 0,0-1-1 0 0,-1 0 1 0 0,-45-24-485 0 0,25 14-3667 0 0,33 7-4446 0 0,10 6 7893 0 0,-11 1 386 0 0</inkml:trace>
+</inkml:ink>
+</file>
+
+<file path=ppt/ink/ink19.xml><?xml version="1.0" encoding="utf-8"?>
+<inkml:ink xmlns:inkml="http://www.w3.org/2003/InkML">
+  <inkml:definitions>
+    <inkml:context xml:id="ctx0">
+      <inkml:inkSource xml:id="inkSrc0">
+        <inkml:traceFormat>
+          <inkml:channel name="X" type="integer" min="-2.14748E9" max="2.14748E9" units="cm"/>
+          <inkml:channel name="Y" type="integer" min="-2.14748E9" max="2.14748E9" units="cm"/>
+          <inkml:channel name="F" type="integer" max="32767" units="dev"/>
+          <inkml:channel name="OA" type="integer" max="360" units="deg"/>
+          <inkml:channel name="OE" type="integer" max="90" units="deg"/>
+        </inkml:traceFormat>
+        <inkml:channelProperties>
+          <inkml:channelProperty channel="X" name="resolution" value="1000" units="1/cm"/>
+          <inkml:channelProperty channel="Y" name="resolution" value="1000" units="1/cm"/>
+          <inkml:channelProperty channel="F" name="resolution" value="0" units="1/dev"/>
+          <inkml:channelProperty channel="OA" name="resolution" value="1000" units="1/deg"/>
+          <inkml:channelProperty channel="OE" name="resolution" value="1000" units="1/deg"/>
+        </inkml:channelProperties>
+      </inkml:inkSource>
+      <inkml:timestamp xml:id="ts0" timeString="2025-08-06T01:03:53.242"/>
+    </inkml:context>
+    <inkml:brush xml:id="br0">
+      <inkml:brushProperty name="width" value="0.035" units="cm"/>
+      <inkml:brushProperty name="height" value="0.035" units="cm"/>
+    </inkml:brush>
+  </inkml:definitions>
+  <inkml:trace contextRef="#ctx0" brushRef="#br0">126 30 80 0 0,'-3'-4'89'0'0,"-10"-17"3127"0"0,13 21-3098 0 0,0-1 0 0 0,0 1 0 0 0,0 0-1 0 0,0 0 1 0 0,0-1 0 0 0,0 1 0 0 0,-1 0-1 0 0,1 0 1 0 0,0 0 0 0 0,0 0 0 0 0,0-1-1 0 0,0 1 1 0 0,-1 0 0 0 0,1 0 0 0 0,0 0-1 0 0,0 0 1 0 0,0 0 0 0 0,-1-1 0 0 0,1 1-1 0 0,0 0 1 0 0,0 0 0 0 0,-1 0 0 0 0,1 0-1 0 0,0 0 1 0 0,0 0 0 0 0,0 0 0 0 0,-1 0-1 0 0,1 0 1 0 0,0 0 0 0 0,0 0 0 0 0,-1 0-1 0 0,1 0 1 0 0,0 0 0 0 0,0 0 0 0 0,-1 0-1 0 0,1 0 1 0 0,0 0 0 0 0,0 0 0 0 0,0 1-1 0 0,-1-1 1 0 0,1 0 0 0 0,0 0 0 0 0,0 0-1 0 0,0 0 1 0 0,-1 0 0 0 0,1 1 0 0 0,0-1-1 0 0,0 0 1 0 0,0 0 0 0 0,0 0 0 0 0,-1 0-1 0 0,1 1 1 0 0,0-1 0 0 0,0 0 0 0 0,0 0-1 0 0,0 1 1 0 0,0-1 0 0 0,0 0 0 0 0,0 0-1 0 0,0 0 1 0 0,0 1 0 0 0,0-1-1 0 0,0 0 1 0 0,0 0 0 0 0,0 1 0 0 0,0-1-1 0 0,0 0 1 0 0,0 0 0 0 0,0 1 0 0 0,-11 37 852 0 0,-29 71 1 0 0,-4 11-105 0 0,43-118-877 0 0,0 0 0 0 0,1 0-1 0 0,-1-1 1 0 0,0 1 0 0 0,1 0-1 0 0,0 0 1 0 0,0 0 0 0 0,-1 0-1 0 0,1 0 1 0 0,0 0 0 0 0,1 0-1 0 0,-1 0 1 0 0,0 0 0 0 0,0 0 0 0 0,1 0-1 0 0,-1 0 1 0 0,1-1 0 0 0,0 1-1 0 0,0 0 1 0 0,-1 0 0 0 0,1 0-1 0 0,0-1 1 0 0,0 1 0 0 0,1-1-1 0 0,-1 1 1 0 0,0-1 0 0 0,1 1-1 0 0,-1-1 1 0 0,0 1 0 0 0,1-1-1 0 0,-1 0 1 0 0,1 0 0 0 0,0 0-1 0 0,0 0 1 0 0,-1 0 0 0 0,1 0 0 0 0,0-1-1 0 0,0 1 1 0 0,0 0 0 0 0,0-1-1 0 0,-1 0 1 0 0,4 1 0 0 0,10 1-136 0 0,0-1 1 0 0,1 0 0 0 0,-1-1 0 0 0,26-4-1 0 0,-3 2-2052 0 0,-17 1-4129 0 0,11-4 2842 0 0,-19 3 2761 0 0,-5 1 418 0 0</inkml:trace>
 </inkml:ink>
 </file>
 
@@ -987,14 +1769,324 @@
           <inkml:channelProperty channel="OE" name="resolution" value="1000" units="1/deg"/>
         </inkml:channelProperties>
       </inkml:inkSource>
-      <inkml:timestamp xml:id="ts0" timeString="2025-06-04T00:41:01.959"/>
+      <inkml:timestamp xml:id="ts0" timeString="2025-08-06T01:02:59.283"/>
     </inkml:context>
     <inkml:brush xml:id="br0">
       <inkml:brushProperty name="width" value="0.035" units="cm"/>
       <inkml:brushProperty name="height" value="0.035" units="cm"/>
     </inkml:brush>
   </inkml:definitions>
-  <inkml:trace contextRef="#ctx0" brushRef="#br0">0 265 80 0 0,'0'0'167'0'0,"0"0"1"0"0,0 1-1 0 0,0-1 0 0 0,2 2 3179 0 0,-2-1-3179 0 0,0-1 0 0 0,0 0 1 0 0,0 0-1 0 0,1 0 0 0 0,-1 0 0 0 0,0 0 1 0 0,0 0-1 0 0,0 0 0 0 0,0 0 1 0 0,1 0-1 0 0,-1 0 0 0 0,0 0 0 0 0,0 0 1 0 0,0 0-1 0 0,0 0 0 0 0,1 0 1 0 0,-1 0-1 0 0,0 0 0 0 0,2-1 2342 0 0,-2 0-2341 0 0,17-12 4356 0 0,24-27-1881 0 0,-32 30-916 0 0,39-40 1779 0 0,-23 22-1895 0 0,1 1-1 0 0,1 2 0 0 0,1 1 1 0 0,38-25-1 0 0,-91 60-23088 0 0,2-1 16231 0 0,-9 2 2105 0 0,26-11 2902 0 0,0 0 33 0 0</inkml:trace>
+  <inkml:trace contextRef="#ctx0" brushRef="#br0">220 316 176 0 0,'-15'2'622'0'0,"0"-2"-1"0"0,0 0 1 0 0,-1 0-1 0 0,1-1 1 0 0,0-1-1 0 0,-26-7 1 0 0,37 9-534 0 0,-1-1 0 0 0,1-1 1 0 0,-1 1-1 0 0,1-1 0 0 0,0 1 0 0 0,-1-1 0 0 0,1 0 0 0 0,0-1 1 0 0,0 1-1 0 0,1-1 0 0 0,-1 0 0 0 0,0 0 0 0 0,1 0 1 0 0,0 0-1 0 0,0-1 0 0 0,0 1 0 0 0,0-1 0 0 0,0 0 0 0 0,1 0 1 0 0,-1 0-1 0 0,1 0 0 0 0,0 0 0 0 0,0 0 0 0 0,1-1 1 0 0,-1 1-1 0 0,0-6 0 0 0,2 4-12 0 0,1 0 0 0 0,-1 0 0 0 0,2 0 0 0 0,-1 1 1 0 0,0-1-1 0 0,1 0 0 0 0,0 1 0 0 0,0-1 0 0 0,1 1 0 0 0,0-1 0 0 0,-1 1 1 0 0,2 0-1 0 0,-1 0 0 0 0,1 0 0 0 0,0 1 0 0 0,0-1 0 0 0,0 1 0 0 0,0 0 0 0 0,1 0 1 0 0,6-4-1 0 0,12-9 142 0 0,0 1 1 0 0,46-23-1 0 0,-55 32-160 0 0,-1 1 0 0 0,1 1 1 0 0,29-8-1 0 0,-29 11-811 0 0,0 0 0 0 0,1 1 0 0 0,-1 0 0 0 0,0 1 0 0 0,1 1 1 0 0,-1 0-1 0 0,1 1 0 0 0,-1 1 0 0 0,0 0 0 0 0,0 1 1 0 0,23 9-1 0 0,-24-7 504 0 0</inkml:trace>
+</inkml:ink>
+</file>
+
+<file path=ppt/ink/ink20.xml><?xml version="1.0" encoding="utf-8"?>
+<inkml:ink xmlns:inkml="http://www.w3.org/2003/InkML">
+  <inkml:definitions>
+    <inkml:context xml:id="ctx0">
+      <inkml:inkSource xml:id="inkSrc0">
+        <inkml:traceFormat>
+          <inkml:channel name="X" type="integer" min="-2.14748E9" max="2.14748E9" units="cm"/>
+          <inkml:channel name="Y" type="integer" min="-2.14748E9" max="2.14748E9" units="cm"/>
+          <inkml:channel name="F" type="integer" max="32767" units="dev"/>
+          <inkml:channel name="OA" type="integer" max="360" units="deg"/>
+          <inkml:channel name="OE" type="integer" max="90" units="deg"/>
+        </inkml:traceFormat>
+        <inkml:channelProperties>
+          <inkml:channelProperty channel="X" name="resolution" value="1000" units="1/cm"/>
+          <inkml:channelProperty channel="Y" name="resolution" value="1000" units="1/cm"/>
+          <inkml:channelProperty channel="F" name="resolution" value="0" units="1/dev"/>
+          <inkml:channelProperty channel="OA" name="resolution" value="1000" units="1/deg"/>
+          <inkml:channelProperty channel="OE" name="resolution" value="1000" units="1/deg"/>
+        </inkml:channelProperties>
+      </inkml:inkSource>
+      <inkml:timestamp xml:id="ts0" timeString="2025-08-06T01:03:58.346"/>
+    </inkml:context>
+    <inkml:brush xml:id="br0">
+      <inkml:brushProperty name="width" value="0.035" units="cm"/>
+      <inkml:brushProperty name="height" value="0.035" units="cm"/>
+    </inkml:brush>
+  </inkml:definitions>
+  <inkml:trace contextRef="#ctx0" brushRef="#br0">676 108 52 0 0,'0'-4'329'0'0,"0"1"0"0"0,0-1 0 0 0,-1 0 1 0 0,1 1-1 0 0,-1-1 0 0 0,0 1 0 0 0,0-1 0 0 0,-1 1 0 0 0,1-1 1 0 0,-1 1-1 0 0,1 0 0 0 0,-1 0 0 0 0,0 0 0 0 0,0 0 0 0 0,0 0 0 0 0,-1 0 1 0 0,-4-5-1 0 0,-31-14 1664 0 0,9 13-725 0 0,-8 4-869 0 0,1 1 0 0 0,-1 2 0 0 0,1 2 0 0 0,-1 1 0 0 0,1 1 0 0 0,-1 3 0 0 0,-58 14 0 0 0,82-16-376 0 0,1 0 0 0 0,0 1-1 0 0,0 1 1 0 0,0 0 0 0 0,1 1-1 0 0,0 0 1 0 0,0 0 0 0 0,0 2-1 0 0,1-1 1 0 0,0 1 0 0 0,0 0-1 0 0,1 1 1 0 0,0 0 0 0 0,1 1-1 0 0,0 0 1 0 0,1 0 0 0 0,-1 1-1 0 0,2 0 1 0 0,0 0-1 0 0,0 0 1 0 0,1 1 0 0 0,0 0-1 0 0,1 0 1 0 0,1 0 0 0 0,0 0-1 0 0,0 1 1 0 0,1 0 0 0 0,1-1-1 0 0,0 1 1 0 0,1 0 0 0 0,0-1-1 0 0,4 26 1 0 0,0-21-29 0 0,0-1 0 0 0,2 1 0 0 0,0-1-1 0 0,0 0 1 0 0,2 0 0 0 0,0-1 0 0 0,1 0 0 0 0,0-1 0 0 0,1 0 0 0 0,1 0 0 0 0,0-1 0 0 0,1 0-1 0 0,0-1 1 0 0,1 0 0 0 0,0-1 0 0 0,30 18 0 0 0,-14-12-10 0 0,1 0 0 0 0,1-2 0 0 0,0-2 0 0 0,1 0-1 0 0,0-2 1 0 0,1-2 0 0 0,56 9 0 0 0,-55-13 78 0 0,1-2 0 0 0,0-1-1 0 0,0-2 1 0 0,0-1 0 0 0,-1-2 0 0 0,1-1-1 0 0,-1-2 1 0 0,37-11 0 0 0,-54 12-28 0 0,0-1 0 0 0,-1 0 0 0 0,0-1 0 0 0,0-1 0 0 0,0-1 1 0 0,-1 0-1 0 0,0-1 0 0 0,-1 0 0 0 0,0-1 0 0 0,-1-1 0 0 0,0 0 0 0 0,-1-1 1 0 0,0 0-1 0 0,-1-1 0 0 0,-1 0 0 0 0,0-1 0 0 0,14-27 0 0 0,-21 32 14 0 0,0 0 1 0 0,0 0-1 0 0,-1-1 0 0 0,0 1 0 0 0,0 0 0 0 0,-1-1 0 0 0,-1 1 0 0 0,0-1 0 0 0,0 1 0 0 0,-1-1 1 0 0,-1 1-1 0 0,1-1 0 0 0,-2 1 0 0 0,1 0 0 0 0,-5-10 0 0 0,3 9 148 0 0,-1-1 0 0 0,1 1-1 0 0,-2 0 1 0 0,0 1 0 0 0,0 0-1 0 0,-1 0 1 0 0,0 0 0 0 0,-1 0 0 0 0,0 1-1 0 0,0 1 1 0 0,-1-1 0 0 0,-17-12 0 0 0,22 18 168 0 0,-1 1 0 0 0,0-1 0 0 0,0 1 1 0 0,0 0-1 0 0,0 0 0 0 0,0 0 1 0 0,-1 1-1 0 0,1 0 0 0 0,-9-1 1 0 0,13 2 136 0 0,-15 2-17757 0 0,-2 10 15057 0 0,-6 12 604 0 0,15-12 1283 0 0</inkml:trace>
+</inkml:ink>
+</file>
+
+<file path=ppt/ink/ink21.xml><?xml version="1.0" encoding="utf-8"?>
+<inkml:ink xmlns:inkml="http://www.w3.org/2003/InkML">
+  <inkml:definitions>
+    <inkml:context xml:id="ctx0">
+      <inkml:inkSource xml:id="inkSrc0">
+        <inkml:traceFormat>
+          <inkml:channel name="X" type="integer" min="-2.14748E9" max="2.14748E9" units="cm"/>
+          <inkml:channel name="Y" type="integer" min="-2.14748E9" max="2.14748E9" units="cm"/>
+          <inkml:channel name="F" type="integer" max="32767" units="dev"/>
+          <inkml:channel name="OA" type="integer" max="360" units="deg"/>
+          <inkml:channel name="OE" type="integer" max="90" units="deg"/>
+        </inkml:traceFormat>
+        <inkml:channelProperties>
+          <inkml:channelProperty channel="X" name="resolution" value="1000" units="1/cm"/>
+          <inkml:channelProperty channel="Y" name="resolution" value="1000" units="1/cm"/>
+          <inkml:channelProperty channel="F" name="resolution" value="0" units="1/dev"/>
+          <inkml:channelProperty channel="OA" name="resolution" value="1000" units="1/deg"/>
+          <inkml:channelProperty channel="OE" name="resolution" value="1000" units="1/deg"/>
+        </inkml:channelProperties>
+      </inkml:inkSource>
+      <inkml:timestamp xml:id="ts0" timeString="2025-08-06T01:03:59.426"/>
+    </inkml:context>
+    <inkml:brush xml:id="br0">
+      <inkml:brushProperty name="width" value="0.035" units="cm"/>
+      <inkml:brushProperty name="height" value="0.035" units="cm"/>
+    </inkml:brush>
+  </inkml:definitions>
+  <inkml:trace contextRef="#ctx0" brushRef="#br0">698 59 216 0 0,'-4'-4'289'0'0,"0"0"-1"0"0,0 0 1 0 0,-1 1 0 0 0,1-1-1 0 0,-1 1 1 0 0,0 0 0 0 0,0 0-1 0 0,0 1 1 0 0,0-1 0 0 0,0 1-1 0 0,-1 0 1 0 0,1 0 0 0 0,-1 1 0 0 0,-8-2-1 0 0,-84-8 1849 0 0,93 10-2155 0 0,-27-1 658 0 0,-1 1 0 0 0,1 1 0 0 0,0 2 0 0 0,0 1-1 0 0,0 2 1 0 0,-60 16 0 0 0,79-16-495 0 0,0 0-1 0 0,0 0 1 0 0,0 1 0 0 0,1 1-1 0 0,0 0 1 0 0,1 1 0 0 0,-1 0 0 0 0,1 1-1 0 0,1 0 1 0 0,0 1 0 0 0,0 0-1 0 0,1 0 1 0 0,0 1 0 0 0,1 0-1 0 0,0 1 1 0 0,0 0 0 0 0,2 0 0 0 0,-9 20-1 0 0,10-18-190 0 0,0 0-1 0 0,1 1 0 0 0,1 0 0 0 0,0 0 1 0 0,1 0-1 0 0,0 0 0 0 0,2 0 1 0 0,-1 0-1 0 0,2 0 0 0 0,0 0 0 0 0,1 0 1 0 0,1 0-1 0 0,0 0 0 0 0,1 0 1 0 0,0-1-1 0 0,11 23 0 0 0,-8-21 19 0 0,2 0-1 0 0,0-1 1 0 0,1-1 0 0 0,0 1-1 0 0,1-2 1 0 0,0 1-1 0 0,1-2 1 0 0,1 1 0 0 0,0-2-1 0 0,1 0 1 0 0,0 0-1 0 0,0-1 1 0 0,1-1 0 0 0,19 9-1 0 0,-13-10 44 0 0,0-1 0 0 0,-1-1 0 0 0,2 0 0 0 0,-1-2 0 0 0,1-1 0 0 0,-1 0 0 0 0,1-1 0 0 0,0-2 0 0 0,0 0 0 0 0,0-1 0 0 0,0-2 0 0 0,-1 0 0 0 0,1-1 0 0 0,-1-1 0 0 0,0-1 0 0 0,0-1 1 0 0,31-15-1 0 0,-36 14-57 0 0,-1 0 1 0 0,1-1 0 0 0,-2-1 0 0 0,0 0 0 0 0,0-2-1 0 0,-1 1 1 0 0,0-1 0 0 0,-1-1 0 0 0,20-26 0 0 0,-24 27 106 0 0,-1-1-1 0 0,0 1 1 0 0,-1-1 0 0 0,0 0 0 0 0,-1-1 0 0 0,0 1 0 0 0,-2-1 0 0 0,1 0 0 0 0,-2 0 0 0 0,0 0 0 0 0,0-1 0 0 0,-1 1 0 0 0,-2-17 0 0 0,1 24 165 0 0,0 1 0 0 0,-1-1 0 0 0,0 0 0 0 0,0 0 1 0 0,-1 1-1 0 0,1-1 0 0 0,-1 1 0 0 0,-1-1 0 0 0,1 1 1 0 0,-1 0-1 0 0,-1 0 0 0 0,1 0 0 0 0,-1 1 0 0 0,0-1 1 0 0,-6-6-1 0 0,3 6 190 0 0,1 1 0 0 0,-2-1 1 0 0,1 2-1 0 0,0-1 0 0 0,-1 1 1 0 0,0 0-1 0 0,0 1 0 0 0,0 0 0 0 0,-1 0 1 0 0,1 0-1 0 0,-13-1 0 0 0,-1-1 198 0 0,-30-4 2096 0 0,39 17-1382 0 0,-1 2-5749 0 0</inkml:trace>
+</inkml:ink>
+</file>
+
+<file path=ppt/ink/ink22.xml><?xml version="1.0" encoding="utf-8"?>
+<inkml:ink xmlns:inkml="http://www.w3.org/2003/InkML">
+  <inkml:definitions>
+    <inkml:context xml:id="ctx0">
+      <inkml:inkSource xml:id="inkSrc0">
+        <inkml:traceFormat>
+          <inkml:channel name="X" type="integer" min="-2.14748E9" max="2.14748E9" units="cm"/>
+          <inkml:channel name="Y" type="integer" min="-2.14748E9" max="2.14748E9" units="cm"/>
+          <inkml:channel name="F" type="integer" max="32767" units="dev"/>
+          <inkml:channel name="OA" type="integer" max="360" units="deg"/>
+          <inkml:channel name="OE" type="integer" max="90" units="deg"/>
+        </inkml:traceFormat>
+        <inkml:channelProperties>
+          <inkml:channelProperty channel="X" name="resolution" value="1000" units="1/cm"/>
+          <inkml:channelProperty channel="Y" name="resolution" value="1000" units="1/cm"/>
+          <inkml:channelProperty channel="F" name="resolution" value="0" units="1/dev"/>
+          <inkml:channelProperty channel="OA" name="resolution" value="1000" units="1/deg"/>
+          <inkml:channelProperty channel="OE" name="resolution" value="1000" units="1/deg"/>
+        </inkml:channelProperties>
+      </inkml:inkSource>
+      <inkml:timestamp xml:id="ts0" timeString="2025-08-06T01:04:00.578"/>
+    </inkml:context>
+    <inkml:brush xml:id="br0">
+      <inkml:brushProperty name="width" value="0.035" units="cm"/>
+      <inkml:brushProperty name="height" value="0.035" units="cm"/>
+    </inkml:brush>
+  </inkml:definitions>
+  <inkml:trace contextRef="#ctx0" brushRef="#br0">1 0 52 0 0,'3'2'6421'0'0,"19"5"-12537"0"0,-18-7 5887 0 0</inkml:trace>
+</inkml:ink>
+</file>
+
+<file path=ppt/ink/ink23.xml><?xml version="1.0" encoding="utf-8"?>
+<inkml:ink xmlns:inkml="http://www.w3.org/2003/InkML">
+  <inkml:definitions>
+    <inkml:context xml:id="ctx0">
+      <inkml:inkSource xml:id="inkSrc0">
+        <inkml:traceFormat>
+          <inkml:channel name="X" type="integer" min="-2.14748E9" max="2.14748E9" units="cm"/>
+          <inkml:channel name="Y" type="integer" min="-2.14748E9" max="2.14748E9" units="cm"/>
+          <inkml:channel name="F" type="integer" max="32767" units="dev"/>
+          <inkml:channel name="OA" type="integer" max="360" units="deg"/>
+          <inkml:channel name="OE" type="integer" max="90" units="deg"/>
+        </inkml:traceFormat>
+        <inkml:channelProperties>
+          <inkml:channelProperty channel="X" name="resolution" value="1000" units="1/cm"/>
+          <inkml:channelProperty channel="Y" name="resolution" value="1000" units="1/cm"/>
+          <inkml:channelProperty channel="F" name="resolution" value="0" units="1/dev"/>
+          <inkml:channelProperty channel="OA" name="resolution" value="1000" units="1/deg"/>
+          <inkml:channelProperty channel="OE" name="resolution" value="1000" units="1/deg"/>
+        </inkml:channelProperties>
+      </inkml:inkSource>
+      <inkml:timestamp xml:id="ts0" timeString="2025-08-06T01:04:00.718"/>
+    </inkml:context>
+    <inkml:brush xml:id="br0">
+      <inkml:brushProperty name="width" value="0.035" units="cm"/>
+      <inkml:brushProperty name="height" value="0.035" units="cm"/>
+    </inkml:brush>
+  </inkml:definitions>
+  <inkml:trace contextRef="#ctx0" brushRef="#br0">0 0 180 0 0,'8'0'742'0'0,"1"0"0"0"0,-1 1 0 0 0,0 0 0 0 0,1 0 0 0 0,-1 0 0 0 0,0 1 0 0 0,11 4 0 0 0,10 4-3834 0 0,-7-2 512 0 0,-18-7 2332 0 0</inkml:trace>
+</inkml:ink>
+</file>
+
+<file path=ppt/ink/ink24.xml><?xml version="1.0" encoding="utf-8"?>
+<inkml:ink xmlns:inkml="http://www.w3.org/2003/InkML">
+  <inkml:definitions>
+    <inkml:context xml:id="ctx0">
+      <inkml:inkSource xml:id="inkSrc0">
+        <inkml:traceFormat>
+          <inkml:channel name="X" type="integer" min="-2.14748E9" max="2.14748E9" units="cm"/>
+          <inkml:channel name="Y" type="integer" min="-2.14748E9" max="2.14748E9" units="cm"/>
+          <inkml:channel name="F" type="integer" max="32767" units="dev"/>
+          <inkml:channel name="OA" type="integer" max="360" units="deg"/>
+          <inkml:channel name="OE" type="integer" max="90" units="deg"/>
+        </inkml:traceFormat>
+        <inkml:channelProperties>
+          <inkml:channelProperty channel="X" name="resolution" value="1000" units="1/cm"/>
+          <inkml:channelProperty channel="Y" name="resolution" value="1000" units="1/cm"/>
+          <inkml:channelProperty channel="F" name="resolution" value="0" units="1/dev"/>
+          <inkml:channelProperty channel="OA" name="resolution" value="1000" units="1/deg"/>
+          <inkml:channelProperty channel="OE" name="resolution" value="1000" units="1/deg"/>
+        </inkml:channelProperties>
+      </inkml:inkSource>
+      <inkml:timestamp xml:id="ts0" timeString="2025-08-06T01:04:00.882"/>
+    </inkml:context>
+    <inkml:brush xml:id="br0">
+      <inkml:brushProperty name="width" value="0.035" units="cm"/>
+      <inkml:brushProperty name="height" value="0.035" units="cm"/>
+    </inkml:brush>
+  </inkml:definitions>
+  <inkml:trace contextRef="#ctx0" brushRef="#br0">0 8 312 0 0,'15'-6'-1808'0'0,"-3"5"9437"0"0,-9 11 1930 0 0,-3 3-7959 0 0,0-11-1876 0 0,1 1-465 0 0,-1 0 1 0 0,1 1-1 0 0,0-1 0 0 0,0 0 0 0 0,0 0 0 0 0,0 0 1 0 0,0 0-1 0 0,1 0 0 0 0,-1 0 0 0 0,1 0 0 0 0,0 0 1 0 0,4 4-1 0 0,-4-4-36 0 0,0 0 1 0 0,1 0 0 0 0,-1 1-1 0 0,0-1 1 0 0,0 1-1 0 0,-1-1 1 0 0,1 1-1 0 0,1 7 1 0 0,-2-6 478 0 0</inkml:trace>
+</inkml:ink>
+</file>
+
+<file path=ppt/ink/ink25.xml><?xml version="1.0" encoding="utf-8"?>
+<inkml:ink xmlns:inkml="http://www.w3.org/2003/InkML">
+  <inkml:definitions>
+    <inkml:context xml:id="ctx0">
+      <inkml:inkSource xml:id="inkSrc0">
+        <inkml:traceFormat>
+          <inkml:channel name="X" type="integer" min="-2.14748E9" max="2.14748E9" units="cm"/>
+          <inkml:channel name="Y" type="integer" min="-2.14748E9" max="2.14748E9" units="cm"/>
+          <inkml:channel name="F" type="integer" max="32767" units="dev"/>
+          <inkml:channel name="OA" type="integer" max="360" units="deg"/>
+          <inkml:channel name="OE" type="integer" max="90" units="deg"/>
+        </inkml:traceFormat>
+        <inkml:channelProperties>
+          <inkml:channelProperty channel="X" name="resolution" value="1000" units="1/cm"/>
+          <inkml:channelProperty channel="Y" name="resolution" value="1000" units="1/cm"/>
+          <inkml:channelProperty channel="F" name="resolution" value="0" units="1/dev"/>
+          <inkml:channelProperty channel="OA" name="resolution" value="1000" units="1/deg"/>
+          <inkml:channelProperty channel="OE" name="resolution" value="1000" units="1/deg"/>
+        </inkml:channelProperties>
+      </inkml:inkSource>
+      <inkml:timestamp xml:id="ts0" timeString="2025-08-06T01:04:01.756"/>
+    </inkml:context>
+    <inkml:brush xml:id="br0">
+      <inkml:brushProperty name="width" value="0.035" units="cm"/>
+      <inkml:brushProperty name="height" value="0.035" units="cm"/>
+    </inkml:brush>
+  </inkml:definitions>
+  <inkml:trace contextRef="#ctx0" brushRef="#br0">706 50 12 0 0,'1'0'118'0'0,"-1"-1"0"0"0,0 0 1 0 0,0 0-1 0 0,0 0 0 0 0,0 0 0 0 0,0 0 1 0 0,0 0-1 0 0,0 0 0 0 0,0 0 0 0 0,0 0 0 0 0,0 0 1 0 0,0 0-1 0 0,-1 0 0 0 0,1 0 0 0 0,0 0 0 0 0,-1 0 1 0 0,1 1-1 0 0,0-1 0 0 0,-1 0 0 0 0,0 0 1 0 0,1 0-1 0 0,-1 1 0 0 0,1-1 0 0 0,-1 0 0 0 0,0 1 1 0 0,-1-2-1 0 0,-30-12 2035 0 0,-43 6-231 0 0,69 7-1858 0 0,-38-1 660 0 0,-1 2 0 0 0,1 1 0 0 0,-1 3 0 0 0,1 1 0 0 0,-53 14 1 0 0,82-15-623 0 0,0 0 1 0 0,1 1-1 0 0,-1 0 1 0 0,1 1 0 0 0,1 1-1 0 0,-1 0 1 0 0,1 1-1 0 0,1 0 1 0 0,-1 1-1 0 0,1 1 1 0 0,1 0 0 0 0,0 0-1 0 0,0 1 1 0 0,1 1-1 0 0,0 0 1 0 0,1 0-1 0 0,1 1 1 0 0,-14 26 0 0 0,17-28-124 0 0,1 0 0 0 0,1 1 1 0 0,0-1-1 0 0,0 1 1 0 0,1-1-1 0 0,0 1 1 0 0,1 0-1 0 0,1 0 1 0 0,0 0-1 0 0,1 0 1 0 0,0 0-1 0 0,0-1 0 0 0,1 1 1 0 0,1 0-1 0 0,0-1 1 0 0,1 0-1 0 0,0 1 1 0 0,0-1-1 0 0,1-1 1 0 0,1 1-1 0 0,0-1 1 0 0,0 0-1 0 0,1 0 0 0 0,0-1 1 0 0,14 14-1 0 0,-5-7-6 0 0,0-1 0 0 0,1 0 0 0 0,1-1 0 0 0,0-1 1 0 0,0-1-1 0 0,2-1 0 0 0,-1 0 0 0 0,2-1 0 0 0,-1-2 0 0 0,1 0 0 0 0,1-1 0 0 0,40 8 0 0 0,-25-10 51 0 0,1-2 0 0 0,-1-1 0 0 0,1-2 1 0 0,0-1-1 0 0,-1-3 0 0 0,1-1 0 0 0,69-18 0 0 0,-85 16-16 0 0,0-1 1 0 0,-1 0-1 0 0,0-2 0 0 0,0 0 0 0 0,-1-2 0 0 0,21-15 0 0 0,-29 18-17 0 0,-1-1 0 0 0,0-1 0 0 0,0 1-1 0 0,-1-2 1 0 0,0 1 0 0 0,0-2 0 0 0,-2 1-1 0 0,0-1 1 0 0,0 0 0 0 0,5-15 0 0 0,-9 19 101 0 0,0 0 1 0 0,-1 0-1 0 0,0 0 1 0 0,-1-1-1 0 0,0 1 1 0 0,-1-1-1 0 0,0 1 1 0 0,0-1-1 0 0,-1 0 1 0 0,0 0-1 0 0,-1 1 1 0 0,0-1-1 0 0,0 1 1 0 0,-1-1-1 0 0,-1 1 1 0 0,1-1-1 0 0,-9-16 1 0 0,5 15-12 0 0,0 1 0 0 0,-1-1 0 0 0,0 1 0 0 0,0 1 0 0 0,-1-1-1 0 0,-1 1 1 0 0,0 1 0 0 0,0 0 0 0 0,0 0 0 0 0,-1 0 0 0 0,0 1 0 0 0,-1 1 0 0 0,-18-9 0 0 0,-3 1-6 0 0,0 1 0 0 0,0 1 1 0 0,-2 2-1 0 0,1 2 0 0 0,-41-6 1 0 0,56 12-441 0 0,-1 0 0 0 0,0 1 0 0 0,0 1 0 0 0,0 1-1 0 0,0 0 1 0 0,0 2 0 0 0,0 0 0 0 0,1 1 0 0 0,-1 1 0 0 0,-34 14 0 0 0,49-17-183 0 0,1 0-1 0 0,-1 0 1 0 0,1 0-1 0 0,0 1 1 0 0,-1-1-1 0 0,1 1 1 0 0,0 0-1 0 0,1 0 1 0 0,-1 0 0 0 0,0 0-1 0 0,1 0 1 0 0,0 1-1 0 0,0-1 1 0 0,0 1-1 0 0,0-1 1 0 0,0 1-1 0 0,1 0 1 0 0,-2 4-1 0 0,-2 29-884 0 0,5-27 1192 0 0</inkml:trace>
+</inkml:ink>
+</file>
+
+<file path=ppt/ink/ink26.xml><?xml version="1.0" encoding="utf-8"?>
+<inkml:ink xmlns:inkml="http://www.w3.org/2003/InkML">
+  <inkml:definitions>
+    <inkml:context xml:id="ctx0">
+      <inkml:inkSource xml:id="inkSrc0">
+        <inkml:traceFormat>
+          <inkml:channel name="X" type="integer" min="-2.14748E9" max="2.14748E9" units="cm"/>
+          <inkml:channel name="Y" type="integer" min="-2.14748E9" max="2.14748E9" units="cm"/>
+          <inkml:channel name="F" type="integer" max="32767" units="dev"/>
+          <inkml:channel name="OA" type="integer" max="360" units="deg"/>
+          <inkml:channel name="OE" type="integer" max="90" units="deg"/>
+        </inkml:traceFormat>
+        <inkml:channelProperties>
+          <inkml:channelProperty channel="X" name="resolution" value="1000" units="1/cm"/>
+          <inkml:channelProperty channel="Y" name="resolution" value="1000" units="1/cm"/>
+          <inkml:channelProperty channel="F" name="resolution" value="0" units="1/dev"/>
+          <inkml:channelProperty channel="OA" name="resolution" value="1000" units="1/deg"/>
+          <inkml:channelProperty channel="OE" name="resolution" value="1000" units="1/deg"/>
+        </inkml:channelProperties>
+      </inkml:inkSource>
+      <inkml:timestamp xml:id="ts0" timeString="2025-08-06T01:02:52.274"/>
+    </inkml:context>
+    <inkml:brush xml:id="br0">
+      <inkml:brushProperty name="width" value="0.035" units="cm"/>
+      <inkml:brushProperty name="height" value="0.035" units="cm"/>
+    </inkml:brush>
+  </inkml:definitions>
+  <inkml:trace contextRef="#ctx0" brushRef="#br0">1063 19 172 0 0,'-20'4'10024'0'0,"-23"-5"-5984"0"0,-43-8-2387 0 0,56 4-1609 0 0,0 1-1 0 0,0 1 1 0 0,-1 2-1 0 0,1 1 1 0 0,0 2-1 0 0,0 1 0 0 0,0 1 1 0 0,0 1-1 0 0,0 2 1 0 0,1 1-1 0 0,0 1 1 0 0,1 2-1 0 0,0 0 0 0 0,0 2 1 0 0,-30 20-1 0 0,19-9-187 0 0,2 3 0 0 0,0 0 0 0 0,2 3 0 0 0,1 0 0 0 0,2 3 0 0 0,-30 36 0 0 0,46-47 230 0 0,0 1 0 0 0,2 0 0 0 0,0 1-1 0 0,1 1 1 0 0,2 0 0 0 0,1 0 0 0 0,0 1 0 0 0,2 1 0 0 0,1-1-1 0 0,1 1 1 0 0,-2 36 0 0 0,5-28-180 0 0,3 0 0 0 0,1 0-1 0 0,1 0 1 0 0,2 0 0 0 0,1-1 0 0 0,2 1 0 0 0,2-1-1 0 0,1-1 1 0 0,1 0 0 0 0,2 0 0 0 0,26 47-1 0 0,-21-49 97 0 0,0-1-1 0 0,3-1 0 0 0,0-1 0 0 0,2-1 0 0 0,0-1 0 0 0,2 0 0 0 0,1-2 1 0 0,1-2-1 0 0,1 0 0 0 0,1-2 0 0 0,1-1 0 0 0,0-1 0 0 0,1-1 1 0 0,1-2-1 0 0,1-2 0 0 0,0 0 0 0 0,1-3 0 0 0,37 8 0 0 0,-28-11-136 0 0,0-3-1 0 0,1-1 1 0 0,0-2 0 0 0,-1-2-1 0 0,1-2 1 0 0,60-12-1 0 0,-44 2 466 0 0,0-3-1 0 0,0-2 0 0 0,107-49 1 0 0,-132 50-406 0 0,-2-2 1 0 0,0-1 0 0 0,-1-2-1 0 0,-1-1 1 0 0,-1-2 0 0 0,-2-1-1 0 0,0-1 1 0 0,-2-1 0 0 0,41-56-1 0 0,-38 40 45 0 0,-2-1-1 0 0,-2-1 0 0 0,-2-1 1 0 0,-2-1-1 0 0,-2-1 0 0 0,20-85 0 0 0,-29 98 137 0 0,-3-2 1 0 0,0 1-1 0 0,-3-1 0 0 0,-1 0 0 0 0,-3-57 0 0 0,-2 78-192 0 0,0 1 0 0 0,-1-1 0 0 0,-1 1 0 0 0,0-1 0 0 0,-1 1-1 0 0,-1 1 1 0 0,-1-1 0 0 0,0 1 0 0 0,-1 0 0 0 0,0 1 0 0 0,-2-1 0 0 0,1 2 0 0 0,-2-1 0 0 0,-21-21 0 0 0,12 17 220 0 0,-1 0 0 0 0,0 1 1 0 0,-1 2-1 0 0,-1 0 0 0 0,0 1 0 0 0,-1 2 0 0 0,-1 0 1 0 0,0 2-1 0 0,0 0 0 0 0,-1 2 0 0 0,0 1 0 0 0,0 1 1 0 0,-29-3-1 0 0,23 6-227 0 0,-2 1-1 0 0,1 2 1 0 0,0 1 0 0 0,0 2-1 0 0,-42 9 1 0 0,37-4-1210 0 0,1 2 0 0 0,-47 19-1 0 0,6 1-1602 0 0,32-13 201 0 0,1 1 1 0 0,-78 44-1 0 0,109-52 2431 0 0,1 0 40 0 0</inkml:trace>
+</inkml:ink>
+</file>
+
+<file path=ppt/ink/ink27.xml><?xml version="1.0" encoding="utf-8"?>
+<inkml:ink xmlns:inkml="http://www.w3.org/2003/InkML">
+  <inkml:definitions>
+    <inkml:context xml:id="ctx0">
+      <inkml:inkSource xml:id="inkSrc0">
+        <inkml:traceFormat>
+          <inkml:channel name="X" type="integer" min="-2.14748E9" max="2.14748E9" units="cm"/>
+          <inkml:channel name="Y" type="integer" min="-2.14748E9" max="2.14748E9" units="cm"/>
+          <inkml:channel name="F" type="integer" max="32767" units="dev"/>
+          <inkml:channel name="OA" type="integer" max="360" units="deg"/>
+          <inkml:channel name="OE" type="integer" max="90" units="deg"/>
+        </inkml:traceFormat>
+        <inkml:channelProperties>
+          <inkml:channelProperty channel="X" name="resolution" value="1000" units="1/cm"/>
+          <inkml:channelProperty channel="Y" name="resolution" value="1000" units="1/cm"/>
+          <inkml:channelProperty channel="F" name="resolution" value="0" units="1/dev"/>
+          <inkml:channelProperty channel="OA" name="resolution" value="1000" units="1/deg"/>
+          <inkml:channelProperty channel="OE" name="resolution" value="1000" units="1/deg"/>
+        </inkml:channelProperties>
+      </inkml:inkSource>
+      <inkml:timestamp xml:id="ts0" timeString="2025-08-06T01:02:54.208"/>
+    </inkml:context>
+    <inkml:brush xml:id="br0">
+      <inkml:brushProperty name="width" value="0.035" units="cm"/>
+      <inkml:brushProperty name="height" value="0.035" units="cm"/>
+    </inkml:brush>
+  </inkml:definitions>
+  <inkml:trace contextRef="#ctx0" brushRef="#br0">0 19 128 0 0,'1'-2'93'0'0,"-1"1"0"0"0,1 0 1 0 0,0 0-1 0 0,0-1 0 0 0,0 1 0 0 0,0 0 1 0 0,0 0-1 0 0,0 0 0 0 0,0 0 0 0 0,0 0 0 0 0,1 1 1 0 0,-1-1-1 0 0,0 0 0 0 0,0 0 0 0 0,1 1 0 0 0,-1-1 1 0 0,0 1-1 0 0,1-1 0 0 0,-1 1 0 0 0,1 0 1 0 0,-1-1-1 0 0,1 1 0 0 0,1 0 0 0 0,1 0 52 0 0,-1 1 0 0 0,1-1-1 0 0,0 1 1 0 0,-1 0 0 0 0,1 0-1 0 0,-1 0 1 0 0,1 0 0 0 0,-1 0-1 0 0,4 3 1 0 0,4 2-49 0 0,-1 0 0 0 0,-1 1 1 0 0,1 0-1 0 0,-1 0 0 0 0,8 10 0 0 0,3 6-80 0 0,-1 1 0 0 0,-2 1 0 0 0,0 1 0 0 0,-2 0-1 0 0,24 55 1 0 0,39 149 90 0 0,-59-156 32 0 0,-4 1 0 0 0,-3 1 0 0 0,3 83 0 0 0,-11 235 31 0 0,-3-112 167 0 0,56 496 966 0 0,-40-673-1298 0 0,5 0-1 0 0,4-1 0 0 0,5-2 0 0 0,4-1 0 0 0,61 124 1 0 0,-60-154-129 0 0,4-2 0 0 0,91 122 0 0 0,-111-166 152 0 0,1-1 0 0 0,1-1 0 0 0,1-1 0 0 0,1-1-1 0 0,1-1 1 0 0,1-1 0 0 0,0-1 0 0 0,1-2 0 0 0,1 0-1 0 0,37 14 1 0 0,-45-24 19 0 0,0-1-1 0 0,0 0 0 0 0,0-1 1 0 0,0-1-1 0 0,1-1 1 0 0,0-1-1 0 0,-1-1 0 0 0,1-1 1 0 0,-1 0-1 0 0,1-2 1 0 0,-1 0-1 0 0,1-2 0 0 0,-1 0 1 0 0,33-14-1 0 0,-36 13-90 0 0,-1-2 0 0 0,-1 0 0 0 0,1-1 0 0 0,-1 0-1 0 0,-1-1 1 0 0,0-1 0 0 0,0 0 0 0 0,-1-1 0 0 0,0-1 0 0 0,-1 0-1 0 0,-1 0 1 0 0,0-1 0 0 0,-1 0 0 0 0,0-1 0 0 0,-1-1 0 0 0,-1 1-1 0 0,9-26 1 0 0,5-27 86 0 0,-3-1 0 0 0,-3-1-1 0 0,-3-1 1 0 0,4-72 0 0 0,-17 142-31 0 0,0 0 0 0 0,1-1 0 0 0,-1 1 0 0 0,0 0 0 0 0,0-1 0 0 0,0 1 0 0 0,0 0 0 0 0,0-1 0 0 0,0 1 0 0 0,0 0 0 0 0,-1-1 0 0 0,1 1 0 0 0,0 0 1 0 0,-1 0-1 0 0,1-1 0 0 0,-1 1 0 0 0,1 0 0 0 0,-1 0 0 0 0,0 0 0 0 0,0-1 0 0 0,1 1 0 0 0,-1 0 0 0 0,0 0 0 0 0,0 0 0 0 0,-1-1 0 0 0,0 2 10 0 0,1 0-1 0 0,-1 0 1 0 0,1 0-1 0 0,-1 0 1 0 0,1 0-1 0 0,-1 0 0 0 0,1 0 1 0 0,-1 0-1 0 0,1 1 1 0 0,-1-1-1 0 0,1 0 1 0 0,-1 1-1 0 0,1-1 1 0 0,0 1-1 0 0,-1 0 1 0 0,1-1-1 0 0,0 1 1 0 0,-2 1-1 0 0,-10 7 185 0 0,1 1 0 0 0,-1 0 0 0 0,-10 13-1 0 0,20-20-143 0 0,-19 19 390 0 0,1 2 0 0 0,1 1 0 0 0,2 0-1 0 0,0 1 1 0 0,1 1 0 0 0,2 1 0 0 0,1 0 0 0 0,1 1 0 0 0,-15 50 0 0 0,28-78-440 0 0,-1 0 1 0 0,1 0-1 0 0,0 0 1 0 0,-1 0-1 0 0,1 0 1 0 0,0 0-1 0 0,0 0 1 0 0,-1 0-1 0 0,1 0 1 0 0,0 0-1 0 0,0 0 1 0 0,0 0-1 0 0,0 0 1 0 0,0 0-1 0 0,1 0 1 0 0,-1 0-1 0 0,0 0 1 0 0,0 0-1 0 0,1 0 1 0 0,-1 0-1 0 0,1 0 1 0 0,-1 0-1 0 0,1 0 1 0 0,0 1-1 0 0,0-2-136 0 0,0 1 0 0 0,0-1 1 0 0,0 0-1 0 0,0 0 0 0 0,0 0 0 0 0,0 0 0 0 0,0 0 0 0 0,0 0 0 0 0,0 0 0 0 0,-1-1 0 0 0,1 1 0 0 0,0 0 0 0 0,0 0 0 0 0,0-1 0 0 0,0 1 0 0 0,0 0 0 0 0,0-1 0 0 0,0 1 0 0 0,-1-1 0 0 0,2 0 0 0 0,4-3-926 0 0,0-1-1 0 0,0 1 1 0 0,0-1-1 0 0,-1 0 0 0 0,9-11 1 0 0,-4 0 89 0 0,0 0 0 0 0,-2 0 0 0 0,8-21 0 0 0,-10 20 667 0 0</inkml:trace>
+</inkml:ink>
+</file>
+
+<file path=ppt/ink/ink28.xml><?xml version="1.0" encoding="utf-8"?>
+<inkml:ink xmlns:inkml="http://www.w3.org/2003/InkML">
+  <inkml:definitions>
+    <inkml:context xml:id="ctx0">
+      <inkml:inkSource xml:id="inkSrc0">
+        <inkml:traceFormat>
+          <inkml:channel name="X" type="integer" min="-2.14748E9" max="2.14748E9" units="cm"/>
+          <inkml:channel name="Y" type="integer" min="-2.14748E9" max="2.14748E9" units="cm"/>
+          <inkml:channel name="F" type="integer" max="32767" units="dev"/>
+          <inkml:channel name="OA" type="integer" max="360" units="deg"/>
+          <inkml:channel name="OE" type="integer" max="90" units="deg"/>
+        </inkml:traceFormat>
+        <inkml:channelProperties>
+          <inkml:channelProperty channel="X" name="resolution" value="1000" units="1/cm"/>
+          <inkml:channelProperty channel="Y" name="resolution" value="1000" units="1/cm"/>
+          <inkml:channelProperty channel="F" name="resolution" value="0" units="1/dev"/>
+          <inkml:channelProperty channel="OA" name="resolution" value="1000" units="1/deg"/>
+          <inkml:channelProperty channel="OE" name="resolution" value="1000" units="1/deg"/>
+        </inkml:channelProperties>
+      </inkml:inkSource>
+      <inkml:timestamp xml:id="ts0" timeString="2025-08-06T01:02:54.849"/>
+    </inkml:context>
+    <inkml:brush xml:id="br0">
+      <inkml:brushProperty name="width" value="0.035" units="cm"/>
+      <inkml:brushProperty name="height" value="0.035" units="cm"/>
+    </inkml:brush>
+  </inkml:definitions>
+  <inkml:trace contextRef="#ctx0" brushRef="#br0">1063 15 180 0 0,'-2'-1'142'0'0,"0"-1"1"0"0,0 1-1 0 0,0-1 0 0 0,0 1 1 0 0,0 0-1 0 0,0 0 1 0 0,0 0-1 0 0,0 0 0 0 0,0 0 1 0 0,-1 1-1 0 0,1-1 0 0 0,0 1 1 0 0,0-1-1 0 0,-1 1 0 0 0,1 0 1 0 0,-4 0-1 0 0,-48 1 1657 0 0,31 1-1336 0 0,-41-2-243 0 0,0 3 0 0 0,1 3 0 0 0,0 2-1 0 0,-65 18 1 0 0,91-15 0 0 0,2 1-1 0 0,-1 1 1 0 0,1 2-1 0 0,1 2 1 0 0,1 1-1 0 0,0 1 1 0 0,2 2-1 0 0,-34 28 1 0 0,42-30-173 0 0,1 1 0 0 0,1 1 0 0 0,1 1 0 0 0,1 1-1 0 0,1 0 1 0 0,1 2 0 0 0,2 0 0 0 0,-22 43 0 0 0,31-52 4 0 0,0-1-1 0 0,1 1 0 0 0,1 0 0 0 0,0 0 1 0 0,1 1-1 0 0,1-1 0 0 0,0 0 1 0 0,2 1-1 0 0,-1 0 0 0 0,2-1 0 0 0,1 1 1 0 0,0-1-1 0 0,0 0 0 0 0,2 1 1 0 0,0-1-1 0 0,12 29 0 0 0,-4-19-110 0 0,0-1 1 0 0,2 0-1 0 0,1-1 0 0 0,1 0 0 0 0,1-1 1 0 0,1-1-1 0 0,0-1 0 0 0,2 0 0 0 0,1-2 1 0 0,0 0-1 0 0,1-2 0 0 0,1 0 0 0 0,1-1 1 0 0,42 20-1 0 0,-32-20-23 0 0,1-2-1 0 0,1-2 1 0 0,0-1 0 0 0,1-2-1 0 0,0-1 1 0 0,0-2 0 0 0,1-2-1 0 0,0-1 1 0 0,-1-2 0 0 0,59-6-1 0 0,-50 1 90 0 0,1-3-1 0 0,-1-2 0 0 0,0-2 0 0 0,-1-2 1 0 0,-1-1-1 0 0,70-34 0 0 0,-94 37-26 0 0,0-1 0 0 0,0 0 0 0 0,-1-2 0 0 0,-1 0-1 0 0,0-1 1 0 0,24-28 0 0 0,-31 31 37 0 0,-1-1-1 0 0,-1 0 0 0 0,-1 0 1 0 0,0-1-1 0 0,0 0 0 0 0,-1-1 1 0 0,-1 0-1 0 0,-1 0 1 0 0,0 0-1 0 0,4-23 0 0 0,-7 27-42 0 0,0 1-1 0 0,-1-1 0 0 0,-1 1 0 0 0,0-1 0 0 0,0 1 0 0 0,-1-1 1 0 0,0 1-1 0 0,-1-1 0 0 0,0 1 0 0 0,-1 0 0 0 0,0 0 0 0 0,-1 0 1 0 0,0 0-1 0 0,0 0 0 0 0,-1 1 0 0 0,0 0 0 0 0,-1 0 0 0 0,0 0 1 0 0,-9-10-1 0 0,2 6-13 0 0,0 1 1 0 0,-1 0 0 0 0,0 1-1 0 0,-1 0 1 0 0,0 1 0 0 0,-1 1-1 0 0,0 0 1 0 0,0 2-1 0 0,-1-1 1 0 0,-27-6 0 0 0,8 3 17 0 0,0 2 0 0 0,-1 2 0 0 0,-1 2 1 0 0,1 1-1 0 0,-1 1 0 0 0,1 3 0 0 0,-55 5 0 0 0,53 0-979 0 0,-1 2-1 0 0,1 2 0 0 0,-73 27 0 0 0,112-36 1001 0 0,-2 1-123 0 0,0 0-1 0 0,0 0 1 0 0,-1 0-1 0 0,1-1 0 0 0,0 1 1 0 0,-1 0-1 0 0,1-1 0 0 0,0 0 1 0 0,-1 1-1 0 0,1-1 1 0 0,-1 0-1 0 0,1 0 0 0 0,-1-1 1 0 0,1 1-1 0 0,-3-1 0 0 0,1 0-79 0 0</inkml:trace>
+</inkml:ink>
+</file>
+
+<file path=ppt/ink/ink29.xml><?xml version="1.0" encoding="utf-8"?>
+<inkml:ink xmlns:inkml="http://www.w3.org/2003/InkML">
+  <inkml:definitions>
+    <inkml:context xml:id="ctx0">
+      <inkml:inkSource xml:id="inkSrc0">
+        <inkml:traceFormat>
+          <inkml:channel name="X" type="integer" min="-2.14748E9" max="2.14748E9" units="cm"/>
+          <inkml:channel name="Y" type="integer" min="-2.14748E9" max="2.14748E9" units="cm"/>
+          <inkml:channel name="F" type="integer" max="32767" units="dev"/>
+          <inkml:channel name="OA" type="integer" max="360" units="deg"/>
+          <inkml:channel name="OE" type="integer" max="90" units="deg"/>
+        </inkml:traceFormat>
+        <inkml:channelProperties>
+          <inkml:channelProperty channel="X" name="resolution" value="1000" units="1/cm"/>
+          <inkml:channelProperty channel="Y" name="resolution" value="1000" units="1/cm"/>
+          <inkml:channelProperty channel="F" name="resolution" value="0" units="1/dev"/>
+          <inkml:channelProperty channel="OA" name="resolution" value="1000" units="1/deg"/>
+          <inkml:channelProperty channel="OE" name="resolution" value="1000" units="1/deg"/>
+        </inkml:channelProperties>
+      </inkml:inkSource>
+      <inkml:timestamp xml:id="ts0" timeString="2025-08-06T01:02:57.480"/>
+    </inkml:context>
+    <inkml:brush xml:id="br0">
+      <inkml:brushProperty name="width" value="0.035" units="cm"/>
+      <inkml:brushProperty name="height" value="0.035" units="cm"/>
+    </inkml:brush>
+  </inkml:definitions>
+  <inkml:trace contextRef="#ctx0" brushRef="#br0">89 36 60 0 0,'-1'-5'500'0'0,"-3"-18"-362"0"0,1 16 1955 0 0,-1 10 1317 0 0,-2 12-3121 0 0,1 0-1 0 0,0 1 0 0 0,1 0 1 0 0,1 0-1 0 0,0 0 0 0 0,1 0 1 0 0,0 22-1 0 0,-2 16 219 0 0,-16 57 330 0 0,-2 24 528 0 0,21-133-1343 0 0,1 0 0 0 0,0-1 0 0 0,0 1-1 0 0,0 0 1 0 0,1 0 0 0 0,-1 0 0 0 0,0 0 0 0 0,1 0-1 0 0,-1-1 1 0 0,1 1 0 0 0,-1 0 0 0 0,1 0 0 0 0,0-1 0 0 0,0 1-1 0 0,0 0 1 0 0,0-1 0 0 0,0 1 0 0 0,0-1 0 0 0,0 1 0 0 0,1-1-1 0 0,1 2 1 0 0,0 0-16 0 0,1-1 0 0 0,0 0 0 0 0,0 0-1 0 0,-1 0 1 0 0,1 0 0 0 0,0-1 0 0 0,1 1 0 0 0,-1-1-1 0 0,5 1 1 0 0,12 0-83 0 0,-1 0 0 0 0,1-1 0 0 0,24-2 0 0 0,-30 0 62 0 0,127-5-504 0 0,201 1 929 0 0,-298 7-339 0 0,-1 3 0 0 0,1 1 0 0 0,-2 3 0 0 0,1 1 1 0 0,65 24-1 0 0,-97-29-118 0 0,0 0 0 0 0,0 0 1 0 0,-1 1-1 0 0,0 1 0 0 0,14 10 1 0 0,-25-17 25 0 0,-1-7-29 0 0,0-1 20 0 0,-1 1 0 0 0,0 0 0 0 0,-1-1-1 0 0,1 1 1 0 0,-1 1 0 0 0,-5-9 0 0 0,-8-23-116 0 0,-13-80 22 0 0,22 79 436 0 0,-3 0 0 0 0,-27-72 0 0 0,34 106-306 0 0,0-1 1 0 0,0 0 0 0 0,0 1-1 0 0,-1-1 1 0 0,0 1 0 0 0,0 0-1 0 0,0 1 1 0 0,-1-1 0 0 0,0 1-1 0 0,1-1 1 0 0,-2 1 0 0 0,1 1-1 0 0,0-1 1 0 0,-8-3 0 0 0,3 3-63 0 0,1 1 0 0 0,-1-1 0 0 0,0 2 0 0 0,-1-1 0 0 0,1 1 0 0 0,0 1 0 0 0,-1 0 0 0 0,-11 0 0 0 0,-16 3-202 0 0,0 2 0 0 0,0 2 0 0 0,-66 18 1 0 0,84-18 258 0 0,-74 23-246 0 0,59-17-731 0 0,1-2 1 0 0,-45 8 0 0 0,46-21-2196 0 0,32 3 3063 0 0,0 0 1 0 0,0 0 0 0 0,0-1 0 0 0,1 1-1 0 0,-1 0 1 0 0,0-1 0 0 0,0 1 0 0 0,0-1-1 0 0,1 1 1 0 0,-1-1 0 0 0,0 1-1 0 0,1-1 1 0 0,-1 1 0 0 0,0-1 0 0 0,1 0-1 0 0,-1 0 1 0 0,1 1 0 0 0,-1-1 0 0 0,1 0-1 0 0,-1 0 1 0 0,1 1 0 0 0,-1-1 0 0 0,1 0-1 0 0,0 0 1 0 0,0 0 0 0 0,-1 0 0 0 0,1 0-1 0 0,0 0 1 0 0,0 0 0 0 0,0 1-1 0 0,0-1 1 0 0,0 0 0 0 0,0-2 0 0 0,1-1-140 0 0</inkml:trace>
 </inkml:ink>
 </file>
 
@@ -1018,14 +2110,324 @@
           <inkml:channelProperty channel="OE" name="resolution" value="1000" units="1/deg"/>
         </inkml:channelProperties>
       </inkml:inkSource>
-      <inkml:timestamp xml:id="ts0" timeString="2025-06-04T00:41:02.396"/>
+      <inkml:timestamp xml:id="ts0" timeString="2025-08-06T01:03:00.385"/>
     </inkml:context>
     <inkml:brush xml:id="br0">
       <inkml:brushProperty name="width" value="0.035" units="cm"/>
       <inkml:brushProperty name="height" value="0.035" units="cm"/>
     </inkml:brush>
   </inkml:definitions>
-  <inkml:trace contextRef="#ctx0" brushRef="#br0">28 3 36 0 0,'-22'-3'8140'0'0,"22"3"-8001"0"0,-1 1 1 0 0,1-1 0 0 0,0 0 0 0 0,0 0 0 0 0,-1 0 0 0 0,1 1 0 0 0,0-1-1 0 0,-1 0 1 0 0,1 0 0 0 0,0 0 0 0 0,0 1 0 0 0,0-1 0 0 0,-1 0-1 0 0,1 1 1 0 0,0-1 0 0 0,0 0 0 0 0,0 0 0 0 0,0 1 0 0 0,-1-1 0 0 0,1 0-1 0 0,0 1 1 0 0,0-1 0 0 0,0 0 0 0 0,0 1 0 0 0,0-1 0 0 0,0 0-1 0 0,0 1 1 0 0,0-1 0 0 0,0 0 0 0 0,0 1 0 0 0,0-1 0 0 0,0 1-1 0 0,19 37 3019 0 0,-5-11-1828 0 0,-4-5-146 0 0,0-1 0 0 0,18 27-1 0 0,7 10 775 0 0,-28-43-1411 0 0,0 1-47 0 0,1 0 0 0 0,1-1 0 0 0,0 0 0 0 0,0-1 0 0 0,21 23 0 0 0,-25-32 603 0 0,-1-2-1737 0 0,-7-7-3804 0 0,2 2 3052 0 0,-1 0 0 0 0,1-1 0 0 0,0 1 0 0 0,0 0 0 0 0,0 0 0 0 0,1-1-1 0 0,-1 1 1 0 0,0-1 0 0 0,0-4 0 0 0,2-17-3562 0 0,8-9 1993 0 0,-6 26 2578 0 0</inkml:trace>
+  <inkml:trace contextRef="#ctx0" brushRef="#br0">48 12 188 0 0,'1'-11'4620'0'0,"2"17"-1694"0"0,0 20-1846 0 0,-7 56-353 0 0,-24 135 0 0 0,8-75 831 0 0,19-139-1528 0 0,0 0-1 0 0,1 0 1 0 0,-1 0 0 0 0,1 0-1 0 0,0 1 1 0 0,0-1-1 0 0,0 0 1 0 0,1 0-1 0 0,-1 0 1 0 0,1 0-1 0 0,-1 0 1 0 0,1 0-1 0 0,0 0 1 0 0,0 0-1 0 0,1 0 1 0 0,-1 0-1 0 0,1 0 1 0 0,-1-1-1 0 0,4 4 1 0 0,-2-4-31 0 0,0 0 0 0 0,0 0 0 0 0,0 0 0 0 0,1 0-1 0 0,-1-1 1 0 0,1 0 0 0 0,-1 0 0 0 0,1 0 0 0 0,-1 0 0 0 0,1 0 0 0 0,0-1 0 0 0,-1 0 0 0 0,1 0 0 0 0,0 0 0 0 0,-1 0 0 0 0,6-1-1 0 0,283-37-143 0 0,-111 10-124 0 0,138 0 784 0 0,-270 25-489 0 0,-41 1-181 0 0,0 0-1 0 0,1 0 1 0 0,-1-1-1 0 0,0 0 1 0 0,0 0-1 0 0,0-1 1 0 0,0 0-1 0 0,-1 0 1 0 0,0-1-1 0 0,0 0 1 0 0,0 0 0 0 0,0-1-1 0 0,-1 0 1 0 0,0 0-1 0 0,0 0 1 0 0,-1-1-1 0 0,6-8 1 0 0,-3 4-114 0 0,0 0 1 0 0,-1-1-1 0 0,0-1 1 0 0,-1 1-1 0 0,0-1 1 0 0,-1 0-1 0 0,0 0 1 0 0,-1 0-1 0 0,-1-1 1 0 0,2-15-1 0 0,-5 26 245 0 0,0 0 0 0 0,0 0 0 0 0,0 0 0 0 0,0 0 0 0 0,-1-1 0 0 0,0 1 0 0 0,1 0 0 0 0,-1 0 0 0 0,0 0 0 0 0,-1 0 0 0 0,1 0 0 0 0,0 0 0 0 0,-1 1 0 0 0,0-1 0 0 0,1 0 0 0 0,-1 1 0 0 0,0-1 0 0 0,0 1 0 0 0,-1 0 0 0 0,1 0 0 0 0,0-1 0 0 0,-1 2 0 0 0,0-1 0 0 0,1 0 0 0 0,-1 0 0 0 0,0 1 0 0 0,0-1 0 0 0,0 1 0 0 0,0 0 0 0 0,-4-1 0 0 0,-11-4 136 0 0,-1 2 0 0 0,0 0 0 0 0,-38-3 0 0 0,30 4-162 0 0,-113-8-1284 0 0,-157 7 0 0 0,169 5-2029 0 0,115-1 3147 0 0</inkml:trace>
+</inkml:ink>
+</file>
+
+<file path=ppt/ink/ink30.xml><?xml version="1.0" encoding="utf-8"?>
+<inkml:ink xmlns:inkml="http://www.w3.org/2003/InkML">
+  <inkml:definitions>
+    <inkml:context xml:id="ctx0">
+      <inkml:inkSource xml:id="inkSrc0">
+        <inkml:traceFormat>
+          <inkml:channel name="X" type="integer" min="-2.14748E9" max="2.14748E9" units="cm"/>
+          <inkml:channel name="Y" type="integer" min="-2.14748E9" max="2.14748E9" units="cm"/>
+          <inkml:channel name="F" type="integer" max="32767" units="dev"/>
+          <inkml:channel name="OA" type="integer" max="360" units="deg"/>
+          <inkml:channel name="OE" type="integer" max="90" units="deg"/>
+        </inkml:traceFormat>
+        <inkml:channelProperties>
+          <inkml:channelProperty channel="X" name="resolution" value="1000" units="1/cm"/>
+          <inkml:channelProperty channel="Y" name="resolution" value="1000" units="1/cm"/>
+          <inkml:channelProperty channel="F" name="resolution" value="0" units="1/dev"/>
+          <inkml:channelProperty channel="OA" name="resolution" value="1000" units="1/deg"/>
+          <inkml:channelProperty channel="OE" name="resolution" value="1000" units="1/deg"/>
+        </inkml:channelProperties>
+      </inkml:inkSource>
+      <inkml:timestamp xml:id="ts0" timeString="2025-08-06T01:02:58.010"/>
+    </inkml:context>
+    <inkml:brush xml:id="br0">
+      <inkml:brushProperty name="width" value="0.035" units="cm"/>
+      <inkml:brushProperty name="height" value="0.035" units="cm"/>
+    </inkml:brush>
+  </inkml:definitions>
+  <inkml:trace contextRef="#ctx0" brushRef="#br0">68 296 196 0 0,'-3'-1'196'0'0,"-1"0"0"0"0,1 0 0 0 0,0 0 0 0 0,-1 0 0 0 0,1-1 0 0 0,0 1 1 0 0,0-1-1 0 0,-1 0 0 0 0,2 0 0 0 0,-1 0 0 0 0,0 0 0 0 0,0-1 0 0 0,1 1 0 0 0,-1-1 0 0 0,1 1 0 0 0,0-1 0 0 0,-1 0 0 0 0,1 0 0 0 0,1 0 0 0 0,-4-6 1 0 0,4 4-139 0 0,-1 1 1 0 0,1-1-1 0 0,0 0 0 0 0,0 0 1 0 0,1 1-1 0 0,-1-1 1 0 0,1 0-1 0 0,0 0 1 0 0,1 0-1 0 0,-1 0 1 0 0,1 0-1 0 0,0 0 1 0 0,0 1-1 0 0,0-1 1 0 0,3-4-1 0 0,0 0-11 0 0,1 0 1 0 0,0 0-1 0 0,1 1 1 0 0,0 0-1 0 0,0 0 0 0 0,1 1 1 0 0,0-1-1 0 0,0 2 0 0 0,0-1 1 0 0,1 1-1 0 0,0 0 0 0 0,1 0 1 0 0,-1 1-1 0 0,1 0 0 0 0,0 1 1 0 0,0 0-1 0 0,1 0 0 0 0,15-3 1 0 0,13-4-39 0 0,1 2 0 0 0,1 2 0 0 0,49-3 0 0 0,-78 9 92 0 0,1 0 1 0 0,-1 1-1 0 0,1 0 0 0 0,15 3 0 0 0,-24-2-190 0 0,1-1-1 0 0,-1 1 0 0 0,0 0 0 0 0,0 0 0 0 0,0 1 1 0 0,0-1-1 0 0,0 1 0 0 0,0-1 0 0 0,0 1 1 0 0,0 0-1 0 0,-1 0 0 0 0,1 0 0 0 0,-1 1 1 0 0,1-1-1 0 0,-1 0 0 0 0,0 1 0 0 0,0 0 1 0 0,3 5-1 0 0,-4-7-189 0 0,0 1-1 0 0,0-1 1 0 0,1 0 0 0 0,-1 0 0 0 0,0 0 0 0 0,0 0 0 0 0,1 0 0 0 0,-1 0-1 0 0,1 0 1 0 0,-1 0 0 0 0,1 0 0 0 0,-1-1 0 0 0,1 1 0 0 0,-1-1-1 0 0,3 2 1 0 0,5 1-26 0 0,-2-1 95 0 0</inkml:trace>
+</inkml:ink>
+</file>
+
+<file path=ppt/ink/ink31.xml><?xml version="1.0" encoding="utf-8"?>
+<inkml:ink xmlns:inkml="http://www.w3.org/2003/InkML">
+  <inkml:definitions>
+    <inkml:context xml:id="ctx0">
+      <inkml:inkSource xml:id="inkSrc0">
+        <inkml:traceFormat>
+          <inkml:channel name="X" type="integer" min="-2.14748E9" max="2.14748E9" units="cm"/>
+          <inkml:channel name="Y" type="integer" min="-2.14748E9" max="2.14748E9" units="cm"/>
+          <inkml:channel name="F" type="integer" max="32767" units="dev"/>
+          <inkml:channel name="OA" type="integer" max="360" units="deg"/>
+          <inkml:channel name="OE" type="integer" max="90" units="deg"/>
+        </inkml:traceFormat>
+        <inkml:channelProperties>
+          <inkml:channelProperty channel="X" name="resolution" value="1000" units="1/cm"/>
+          <inkml:channelProperty channel="Y" name="resolution" value="1000" units="1/cm"/>
+          <inkml:channelProperty channel="F" name="resolution" value="0" units="1/dev"/>
+          <inkml:channelProperty channel="OA" name="resolution" value="1000" units="1/deg"/>
+          <inkml:channelProperty channel="OE" name="resolution" value="1000" units="1/deg"/>
+        </inkml:channelProperties>
+      </inkml:inkSource>
+      <inkml:timestamp xml:id="ts0" timeString="2025-08-06T01:04:35.334"/>
+    </inkml:context>
+    <inkml:brush xml:id="br0">
+      <inkml:brushProperty name="width" value="0.035" units="cm"/>
+      <inkml:brushProperty name="height" value="0.035" units="cm"/>
+    </inkml:brush>
+  </inkml:definitions>
+  <inkml:trace contextRef="#ctx0" brushRef="#br0">1625 94 152 0 0,'-19'-12'532'0'0,"-2"0"-1"0"0,1 2 1 0 0,-2 0 0 0 0,1 1-1 0 0,-1 2 1 0 0,0 0 0 0 0,-1 1-1 0 0,0 1 1 0 0,-27-2 0 0 0,-23 1 608 0 0,-116 4 0 0 0,135 5-1169 0 0,1 3 0 0 0,-1 1 0 0 0,1 4 1 0 0,1 1-1 0 0,0 3 0 0 0,0 2 0 0 0,-51 25 0 0 0,27-5 279 0 0,1 4 1 0 0,1 3-1 0 0,-116 93 0 0 0,169-120-194 0 0,1 2-1 0 0,1-1 0 0 0,1 2 0 0 0,0 1 1 0 0,1 0-1 0 0,2 1 0 0 0,0 1 0 0 0,1 0 1 0 0,2 1-1 0 0,0 0 0 0 0,1 1 0 0 0,2 0 1 0 0,-9 37-1 0 0,14-42-40 0 0,0 0 1 0 0,2 0-1 0 0,0 0 1 0 0,1 0-1 0 0,1 0 1 0 0,2 0-1 0 0,-1 0 1 0 0,2 0-1 0 0,1 0 1 0 0,0 0-1 0 0,2-1 1 0 0,0 0-1 0 0,1 0 1 0 0,1 0-1 0 0,0-1 0 0 0,2-1 1 0 0,0 1-1 0 0,20 25 1 0 0,1-7 150 0 0,0-2 0 0 0,3-1 0 0 0,1-1 0 0 0,1-2 0 0 0,1-2-1 0 0,78 44 1 0 0,-57-41-192 0 0,1-2 0 0 0,1-4-1 0 0,1-2 1 0 0,89 21-1 0 0,-95-32 72 0 0,1-3 0 0 0,0-3 0 0 0,0-2 0 0 0,1-2 0 0 0,0-3 0 0 0,-1-2 0 0 0,0-3 0 0 0,0-2 0 0 0,102-30 0 0 0,-118 27-57 0 0,-1-3-1 0 0,-1-1 1 0 0,0-2-1 0 0,-1-1 1 0 0,-1-3-1 0 0,-1 0 1 0 0,-1-2-1 0 0,0-2 1 0 0,-2-1-1 0 0,-2-1 0 0 0,0-2 1 0 0,-2-1-1 0 0,-1-1 1 0 0,28-42-1 0 0,-41 51 7 0 0,-2-1-1 0 0,0 0 0 0 0,-2-1 1 0 0,0 0-1 0 0,-2 0 0 0 0,-1-1 1 0 0,-1 0-1 0 0,0 0 0 0 0,-2-1 0 0 0,-1 1 1 0 0,-1-41-1 0 0,-3 44 74 0 0,-1 1 0 0 0,0-1-1 0 0,-2 0 1 0 0,-1 1 0 0 0,0 0-1 0 0,-2 0 1 0 0,0 0 0 0 0,-1 1 0 0 0,-2 0-1 0 0,0 1 1 0 0,0-1 0 0 0,-2 2 0 0 0,-26-32-1 0 0,11 19-163 0 0,-2 1-1 0 0,-1 2 0 0 0,-2 1 1 0 0,0 2-1 0 0,-2 1 0 0 0,-1 1 1 0 0,-63-30-1 0 0,70 40-299 0 0,0 2 0 0 0,0 1 1 0 0,-1 1-1 0 0,-1 2 0 0 0,1 0 0 0 0,-1 3 0 0 0,-1 0 1 0 0,1 2-1 0 0,0 1 0 0 0,0 1 0 0 0,-36 6 0 0 0,-23 11-1550 0 0,1 5 0 0 0,-144 55 0 0 0,193-63 1703 0 0</inkml:trace>
+</inkml:ink>
+</file>
+
+<file path=ppt/ink/ink32.xml><?xml version="1.0" encoding="utf-8"?>
+<inkml:ink xmlns:inkml="http://www.w3.org/2003/InkML">
+  <inkml:definitions>
+    <inkml:context xml:id="ctx0">
+      <inkml:inkSource xml:id="inkSrc0">
+        <inkml:traceFormat>
+          <inkml:channel name="X" type="integer" min="-2.14748E9" max="2.14748E9" units="cm"/>
+          <inkml:channel name="Y" type="integer" min="-2.14748E9" max="2.14748E9" units="cm"/>
+          <inkml:channel name="F" type="integer" max="32767" units="dev"/>
+          <inkml:channel name="OA" type="integer" max="360" units="deg"/>
+          <inkml:channel name="OE" type="integer" max="90" units="deg"/>
+        </inkml:traceFormat>
+        <inkml:channelProperties>
+          <inkml:channelProperty channel="X" name="resolution" value="1000" units="1/cm"/>
+          <inkml:channelProperty channel="Y" name="resolution" value="1000" units="1/cm"/>
+          <inkml:channelProperty channel="F" name="resolution" value="0" units="1/dev"/>
+          <inkml:channelProperty channel="OA" name="resolution" value="1000" units="1/deg"/>
+          <inkml:channelProperty channel="OE" name="resolution" value="1000" units="1/deg"/>
+        </inkml:channelProperties>
+      </inkml:inkSource>
+      <inkml:timestamp xml:id="ts0" timeString="2025-08-06T01:04:55.870"/>
+    </inkml:context>
+    <inkml:brush xml:id="br0">
+      <inkml:brushProperty name="width" value="0.035" units="cm"/>
+      <inkml:brushProperty name="height" value="0.035" units="cm"/>
+    </inkml:brush>
+  </inkml:definitions>
+  <inkml:trace contextRef="#ctx0" brushRef="#br0">1 42 160 0 0,'4'-3'1060'0'0,"1"-1"1"0"0,0 1-1 0 0,0 0 0 0 0,0 0 0 0 0,0 0 1 0 0,6-2-1 0 0,1 1-1229 0 0,-1 1 0 0 0,0 0 0 0 0,0 1 0 0 0,21-2 0 0 0,5 3-3190 0 0,56 5 1 0 0,-85-3 3695 0 0,10 1-578 0 0</inkml:trace>
+</inkml:ink>
+</file>
+
+<file path=ppt/ink/ink33.xml><?xml version="1.0" encoding="utf-8"?>
+<inkml:ink xmlns:inkml="http://www.w3.org/2003/InkML">
+  <inkml:definitions>
+    <inkml:context xml:id="ctx0">
+      <inkml:inkSource xml:id="inkSrc0">
+        <inkml:traceFormat>
+          <inkml:channel name="X" type="integer" min="-2.14748E9" max="2.14748E9" units="cm"/>
+          <inkml:channel name="Y" type="integer" min="-2.14748E9" max="2.14748E9" units="cm"/>
+          <inkml:channel name="F" type="integer" max="32767" units="dev"/>
+          <inkml:channel name="OA" type="integer" max="360" units="deg"/>
+          <inkml:channel name="OE" type="integer" max="90" units="deg"/>
+        </inkml:traceFormat>
+        <inkml:channelProperties>
+          <inkml:channelProperty channel="X" name="resolution" value="1000" units="1/cm"/>
+          <inkml:channelProperty channel="Y" name="resolution" value="1000" units="1/cm"/>
+          <inkml:channelProperty channel="F" name="resolution" value="0" units="1/dev"/>
+          <inkml:channelProperty channel="OA" name="resolution" value="1000" units="1/deg"/>
+          <inkml:channelProperty channel="OE" name="resolution" value="1000" units="1/deg"/>
+        </inkml:channelProperties>
+      </inkml:inkSource>
+      <inkml:timestamp xml:id="ts0" timeString="2025-08-06T01:04:55.997"/>
+    </inkml:context>
+    <inkml:brush xml:id="br0">
+      <inkml:brushProperty name="width" value="0.035" units="cm"/>
+      <inkml:brushProperty name="height" value="0.035" units="cm"/>
+    </inkml:brush>
+  </inkml:definitions>
+  <inkml:trace contextRef="#ctx0" brushRef="#br0">0 3 204 0 0,'82'-1'3654'0'0,"30"0"-3093"0"0,-68 2-2623 0 0,77 11 0 0 0,-103-8 1847 0 0</inkml:trace>
+</inkml:ink>
+</file>
+
+<file path=ppt/ink/ink34.xml><?xml version="1.0" encoding="utf-8"?>
+<inkml:ink xmlns:inkml="http://www.w3.org/2003/InkML">
+  <inkml:definitions>
+    <inkml:context xml:id="ctx0">
+      <inkml:inkSource xml:id="inkSrc0">
+        <inkml:traceFormat>
+          <inkml:channel name="X" type="integer" min="-2.14748E9" max="2.14748E9" units="cm"/>
+          <inkml:channel name="Y" type="integer" min="-2.14748E9" max="2.14748E9" units="cm"/>
+          <inkml:channel name="F" type="integer" max="32767" units="dev"/>
+          <inkml:channel name="OA" type="integer" max="360" units="deg"/>
+          <inkml:channel name="OE" type="integer" max="90" units="deg"/>
+        </inkml:traceFormat>
+        <inkml:channelProperties>
+          <inkml:channelProperty channel="X" name="resolution" value="1000" units="1/cm"/>
+          <inkml:channelProperty channel="Y" name="resolution" value="1000" units="1/cm"/>
+          <inkml:channelProperty channel="F" name="resolution" value="0" units="1/dev"/>
+          <inkml:channelProperty channel="OA" name="resolution" value="1000" units="1/deg"/>
+          <inkml:channelProperty channel="OE" name="resolution" value="1000" units="1/deg"/>
+        </inkml:channelProperties>
+      </inkml:inkSource>
+      <inkml:timestamp xml:id="ts0" timeString="2025-08-06T01:04:56.257"/>
+    </inkml:context>
+    <inkml:brush xml:id="br0">
+      <inkml:brushProperty name="width" value="0.035" units="cm"/>
+      <inkml:brushProperty name="height" value="0.035" units="cm"/>
+    </inkml:brush>
+  </inkml:definitions>
+  <inkml:trace contextRef="#ctx0" brushRef="#br0">0 0 100 0 0,'26'2'1487'0'0,"0"1"0"0"0,0 1 1 0 0,31 9-1 0 0,28 5-2256 0 0,-56-14 387 0 0,-1-2-1 0 0,0-1 1 0 0,0-1 0 0 0,39-5-1 0 0,-35 0 1981 0 0,54-16 0 0 0,-30 11 5607 0 0,5 11-8071 0 0,61 16-9683 0 0,-79-10 8518 0 0,-30-4 1736 0 0</inkml:trace>
+</inkml:ink>
+</file>
+
+<file path=ppt/ink/ink35.xml><?xml version="1.0" encoding="utf-8"?>
+<inkml:ink xmlns:inkml="http://www.w3.org/2003/InkML">
+  <inkml:definitions>
+    <inkml:context xml:id="ctx0">
+      <inkml:inkSource xml:id="inkSrc0">
+        <inkml:traceFormat>
+          <inkml:channel name="X" type="integer" min="-2.14748E9" max="2.14748E9" units="cm"/>
+          <inkml:channel name="Y" type="integer" min="-2.14748E9" max="2.14748E9" units="cm"/>
+          <inkml:channel name="F" type="integer" max="32767" units="dev"/>
+          <inkml:channel name="OA" type="integer" max="360" units="deg"/>
+          <inkml:channel name="OE" type="integer" max="90" units="deg"/>
+        </inkml:traceFormat>
+        <inkml:channelProperties>
+          <inkml:channelProperty channel="X" name="resolution" value="1000" units="1/cm"/>
+          <inkml:channelProperty channel="Y" name="resolution" value="1000" units="1/cm"/>
+          <inkml:channelProperty channel="F" name="resolution" value="0" units="1/dev"/>
+          <inkml:channelProperty channel="OA" name="resolution" value="1000" units="1/deg"/>
+          <inkml:channelProperty channel="OE" name="resolution" value="1000" units="1/deg"/>
+        </inkml:channelProperties>
+      </inkml:inkSource>
+      <inkml:timestamp xml:id="ts0" timeString="2025-08-06T01:04:58.831"/>
+    </inkml:context>
+    <inkml:brush xml:id="br0">
+      <inkml:brushProperty name="width" value="0.035" units="cm"/>
+      <inkml:brushProperty name="height" value="0.035" units="cm"/>
+    </inkml:brush>
+  </inkml:definitions>
+  <inkml:trace contextRef="#ctx0" brushRef="#br0">1 142 104 0 0,'30'-15'3579'0'0,"32"3"-231"0"0,-31 7-2982 0 0,-2-1-284 0 0,70-16-3706 0 0,154-55 0 0 0,-241 72 3409 0 0</inkml:trace>
+</inkml:ink>
+</file>
+
+<file path=ppt/ink/ink36.xml><?xml version="1.0" encoding="utf-8"?>
+<inkml:ink xmlns:inkml="http://www.w3.org/2003/InkML">
+  <inkml:definitions>
+    <inkml:context xml:id="ctx0">
+      <inkml:inkSource xml:id="inkSrc0">
+        <inkml:traceFormat>
+          <inkml:channel name="X" type="integer" min="-2.14748E9" max="2.14748E9" units="cm"/>
+          <inkml:channel name="Y" type="integer" min="-2.14748E9" max="2.14748E9" units="cm"/>
+          <inkml:channel name="F" type="integer" max="32767" units="dev"/>
+          <inkml:channel name="OA" type="integer" max="360" units="deg"/>
+          <inkml:channel name="OE" type="integer" max="90" units="deg"/>
+        </inkml:traceFormat>
+        <inkml:channelProperties>
+          <inkml:channelProperty channel="X" name="resolution" value="1000" units="1/cm"/>
+          <inkml:channelProperty channel="Y" name="resolution" value="1000" units="1/cm"/>
+          <inkml:channelProperty channel="F" name="resolution" value="0" units="1/dev"/>
+          <inkml:channelProperty channel="OA" name="resolution" value="1000" units="1/deg"/>
+          <inkml:channelProperty channel="OE" name="resolution" value="1000" units="1/deg"/>
+        </inkml:channelProperties>
+      </inkml:inkSource>
+      <inkml:timestamp xml:id="ts0" timeString="2025-08-06T01:04:55.065"/>
+    </inkml:context>
+    <inkml:brush xml:id="br0">
+      <inkml:brushProperty name="width" value="0.035" units="cm"/>
+      <inkml:brushProperty name="height" value="0.035" units="cm"/>
+    </inkml:brush>
+  </inkml:definitions>
+  <inkml:trace contextRef="#ctx0" brushRef="#br0">0 13 4 0 0,'15'-1'7337'0'0,"10"-3"-5270"0"0,3 0-2089 0 0,-9 2-994 0 0,0 1 1 0 0,-1 1 0 0 0,1 0 0 0 0,-1 1 0 0 0,1 1 0 0 0,-1 1 0 0 0,1 1 0 0 0,27 9 0 0 0,-31-8 781 0 0</inkml:trace>
+</inkml:ink>
+</file>
+
+<file path=ppt/ink/ink37.xml><?xml version="1.0" encoding="utf-8"?>
+<inkml:ink xmlns:inkml="http://www.w3.org/2003/InkML">
+  <inkml:definitions>
+    <inkml:context xml:id="ctx0">
+      <inkml:inkSource xml:id="inkSrc0">
+        <inkml:traceFormat>
+          <inkml:channel name="X" type="integer" min="-2.14748E9" max="2.14748E9" units="cm"/>
+          <inkml:channel name="Y" type="integer" min="-2.14748E9" max="2.14748E9" units="cm"/>
+          <inkml:channel name="F" type="integer" max="32767" units="dev"/>
+          <inkml:channel name="OA" type="integer" max="360" units="deg"/>
+          <inkml:channel name="OE" type="integer" max="90" units="deg"/>
+        </inkml:traceFormat>
+        <inkml:channelProperties>
+          <inkml:channelProperty channel="X" name="resolution" value="1000" units="1/cm"/>
+          <inkml:channelProperty channel="Y" name="resolution" value="1000" units="1/cm"/>
+          <inkml:channelProperty channel="F" name="resolution" value="0" units="1/dev"/>
+          <inkml:channelProperty channel="OA" name="resolution" value="1000" units="1/deg"/>
+          <inkml:channelProperty channel="OE" name="resolution" value="1000" units="1/deg"/>
+        </inkml:channelProperties>
+      </inkml:inkSource>
+      <inkml:timestamp xml:id="ts0" timeString="2025-08-06T01:04:55.205"/>
+    </inkml:context>
+    <inkml:brush xml:id="br0">
+      <inkml:brushProperty name="width" value="0.035" units="cm"/>
+      <inkml:brushProperty name="height" value="0.035" units="cm"/>
+    </inkml:brush>
+  </inkml:definitions>
+  <inkml:trace contextRef="#ctx0" brushRef="#br0">0 1 52 0 0,'138'0'4416'0'0,"1"0"-8566"0"0,-128 0 3920 0 0</inkml:trace>
+</inkml:ink>
+</file>
+
+<file path=ppt/ink/ink38.xml><?xml version="1.0" encoding="utf-8"?>
+<inkml:ink xmlns:inkml="http://www.w3.org/2003/InkML">
+  <inkml:definitions>
+    <inkml:context xml:id="ctx0">
+      <inkml:inkSource xml:id="inkSrc0">
+        <inkml:traceFormat>
+          <inkml:channel name="X" type="integer" min="-2.14748E9" max="2.14748E9" units="cm"/>
+          <inkml:channel name="Y" type="integer" min="-2.14748E9" max="2.14748E9" units="cm"/>
+          <inkml:channel name="F" type="integer" max="32767" units="dev"/>
+          <inkml:channel name="OA" type="integer" max="360" units="deg"/>
+          <inkml:channel name="OE" type="integer" max="90" units="deg"/>
+        </inkml:traceFormat>
+        <inkml:channelProperties>
+          <inkml:channelProperty channel="X" name="resolution" value="1000" units="1/cm"/>
+          <inkml:channelProperty channel="Y" name="resolution" value="1000" units="1/cm"/>
+          <inkml:channelProperty channel="F" name="resolution" value="0" units="1/dev"/>
+          <inkml:channelProperty channel="OA" name="resolution" value="1000" units="1/deg"/>
+          <inkml:channelProperty channel="OE" name="resolution" value="1000" units="1/deg"/>
+        </inkml:channelProperties>
+      </inkml:inkSource>
+      <inkml:timestamp xml:id="ts0" timeString="2025-08-06T01:04:55.393"/>
+    </inkml:context>
+    <inkml:brush xml:id="br0">
+      <inkml:brushProperty name="width" value="0.035" units="cm"/>
+      <inkml:brushProperty name="height" value="0.035" units="cm"/>
+    </inkml:brush>
+  </inkml:definitions>
+  <inkml:trace contextRef="#ctx0" brushRef="#br0">0 39 28 0 0,'26'0'2261'0'0,"83"-2"1383"0"0,-90 0-4548 0 0,-1 0 0 0 0,1-2 0 0 0,32-10 1 0 0,12 1-1059 0 0,-50 12 1718 0 0</inkml:trace>
+</inkml:ink>
+</file>
+
+<file path=ppt/ink/ink39.xml><?xml version="1.0" encoding="utf-8"?>
+<inkml:ink xmlns:inkml="http://www.w3.org/2003/InkML">
+  <inkml:definitions>
+    <inkml:context xml:id="ctx0">
+      <inkml:inkSource xml:id="inkSrc0">
+        <inkml:traceFormat>
+          <inkml:channel name="X" type="integer" min="-2.14748E9" max="2.14748E9" units="cm"/>
+          <inkml:channel name="Y" type="integer" min="-2.14748E9" max="2.14748E9" units="cm"/>
+          <inkml:channel name="F" type="integer" max="32767" units="dev"/>
+          <inkml:channel name="OA" type="integer" max="360" units="deg"/>
+          <inkml:channel name="OE" type="integer" max="90" units="deg"/>
+        </inkml:traceFormat>
+        <inkml:channelProperties>
+          <inkml:channelProperty channel="X" name="resolution" value="1000" units="1/cm"/>
+          <inkml:channelProperty channel="Y" name="resolution" value="1000" units="1/cm"/>
+          <inkml:channelProperty channel="F" name="resolution" value="0" units="1/dev"/>
+          <inkml:channelProperty channel="OA" name="resolution" value="1000" units="1/deg"/>
+          <inkml:channelProperty channel="OE" name="resolution" value="1000" units="1/deg"/>
+        </inkml:channelProperties>
+      </inkml:inkSource>
+      <inkml:timestamp xml:id="ts0" timeString="2025-08-06T01:04:55.577"/>
+    </inkml:context>
+    <inkml:brush xml:id="br0">
+      <inkml:brushProperty name="width" value="0.035" units="cm"/>
+      <inkml:brushProperty name="height" value="0.035" units="cm"/>
+    </inkml:brush>
+  </inkml:definitions>
+  <inkml:trace contextRef="#ctx0" brushRef="#br0">1 1 32 0 0,'12'1'751'0'0,"0"0"0"0"0,-1 1-1 0 0,1 0 1 0 0,14 5 0 0 0,42 7 968 0 0,-22-11-3001 0 0,1-3 0 0 0,-1-1 0 0 0,49-9 0 0 0,-80 8 1069 0 0</inkml:trace>
 </inkml:ink>
 </file>
 
@@ -1049,14 +2451,320 @@
           <inkml:channelProperty channel="OE" name="resolution" value="1000" units="1/deg"/>
         </inkml:channelProperties>
       </inkml:inkSource>
-      <inkml:timestamp xml:id="ts0" timeString="2025-06-04T00:41:04.898"/>
+      <inkml:timestamp xml:id="ts0" timeString="2025-08-06T01:03:00.668"/>
     </inkml:context>
     <inkml:brush xml:id="br0">
       <inkml:brushProperty name="width" value="0.035" units="cm"/>
       <inkml:brushProperty name="height" value="0.035" units="cm"/>
     </inkml:brush>
   </inkml:definitions>
-  <inkml:trace contextRef="#ctx0" brushRef="#br0">36 1 76 0 0,'0'0'901'0'0,"-8"5"1914"0"0,-8 5-2759 0 0,13-4-443 0 0,1 0 1 0 0,1 1-1 0 0,-1-1 0 0 0,1 0 0 0 0,0 1 0 0 0,0-1 0 0 0,1 1 0 0 0,0 12 0 0 0,0-14 201 0 0,0-4 14 0 0</inkml:trace>
+  <inkml:trace contextRef="#ctx0" brushRef="#br0">24 263 152 0 0,'-1'0'132'0'0,"0"0"1"0"0,-1 0-1 0 0,1-1 0 0 0,0 1 1 0 0,0-1-1 0 0,0 1 1 0 0,0-1-1 0 0,0 1 0 0 0,0-1 1 0 0,0 1-1 0 0,0-1 0 0 0,0 0 1 0 0,0 0-1 0 0,0 1 0 0 0,0-1 1 0 0,0 0-1 0 0,1 0 1 0 0,-1 0-1 0 0,0 0 0 0 0,1 0 1 0 0,-1 0-1 0 0,1 0 0 0 0,-1 0 1 0 0,1 0-1 0 0,-1-1 0 0 0,1 1 1 0 0,0 0-1 0 0,-1-2 1 0 0,1 0-53 0 0,1 1 1 0 0,-1-1 0 0 0,1 0-1 0 0,-1 1 1 0 0,1-1 0 0 0,0 1-1 0 0,0-1 1 0 0,0 1 0 0 0,1 0 0 0 0,-1-1-1 0 0,0 1 1 0 0,4-3 0 0 0,2-4 2 0 0,0 1 0 0 0,1 0 1 0 0,0 0-1 0 0,0 1 0 0 0,16-10 1 0 0,149-79-344 0 0,-140 80-2017 0 0,55-16 0 0 0,-81 30 1804 0 0,-7 2 276 0 0</inkml:trace>
+</inkml:ink>
+</file>
+
+<file path=ppt/ink/ink40.xml><?xml version="1.0" encoding="utf-8"?>
+<inkml:ink xmlns:inkml="http://www.w3.org/2003/InkML">
+  <inkml:definitions>
+    <inkml:context xml:id="ctx0">
+      <inkml:inkSource xml:id="inkSrc0">
+        <inkml:traceFormat>
+          <inkml:channel name="X" type="integer" min="-2.14748E9" max="2.14748E9" units="cm"/>
+          <inkml:channel name="Y" type="integer" min="-2.14748E9" max="2.14748E9" units="cm"/>
+          <inkml:channel name="F" type="integer" max="32767" units="dev"/>
+          <inkml:channel name="OA" type="integer" max="360" units="deg"/>
+          <inkml:channel name="OE" type="integer" max="90" units="deg"/>
+        </inkml:traceFormat>
+        <inkml:channelProperties>
+          <inkml:channelProperty channel="X" name="resolution" value="1000" units="1/cm"/>
+          <inkml:channelProperty channel="Y" name="resolution" value="1000" units="1/cm"/>
+          <inkml:channelProperty channel="F" name="resolution" value="0" units="1/dev"/>
+          <inkml:channelProperty channel="OA" name="resolution" value="1000" units="1/deg"/>
+          <inkml:channelProperty channel="OE" name="resolution" value="1000" units="1/deg"/>
+        </inkml:channelProperties>
+      </inkml:inkSource>
+      <inkml:timestamp xml:id="ts0" timeString="2025-08-06T01:04:52.754"/>
+    </inkml:context>
+    <inkml:brush xml:id="br0">
+      <inkml:brushProperty name="width" value="0.035" units="cm"/>
+      <inkml:brushProperty name="height" value="0.035" units="cm"/>
+    </inkml:brush>
+  </inkml:definitions>
+  <inkml:trace contextRef="#ctx0" brushRef="#br0">2 12 140 0 0,'1'-9'2592'0'0,"-1"7"-4959"0"0,-2 3 2162 0 0</inkml:trace>
+</inkml:ink>
+</file>
+
+<file path=ppt/ink/ink41.xml><?xml version="1.0" encoding="utf-8"?>
+<inkml:ink xmlns:inkml="http://www.w3.org/2003/InkML">
+  <inkml:definitions>
+    <inkml:context xml:id="ctx0">
+      <inkml:inkSource xml:id="inkSrc0">
+        <inkml:traceFormat>
+          <inkml:channel name="X" type="integer" min="-2.14748E9" max="2.14748E9" units="cm"/>
+          <inkml:channel name="Y" type="integer" min="-2.14748E9" max="2.14748E9" units="cm"/>
+          <inkml:channel name="F" type="integer" max="32767" units="dev"/>
+          <inkml:channel name="OA" type="integer" max="360" units="deg"/>
+          <inkml:channel name="OE" type="integer" max="90" units="deg"/>
+        </inkml:traceFormat>
+        <inkml:channelProperties>
+          <inkml:channelProperty channel="X" name="resolution" value="1000" units="1/cm"/>
+          <inkml:channelProperty channel="Y" name="resolution" value="1000" units="1/cm"/>
+          <inkml:channelProperty channel="F" name="resolution" value="0" units="1/dev"/>
+          <inkml:channelProperty channel="OA" name="resolution" value="1000" units="1/deg"/>
+          <inkml:channelProperty channel="OE" name="resolution" value="1000" units="1/deg"/>
+        </inkml:channelProperties>
+      </inkml:inkSource>
+      <inkml:timestamp xml:id="ts0" timeString="2025-08-06T01:04:54.118"/>
+    </inkml:context>
+    <inkml:brush xml:id="br0">
+      <inkml:brushProperty name="width" value="0.035" units="cm"/>
+      <inkml:brushProperty name="height" value="0.035" units="cm"/>
+    </inkml:brush>
+  </inkml:definitions>
+  <inkml:trace contextRef="#ctx0" brushRef="#br0">1 14 44 0 0,'1'1'11581'0'0,"1"-1"-12290"0"0,65-12 2980 0 0,-52 10-3564 0 0,-1 1 0 0 0,0 1-1 0 0,1 0 1 0 0,-1 1 0 0 0,0 1-1 0 0,0 0 1 0 0,0 1 0 0 0,0 0-1 0 0,18 7 1 0 0,-25-6 1055 0 0</inkml:trace>
+</inkml:ink>
+</file>
+
+<file path=ppt/ink/ink42.xml><?xml version="1.0" encoding="utf-8"?>
+<inkml:ink xmlns:inkml="http://www.w3.org/2003/InkML">
+  <inkml:definitions>
+    <inkml:context xml:id="ctx0">
+      <inkml:inkSource xml:id="inkSrc0">
+        <inkml:traceFormat>
+          <inkml:channel name="X" type="integer" min="-2.14748E9" max="2.14748E9" units="cm"/>
+          <inkml:channel name="Y" type="integer" min="-2.14748E9" max="2.14748E9" units="cm"/>
+          <inkml:channel name="F" type="integer" max="32767" units="dev"/>
+          <inkml:channel name="OA" type="integer" max="360" units="deg"/>
+          <inkml:channel name="OE" type="integer" max="90" units="deg"/>
+        </inkml:traceFormat>
+        <inkml:channelProperties>
+          <inkml:channelProperty channel="X" name="resolution" value="1000" units="1/cm"/>
+          <inkml:channelProperty channel="Y" name="resolution" value="1000" units="1/cm"/>
+          <inkml:channelProperty channel="F" name="resolution" value="0" units="1/dev"/>
+          <inkml:channelProperty channel="OA" name="resolution" value="1000" units="1/deg"/>
+          <inkml:channelProperty channel="OE" name="resolution" value="1000" units="1/deg"/>
+        </inkml:channelProperties>
+      </inkml:inkSource>
+      <inkml:timestamp xml:id="ts0" timeString="2025-08-06T01:04:54.288"/>
+    </inkml:context>
+    <inkml:brush xml:id="br0">
+      <inkml:brushProperty name="width" value="0.035" units="cm"/>
+      <inkml:brushProperty name="height" value="0.035" units="cm"/>
+    </inkml:brush>
+  </inkml:definitions>
+  <inkml:trace contextRef="#ctx0" brushRef="#br0">0 0 8 0 0,'83'4'7033'0'0,"-56"-2"-8154"0"0,0 2-3366 0 0,-14-1 3450 0 0,-8-1 793 0 0</inkml:trace>
+</inkml:ink>
+</file>
+
+<file path=ppt/ink/ink43.xml><?xml version="1.0" encoding="utf-8"?>
+<inkml:ink xmlns:inkml="http://www.w3.org/2003/InkML">
+  <inkml:definitions>
+    <inkml:context xml:id="ctx0">
+      <inkml:inkSource xml:id="inkSrc0">
+        <inkml:traceFormat>
+          <inkml:channel name="X" type="integer" min="-2.14748E9" max="2.14748E9" units="cm"/>
+          <inkml:channel name="Y" type="integer" min="-2.14748E9" max="2.14748E9" units="cm"/>
+          <inkml:channel name="F" type="integer" max="32767" units="dev"/>
+          <inkml:channel name="OA" type="integer" max="360" units="deg"/>
+          <inkml:channel name="OE" type="integer" max="90" units="deg"/>
+        </inkml:traceFormat>
+        <inkml:channelProperties>
+          <inkml:channelProperty channel="X" name="resolution" value="1000" units="1/cm"/>
+          <inkml:channelProperty channel="Y" name="resolution" value="1000" units="1/cm"/>
+          <inkml:channelProperty channel="F" name="resolution" value="0" units="1/dev"/>
+          <inkml:channelProperty channel="OA" name="resolution" value="1000" units="1/deg"/>
+          <inkml:channelProperty channel="OE" name="resolution" value="1000" units="1/deg"/>
+        </inkml:channelProperties>
+      </inkml:inkSource>
+      <inkml:timestamp xml:id="ts0" timeString="2025-08-06T01:04:54.441"/>
+    </inkml:context>
+    <inkml:brush xml:id="br0">
+      <inkml:brushProperty name="width" value="0.035" units="cm"/>
+      <inkml:brushProperty name="height" value="0.035" units="cm"/>
+    </inkml:brush>
+  </inkml:definitions>
+  <inkml:trace contextRef="#ctx0" brushRef="#br0">1 28 128 0 0,'11'-1'831'0'0,"0"0"0"0"0,0 0 0 0 0,1 1 0 0 0,12 2-1 0 0,36-2-529 0 0,-3-13-2098 0 0,-45 10 1296 0 0,0 0-1 0 0,0 0 0 0 0,0 1 1 0 0,17-1-1 0 0,-18 3 296 0 0</inkml:trace>
+</inkml:ink>
+</file>
+
+<file path=ppt/ink/ink44.xml><?xml version="1.0" encoding="utf-8"?>
+<inkml:ink xmlns:inkml="http://www.w3.org/2003/InkML">
+  <inkml:definitions>
+    <inkml:context xml:id="ctx0">
+      <inkml:inkSource xml:id="inkSrc0">
+        <inkml:traceFormat>
+          <inkml:channel name="X" type="integer" min="-2.14748E9" max="2.14748E9" units="cm"/>
+          <inkml:channel name="Y" type="integer" min="-2.14748E9" max="2.14748E9" units="cm"/>
+          <inkml:channel name="F" type="integer" max="32767" units="dev"/>
+          <inkml:channel name="OA" type="integer" max="360" units="deg"/>
+          <inkml:channel name="OE" type="integer" max="90" units="deg"/>
+        </inkml:traceFormat>
+        <inkml:channelProperties>
+          <inkml:channelProperty channel="X" name="resolution" value="1000" units="1/cm"/>
+          <inkml:channelProperty channel="Y" name="resolution" value="1000" units="1/cm"/>
+          <inkml:channelProperty channel="F" name="resolution" value="0" units="1/dev"/>
+          <inkml:channelProperty channel="OA" name="resolution" value="1000" units="1/deg"/>
+          <inkml:channelProperty channel="OE" name="resolution" value="1000" units="1/deg"/>
+        </inkml:channelProperties>
+      </inkml:inkSource>
+      <inkml:timestamp xml:id="ts0" timeString="2025-08-06T01:04:54.626"/>
+    </inkml:context>
+    <inkml:brush xml:id="br0">
+      <inkml:brushProperty name="width" value="0.035" units="cm"/>
+      <inkml:brushProperty name="height" value="0.035" units="cm"/>
+    </inkml:brush>
+  </inkml:definitions>
+  <inkml:trace contextRef="#ctx0" brushRef="#br0">0 11 100 0 0,'129'5'3264'0'0,"65"-3"-427"0"0,-122-10-2879 0 0,-49 4-872 0 0,0 1 1 0 0,-1 1-1 0 0,1 1 0 0 0,34 4 1 0 0,-41 3-399 0 0,-15-5 1093 0 0</inkml:trace>
+</inkml:ink>
+</file>
+
+<file path=ppt/ink/ink45.xml><?xml version="1.0" encoding="utf-8"?>
+<inkml:ink xmlns:inkml="http://www.w3.org/2003/InkML">
+  <inkml:definitions>
+    <inkml:context xml:id="ctx0">
+      <inkml:inkSource xml:id="inkSrc0">
+        <inkml:traceFormat>
+          <inkml:channel name="X" type="integer" min="-2.14748E9" max="2.14748E9" units="cm"/>
+          <inkml:channel name="Y" type="integer" min="-2.14748E9" max="2.14748E9" units="cm"/>
+          <inkml:channel name="F" type="integer" max="32767" units="dev"/>
+          <inkml:channel name="OA" type="integer" max="360" units="deg"/>
+          <inkml:channel name="OE" type="integer" max="90" units="deg"/>
+        </inkml:traceFormat>
+        <inkml:channelProperties>
+          <inkml:channelProperty channel="X" name="resolution" value="1000" units="1/cm"/>
+          <inkml:channelProperty channel="Y" name="resolution" value="1000" units="1/cm"/>
+          <inkml:channelProperty channel="F" name="resolution" value="0" units="1/dev"/>
+          <inkml:channelProperty channel="OA" name="resolution" value="1000" units="1/deg"/>
+          <inkml:channelProperty channel="OE" name="resolution" value="1000" units="1/deg"/>
+        </inkml:channelProperties>
+      </inkml:inkSource>
+      <inkml:timestamp xml:id="ts0" timeString="2025-08-06T01:05:00.948"/>
+    </inkml:context>
+    <inkml:brush xml:id="br0">
+      <inkml:brushProperty name="width" value="0.035" units="cm"/>
+      <inkml:brushProperty name="height" value="0.035" units="cm"/>
+    </inkml:brush>
+  </inkml:definitions>
+  <inkml:trace contextRef="#ctx0" brushRef="#br0">183 1 92 0 0,'-2'0'290'0'0,"-1"0"0"0"0,0 0-1 0 0,1 0 1 0 0,-1 0 0 0 0,0 0 0 0 0,0 1-1 0 0,1-1 1 0 0,-1 1 0 0 0,1-1 0 0 0,-1 1-1 0 0,1 0 1 0 0,-1 0 0 0 0,1 0 0 0 0,-1 1 0 0 0,1-1-1 0 0,0 0 1 0 0,0 1 0 0 0,-1 0 0 0 0,1-1-1 0 0,0 1 1 0 0,-3 4 0 0 0,-40 45 3687 0 0,34-35-3330 0 0,1 0 0 0 0,1 1 0 0 0,0 1-1 0 0,2-1 1 0 0,0 2 0 0 0,1-1 0 0 0,0 0 0 0 0,-3 28-1 0 0,6-24-840 0 0,0 0-1 0 0,2 0 1 0 0,1 0-1 0 0,1 0 1 0 0,1 0-1 0 0,1 0 1 0 0,0 0-1 0 0,2-1 1 0 0,0 0-1 0 0,2 0 1 0 0,17 38-1 0 0,-19-49-412 0 0,1 0 0 0 0,0 0 0 0 0,1 0 0 0 0,1-1 0 0 0,-1 0 0 0 0,1-1 0 0 0,1 1 0 0 0,-1-1 0 0 0,2-1 0 0 0,-1 0 0 0 0,1 0 0 0 0,20 10 0 0 0,6-1-1296 0 0,0-1 0 0 0,58 15-1 0 0,-66-22 1805 0 0,-4-1-116 0 0</inkml:trace>
+</inkml:ink>
+</file>
+
+<file path=ppt/ink/ink46.xml><?xml version="1.0" encoding="utf-8"?>
+<inkml:ink xmlns:inkml="http://www.w3.org/2003/InkML">
+  <inkml:definitions>
+    <inkml:context xml:id="ctx0">
+      <inkml:inkSource xml:id="inkSrc0">
+        <inkml:traceFormat>
+          <inkml:channel name="X" type="integer" min="-2.14748E9" max="2.14748E9" units="cm"/>
+          <inkml:channel name="Y" type="integer" min="-2.14748E9" max="2.14748E9" units="cm"/>
+          <inkml:channel name="F" type="integer" max="32767" units="dev"/>
+          <inkml:channel name="OA" type="integer" max="360" units="deg"/>
+          <inkml:channel name="OE" type="integer" max="90" units="deg"/>
+        </inkml:traceFormat>
+        <inkml:channelProperties>
+          <inkml:channelProperty channel="X" name="resolution" value="1000" units="1/cm"/>
+          <inkml:channelProperty channel="Y" name="resolution" value="1000" units="1/cm"/>
+          <inkml:channelProperty channel="F" name="resolution" value="0" units="1/dev"/>
+          <inkml:channelProperty channel="OA" name="resolution" value="1000" units="1/deg"/>
+          <inkml:channelProperty channel="OE" name="resolution" value="1000" units="1/deg"/>
+        </inkml:channelProperties>
+      </inkml:inkSource>
+      <inkml:timestamp xml:id="ts0" timeString="2025-08-06T01:05:01.643"/>
+    </inkml:context>
+    <inkml:brush xml:id="br0">
+      <inkml:brushProperty name="width" value="0.035" units="cm"/>
+      <inkml:brushProperty name="height" value="0.035" units="cm"/>
+    </inkml:brush>
+  </inkml:definitions>
+  <inkml:trace contextRef="#ctx0" brushRef="#br0">0 0 140 0 0,'11'13'4999'0'0,"46"51"-4623"0"0,-35-44-474 0 0,11 9 322 0 0,-1 1 0 0 0,-1 1-1 0 0,37 50 1 0 0,-61-71-137 0 0,0 0 1 0 0,-1 1-1 0 0,0 0 1 0 0,-1-1 0 0 0,0 2-1 0 0,-1-1 1 0 0,0 0 0 0 0,-1 1-1 0 0,0 0 1 0 0,-1 0-1 0 0,0 0 1 0 0,-1 0 0 0 0,0 0-1 0 0,-1 0 1 0 0,0 0-1 0 0,-1 0 1 0 0,-3 15 0 0 0,2-18-330 0 0,0-1-1 0 0,0 1 1 0 0,-1-1 0 0 0,0 0 0 0 0,0 0 0 0 0,-6 9 0 0 0,6-13-255 0 0,0 0 0 0 0,0 0 1 0 0,0 0-1 0 0,-1 0 1 0 0,1-1-1 0 0,-1 0 0 0 0,0 1 1 0 0,0-1-1 0 0,0-1 0 0 0,0 1 1 0 0,-9 3-1 0 0,12-5 283 0 0</inkml:trace>
+</inkml:ink>
+</file>
+
+<file path=ppt/ink/ink47.xml><?xml version="1.0" encoding="utf-8"?>
+<inkml:ink xmlns:inkml="http://www.w3.org/2003/InkML">
+  <inkml:definitions>
+    <inkml:context xml:id="ctx0">
+      <inkml:inkSource xml:id="inkSrc0">
+        <inkml:traceFormat>
+          <inkml:channel name="X" type="integer" min="-2.14748E9" max="2.14748E9" units="cm"/>
+          <inkml:channel name="Y" type="integer" min="-2.14748E9" max="2.14748E9" units="cm"/>
+          <inkml:channel name="F" type="integer" max="32767" units="dev"/>
+          <inkml:channel name="OA" type="integer" max="360" units="deg"/>
+          <inkml:channel name="OE" type="integer" max="90" units="deg"/>
+        </inkml:traceFormat>
+        <inkml:channelProperties>
+          <inkml:channelProperty channel="X" name="resolution" value="1000" units="1/cm"/>
+          <inkml:channelProperty channel="Y" name="resolution" value="1000" units="1/cm"/>
+          <inkml:channelProperty channel="F" name="resolution" value="0" units="1/dev"/>
+          <inkml:channelProperty channel="OA" name="resolution" value="1000" units="1/deg"/>
+          <inkml:channelProperty channel="OE" name="resolution" value="1000" units="1/deg"/>
+        </inkml:channelProperties>
+      </inkml:inkSource>
+      <inkml:timestamp xml:id="ts0" timeString="2025-08-06T01:05:04.936"/>
+    </inkml:context>
+    <inkml:brush xml:id="br0">
+      <inkml:brushProperty name="width" value="0.035" units="cm"/>
+      <inkml:brushProperty name="height" value="0.035" units="cm"/>
+    </inkml:brush>
+  </inkml:definitions>
+  <inkml:trace contextRef="#ctx0" brushRef="#br0">63 0 172 0 0,'-6'6'286'0'0,"0"-1"0"0"0,1 1 0 0 0,0 0 0 0 0,0 0 0 0 0,0 1-1 0 0,1 0 1 0 0,0-1 0 0 0,0 2 0 0 0,1-1 0 0 0,0 0 0 0 0,0 1 0 0 0,1-1 0 0 0,-1 1 0 0 0,2 0 0 0 0,-2 13-1 0 0,2-9-144 0 0,1-1 0 0 0,1 1 0 0 0,0 0 0 0 0,1-1 0 0 0,0 1 0 0 0,0-1-1 0 0,1 1 1 0 0,1-1 0 0 0,0 0 0 0 0,6 10 0 0 0,-2-4-306 0 0,1-1 0 0 0,1 0 0 0 0,1-1 0 0 0,0 0 0 0 0,1-1 0 0 0,0 0 0 0 0,24 20 0 0 0,-25-25-227 0 0,0-1 0 0 0,0 0 0 0 0,1-1 0 0 0,0 0 0 0 0,24 10 0 0 0,-7-8-360 0 0,-1-1 1 0 0,43 7 0 0 0,-45-11 529 0 0</inkml:trace>
+</inkml:ink>
+</file>
+
+<file path=ppt/ink/ink48.xml><?xml version="1.0" encoding="utf-8"?>
+<inkml:ink xmlns:inkml="http://www.w3.org/2003/InkML">
+  <inkml:definitions>
+    <inkml:context xml:id="ctx0">
+      <inkml:inkSource xml:id="inkSrc0">
+        <inkml:traceFormat>
+          <inkml:channel name="X" type="integer" min="-2.14748E9" max="2.14748E9" units="cm"/>
+          <inkml:channel name="Y" type="integer" min="-2.14748E9" max="2.14748E9" units="cm"/>
+          <inkml:channel name="F" type="integer" max="32767" units="dev"/>
+          <inkml:channel name="OA" type="integer" max="360" units="deg"/>
+          <inkml:channel name="OE" type="integer" max="90" units="deg"/>
+        </inkml:traceFormat>
+        <inkml:channelProperties>
+          <inkml:channelProperty channel="X" name="resolution" value="1000" units="1/cm"/>
+          <inkml:channelProperty channel="Y" name="resolution" value="1000" units="1/cm"/>
+          <inkml:channelProperty channel="F" name="resolution" value="0" units="1/dev"/>
+          <inkml:channelProperty channel="OA" name="resolution" value="1000" units="1/deg"/>
+          <inkml:channelProperty channel="OE" name="resolution" value="1000" units="1/deg"/>
+        </inkml:channelProperties>
+      </inkml:inkSource>
+      <inkml:timestamp xml:id="ts0" timeString="2025-08-06T01:05:05.518"/>
+    </inkml:context>
+    <inkml:brush xml:id="br0">
+      <inkml:brushProperty name="width" value="0.035" units="cm"/>
+      <inkml:brushProperty name="height" value="0.035" units="cm"/>
+    </inkml:brush>
+  </inkml:definitions>
+  <inkml:trace contextRef="#ctx0" brushRef="#br0">31 6 44 0 0,'-1'-1'144'0'0,"-1"0"0"0"0,0 1 0 0 0,1-1 0 0 0,-1 0 0 0 0,0 1 0 0 0,1 0 0 0 0,-1-1 0 0 0,0 1 0 0 0,0 0 0 0 0,0 0 0 0 0,1 0 0 0 0,-1 0 0 0 0,0 0 0 0 0,0 0 0 0 0,-3 1 0 0 0,6 7 1707 0 0,14 6-1443 0 0,76 41-19 0 0,-72-45-278 0 0,-1 0 0 0 0,1 0 0 0 0,-2 2 0 0 0,0 0 0 0 0,0 1 0 0 0,-1 1 1 0 0,-1 1-1 0 0,19 22 0 0 0,-31-30-14 0 0,1 0 0 0 0,-1 0 0 0 0,-1 0-1 0 0,1 1 1 0 0,-1-1 0 0 0,0 1 0 0 0,-1-1 0 0 0,0 1 0 0 0,0 0 0 0 0,-1-1 0 0 0,0 1 0 0 0,0 0-1 0 0,0 0 1 0 0,-1-1 0 0 0,-1 1 0 0 0,1-1 0 0 0,-1 1 0 0 0,0-1 0 0 0,-5 10 0 0 0,3-6-161 0 0,0 0 0 0 0,-1-1 0 0 0,0 0 0 0 0,-1 0 0 0 0,0-1 0 0 0,-1 1 1 0 0,1-1-1 0 0,-2-1 0 0 0,1 1 0 0 0,-2-1 0 0 0,1-1 0 0 0,-17 12 0 0 0,24-18-35 0 0,0 0 0 0 0,0 0 0 0 0,-1 0 1 0 0,1 0-1 0 0,-1-1 0 0 0,1 1 0 0 0,-1 0 0 0 0,1-1 0 0 0,-1 1 0 0 0,1-1 0 0 0,-1 0 0 0 0,1 0 0 0 0,-1 1 0 0 0,0-1 0 0 0,1 0 0 0 0,-1 0 0 0 0,1 0 0 0 0,-1-1 0 0 0,0 1 0 0 0,1 0 0 0 0,-1-1 0 0 0,1 1 0 0 0,-1-1 1 0 0,1 1-1 0 0,-1-1 0 0 0,1 0 0 0 0,0 1 0 0 0,-1-1 0 0 0,1 0 0 0 0,0 0 0 0 0,-1 0 0 0 0,1 0 0 0 0,0 0 0 0 0,0 0 0 0 0,0-1 0 0 0,0 1 0 0 0,0 0 0 0 0,0-1 0 0 0,0 1 0 0 0,1 0 0 0 0,-1-1 0 0 0,0 1 0 0 0,1-1 1 0 0,-1 1-1 0 0,1-1 0 0 0,-1 1 0 0 0,1-1 0 0 0,0 1 0 0 0,0-1 0 0 0,0 0 0 0 0,0 1 0 0 0,0-1 0 0 0,0 1 0 0 0,0-1 0 0 0,0 0 0 0 0,1 1 0 0 0,-1-1 0 0 0,0 1 0 0 0,1-1 0 0 0,0 1 0 0 0,-1-1 0 0 0,1 1 0 0 0,0-1 1 0 0,0 1-1 0 0,-1 0 0 0 0,1 0 0 0 0,2-2 0 0 0,2-5-132 0 0</inkml:trace>
+</inkml:ink>
+</file>
+
+<file path=ppt/ink/ink49.xml><?xml version="1.0" encoding="utf-8"?>
+<inkml:ink xmlns:inkml="http://www.w3.org/2003/InkML">
+  <inkml:definitions>
+    <inkml:context xml:id="ctx0">
+      <inkml:inkSource xml:id="inkSrc0">
+        <inkml:traceFormat>
+          <inkml:channel name="X" type="integer" min="-2.14748E9" max="2.14748E9" units="cm"/>
+          <inkml:channel name="Y" type="integer" min="-2.14748E9" max="2.14748E9" units="cm"/>
+          <inkml:channel name="F" type="integer" max="32767" units="dev"/>
+        </inkml:traceFormat>
+        <inkml:channelProperties>
+          <inkml:channelProperty channel="X" name="resolution" value="1000" units="1/cm"/>
+          <inkml:channelProperty channel="Y" name="resolution" value="1000" units="1/cm"/>
+          <inkml:channelProperty channel="F" name="resolution" value="0" units="1/dev"/>
+        </inkml:channelProperties>
+      </inkml:inkSource>
+      <inkml:timestamp xml:id="ts0" timeString="2025-08-06T01:05:12.026"/>
+    </inkml:context>
+    <inkml:brush xml:id="br0">
+      <inkml:brushProperty name="width" value="0.035" units="cm"/>
+      <inkml:brushProperty name="height" value="0.035" units="cm"/>
+    </inkml:brush>
+  </inkml:definitions>
+  <inkml:trace contextRef="#ctx0" brushRef="#br0">2861 511 6520,'-1'20'0,"-2"0"0,-3 0 0,-2 0 0,-1 0 0,-4-1 0,-1 1 0,-2-1 0,-2 0 0,-3 0 0,-1-1 0,-3 0 0,-1 0 0,-3-1 0,-1 0 0,-2-1 0,-2 0 0,-2 0 0,-1-1 0,-2-1 0,-1 0 0,-2 0 0,-2-2 0,-1 0 0,-1 0 0,-1-1 0,-2-1 0,0-1 0,-2 0 0,0-1 0,-1-1 0,-1 0 0,-1-1 0,-1-1 0,1-1 0,-2 0 0,1-2 0,-1 0 0,0 0 0,-1-2 0,1 0 0,0-2 0,0 0 0,1 0 0,-1-2 0,2 0 0,-1-1 0,1-1 0,1-1 0,1 0 0,1-1 0,0-1 0,2 0 0,0-1 0,2-1 0,1-1 0,1 0 0,1 0 0,2-2 0,2 0 0,1 0 0,2-1 0,1-1 0,2 0 0,2 0 0,2-1 0,1 0 0,3-1 0,1 0 0,3 0 0,1-1 0,3 0 0,2 0 0,2-1 0,1 1 0,4-1 0,1 0 0,2 0 0,3 0 0,2 0 0,2 0 0,2 0 0,3 0 0,2 0 0,1 0 0,4 1 0,1-1 0,2 1 0,2 0 0,3 0 0,1 1 0,3 0 0,1 0 0,3 1 0,1 0 0,2 1 0,2 0 0,2 0 0,1 1 0,2 1 0,1 0 0,2 0 0,2 2 0,1 0 0,1 0 0,1 1 0,2 1 0,0 1 0,2 0 0,0 1 0,1 1 0,1 0 0,1 1 0,1 1 0,-1 1 0,2 0 0,-1 2 0,1 0 0,0 0 0,1 2 0,-1 0 0,0 2 0,0 0 0,-1 0 0,1 2 0,-2 0 0,1 1 0,-1 1 0,-1 1 0,-1 0 0,-1 1 0,0 1 0,-2 0 0,0 1 0,-2 1 0,-1 1 0,-1 0 0,-1 0 0,-2 2 0,-2 0 0,-1 0 0,-2 1 0,-1 1 0,-2 0 0,-2 0 0,-2 1 0,-1 0 0,-3 1 0,-1 0 0,-3 0 0,-1 1 0,-3 0 0,-2 0 0,-2 1 0,-1-1 0,-4 1 0,-1 0 0,-2 0 0,-3 0 0,-2 0 0</inkml:trace>
 </inkml:ink>
 </file>
 
@@ -1080,14 +2788,324 @@
           <inkml:channelProperty channel="OE" name="resolution" value="1000" units="1/deg"/>
         </inkml:channelProperties>
       </inkml:inkSource>
-      <inkml:timestamp xml:id="ts0" timeString="2025-06-04T00:41:05.052"/>
+      <inkml:timestamp xml:id="ts0" timeString="2025-08-06T01:03:01.789"/>
     </inkml:context>
     <inkml:brush xml:id="br0">
       <inkml:brushProperty name="width" value="0.035" units="cm"/>
       <inkml:brushProperty name="height" value="0.035" units="cm"/>
     </inkml:brush>
   </inkml:definitions>
-  <inkml:trace contextRef="#ctx0" brushRef="#br0">21 0 8 0 0,'-5'14'528'0'0,"1"-1"1"0"0,1 1-1 0 0,0 0 1 0 0,-2 21-1 0 0,4-17-1117 0 0,1 0-1 0 0,1 1 0 0 0,3 18 0 0 0,-2-30 1043 0 0</inkml:trace>
+  <inkml:trace contextRef="#ctx0" brushRef="#br0">1 466 180 0 0,'0'0'2960'0'0,"10"-32"-1482"0"0,131-265-3599 0 0,-80 177 1 0 0,-52 103 1911 0 0</inkml:trace>
+</inkml:ink>
+</file>
+
+<file path=ppt/ink/ink50.xml><?xml version="1.0" encoding="utf-8"?>
+<inkml:ink xmlns:inkml="http://www.w3.org/2003/InkML">
+  <inkml:definitions>
+    <inkml:context xml:id="ctx0">
+      <inkml:inkSource xml:id="inkSrc0">
+        <inkml:traceFormat>
+          <inkml:channel name="X" type="integer" min="-2.14748E9" max="2.14748E9" units="cm"/>
+          <inkml:channel name="Y" type="integer" min="-2.14748E9" max="2.14748E9" units="cm"/>
+          <inkml:channel name="F" type="integer" max="32767" units="dev"/>
+          <inkml:channel name="OA" type="integer" max="360" units="deg"/>
+          <inkml:channel name="OE" type="integer" max="90" units="deg"/>
+        </inkml:traceFormat>
+        <inkml:channelProperties>
+          <inkml:channelProperty channel="X" name="resolution" value="1000" units="1/cm"/>
+          <inkml:channelProperty channel="Y" name="resolution" value="1000" units="1/cm"/>
+          <inkml:channelProperty channel="F" name="resolution" value="0" units="1/dev"/>
+          <inkml:channelProperty channel="OA" name="resolution" value="1000" units="1/deg"/>
+          <inkml:channelProperty channel="OE" name="resolution" value="1000" units="1/deg"/>
+        </inkml:channelProperties>
+      </inkml:inkSource>
+      <inkml:timestamp xml:id="ts0" timeString="2025-08-06T01:04:56.826"/>
+    </inkml:context>
+    <inkml:brush xml:id="br0">
+      <inkml:brushProperty name="width" value="0.035" units="cm"/>
+      <inkml:brushProperty name="height" value="0.035" units="cm"/>
+    </inkml:brush>
+  </inkml:definitions>
+  <inkml:trace contextRef="#ctx0" brushRef="#br0">0 12 184 0 0,'0'0'8397'0'0,"45"-5"-8247"0"0,-18 3-2616 0 0,-13 0 1302 0 0,0 0 0 0 0,0 2 0 0 0,1-1 0 0 0,20 4 0 0 0,-24-1 871 0 0</inkml:trace>
+</inkml:ink>
+</file>
+
+<file path=ppt/ink/ink51.xml><?xml version="1.0" encoding="utf-8"?>
+<inkml:ink xmlns:inkml="http://www.w3.org/2003/InkML">
+  <inkml:definitions>
+    <inkml:context xml:id="ctx0">
+      <inkml:inkSource xml:id="inkSrc0">
+        <inkml:traceFormat>
+          <inkml:channel name="X" type="integer" min="-2.14748E9" max="2.14748E9" units="cm"/>
+          <inkml:channel name="Y" type="integer" min="-2.14748E9" max="2.14748E9" units="cm"/>
+          <inkml:channel name="F" type="integer" max="32767" units="dev"/>
+          <inkml:channel name="OA" type="integer" max="360" units="deg"/>
+          <inkml:channel name="OE" type="integer" max="90" units="deg"/>
+        </inkml:traceFormat>
+        <inkml:channelProperties>
+          <inkml:channelProperty channel="X" name="resolution" value="1000" units="1/cm"/>
+          <inkml:channelProperty channel="Y" name="resolution" value="1000" units="1/cm"/>
+          <inkml:channelProperty channel="F" name="resolution" value="0" units="1/dev"/>
+          <inkml:channelProperty channel="OA" name="resolution" value="1000" units="1/deg"/>
+          <inkml:channelProperty channel="OE" name="resolution" value="1000" units="1/deg"/>
+        </inkml:channelProperties>
+      </inkml:inkSource>
+      <inkml:timestamp xml:id="ts0" timeString="2025-08-06T01:04:56.980"/>
+    </inkml:context>
+    <inkml:brush xml:id="br0">
+      <inkml:brushProperty name="width" value="0.035" units="cm"/>
+      <inkml:brushProperty name="height" value="0.035" units="cm"/>
+    </inkml:brush>
+  </inkml:definitions>
+  <inkml:trace contextRef="#ctx0" brushRef="#br0">0 32 60 0 0,'40'4'2165'0'0,"0"-3"0"0"0,70-5-1 0 0,-71-1-4110 0 0,48-12 0 0 0,-75 13 1343 0 0,0 2-1 0 0,0 0 0 0 0,22-1 0 0 0,-24 3 377 0 0</inkml:trace>
+</inkml:ink>
+</file>
+
+<file path=ppt/ink/ink52.xml><?xml version="1.0" encoding="utf-8"?>
+<inkml:ink xmlns:inkml="http://www.w3.org/2003/InkML">
+  <inkml:definitions>
+    <inkml:context xml:id="ctx0">
+      <inkml:inkSource xml:id="inkSrc0">
+        <inkml:traceFormat>
+          <inkml:channel name="X" type="integer" min="-2.14748E9" max="2.14748E9" units="cm"/>
+          <inkml:channel name="Y" type="integer" min="-2.14748E9" max="2.14748E9" units="cm"/>
+          <inkml:channel name="F" type="integer" max="32767" units="dev"/>
+          <inkml:channel name="OA" type="integer" max="360" units="deg"/>
+          <inkml:channel name="OE" type="integer" max="90" units="deg"/>
+        </inkml:traceFormat>
+        <inkml:channelProperties>
+          <inkml:channelProperty channel="X" name="resolution" value="1000" units="1/cm"/>
+          <inkml:channelProperty channel="Y" name="resolution" value="1000" units="1/cm"/>
+          <inkml:channelProperty channel="F" name="resolution" value="0" units="1/dev"/>
+          <inkml:channelProperty channel="OA" name="resolution" value="1000" units="1/deg"/>
+          <inkml:channelProperty channel="OE" name="resolution" value="1000" units="1/deg"/>
+        </inkml:channelProperties>
+      </inkml:inkSource>
+      <inkml:timestamp xml:id="ts0" timeString="2025-08-06T01:04:57.102"/>
+    </inkml:context>
+    <inkml:brush xml:id="br0">
+      <inkml:brushProperty name="width" value="0.035" units="cm"/>
+      <inkml:brushProperty name="height" value="0.035" units="cm"/>
+    </inkml:brush>
+  </inkml:definitions>
+  <inkml:trace contextRef="#ctx0" brushRef="#br0">1 0 104 0 0,'156'6'8569'0'0,"-86"-2"-10156"0"0,-50-3 743 0 0,-9-2 249 0 0,0 1-1 0 0,0 1 1 0 0,0 0 0 0 0,-1 0-1 0 0,1 1 1 0 0,0 1 0 0 0,0 0-1 0 0,-1 0 1 0 0,13 6 0 0 0,-18-5 370 0 0</inkml:trace>
+</inkml:ink>
+</file>
+
+<file path=ppt/ink/ink53.xml><?xml version="1.0" encoding="utf-8"?>
+<inkml:ink xmlns:inkml="http://www.w3.org/2003/InkML">
+  <inkml:definitions>
+    <inkml:context xml:id="ctx0">
+      <inkml:inkSource xml:id="inkSrc0">
+        <inkml:traceFormat>
+          <inkml:channel name="X" type="integer" min="-2.14748E9" max="2.14748E9" units="cm"/>
+          <inkml:channel name="Y" type="integer" min="-2.14748E9" max="2.14748E9" units="cm"/>
+          <inkml:channel name="F" type="integer" max="32767" units="dev"/>
+          <inkml:channel name="OA" type="integer" max="360" units="deg"/>
+          <inkml:channel name="OE" type="integer" max="90" units="deg"/>
+        </inkml:traceFormat>
+        <inkml:channelProperties>
+          <inkml:channelProperty channel="X" name="resolution" value="1000" units="1/cm"/>
+          <inkml:channelProperty channel="Y" name="resolution" value="1000" units="1/cm"/>
+          <inkml:channelProperty channel="F" name="resolution" value="0" units="1/dev"/>
+          <inkml:channelProperty channel="OA" name="resolution" value="1000" units="1/deg"/>
+          <inkml:channelProperty channel="OE" name="resolution" value="1000" units="1/deg"/>
+        </inkml:channelProperties>
+      </inkml:inkSource>
+      <inkml:timestamp xml:id="ts0" timeString="2025-08-06T01:04:57.440"/>
+    </inkml:context>
+    <inkml:brush xml:id="br0">
+      <inkml:brushProperty name="width" value="0.035" units="cm"/>
+      <inkml:brushProperty name="height" value="0.035" units="cm"/>
+    </inkml:brush>
+  </inkml:definitions>
+  <inkml:trace contextRef="#ctx0" brushRef="#br0">1 1 92 0 0,'19'2'6458'0'0,"16"5"-6540"0"0,-8-1-2523 0 0,-10-3 1994 0 0,55 12-2343 0 0,-61-14 2728 0 0</inkml:trace>
+</inkml:ink>
+</file>
+
+<file path=ppt/ink/ink54.xml><?xml version="1.0" encoding="utf-8"?>
+<inkml:ink xmlns:inkml="http://www.w3.org/2003/InkML">
+  <inkml:definitions>
+    <inkml:context xml:id="ctx0">
+      <inkml:inkSource xml:id="inkSrc0">
+        <inkml:traceFormat>
+          <inkml:channel name="X" type="integer" min="-2.14748E9" max="2.14748E9" units="cm"/>
+          <inkml:channel name="Y" type="integer" min="-2.14748E9" max="2.14748E9" units="cm"/>
+          <inkml:channel name="F" type="integer" max="32767" units="dev"/>
+          <inkml:channel name="OA" type="integer" max="360" units="deg"/>
+          <inkml:channel name="OE" type="integer" max="90" units="deg"/>
+        </inkml:traceFormat>
+        <inkml:channelProperties>
+          <inkml:channelProperty channel="X" name="resolution" value="1000" units="1/cm"/>
+          <inkml:channelProperty channel="Y" name="resolution" value="1000" units="1/cm"/>
+          <inkml:channelProperty channel="F" name="resolution" value="0" units="1/dev"/>
+          <inkml:channelProperty channel="OA" name="resolution" value="1000" units="1/deg"/>
+          <inkml:channelProperty channel="OE" name="resolution" value="1000" units="1/deg"/>
+        </inkml:channelProperties>
+      </inkml:inkSource>
+      <inkml:timestamp xml:id="ts0" timeString="2025-08-06T01:04:57.595"/>
+    </inkml:context>
+    <inkml:brush xml:id="br0">
+      <inkml:brushProperty name="width" value="0.035" units="cm"/>
+      <inkml:brushProperty name="height" value="0.035" units="cm"/>
+    </inkml:brush>
+  </inkml:definitions>
+  <inkml:trace contextRef="#ctx0" brushRef="#br0">1 15 52 0 0,'73'-11'4975'0'0,"1"7"-3900"0"0,150 15-6840 0 0,-210-11 5548 0 0</inkml:trace>
+</inkml:ink>
+</file>
+
+<file path=ppt/ink/ink55.xml><?xml version="1.0" encoding="utf-8"?>
+<inkml:ink xmlns:inkml="http://www.w3.org/2003/InkML">
+  <inkml:definitions>
+    <inkml:context xml:id="ctx0">
+      <inkml:inkSource xml:id="inkSrc0">
+        <inkml:traceFormat>
+          <inkml:channel name="X" type="integer" min="-2.14748E9" max="2.14748E9" units="cm"/>
+          <inkml:channel name="Y" type="integer" min="-2.14748E9" max="2.14748E9" units="cm"/>
+          <inkml:channel name="F" type="integer" max="32767" units="dev"/>
+          <inkml:channel name="OA" type="integer" max="360" units="deg"/>
+          <inkml:channel name="OE" type="integer" max="90" units="deg"/>
+        </inkml:traceFormat>
+        <inkml:channelProperties>
+          <inkml:channelProperty channel="X" name="resolution" value="1000" units="1/cm"/>
+          <inkml:channelProperty channel="Y" name="resolution" value="1000" units="1/cm"/>
+          <inkml:channelProperty channel="F" name="resolution" value="0" units="1/dev"/>
+          <inkml:channelProperty channel="OA" name="resolution" value="1000" units="1/deg"/>
+          <inkml:channelProperty channel="OE" name="resolution" value="1000" units="1/deg"/>
+        </inkml:channelProperties>
+      </inkml:inkSource>
+      <inkml:timestamp xml:id="ts0" timeString="2025-08-06T01:04:57.727"/>
+    </inkml:context>
+    <inkml:brush xml:id="br0">
+      <inkml:brushProperty name="width" value="0.035" units="cm"/>
+      <inkml:brushProperty name="height" value="0.035" units="cm"/>
+    </inkml:brush>
+  </inkml:definitions>
+  <inkml:trace contextRef="#ctx0" brushRef="#br0">0 31 72 0 0,'25'-7'772'0'0,"-1"0"1"0"0,31-2-1 0 0,52 1-2812 0 0,-93 8 1819 0 0</inkml:trace>
+</inkml:ink>
+</file>
+
+<file path=ppt/ink/ink56.xml><?xml version="1.0" encoding="utf-8"?>
+<inkml:ink xmlns:inkml="http://www.w3.org/2003/InkML">
+  <inkml:definitions>
+    <inkml:context xml:id="ctx0">
+      <inkml:inkSource xml:id="inkSrc0">
+        <inkml:traceFormat>
+          <inkml:channel name="X" type="integer" min="-2.14748E9" max="2.14748E9" units="cm"/>
+          <inkml:channel name="Y" type="integer" min="-2.14748E9" max="2.14748E9" units="cm"/>
+          <inkml:channel name="F" type="integer" max="32767" units="dev"/>
+          <inkml:channel name="OA" type="integer" max="360" units="deg"/>
+          <inkml:channel name="OE" type="integer" max="90" units="deg"/>
+        </inkml:traceFormat>
+        <inkml:channelProperties>
+          <inkml:channelProperty channel="X" name="resolution" value="1000" units="1/cm"/>
+          <inkml:channelProperty channel="Y" name="resolution" value="1000" units="1/cm"/>
+          <inkml:channelProperty channel="F" name="resolution" value="0" units="1/dev"/>
+          <inkml:channelProperty channel="OA" name="resolution" value="1000" units="1/deg"/>
+          <inkml:channelProperty channel="OE" name="resolution" value="1000" units="1/deg"/>
+        </inkml:channelProperties>
+      </inkml:inkSource>
+      <inkml:timestamp xml:id="ts0" timeString="2025-08-06T01:04:57.858"/>
+    </inkml:context>
+    <inkml:brush xml:id="br0">
+      <inkml:brushProperty name="width" value="0.035" units="cm"/>
+      <inkml:brushProperty name="height" value="0.035" units="cm"/>
+    </inkml:brush>
+  </inkml:definitions>
+  <inkml:trace contextRef="#ctx0" brushRef="#br0">1 17 172 0 0,'26'-5'353'0'0,"1"0"2519"0"0,-1 2 1 0 0,30-1 0 0 0,-56 4-2912 0 0,0 0 0 0 0,0 0 0 0 0,1 0 0 0 0,-1 0 0 0 0,0 0 0 0 0,0 0 0 0 0,0 1 0 0 0,0-1 0 0 0,1 0 0 0 0,-1 0 0 0 0,0 0 0 0 0,0 0 0 0 0,0 0 0 0 0,0 0 0 0 0,1 0 0 0 0,-1 0 0 0 0,0 0 0 0 0,0 0 0 0 0,0 0 0 0 0,0 1 0 0 0,0-1 0 0 0,0 0 0 0 0,1 0 0 0 0,-1 0 0 0 0,0 0 0 0 0,0 0 0 0 0,0 1 0 0 0,0-1 0 0 0,0 0 0 0 0,0 0 0 0 0,0 0 0 0 0,0 0 0 0 0,0 1 0 0 0,0-1 1 0 0,0 0-1 0 0,0 0 0 0 0,0 0 0 0 0,0 0 0 0 0,0 1 0 0 0,0-1 0 0 0,0 0 0 0 0,0 0 0 0 0,0 0 0 0 0,0 0 0 0 0,0 1 0 0 0,0-1 0 0 0,0 0 0 0 0,0 0 0 0 0,0 0 0 0 0,0 0 0 0 0,0 1 0 0 0,0-1 0 0 0,-1 0 0 0 0,-8 15-2157 0 0,-14 10-437 0 0,-24 8 821 0 0,32-24 1535 0 0</inkml:trace>
+</inkml:ink>
+</file>
+
+<file path=ppt/ink/ink57.xml><?xml version="1.0" encoding="utf-8"?>
+<inkml:ink xmlns:inkml="http://www.w3.org/2003/InkML">
+  <inkml:definitions>
+    <inkml:context xml:id="ctx0">
+      <inkml:inkSource xml:id="inkSrc0">
+        <inkml:traceFormat>
+          <inkml:channel name="X" type="integer" min="-2.14748E9" max="2.14748E9" units="cm"/>
+          <inkml:channel name="Y" type="integer" min="-2.14748E9" max="2.14748E9" units="cm"/>
+          <inkml:channel name="F" type="integer" max="32767" units="dev"/>
+          <inkml:channel name="OA" type="integer" max="360" units="deg"/>
+          <inkml:channel name="OE" type="integer" max="90" units="deg"/>
+        </inkml:traceFormat>
+        <inkml:channelProperties>
+          <inkml:channelProperty channel="X" name="resolution" value="1000" units="1/cm"/>
+          <inkml:channelProperty channel="Y" name="resolution" value="1000" units="1/cm"/>
+          <inkml:channelProperty channel="F" name="resolution" value="0" units="1/dev"/>
+          <inkml:channelProperty channel="OA" name="resolution" value="1000" units="1/deg"/>
+          <inkml:channelProperty channel="OE" name="resolution" value="1000" units="1/deg"/>
+        </inkml:channelProperties>
+      </inkml:inkSource>
+      <inkml:timestamp xml:id="ts0" timeString="2025-08-06T01:04:58.211"/>
+    </inkml:context>
+    <inkml:brush xml:id="br0">
+      <inkml:brushProperty name="width" value="0.035" units="cm"/>
+      <inkml:brushProperty name="height" value="0.035" units="cm"/>
+    </inkml:brush>
+  </inkml:definitions>
+  <inkml:trace contextRef="#ctx0" brushRef="#br0">0 0 44 0 0,'0'0'1292'0'0,"10"3"3001"0"0,16 4-6086 0 0,-15-4 883 0 0,59 11-1717 0 0,-57-11 2416 0 0</inkml:trace>
+</inkml:ink>
+</file>
+
+<file path=ppt/ink/ink58.xml><?xml version="1.0" encoding="utf-8"?>
+<inkml:ink xmlns:inkml="http://www.w3.org/2003/InkML">
+  <inkml:definitions>
+    <inkml:context xml:id="ctx0">
+      <inkml:inkSource xml:id="inkSrc0">
+        <inkml:traceFormat>
+          <inkml:channel name="X" type="integer" min="-2.14748E9" max="2.14748E9" units="cm"/>
+          <inkml:channel name="Y" type="integer" min="-2.14748E9" max="2.14748E9" units="cm"/>
+          <inkml:channel name="F" type="integer" max="32767" units="dev"/>
+          <inkml:channel name="OA" type="integer" max="360" units="deg"/>
+          <inkml:channel name="OE" type="integer" max="90" units="deg"/>
+        </inkml:traceFormat>
+        <inkml:channelProperties>
+          <inkml:channelProperty channel="X" name="resolution" value="1000" units="1/cm"/>
+          <inkml:channelProperty channel="Y" name="resolution" value="1000" units="1/cm"/>
+          <inkml:channelProperty channel="F" name="resolution" value="0" units="1/dev"/>
+          <inkml:channelProperty channel="OA" name="resolution" value="1000" units="1/deg"/>
+          <inkml:channelProperty channel="OE" name="resolution" value="1000" units="1/deg"/>
+        </inkml:channelProperties>
+      </inkml:inkSource>
+      <inkml:timestamp xml:id="ts0" timeString="2025-08-06T01:04:58.407"/>
+    </inkml:context>
+    <inkml:brush xml:id="br0">
+      <inkml:brushProperty name="width" value="0.035" units="cm"/>
+      <inkml:brushProperty name="height" value="0.035" units="cm"/>
+    </inkml:brush>
+  </inkml:definitions>
+  <inkml:trace contextRef="#ctx0" brushRef="#br0">1 52 140 0 0,'205'-21'5151'0'0,"-84"11"-5174"0"0,-40-1-2161 0 0,-49 7 1267 0 0,1 0 0 0 0,44 2 0 0 0,-57 3 700 0 0</inkml:trace>
+</inkml:ink>
+</file>
+
+<file path=ppt/ink/ink59.xml><?xml version="1.0" encoding="utf-8"?>
+<inkml:ink xmlns:inkml="http://www.w3.org/2003/InkML">
+  <inkml:definitions>
+    <inkml:context xml:id="ctx0">
+      <inkml:inkSource xml:id="inkSrc0">
+        <inkml:traceFormat>
+          <inkml:channel name="X" type="integer" min="-2.14748E9" max="2.14748E9" units="cm"/>
+          <inkml:channel name="Y" type="integer" min="-2.14748E9" max="2.14748E9" units="cm"/>
+          <inkml:channel name="F" type="integer" max="32767" units="dev"/>
+          <inkml:channel name="OA" type="integer" max="360" units="deg"/>
+          <inkml:channel name="OE" type="integer" max="90" units="deg"/>
+        </inkml:traceFormat>
+        <inkml:channelProperties>
+          <inkml:channelProperty channel="X" name="resolution" value="1000" units="1/cm"/>
+          <inkml:channelProperty channel="Y" name="resolution" value="1000" units="1/cm"/>
+          <inkml:channelProperty channel="F" name="resolution" value="0" units="1/dev"/>
+          <inkml:channelProperty channel="OA" name="resolution" value="1000" units="1/deg"/>
+          <inkml:channelProperty channel="OE" name="resolution" value="1000" units="1/deg"/>
+        </inkml:channelProperties>
+      </inkml:inkSource>
+      <inkml:timestamp xml:id="ts0" timeString="2025-08-06T01:04:58.581"/>
+    </inkml:context>
+    <inkml:brush xml:id="br0">
+      <inkml:brushProperty name="width" value="0.035" units="cm"/>
+      <inkml:brushProperty name="height" value="0.035" units="cm"/>
+    </inkml:brush>
+  </inkml:definitions>
+  <inkml:trace contextRef="#ctx0" brushRef="#br0">0 0 56 0 0,'31'3'1273'0'0,"-1"0"1"0"0,0 2-1 0 0,0 2 1 0 0,0 0-1 0 0,50 22 0 0 0,28 6-3147 0 0,-76-25 43 0 0,0 2 1 0 0,43 22-1 0 0,-68-30 1617 0 0</inkml:trace>
 </inkml:ink>
 </file>
 
@@ -1111,14 +3129,324 @@
           <inkml:channelProperty channel="OE" name="resolution" value="1000" units="1/deg"/>
         </inkml:channelProperties>
       </inkml:inkSource>
-      <inkml:timestamp xml:id="ts0" timeString="2025-06-04T00:41:05.163"/>
+      <inkml:timestamp xml:id="ts0" timeString="2025-08-06T01:03:43.090"/>
     </inkml:context>
     <inkml:brush xml:id="br0">
       <inkml:brushProperty name="width" value="0.035" units="cm"/>
       <inkml:brushProperty name="height" value="0.035" units="cm"/>
     </inkml:brush>
   </inkml:definitions>
-  <inkml:trace contextRef="#ctx0" brushRef="#br0">1 0 20 0 0,'4'15'585'0'0,"0"0"1"0"0,1-1-1 0 0,1 1 0 0 0,9 16 1 0 0,-11-26-779 0 0,-1 0 1 0 0,1 0-1 0 0,0 0 1 0 0,0-1 0 0 0,0 1-1 0 0,0-1 1 0 0,1 0-1 0 0,0 0 1 0 0,0-1-1 0 0,0 1 1 0 0,0-1 0 0 0,1 0-1 0 0,8 3 1 0 0,-7-2 11 0 0</inkml:trace>
+  <inkml:trace contextRef="#ctx0" brushRef="#br0">23 2 88 0 0,'-12'-2'-157'0'0,"1"7"5183"0"0,13 3 559 0 0,10-2-4784 0 0,40 7-18 0 0,0-2 0 0 0,1-3 0 0 0,0-1 0 0 0,94-2-1 0 0,-106-3-1154 0 0,-19 0-2934 0 0,-1 1 0 0 0,1 1 0 0 0,21 7 0 0 0,3 5 2044 0 0,-33-12 991 0 0</inkml:trace>
+</inkml:ink>
+</file>
+
+<file path=ppt/ink/ink60.xml><?xml version="1.0" encoding="utf-8"?>
+<inkml:ink xmlns:inkml="http://www.w3.org/2003/InkML">
+  <inkml:definitions>
+    <inkml:context xml:id="ctx0">
+      <inkml:inkSource xml:id="inkSrc0">
+        <inkml:traceFormat>
+          <inkml:channel name="X" type="integer" min="-2.14748E9" max="2.14748E9" units="cm"/>
+          <inkml:channel name="Y" type="integer" min="-2.14748E9" max="2.14748E9" units="cm"/>
+          <inkml:channel name="F" type="integer" max="32767" units="dev"/>
+          <inkml:channel name="OA" type="integer" max="360" units="deg"/>
+          <inkml:channel name="OE" type="integer" max="90" units="deg"/>
+        </inkml:traceFormat>
+        <inkml:channelProperties>
+          <inkml:channelProperty channel="X" name="resolution" value="1000" units="1/cm"/>
+          <inkml:channelProperty channel="Y" name="resolution" value="1000" units="1/cm"/>
+          <inkml:channelProperty channel="F" name="resolution" value="0" units="1/dev"/>
+          <inkml:channelProperty channel="OA" name="resolution" value="1000" units="1/deg"/>
+          <inkml:channelProperty channel="OE" name="resolution" value="1000" units="1/deg"/>
+        </inkml:channelProperties>
+      </inkml:inkSource>
+      <inkml:timestamp xml:id="ts0" timeString="2025-08-06T01:05:03.645"/>
+    </inkml:context>
+    <inkml:brush xml:id="br0">
+      <inkml:brushProperty name="width" value="0.035" units="cm"/>
+      <inkml:brushProperty name="height" value="0.035" units="cm"/>
+    </inkml:brush>
+  </inkml:definitions>
+  <inkml:trace contextRef="#ctx0" brushRef="#br0">180 12 748 0 0,'0'-1'76'0'0,"0"1"0"0"0,0 0 0 0 0,1 0 1 0 0,-1 0-1 0 0,0 0 0 0 0,0 0 0 0 0,0 0 0 0 0,1 0 0 0 0,-1-1 0 0 0,0 1 1 0 0,0 0-1 0 0,0 0 0 0 0,1 0 0 0 0,-1-1 0 0 0,0 1 0 0 0,0 0 0 0 0,0 0 1 0 0,0 0-1 0 0,0-1 0 0 0,1 1 0 0 0,-1 0 0 0 0,0 0 0 0 0,0-1 0 0 0,0 1 1 0 0,0 0-1 0 0,0 0 0 0 0,0-1 0 0 0,0 1 0 0 0,0 0 0 0 0,0 0 0 0 0,0-1 1 0 0,0 1-1 0 0,0 0 0 0 0,0-1 0 0 0,0 1 0 0 0,0 0 0 0 0,0 0 0 0 0,-1 0 1 0 0,1-1-1 0 0,0 1 0 0 0,0 0 0 0 0,0 0 0 0 0,0-1 0 0 0,0 1 0 0 0,0 0 1 0 0,-1 0-1 0 0,1 0 0 0 0,0-1 0 0 0,0 1 0 0 0,0 0 0 0 0,-1 0 0 0 0,1 0 1 0 0,0 0-1 0 0,0 0 0 0 0,-1-1 0 0 0,1 1 0 0 0,0 0 0 0 0,-20 9 2602 0 0,-22 23-311 0 0,30-19-2006 0 0,0 1 0 0 0,1 0 0 0 0,1 1 1 0 0,0 0-1 0 0,1 1 0 0 0,0 0 0 0 0,2 0 0 0 0,0 1 0 0 0,0 0 0 0 0,2 0 1 0 0,0 0-1 0 0,1 1 0 0 0,-3 26 0 0 0,5-23-646 0 0,1 1-1 0 0,1 0 1 0 0,1-1 0 0 0,1 1-1 0 0,1 0 1 0 0,1-1-1 0 0,0 0 1 0 0,2 0 0 0 0,0 0-1 0 0,19 38 1 0 0,-22-51-215 0 0,2-1 1 0 0,-1 0-1 0 0,1 0 0 0 0,0 0 1 0 0,1-1-1 0 0,-1 1 0 0 0,1-1 1 0 0,0-1-1 0 0,1 1 1 0 0,0-1-1 0 0,0 0 0 0 0,0 0 1 0 0,12 5-1 0 0,-4-4-189 0 0,-1 0-1 0 0,1-2 0 0 0,0 1 1 0 0,1-2-1 0 0,-1 0 1 0 0,24 1-1 0 0,-22-3 466 0 0</inkml:trace>
+</inkml:ink>
+</file>
+
+<file path=ppt/ink/ink61.xml><?xml version="1.0" encoding="utf-8"?>
+<inkml:ink xmlns:inkml="http://www.w3.org/2003/InkML">
+  <inkml:definitions>
+    <inkml:context xml:id="ctx0">
+      <inkml:inkSource xml:id="inkSrc0">
+        <inkml:traceFormat>
+          <inkml:channel name="X" type="integer" min="-2.14748E9" max="2.14748E9" units="cm"/>
+          <inkml:channel name="Y" type="integer" min="-2.14748E9" max="2.14748E9" units="cm"/>
+          <inkml:channel name="F" type="integer" max="32767" units="dev"/>
+          <inkml:channel name="OA" type="integer" max="360" units="deg"/>
+          <inkml:channel name="OE" type="integer" max="90" units="deg"/>
+        </inkml:traceFormat>
+        <inkml:channelProperties>
+          <inkml:channelProperty channel="X" name="resolution" value="1000" units="1/cm"/>
+          <inkml:channelProperty channel="Y" name="resolution" value="1000" units="1/cm"/>
+          <inkml:channelProperty channel="F" name="resolution" value="0" units="1/dev"/>
+          <inkml:channelProperty channel="OA" name="resolution" value="1000" units="1/deg"/>
+          <inkml:channelProperty channel="OE" name="resolution" value="1000" units="1/deg"/>
+        </inkml:channelProperties>
+      </inkml:inkSource>
+      <inkml:timestamp xml:id="ts0" timeString="2025-08-06T01:05:04.231"/>
+    </inkml:context>
+    <inkml:brush xml:id="br0">
+      <inkml:brushProperty name="width" value="0.035" units="cm"/>
+      <inkml:brushProperty name="height" value="0.035" units="cm"/>
+    </inkml:brush>
+  </inkml:definitions>
+  <inkml:trace contextRef="#ctx0" brushRef="#br0">0 1 108 0 0,'1'0'184'0'0,"44"28"3716"0"0,37 31-2250 0 0,-66-45-1612 0 0,-1 0 0 0 0,0 0-1 0 0,17 24 1 0 0,-25-28 209 0 0,0-1 0 0 0,-1 1 0 0 0,-1 0 0 0 0,6 14 0 0 0,-4-2 60 0 0,-1 0-1 0 0,-1 0 1 0 0,-1 1-1 0 0,-1-1 1 0 0,-1 1-1 0 0,-1 0 1 0 0,-3 44-1 0 0,-2-29-952 0 0,-2-1-1 0 0,-1 1 1 0 0,-24 70 0 0 0,29-101 334 0 0,0-1 0 0 0,0 1 0 0 0,-1-1 0 0 0,0 0 0 0 0,0 0 0 0 0,-1 0 0 0 0,0 0 0 0 0,0-1 0 0 0,0 0 0 0 0,-1 1 0 0 0,1-1 0 0 0,-1-1 0 0 0,-1 1 0 0 0,1-1 0 0 0,0 0 0 0 0,-1 0 0 0 0,0-1 0 0 0,0 1 0 0 0,0-1 0 0 0,0-1 0 0 0,-12 4 0 0 0,4-2 101 0 0</inkml:trace>
+</inkml:ink>
+</file>
+
+<file path=ppt/ink/ink62.xml><?xml version="1.0" encoding="utf-8"?>
+<inkml:ink xmlns:inkml="http://www.w3.org/2003/InkML">
+  <inkml:definitions>
+    <inkml:context xml:id="ctx0">
+      <inkml:inkSource xml:id="inkSrc0">
+        <inkml:traceFormat>
+          <inkml:channel name="X" type="integer" min="-2.14748E9" max="2.14748E9" units="cm"/>
+          <inkml:channel name="Y" type="integer" min="-2.14748E9" max="2.14748E9" units="cm"/>
+          <inkml:channel name="F" type="integer" max="32767" units="dev"/>
+          <inkml:channel name="OA" type="integer" max="360" units="deg"/>
+          <inkml:channel name="OE" type="integer" max="90" units="deg"/>
+        </inkml:traceFormat>
+        <inkml:channelProperties>
+          <inkml:channelProperty channel="X" name="resolution" value="1000" units="1/cm"/>
+          <inkml:channelProperty channel="Y" name="resolution" value="1000" units="1/cm"/>
+          <inkml:channelProperty channel="F" name="resolution" value="0" units="1/dev"/>
+          <inkml:channelProperty channel="OA" name="resolution" value="1000" units="1/deg"/>
+          <inkml:channelProperty channel="OE" name="resolution" value="1000" units="1/deg"/>
+        </inkml:channelProperties>
+      </inkml:inkSource>
+      <inkml:timestamp xml:id="ts0" timeString="2025-08-06T01:05:06.010"/>
+    </inkml:context>
+    <inkml:brush xml:id="br0">
+      <inkml:brushProperty name="width" value="0.035" units="cm"/>
+      <inkml:brushProperty name="height" value="0.035" units="cm"/>
+    </inkml:brush>
+  </inkml:definitions>
+  <inkml:trace contextRef="#ctx0" brushRef="#br0">162 1 80 0 0,'-14'11'678'0'0,"0"1"1"0"0,1 1-1 0 0,0 0 1 0 0,1 1-1 0 0,1 0 1 0 0,0 1-1 0 0,1 0 0 0 0,-10 19 1 0 0,13-22-481 0 0,1 0 0 0 0,0 1 0 0 0,1 0-1 0 0,1 0 1 0 0,0 0 0 0 0,0 0 0 0 0,2 1 0 0 0,-1 0 0 0 0,2-1 0 0 0,0 1 0 0 0,0 0-1 0 0,3 23 1 0 0,0-26-324 0 0,0 0 0 0 0,1 0 0 0 0,0 0 0 0 0,1-1 0 0 0,0 1 0 0 0,1-1 0 0 0,0 0 0 0 0,0-1 0 0 0,1 1 0 0 0,0-1 0 0 0,1 0 0 0 0,0 0 0 0 0,0-1-1 0 0,1 0 1 0 0,0 0 0 0 0,12 8 0 0 0,2-3-632 0 0,1 0 1 0 0,0-1-1 0 0,1-1 0 0 0,0-2 0 0 0,1 0 1 0 0,0-2-1 0 0,37 7 0 0 0,-41-9 615 0 0,6 2-95 0 0</inkml:trace>
+</inkml:ink>
+</file>
+
+<file path=ppt/ink/ink63.xml><?xml version="1.0" encoding="utf-8"?>
+<inkml:ink xmlns:inkml="http://www.w3.org/2003/InkML">
+  <inkml:definitions>
+    <inkml:context xml:id="ctx0">
+      <inkml:inkSource xml:id="inkSrc0">
+        <inkml:traceFormat>
+          <inkml:channel name="X" type="integer" min="-2.14748E9" max="2.14748E9" units="cm"/>
+          <inkml:channel name="Y" type="integer" min="-2.14748E9" max="2.14748E9" units="cm"/>
+          <inkml:channel name="F" type="integer" max="32767" units="dev"/>
+          <inkml:channel name="OA" type="integer" max="360" units="deg"/>
+          <inkml:channel name="OE" type="integer" max="90" units="deg"/>
+        </inkml:traceFormat>
+        <inkml:channelProperties>
+          <inkml:channelProperty channel="X" name="resolution" value="1000" units="1/cm"/>
+          <inkml:channelProperty channel="Y" name="resolution" value="1000" units="1/cm"/>
+          <inkml:channelProperty channel="F" name="resolution" value="0" units="1/dev"/>
+          <inkml:channelProperty channel="OA" name="resolution" value="1000" units="1/deg"/>
+          <inkml:channelProperty channel="OE" name="resolution" value="1000" units="1/deg"/>
+        </inkml:channelProperties>
+      </inkml:inkSource>
+      <inkml:timestamp xml:id="ts0" timeString="2025-08-06T01:05:06.515"/>
+    </inkml:context>
+    <inkml:brush xml:id="br0">
+      <inkml:brushProperty name="width" value="0.035" units="cm"/>
+      <inkml:brushProperty name="height" value="0.035" units="cm"/>
+    </inkml:brush>
+  </inkml:definitions>
+  <inkml:trace contextRef="#ctx0" brushRef="#br0">23 28 28 0 0,'-13'-15'237'0'0,"3"2"3732"0"0,35 21-2049 0 0,-12-3-1746 0 0,1 2 1 0 0,-1-1-1 0 0,0 2 1 0 0,0 0-1 0 0,-1 0 1 0 0,0 1-1 0 0,-1 1 1 0 0,0 0-1 0 0,0 0 1 0 0,-1 1-1 0 0,0 1 1 0 0,-1 0-1 0 0,-1 0 1 0 0,0 0-1 0 0,0 1 1 0 0,-1 0-1 0 0,-1 1 1 0 0,0 0-1 0 0,-1 0 1 0 0,0 0-1 0 0,-1 0 1 0 0,-1 1-1 0 0,-1-1 1 0 0,0 1-1 0 0,0 0 1 0 0,-1 0-1 0 0,-3 26 1 0 0,-1-1 468 0 0,-11 60-1 0 0,11-89-1038 0 0,1 0-1 0 0,-1 0 1 0 0,-1 0 0 0 0,0-1-1 0 0,0 0 1 0 0,-1 0-1 0 0,-1 0 1 0 0,1 0-1 0 0,-2-1 1 0 0,-10 13-1 0 0,14-19-89 0 0,-1-1 0 0 0,0 0 0 0 0,0 0 0 0 0,0-1-1 0 0,0 1 1 0 0,0-1 0 0 0,0 0 0 0 0,-1 0 0 0 0,1 0 0 0 0,0 0 0 0 0,0-1-1 0 0,-1 1 1 0 0,-5-2 0 0 0,-14 4-333 0 0,16-2 1224 0 0</inkml:trace>
+</inkml:ink>
+</file>
+
+<file path=ppt/ink/ink64.xml><?xml version="1.0" encoding="utf-8"?>
+<inkml:ink xmlns:inkml="http://www.w3.org/2003/InkML">
+  <inkml:definitions>
+    <inkml:context xml:id="ctx0">
+      <inkml:inkSource xml:id="inkSrc0">
+        <inkml:traceFormat>
+          <inkml:channel name="X" type="integer" min="-2.14748E9" max="2.14748E9" units="cm"/>
+          <inkml:channel name="Y" type="integer" min="-2.14748E9" max="2.14748E9" units="cm"/>
+          <inkml:channel name="F" type="integer" max="32767" units="dev"/>
+          <inkml:channel name="OA" type="integer" max="360" units="deg"/>
+          <inkml:channel name="OE" type="integer" max="90" units="deg"/>
+        </inkml:traceFormat>
+        <inkml:channelProperties>
+          <inkml:channelProperty channel="X" name="resolution" value="1000" units="1/cm"/>
+          <inkml:channelProperty channel="Y" name="resolution" value="1000" units="1/cm"/>
+          <inkml:channelProperty channel="F" name="resolution" value="0" units="1/dev"/>
+          <inkml:channelProperty channel="OA" name="resolution" value="1000" units="1/deg"/>
+          <inkml:channelProperty channel="OE" name="resolution" value="1000" units="1/deg"/>
+        </inkml:channelProperties>
+      </inkml:inkSource>
+      <inkml:timestamp xml:id="ts0" timeString="2025-08-06T01:05:14.932"/>
+    </inkml:context>
+    <inkml:brush xml:id="br0">
+      <inkml:brushProperty name="width" value="0.035" units="cm"/>
+      <inkml:brushProperty name="height" value="0.035" units="cm"/>
+    </inkml:brush>
+  </inkml:definitions>
+  <inkml:trace contextRef="#ctx0" brushRef="#br0">642 12 88 0 0,'-1'-1'338'0'0,"-1"0"1"0"0,0-1-1 0 0,0 1 0 0 0,0 0 0 0 0,0 0 1 0 0,0 0-1 0 0,0 0 0 0 0,0 1 1 0 0,0-1-1 0 0,-1 1 0 0 0,1-1 0 0 0,-2 1 1 0 0,-47 4 690 0 0,8 5-869 0 0,0 3 0 0 0,1 1 0 0 0,1 2 0 0 0,-74 39 0 0 0,91-41-41 0 0,2 1 0 0 0,-1 0 0 0 0,2 2 1 0 0,0 1-1 0 0,1 0 0 0 0,1 1 0 0 0,1 1 0 0 0,0 1 0 0 0,-20 30 1 0 0,30-38-65 0 0,1 0 0 0 0,1 1 0 0 0,0 0 0 0 0,0 0 0 0 0,2 0 0 0 0,-1 0 0 0 0,2 1 0 0 0,0 0 0 0 0,0-1 0 0 0,1 1 0 0 0,1 0 0 0 0,1 0-1 0 0,1 24 1 0 0,1-26-95 0 0,0-1 0 0 0,1 1 0 0 0,0-1-1 0 0,1 1 1 0 0,0-1 0 0 0,1 0 0 0 0,0-1-1 0 0,1 1 1 0 0,0-1 0 0 0,1 0 0 0 0,0-1-1 0 0,1 1 1 0 0,-1-1 0 0 0,2-1 0 0 0,-1 0-1 0 0,14 10 1 0 0,21 13 278 0 0,0-3 0 0 0,2-2-1 0 0,0-1 1 0 0,2-3 0 0 0,1-2 0 0 0,0-2 0 0 0,59 14-1 0 0,362 55 447 0 0,-361-71-747 0 0,43 3 159 0 0,0-7-1 0 0,1-7 1 0 0,0-6 0 0 0,-1-7 0 0 0,179-32 0 0 0,-43-21-677 0 0,-234 46 637 0 0,-1-2 0 0 0,-1-2 0 0 0,65-35 1 0 0,-107 50-66 0 0,-1-1 1 0 0,0 0 0 0 0,0-1 0 0 0,-1 1-1 0 0,0-2 1 0 0,0 1 0 0 0,0-1 0 0 0,-1 0 0 0 0,1 0-1 0 0,-2 0 1 0 0,1-1 0 0 0,-1 0 0 0 0,0 0-1 0 0,-1-1 1 0 0,4-8 0 0 0,-5 7 36 0 0,-1-1 0 0 0,0 1 1 0 0,0-1-1 0 0,-1 1 0 0 0,0-1 0 0 0,-1 1 0 0 0,0-1 1 0 0,-1 1-1 0 0,0-1 0 0 0,-1 1 0 0 0,0-1 1 0 0,0 1-1 0 0,-6-13 0 0 0,0 2 5 0 0,-2 0 0 0 0,0 0 0 0 0,-2 1 0 0 0,0 0-1 0 0,-1 1 1 0 0,-1 1 0 0 0,0 0 0 0 0,-2 1 0 0 0,0 0 0 0 0,-1 1 0 0 0,-1 1 0 0 0,-23-15 0 0 0,-11-5-185 0 0,0 4 0 0 0,-2 1 0 0 0,-80-30 1 0 0,66 33 113 0 0,-2 3 1 0 0,-1 3-1 0 0,-1 3 1 0 0,0 3-1 0 0,-1 4 1 0 0,-138-4-1 0 0,160 15 223 0 0,0 3-1 0 0,0 1 0 0 0,0 3 0 0 0,1 2 0 0 0,0 2 1 0 0,1 3-1 0 0,0 2 0 0 0,2 1 0 0 0,-1 3 1 0 0,-77 45-1 0 0,94-47-603 0 0,-36 24-1896 0 0,62-38 1474 0 0,1-1 0 0 0,0 1 0 0 0,0 0 0 0 0,1 0 0 0 0,-1 1-1 0 0,-4 7 1 0 0,7-10 612 0 0,0 0 0 0 0,0 0 0 0 0,1 1 0 0 0,-1-1 0 0 0,1 0 0 0 0,-1 0 0 0 0,1 0 0 0 0,0 0 0 0 0,0 0 0 0 0,0 0 0 0 0,0 1 0 0 0,1-1-1 0 0,0 3 1 0 0,1 2-28 0 0</inkml:trace>
+</inkml:ink>
+</file>
+
+<file path=ppt/ink/ink65.xml><?xml version="1.0" encoding="utf-8"?>
+<inkml:ink xmlns:inkml="http://www.w3.org/2003/InkML">
+  <inkml:definitions>
+    <inkml:context xml:id="ctx0">
+      <inkml:inkSource xml:id="inkSrc0">
+        <inkml:traceFormat>
+          <inkml:channel name="X" type="integer" min="-2.14748E9" max="2.14748E9" units="cm"/>
+          <inkml:channel name="Y" type="integer" min="-2.14748E9" max="2.14748E9" units="cm"/>
+          <inkml:channel name="F" type="integer" max="32767" units="dev"/>
+          <inkml:channel name="OA" type="integer" max="360" units="deg"/>
+          <inkml:channel name="OE" type="integer" max="90" units="deg"/>
+        </inkml:traceFormat>
+        <inkml:channelProperties>
+          <inkml:channelProperty channel="X" name="resolution" value="1000" units="1/cm"/>
+          <inkml:channelProperty channel="Y" name="resolution" value="1000" units="1/cm"/>
+          <inkml:channelProperty channel="F" name="resolution" value="0" units="1/dev"/>
+          <inkml:channelProperty channel="OA" name="resolution" value="1000" units="1/deg"/>
+          <inkml:channelProperty channel="OE" name="resolution" value="1000" units="1/deg"/>
+        </inkml:channelProperties>
+      </inkml:inkSource>
+      <inkml:timestamp xml:id="ts0" timeString="2025-08-06T01:05:15.768"/>
+    </inkml:context>
+    <inkml:brush xml:id="br0">
+      <inkml:brushProperty name="width" value="0.035" units="cm"/>
+      <inkml:brushProperty name="height" value="0.035" units="cm"/>
+    </inkml:brush>
+  </inkml:definitions>
+  <inkml:trace contextRef="#ctx0" brushRef="#br0">120 38 144 0 0,'-70'-9'6002'0'0,"30"3"1319"0"0,282 16-2598 0 0,-248-12-3812 0 0,0 0 1 0 0,0 1 0 0 0,-1 0 0 0 0,1 0 0 0 0,-10 1 0 0 0,13-1-495 0 0,-148-2 1974 0 0,101 4-679 0 0,49-1-1647 0 0,7-3-3715 0 0,-1 0 1583 0 0,0 1 1 0 0,1 0-1 0 0,-1 0 0 0 0,1 0 1 0 0,0 1-1 0 0,9-2 1 0 0,41-1-4617 0 0,28 11 3569 0 0,-66-4 2805 0 0</inkml:trace>
+</inkml:ink>
+</file>
+
+<file path=ppt/ink/ink66.xml><?xml version="1.0" encoding="utf-8"?>
+<inkml:ink xmlns:inkml="http://www.w3.org/2003/InkML">
+  <inkml:definitions>
+    <inkml:context xml:id="ctx0">
+      <inkml:inkSource xml:id="inkSrc0">
+        <inkml:traceFormat>
+          <inkml:channel name="X" type="integer" min="-2.14748E9" max="2.14748E9" units="cm"/>
+          <inkml:channel name="Y" type="integer" min="-2.14748E9" max="2.14748E9" units="cm"/>
+          <inkml:channel name="F" type="integer" max="32767" units="dev"/>
+          <inkml:channel name="OA" type="integer" max="360" units="deg"/>
+          <inkml:channel name="OE" type="integer" max="90" units="deg"/>
+        </inkml:traceFormat>
+        <inkml:channelProperties>
+          <inkml:channelProperty channel="X" name="resolution" value="1000" units="1/cm"/>
+          <inkml:channelProperty channel="Y" name="resolution" value="1000" units="1/cm"/>
+          <inkml:channelProperty channel="F" name="resolution" value="0" units="1/dev"/>
+          <inkml:channelProperty channel="OA" name="resolution" value="1000" units="1/deg"/>
+          <inkml:channelProperty channel="OE" name="resolution" value="1000" units="1/deg"/>
+        </inkml:channelProperties>
+      </inkml:inkSource>
+      <inkml:timestamp xml:id="ts0" timeString="2025-08-06T01:05:16.470"/>
+    </inkml:context>
+    <inkml:brush xml:id="br0">
+      <inkml:brushProperty name="width" value="0.035" units="cm"/>
+      <inkml:brushProperty name="height" value="0.035" units="cm"/>
+    </inkml:brush>
+  </inkml:definitions>
+  <inkml:trace contextRef="#ctx0" brushRef="#br0">146 19 96 0 0,'-87'-3'6374'0'0,"29"-6"-386"0"0,113 19-1223 0 0,44 1-3925 0 0,-32-8 3299 0 0,-110-11-708 0 0,-129-10-1426 0 0,240 16-11850 0 0,-2 0-2239 0 0,-21 9 8861 0 0,21 13 1030 0 0,-48-16 1908 0 0</inkml:trace>
+</inkml:ink>
+</file>
+
+<file path=ppt/ink/ink67.xml><?xml version="1.0" encoding="utf-8"?>
+<inkml:ink xmlns:inkml="http://www.w3.org/2003/InkML">
+  <inkml:definitions>
+    <inkml:context xml:id="ctx0">
+      <inkml:inkSource xml:id="inkSrc0">
+        <inkml:traceFormat>
+          <inkml:channel name="X" type="integer" min="-2.14748E9" max="2.14748E9" units="cm"/>
+          <inkml:channel name="Y" type="integer" min="-2.14748E9" max="2.14748E9" units="cm"/>
+          <inkml:channel name="F" type="integer" max="32767" units="dev"/>
+          <inkml:channel name="OA" type="integer" max="360" units="deg"/>
+          <inkml:channel name="OE" type="integer" max="90" units="deg"/>
+        </inkml:traceFormat>
+        <inkml:channelProperties>
+          <inkml:channelProperty channel="X" name="resolution" value="1000" units="1/cm"/>
+          <inkml:channelProperty channel="Y" name="resolution" value="1000" units="1/cm"/>
+          <inkml:channelProperty channel="F" name="resolution" value="0" units="1/dev"/>
+          <inkml:channelProperty channel="OA" name="resolution" value="1000" units="1/deg"/>
+          <inkml:channelProperty channel="OE" name="resolution" value="1000" units="1/deg"/>
+        </inkml:channelProperties>
+      </inkml:inkSource>
+      <inkml:timestamp xml:id="ts0" timeString="2025-08-06T01:05:17.120"/>
+    </inkml:context>
+    <inkml:brush xml:id="br0">
+      <inkml:brushProperty name="width" value="0.035" units="cm"/>
+      <inkml:brushProperty name="height" value="0.035" units="cm"/>
+    </inkml:brush>
+  </inkml:definitions>
+  <inkml:trace contextRef="#ctx0" brushRef="#br0">33 0 72 0 0,'-10'0'-689'0'0,"-12"1"7438"0"0,30 2-2150 0 0,9 0-4390 0 0,29 5 796 0 0,0-3 0 0 0,51 1 0 0 0,-123-8 5048 0 0,-118-5-3874 0 0,169 14-205 0 0,-15-4-2093 0 0,1 0 0 0 0,0-1 0 0 0,0-1 0 0 0,20 1 0 0 0,-3-8-751 0 0,-3-2-4225 0 0,-19 5 2787 0 0,1 1 0 0 0,0 0 1 0 0,0 0-1 0 0,0 0 0 0 0,10 0 1 0 0,-13 2 1963 0 0,0 0 1 0 0,0 1 0 0 0,0-1 0 0 0,0 1 0 0 0,0 0 0 0 0,0 0 0 0 0,7 3-1 0 0,0 1-92 0 0,0 0 87 0 0</inkml:trace>
+</inkml:ink>
+</file>
+
+<file path=ppt/ink/ink68.xml><?xml version="1.0" encoding="utf-8"?>
+<inkml:ink xmlns:inkml="http://www.w3.org/2003/InkML">
+  <inkml:definitions>
+    <inkml:context xml:id="ctx0">
+      <inkml:inkSource xml:id="inkSrc0">
+        <inkml:traceFormat>
+          <inkml:channel name="X" type="integer" min="-2.14748E9" max="2.14748E9" units="cm"/>
+          <inkml:channel name="Y" type="integer" min="-2.14748E9" max="2.14748E9" units="cm"/>
+          <inkml:channel name="F" type="integer" max="32767" units="dev"/>
+          <inkml:channel name="OA" type="integer" max="360" units="deg"/>
+          <inkml:channel name="OE" type="integer" max="90" units="deg"/>
+        </inkml:traceFormat>
+        <inkml:channelProperties>
+          <inkml:channelProperty channel="X" name="resolution" value="1000" units="1/cm"/>
+          <inkml:channelProperty channel="Y" name="resolution" value="1000" units="1/cm"/>
+          <inkml:channelProperty channel="F" name="resolution" value="0" units="1/dev"/>
+          <inkml:channelProperty channel="OA" name="resolution" value="1000" units="1/deg"/>
+          <inkml:channelProperty channel="OE" name="resolution" value="1000" units="1/deg"/>
+        </inkml:channelProperties>
+      </inkml:inkSource>
+      <inkml:timestamp xml:id="ts0" timeString="2025-08-06T01:05:17.812"/>
+    </inkml:context>
+    <inkml:brush xml:id="br0">
+      <inkml:brushProperty name="width" value="0.035" units="cm"/>
+      <inkml:brushProperty name="height" value="0.035" units="cm"/>
+    </inkml:brush>
+  </inkml:definitions>
+  <inkml:trace contextRef="#ctx0" brushRef="#br0">106 33 172 0 0,'-13'-2'486'0'0,"-23"-4"2181"0"0,1 3 7575 0 0,81 3-9216 0 0,0 1-77 0 0,17 0-260 0 0,-46-2 677 0 0,-21-1 1396 0 0,-39-6-1018 0 0,0 2 1 0 0,-60-1-1 0 0,142 21-1669 0 0,7-3 101 0 0,1-2 0 0 0,0-2 0 0 0,0-2 0 0 0,53-2 716 0 0,-145-5 94 0 0,1-4-1115 0 0,4 1-3358 0 0,14 4-6091 0 0,20 17-3714 0 0,9 4 11942 0 0,0-15 1105 0 0</inkml:trace>
+</inkml:ink>
+</file>
+
+<file path=ppt/ink/ink69.xml><?xml version="1.0" encoding="utf-8"?>
+<inkml:ink xmlns:inkml="http://www.w3.org/2003/InkML">
+  <inkml:definitions>
+    <inkml:context xml:id="ctx0">
+      <inkml:inkSource xml:id="inkSrc0">
+        <inkml:traceFormat>
+          <inkml:channel name="X" type="integer" min="-2.14748E9" max="2.14748E9" units="cm"/>
+          <inkml:channel name="Y" type="integer" min="-2.14748E9" max="2.14748E9" units="cm"/>
+          <inkml:channel name="F" type="integer" max="32767" units="dev"/>
+          <inkml:channel name="OA" type="integer" max="360" units="deg"/>
+          <inkml:channel name="OE" type="integer" max="90" units="deg"/>
+        </inkml:traceFormat>
+        <inkml:channelProperties>
+          <inkml:channelProperty channel="X" name="resolution" value="1000" units="1/cm"/>
+          <inkml:channelProperty channel="Y" name="resolution" value="1000" units="1/cm"/>
+          <inkml:channelProperty channel="F" name="resolution" value="0" units="1/dev"/>
+          <inkml:channelProperty channel="OA" name="resolution" value="1000" units="1/deg"/>
+          <inkml:channelProperty channel="OE" name="resolution" value="1000" units="1/deg"/>
+        </inkml:channelProperties>
+      </inkml:inkSource>
+      <inkml:timestamp xml:id="ts0" timeString="2025-08-06T01:05:24.412"/>
+    </inkml:context>
+    <inkml:brush xml:id="br0">
+      <inkml:brushProperty name="width" value="0.035" units="cm"/>
+      <inkml:brushProperty name="height" value="0.035" units="cm"/>
+    </inkml:brush>
+  </inkml:definitions>
+  <inkml:trace contextRef="#ctx0" brushRef="#br0">35 459 192 0 0,'-1'0'120'0'0,"1"1"1"0"0,0-1-1 0 0,-1 0 1 0 0,1 1-1 0 0,0-1 1 0 0,-1 0-1 0 0,1 0 1 0 0,0 1-1 0 0,-1-1 1 0 0,1 0-1 0 0,-1 0 1 0 0,1 1-1 0 0,0-1 0 0 0,-1 0 1 0 0,1 0-1 0 0,-1 0 1 0 0,1 0-1 0 0,-1 0 1 0 0,1 0-1 0 0,-1 0 1 0 0,1 0-1 0 0,-1 0 1 0 0,1 0-1 0 0,-1 0 1 0 0,1 0-1 0 0,0 0 0 0 0,-1 0 1 0 0,1 0-1 0 0,-1 0 1 0 0,1-1-1 0 0,-1 1 1 0 0,1 0-1 0 0,0 0 1 0 0,-1 0-1 0 0,1-1 1 0 0,-1 1-1 0 0,0-1 1 0 0,-9-20 1518 0 0,3-27-549 0 0,6 30-880 0 0,1-1 0 0 0,1 0 0 0 0,1 0 0 0 0,1 1 0 0 0,0-1 0 0 0,1 1 0 0 0,1 0 1 0 0,1 0-1 0 0,0 1 0 0 0,2-1 0 0 0,0 1 0 0 0,1 1 0 0 0,0 0 0 0 0,23-29 0 0 0,-26 37-195 0 0,1 0-1 0 0,0 0 0 0 0,1 1 1 0 0,-1 0-1 0 0,2 0 1 0 0,-1 1-1 0 0,0 0 0 0 0,1 1 1 0 0,0-1-1 0 0,1 2 0 0 0,-1-1 1 0 0,1 1-1 0 0,0 1 1 0 0,0 0-1 0 0,0 0 0 0 0,0 1 1 0 0,0 0-1 0 0,1 1 1 0 0,-1 0-1 0 0,1 1 0 0 0,-1 0 1 0 0,1 1-1 0 0,-1 0 0 0 0,0 0 1 0 0,1 1-1 0 0,-1 1 1 0 0,19 6-1 0 0,-20-5 194 0 0,0 1-1 0 0,0 0 1 0 0,-1 0 0 0 0,0 1 0 0 0,0 0-1 0 0,0 1 1 0 0,-1 0 0 0 0,1 0-1 0 0,-2 0 1 0 0,1 1 0 0 0,-1 0 0 0 0,0 0-1 0 0,-1 0 1 0 0,0 1 0 0 0,-1 0 0 0 0,1 0-1 0 0,-1 0 1 0 0,3 15 0 0 0,1 3 285 0 0,-1 1 1 0 0,-1 0 0 0 0,-2 0 0 0 0,-1 0 0 0 0,0 38 543 0 0,-8-100-1043 0 0,8 20-33 0 0,0 1 0 0 0,1 1 0 0 0,1-1 1 0 0,0 1-1 0 0,0-1 0 0 0,14-20 0 0 0,-14 26 21 0 0,1 0-1 0 0,0 0 1 0 0,0 0-1 0 0,1 0 0 0 0,0 1 1 0 0,0 1-1 0 0,1-1 1 0 0,0 1-1 0 0,0 0 0 0 0,15-7 1 0 0,3 3-94 0 0,0 2 0 0 0,0 0 0 0 0,0 1 0 0 0,1 2 0 0 0,0 1 0 0 0,0 1 1 0 0,0 1-1 0 0,0 1 0 0 0,33 5 0 0 0,-49-4 108 0 0,-1 1 0 0 0,1 0 1 0 0,0 1-1 0 0,-1 0 0 0 0,0 0 0 0 0,1 1 1 0 0,-1 0-1 0 0,-1 1 0 0 0,1 1 1 0 0,-1-1-1 0 0,0 1 0 0 0,0 1 0 0 0,-1-1 1 0 0,1 2-1 0 0,-1-1 0 0 0,-1 1 0 0 0,0 0 1 0 0,7 10-1 0 0,-1 3 195 0 0,-1 1-1 0 0,-1 0 1 0 0,0 0 0 0 0,-2 1 0 0 0,-1 1-1 0 0,10 43 1 0 0,-9-37-162 0 0,-6-24 18 0 0,0 1-1 0 0,-1 0 1 0 0,0-1 0 0 0,-1 1-1 0 0,2 11 1 0 0,-6-39 90 0 0,2 17-105 0 0,1 0 0 0 0,-1 0 1 0 0,1 0-1 0 0,0 0 0 0 0,0 0 1 0 0,0 0-1 0 0,0 0 0 0 0,2-8 1 0 0,3-4-63 0 0,1 1 0 0 0,1-1 1 0 0,0 1-1 0 0,1 0 0 0 0,0 1 1 0 0,2 0-1 0 0,-1 0 0 0 0,2 1 1 0 0,0 0-1 0 0,0 1 0 0 0,1 0 1 0 0,0 1-1 0 0,1 0 1 0 0,1 1-1 0 0,0 0 0 0 0,21-10 1 0 0,-15 9-16 0 0,1 2 0 0 0,1 0 0 0 0,-1 1 0 0 0,1 2 0 0 0,0 0 0 0 0,1 1 0 0 0,0 1 0 0 0,-1 1 0 0 0,1 1 0 0 0,0 1 0 0 0,39 4 0 0 0,-51-2 68 0 0,0 0 0 0 0,0 1 0 0 0,0 1 0 0 0,0 0 0 0 0,0 0-1 0 0,-1 1 1 0 0,1 0 0 0 0,-1 1 0 0 0,0 0 0 0 0,0 1 0 0 0,-1 0-1 0 0,0 1 1 0 0,10 8 0 0 0,-10-6 411 0 0,-1 0-1 0 0,-1 0 1 0 0,0 1-1 0 0,0 0 1 0 0,-1 0-1 0 0,0 1 1 0 0,-1-1-1 0 0,0 1 1 0 0,-1 0-1 0 0,0 1 1 0 0,0-1-1 0 0,1 16 1 0 0,1 39 3657 0 0,-6-66-4097 0 0,-42-15-59 0 0,-81-53-460 0 0,132 71 514 0 0,0-1 0 0 0,0 0 1 0 0,1 0-1 0 0,-1-1 1 0 0,0-1-1 0 0,0 1 1 0 0,1-2-1 0 0,-1 1 1 0 0,0-1-1 0 0,0 0 1 0 0,1-1-1 0 0,11-4 1 0 0,-9 3 147 0 0,-1 0 0 0 0,1 1 0 0 0,0 1 0 0 0,0 0 1 0 0,0 1-1 0 0,1 0 0 0 0,19 2 0 0 0,-31-1-99 0 0,0-1-1 0 0,0 0 1 0 0,-1 1 0 0 0,1-1-1 0 0,0 0 1 0 0,0 1-1 0 0,0-1 1 0 0,0 1-1 0 0,0-1 1 0 0,0 1-1 0 0,0 0 1 0 0,-1-1 0 0 0,1 1-1 0 0,0 0 1 0 0,-1 0-1 0 0,1-1 1 0 0,0 1-1 0 0,-1 0 1 0 0,1 0 0 0 0,-1 0-1 0 0,1 0 1 0 0,-1 0-1 0 0,1 0 1 0 0,-1 0-1 0 0,0 1 1 0 0,-1 31 847 0 0,-24 35 153 0 0,23-62-1010 0 0,1-5-72 0 0,-24 46 156 0 0,24-45-397 0 0,-1 0-1 0 0,1-1 1 0 0,0 1 0 0 0,-1 0-1 0 0,0-1 1 0 0,1 1 0 0 0,-1-1-1 0 0,0 1 1 0 0,0-1 0 0 0,0 0-1 0 0,0 0 1 0 0,-2 2 0 0 0,3-3 76 0 0,1 0 0 0 0,0 0 0 0 0,0 0 0 0 0,-1 0 0 0 0,1 0 0 0 0,0 0 0 0 0,0 0 0 0 0,-1 0 0 0 0,1 0 0 0 0,0 0 0 0 0,0 0 0 0 0,0 0 0 0 0,-1 0 0 0 0,1 0 0 0 0,0 0 0 0 0,0 0 0 0 0,-1 0 0 0 0,1 0 0 0 0,0 0 0 0 0,0 0 0 0 0,0 0 0 0 0,-1-1 0 0 0,1 1 0 0 0,0 0 0 0 0,0 0 0 0 0,0 0 0 0 0,-1 0 0 0 0,1 0 0 0 0,0-1 0 0 0,0 1 0 0 0,0 0 0 0 0,0 0 0 0 0,0 0 0 0 0,0-1 0 0 0,-1 1 0 0 0,1 0 0 0 0,0 0 0 0 0,0 0 0 0 0,0-1 0 0 0,0 1 0 0 0,0 0 0 0 0,0 0 0 0 0,0-1 0 0 0,0 1 0 0 0,0 0 0 0 0,2-18-7293 0 0,8-13-67 0 0,-2 11 5147 0 0,-6 16 2105 0 0</inkml:trace>
 </inkml:ink>
 </file>
 
@@ -1142,14 +3470,316 @@
           <inkml:channelProperty channel="OE" name="resolution" value="1000" units="1/deg"/>
         </inkml:channelProperties>
       </inkml:inkSource>
-      <inkml:timestamp xml:id="ts0" timeString="2025-06-04T00:41:05.318"/>
+      <inkml:timestamp xml:id="ts0" timeString="2025-08-06T01:03:45.681"/>
     </inkml:context>
     <inkml:brush xml:id="br0">
       <inkml:brushProperty name="width" value="0.035" units="cm"/>
       <inkml:brushProperty name="height" value="0.035" units="cm"/>
     </inkml:brush>
   </inkml:definitions>
-  <inkml:trace contextRef="#ctx0" brushRef="#br0">0 13 140 0 0,'9'3'471'0'0,"1"0"1"0"0,-1-1-1 0 0,1-1 1 0 0,-1 1-1 0 0,1-1 1 0 0,12-1-1 0 0,-15-1-768 0 0,1 0-1 0 0,0 0 1 0 0,-1-1-1 0 0,1 0 1 0 0,7-3-1 0 0,28-5-1024 0 0,-35 7 1133 0 0</inkml:trace>
+  <inkml:trace contextRef="#ctx0" brushRef="#br0">16 5 140 0 0,'0'0'160'0'0,"0"0"0"0"0,0-1 0 0 0,-1 1 0 0 0,1 0 0 0 0,0-1 0 0 0,0 1 0 0 0,-1 0 0 0 0,1 0 0 0 0,0-1 0 0 0,-1 1-1 0 0,1 0 1 0 0,0 0 0 0 0,-1 0 0 0 0,1-1 0 0 0,0 1 0 0 0,-1 0 0 0 0,1 0 0 0 0,-1 0 0 0 0,1 0 0 0 0,0 0 0 0 0,-1 0 0 0 0,1 0 0 0 0,-1 0 0 0 0,1 0 0 0 0,0 0 0 0 0,-1 0 0 0 0,1 0 0 0 0,-1 0 0 0 0,1 0-1 0 0,0 0 1 0 0,-1 0 0 0 0,1 1 0 0 0,0-1 0 0 0,-1 0 0 0 0,1 0 0 0 0,0 0 0 0 0,-1 1 0 0 0,1-1 0 0 0,0 0 0 0 0,-1 0 0 0 0,1 1 0 0 0,0-1 0 0 0,0 0 0 0 0,-1 1 0 0 0,1-1 0 0 0,0 0 0 0 0,0 1 0 0 0,-1-1 0 0 0,7 10 4479 0 0,2-3-5935 0 0,19 9 1642 0 0,1-1 0 0 0,0-2-1 0 0,1-1 1 0 0,0-1 0 0 0,61 13 0 0 0,-12-9 1040 0 0,93 5 0 0 0,-122-18-1056 0 0,25-5 666 0 0,-23-5-3320 0 0,-42 18-7583 0 0,12 12 6522 0 0,7 0 1971 0 0,-16-14 1122 0 0</inkml:trace>
+</inkml:ink>
+</file>
+
+<file path=ppt/ink/ink70.xml><?xml version="1.0" encoding="utf-8"?>
+<inkml:ink xmlns:inkml="http://www.w3.org/2003/InkML">
+  <inkml:definitions>
+    <inkml:context xml:id="ctx0">
+      <inkml:inkSource xml:id="inkSrc0">
+        <inkml:traceFormat>
+          <inkml:channel name="X" type="integer" min="-2.14748E9" max="2.14748E9" units="cm"/>
+          <inkml:channel name="Y" type="integer" min="-2.14748E9" max="2.14748E9" units="cm"/>
+          <inkml:channel name="F" type="integer" max="32767" units="dev"/>
+        </inkml:traceFormat>
+        <inkml:channelProperties>
+          <inkml:channelProperty channel="X" name="resolution" value="1000" units="1/cm"/>
+          <inkml:channelProperty channel="Y" name="resolution" value="1000" units="1/cm"/>
+          <inkml:channelProperty channel="F" name="resolution" value="0" units="1/dev"/>
+        </inkml:channelProperties>
+      </inkml:inkSource>
+      <inkml:timestamp xml:id="ts0" timeString="2025-08-06T01:06:40.704"/>
+    </inkml:context>
+    <inkml:brush xml:id="br0">
+      <inkml:brushProperty name="width" value="0.035" units="cm"/>
+      <inkml:brushProperty name="height" value="0.035" units="cm"/>
+    </inkml:brush>
+  </inkml:definitions>
+  <inkml:trace contextRef="#ctx0" brushRef="#br0">0 0 15894,'0'1980'0,"952"-1980"0,-952-1980 0,-952 1980 0</inkml:trace>
+</inkml:ink>
+</file>
+
+<file path=ppt/ink/ink71.xml><?xml version="1.0" encoding="utf-8"?>
+<inkml:ink xmlns:inkml="http://www.w3.org/2003/InkML">
+  <inkml:definitions>
+    <inkml:context xml:id="ctx0">
+      <inkml:inkSource xml:id="inkSrc0">
+        <inkml:traceFormat>
+          <inkml:channel name="X" type="integer" min="-2.14748E9" max="2.14748E9" units="cm"/>
+          <inkml:channel name="Y" type="integer" min="-2.14748E9" max="2.14748E9" units="cm"/>
+          <inkml:channel name="F" type="integer" max="32767" units="dev"/>
+          <inkml:channel name="OA" type="integer" max="360" units="deg"/>
+          <inkml:channel name="OE" type="integer" max="90" units="deg"/>
+        </inkml:traceFormat>
+        <inkml:channelProperties>
+          <inkml:channelProperty channel="X" name="resolution" value="1000" units="1/cm"/>
+          <inkml:channelProperty channel="Y" name="resolution" value="1000" units="1/cm"/>
+          <inkml:channelProperty channel="F" name="resolution" value="0" units="1/dev"/>
+          <inkml:channelProperty channel="OA" name="resolution" value="1000" units="1/deg"/>
+          <inkml:channelProperty channel="OE" name="resolution" value="1000" units="1/deg"/>
+        </inkml:channelProperties>
+      </inkml:inkSource>
+      <inkml:timestamp xml:id="ts0" timeString="2025-08-06T01:06:46.137"/>
+    </inkml:context>
+    <inkml:brush xml:id="br0">
+      <inkml:brushProperty name="width" value="0.035" units="cm"/>
+      <inkml:brushProperty name="height" value="0.035" units="cm"/>
+    </inkml:brush>
+  </inkml:definitions>
+  <inkml:trace contextRef="#ctx0" brushRef="#br0">50 703 164 0 0,'-1'0'141'0'0,"-1"1"0"0"0,0-1-1 0 0,0 0 1 0 0,1 0 0 0 0,-1 0 0 0 0,0 0 0 0 0,0 0-1 0 0,1 0 1 0 0,-1-1 0 0 0,0 1 0 0 0,0-1 0 0 0,1 1-1 0 0,-1-1 1 0 0,0 1 0 0 0,1-1 0 0 0,-1 0 0 0 0,1 0-1 0 0,-1 0 1 0 0,1 0 0 0 0,-1 0 0 0 0,1 0 0 0 0,0 0-1 0 0,-1-1 1 0 0,1 1 0 0 0,0 0 0 0 0,0-1 0 0 0,0 1-1 0 0,0-1 1 0 0,0 1 0 0 0,0-1 0 0 0,0 0 0 0 0,1 1-1 0 0,-1-1 1 0 0,1 0 0 0 0,-1 1 0 0 0,1-1 0 0 0,0 0-1 0 0,-1 0 1 0 0,1 1 0 0 0,0-1 0 0 0,0 0 0 0 0,0 0-1 0 0,1-3 1 0 0,-1-10-5 0 0,0 0 0 0 0,2 0 0 0 0,-1 1-1 0 0,2-1 1 0 0,0 0 0 0 0,1 1 0 0 0,0 0-1 0 0,1 0 1 0 0,1 0 0 0 0,12-22 0 0 0,-1 6-46 0 0,1 1 1 0 0,2 1 0 0 0,35-40-1 0 0,-32 43-94 0 0,0 2-1 0 0,2 0 1 0 0,1 1-1 0 0,1 2 0 0 0,0 1 1 0 0,1 1-1 0 0,1 1 0 0 0,1 2 1 0 0,1 0-1 0 0,44-13 0 0 0,-52 21 13 0 0,0 2 0 0 0,0 0 0 0 0,1 1-1 0 0,-1 2 1 0 0,1 0 0 0 0,0 1 0 0 0,0 2-1 0 0,0 0 1 0 0,-1 2 0 0 0,1 1-1 0 0,-1 0 1 0 0,1 2 0 0 0,-1 0 0 0 0,-1 2-1 0 0,29 13 1 0 0,-20-5 82 0 0,-1 1 0 0 0,0 1-1 0 0,-2 2 1 0 0,0 0 0 0 0,-1 2 0 0 0,-1 1-1 0 0,-1 2 1 0 0,-1 0 0 0 0,36 51 0 0 0,-45-54-65 0 0,0 2 0 0 0,-2 0 0 0 0,-1 0 0 0 0,-1 1 0 0 0,-1 1-1 0 0,-1 0 1 0 0,-1 0 0 0 0,-2 1 0 0 0,0-1 0 0 0,-2 2 0 0 0,-1-1 0 0 0,-1 54 0 0 0,-3-66 48 0 0,-1 0 0 0 0,-1 0 1 0 0,-1 0-1 0 0,0 0 0 0 0,-1-1 0 0 0,0 1 0 0 0,-1-1 0 0 0,-1 0 0 0 0,0-1 1 0 0,-1 0-1 0 0,0 0 0 0 0,-1-1 0 0 0,-1 1 0 0 0,0-2 0 0 0,-13 12 0 0 0,16-15-27 0 0,-1-1 0 0 0,0-1 0 0 0,0 1-1 0 0,0-1 1 0 0,-1-1 0 0 0,0 0 0 0 0,0 0 0 0 0,-1 0-1 0 0,1-1 1 0 0,-1-1 0 0 0,0 0 0 0 0,0 0-1 0 0,0-1 1 0 0,0 0 0 0 0,0-1 0 0 0,-1 0 0 0 0,1 0-1 0 0,0-1 1 0 0,-1-1 0 0 0,1 0 0 0 0,0 0 0 0 0,0-1-1 0 0,-11-3 1 0 0,9 1-92 0 0,1-1-1 0 0,-1 0 1 0 0,0-1-1 0 0,1 0 1 0 0,0-1 0 0 0,1 0-1 0 0,-1 0 1 0 0,2-1-1 0 0,-1-1 1 0 0,1 0-1 0 0,0 0 1 0 0,1-1 0 0 0,0 0-1 0 0,0 0 1 0 0,1-1-1 0 0,1 0 1 0 0,-9-19 0 0 0,9 15 62 0 0,0-1 0 0 0,2 0 0 0 0,0 0 1 0 0,0 0-1 0 0,2 0 0 0 0,0-1 0 0 0,1 1 1 0 0,0-1-1 0 0,2 1 0 0 0,0-1 0 0 0,0 1 1 0 0,2-1-1 0 0,5-18 0 0 0,0 10-5 0 0,1-1 0 0 0,2 2 0 0 0,1-1 0 0 0,0 1-1 0 0,2 1 1 0 0,1 1 0 0 0,0 0 0 0 0,2 0 0 0 0,0 2 0 0 0,2 0 0 0 0,0 1 0 0 0,26-19 0 0 0,23-14-213 0 0,2 3 1 0 0,115-60-1 0 0,-159 94 228 0 0,1 2-1 0 0,0 1 1 0 0,1 2-1 0 0,0 0 1 0 0,1 2-1 0 0,0 1 1 0 0,0 1-1 0 0,0 2 0 0 0,1 1 1 0 0,-1 1-1 0 0,1 1 1 0 0,0 2-1 0 0,0 1 1 0 0,-1 1-1 0 0,1 2 1 0 0,-1 1-1 0 0,0 1 1 0 0,-1 1-1 0 0,0 2 1 0 0,54 26-1 0 0,-33-10-143 0 0,-1 2-1 0 0,-2 2 1 0 0,-1 2-1 0 0,73 68 1 0 0,-97-80 215 0 0,-2 1 0 0 0,0 1 0 0 0,-1 1 0 0 0,-1 0 0 0 0,-1 1 0 0 0,-2 1 0 0 0,0 0 0 0 0,-2 1 0 0 0,0 1 0 0 0,-2 0 0 0 0,7 28 0 0 0,-11-31-164 0 0,-2-1 0 0 0,0 1 0 0 0,-2 0 1 0 0,0 0-1 0 0,-2 0 0 0 0,-3 36 0 0 0,2-50 51 0 0,-1 0 0 0 0,-1 0 0 0 0,0 0 0 0 0,0-1 0 0 0,0 1 0 0 0,-1-1 0 0 0,-1 1 0 0 0,0-1 0 0 0,0-1 0 0 0,-1 1 0 0 0,0-1 0 0 0,0 0 0 0 0,-1 0-1 0 0,0-1 1 0 0,0 1 0 0 0,-1-2 0 0 0,-14 11 0 0 0,11-10 23 0 0,1 0 0 0 0,-1-1 0 0 0,-1 0 0 0 0,1-1 0 0 0,-1-1-1 0 0,0 0 1 0 0,0 0 0 0 0,0-1 0 0 0,0-1 0 0 0,0 0 0 0 0,-1 0-1 0 0,1-1 1 0 0,-1-1 0 0 0,1 0 0 0 0,-1-1 0 0 0,-16-3 0 0 0,18 2-17 0 0,1-1 1 0 0,0-1 0 0 0,0 0 0 0 0,0 0 0 0 0,0-1-1 0 0,1 0 1 0 0,0 0 0 0 0,0-1 0 0 0,0 0-1 0 0,1-1 1 0 0,0 0 0 0 0,0-1 0 0 0,1 1 0 0 0,0-1-1 0 0,0-1 1 0 0,0 1 0 0 0,1-1 0 0 0,1 0 0 0 0,-7-15-1 0 0,5 8 18 0 0,1 0 0 0 0,0 0 0 0 0,1-1-1 0 0,1 0 1 0 0,1 1 0 0 0,1-1-1 0 0,0-1 1 0 0,1 1 0 0 0,0 0 0 0 0,2 0-1 0 0,0 0 1 0 0,1 0 0 0 0,1 0 0 0 0,0 0-1 0 0,1 0 1 0 0,1 1 0 0 0,1-1-1 0 0,0 1 1 0 0,1 1 0 0 0,1-1 0 0 0,17-25-1 0 0,-7 14-117 0 0,2 0 0 0 0,1 2 1 0 0,1 0-1 0 0,1 1 0 0 0,1 2 0 0 0,2 0 0 0 0,0 2 0 0 0,0 0 0 0 0,2 2 0 0 0,43-21 0 0 0,-19 15 330 0 0,1 1 0 0 0,1 3 0 0 0,0 3 0 0 0,63-12 0 0 0,-79 22-255 0 0,0 3 1 0 0,1 0-1 0 0,-1 3 1 0 0,1 1-1 0 0,0 2 1 0 0,-1 1-1 0 0,39 10 1 0 0,-41-6 194 0 0,-1 3-1 0 0,0 0 1 0 0,0 3-1 0 0,-2 1 1 0 0,1 1 0 0 0,-2 1-1 0 0,0 3 1 0 0,50 37 0 0 0,-65-42-79 0 0,0 0 1 0 0,-1 2 0 0 0,-1 0 0 0 0,0 0 0 0 0,-1 2 0 0 0,-1 0 0 0 0,-1 0 0 0 0,-1 1 0 0 0,0 1 0 0 0,-1-1-1 0 0,-1 2 1 0 0,-1-1 0 0 0,-1 1 0 0 0,-1 1 0 0 0,5 35 0 0 0,-9-46-102 0 0,-1 1 0 0 0,-1 0 0 0 0,0-1 0 0 0,0 1 0 0 0,-1 0 0 0 0,-1-1 0 0 0,0 1 0 0 0,0-1 1 0 0,-1 0-1 0 0,-1 1 0 0 0,0-1 0 0 0,-1-1 0 0 0,1 1 0 0 0,-2-1 0 0 0,0 1 0 0 0,0-2 0 0 0,-8 11 0 0 0,4-10 3 0 0,1 1 0 0 0,-2-1 1 0 0,1-1-1 0 0,-2 0 0 0 0,1-1 0 0 0,-1 0 0 0 0,0 0 0 0 0,-1-1 0 0 0,1-1 1 0 0,-1 0-1 0 0,-1-1 0 0 0,1 0 0 0 0,-26 5 0 0 0,25-8-48 0 0,0 0-1 0 0,0 0 0 0 0,-1-1 1 0 0,1-1-1 0 0,0 0 1 0 0,-1-1-1 0 0,1-1 0 0 0,0 0 1 0 0,0-1-1 0 0,0 0 0 0 0,0-1 1 0 0,1-1-1 0 0,-20-9 1 0 0,24 9 69 0 0,1 0 1 0 0,-1 0-1 0 0,1-1 1 0 0,1 0-1 0 0,-1-1 1 0 0,1 0 0 0 0,0 0-1 0 0,0 0 1 0 0,1-1-1 0 0,0 0 1 0 0,0 0-1 0 0,1 0 1 0 0,0-1-1 0 0,1 0 1 0 0,0 0 0 0 0,0 0-1 0 0,1-1 1 0 0,0 1-1 0 0,1-1 1 0 0,-2-12-1 0 0,0-3 62 0 0,2 1 0 0 0,0 0-1 0 0,2-1 1 0 0,1 1 0 0 0,1-1-1 0 0,9-44 1 0 0,-7 54-121 0 0,1 0 1 0 0,0 0-1 0 0,1 0 1 0 0,1 0-1 0 0,16-25 1 0 0,-14 27 8 0 0,1 1 0 0 0,0 0 1 0 0,20-18-1 0 0,11-6 78 0 0,1 2 1 0 0,3 2 0 0 0,88-49-1 0 0,-81 56 255 0 0,94-32 0 0 0,-105 43-283 0 0,205-58-28 0 0,-209 65 344 0 0,0 0-1 0 0,0 3 1 0 0,1 1-1 0 0,69 4 1 0 0,-5 10 219 0 0,-13 5-810 0 0,-1 4 0 0 0,126 46 1 0 0,-158-46 157 0 0,447 140 2150 0 0,-457-152-1996 0 0,-32-6-1 0 0,-1 1-1 0 0,1 0 1 0 0,23 8-1 0 0,-28-4 1771 0 0,-19-4 703 0 0,-6 1-5645 0 0,-35 5-9263 0 0,0-12 7966 0 0,42 2 4096 0 0</inkml:trace>
+</inkml:ink>
+</file>
+
+<file path=ppt/ink/ink72.xml><?xml version="1.0" encoding="utf-8"?>
+<inkml:ink xmlns:inkml="http://www.w3.org/2003/InkML">
+  <inkml:definitions>
+    <inkml:context xml:id="ctx0">
+      <inkml:inkSource xml:id="inkSrc0">
+        <inkml:traceFormat>
+          <inkml:channel name="X" type="integer" min="-2.14748E9" max="2.14748E9" units="cm"/>
+          <inkml:channel name="Y" type="integer" min="-2.14748E9" max="2.14748E9" units="cm"/>
+          <inkml:channel name="F" type="integer" max="32767" units="dev"/>
+          <inkml:channel name="OA" type="integer" max="360" units="deg"/>
+          <inkml:channel name="OE" type="integer" max="90" units="deg"/>
+        </inkml:traceFormat>
+        <inkml:channelProperties>
+          <inkml:channelProperty channel="X" name="resolution" value="1000" units="1/cm"/>
+          <inkml:channelProperty channel="Y" name="resolution" value="1000" units="1/cm"/>
+          <inkml:channelProperty channel="F" name="resolution" value="0" units="1/dev"/>
+          <inkml:channelProperty channel="OA" name="resolution" value="1000" units="1/deg"/>
+          <inkml:channelProperty channel="OE" name="resolution" value="1000" units="1/deg"/>
+        </inkml:channelProperties>
+      </inkml:inkSource>
+      <inkml:timestamp xml:id="ts0" timeString="2025-08-06T01:06:48.462"/>
+    </inkml:context>
+    <inkml:brush xml:id="br0">
+      <inkml:brushProperty name="width" value="0.035" units="cm"/>
+      <inkml:brushProperty name="height" value="0.035" units="cm"/>
+    </inkml:brush>
+  </inkml:definitions>
+  <inkml:trace contextRef="#ctx0" brushRef="#br0">1 149 128 0 0,'3'-4'7579'0'0,"-3"4"-7444"0"0,6 14 1476 0 0,5 22-1916 0 0,0 74 905 0 0,-4 1 0 0 0,-13 190 0 0 0,0-191-851 0 0,-8 604 503 0 0,13-489-837 0 0,-3-80 1045 0 0,4-141-458 0 0,0-1 0 0 0,0 1 0 0 0,1-1 0 0 0,-1 0 0 0 0,1 1 0 0 0,0-1-1 0 0,0 0 1 0 0,0 1 0 0 0,0-1 0 0 0,0 0 0 0 0,1 0 0 0 0,0 0 0 0 0,-1 0-1 0 0,1 0 1 0 0,0 0 0 0 0,0-1 0 0 0,1 1 0 0 0,-1-1 0 0 0,1 1 0 0 0,-1-1-1 0 0,1 0 1 0 0,0 0 0 0 0,-1 0 0 0 0,1 0 0 0 0,0 0 0 0 0,0-1 0 0 0,1 1 0 0 0,4 1-1 0 0,8 1 51 0 0,1 0-1 0 0,-1-1 1 0 0,0-1-1 0 0,31 1 1 0 0,-28-2 40 0 0,296-11 233 0 0,-218 3 273 0 0,148 7 1 0 0,-224 1-635 0 0,0 2 0 0 0,0 1-1 0 0,0 0 1 0 0,-1 1 0 0 0,0 2 0 0 0,0 0 0 0 0,0 1 0 0 0,34 19-1 0 0,-52-38-7 0 0,-1-1-1 0 0,0 1 0 0 0,0-1 0 0 0,-1 0 1 0 0,-3-17-1 0 0,-2-28-146 0 0,3-1 1 0 0,7-85-1 0 0,27-114 721 0 0,-12 113-681 0 0,105-530 910 0 0,-90 511-1105 0 0,14-129 746 0 0,-48 288-420 0 0,-1-1 1 0 0,0 1 0 0 0,0-1-1 0 0,0 1 1 0 0,-1-1 0 0 0,0 1-1 0 0,0-1 1 0 0,0 1 0 0 0,0-1-1 0 0,-1 1 1 0 0,0 0 0 0 0,0 0-1 0 0,0 0 1 0 0,0 0 0 0 0,0 0-1 0 0,-1 0 1 0 0,0 1 0 0 0,0-1-1 0 0,0 1 1 0 0,0 0-1 0 0,0 0 1 0 0,-1 0 0 0 0,1 0-1 0 0,-1 0 1 0 0,0 1 0 0 0,0 0-1 0 0,0-1 1 0 0,0 2 0 0 0,0-1-1 0 0,0 0 1 0 0,-9-1 0 0 0,-12-4-634 0 0,-1 2 1 0 0,-1 0-1 0 0,1 2 1 0 0,-36 0-1 0 0,23 1 340 0 0,-154-15 2635 0 0,-221-10 618 0 0,316 27-2505 0 0,34 0 3062 0 0,63 12-17627 0 0,-2 11 10860 0 0,1-19 2991 0 0</inkml:trace>
+</inkml:ink>
+</file>
+
+<file path=ppt/ink/ink73.xml><?xml version="1.0" encoding="utf-8"?>
+<inkml:ink xmlns:inkml="http://www.w3.org/2003/InkML">
+  <inkml:definitions>
+    <inkml:context xml:id="ctx0">
+      <inkml:inkSource xml:id="inkSrc0">
+        <inkml:traceFormat>
+          <inkml:channel name="X" type="integer" min="-2.14748E9" max="2.14748E9" units="cm"/>
+          <inkml:channel name="Y" type="integer" min="-2.14748E9" max="2.14748E9" units="cm"/>
+          <inkml:channel name="F" type="integer" max="32767" units="dev"/>
+          <inkml:channel name="OA" type="integer" max="360" units="deg"/>
+          <inkml:channel name="OE" type="integer" max="90" units="deg"/>
+        </inkml:traceFormat>
+        <inkml:channelProperties>
+          <inkml:channelProperty channel="X" name="resolution" value="1000" units="1/cm"/>
+          <inkml:channelProperty channel="Y" name="resolution" value="1000" units="1/cm"/>
+          <inkml:channelProperty channel="F" name="resolution" value="0" units="1/dev"/>
+          <inkml:channelProperty channel="OA" name="resolution" value="1000" units="1/deg"/>
+          <inkml:channelProperty channel="OE" name="resolution" value="1000" units="1/deg"/>
+        </inkml:channelProperties>
+      </inkml:inkSource>
+      <inkml:timestamp xml:id="ts0" timeString="2025-08-06T01:06:54.335"/>
+    </inkml:context>
+    <inkml:brush xml:id="br0">
+      <inkml:brushProperty name="width" value="0.035" units="cm"/>
+      <inkml:brushProperty name="height" value="0.035" units="cm"/>
+    </inkml:brush>
+  </inkml:definitions>
+  <inkml:trace contextRef="#ctx0" brushRef="#br0">2 57 172 0 0,'-1'-7'4711'0'0,"4"5"-4592"0"0,1-1 1 0 0,0 1-1 0 0,0 0 1 0 0,0 0-1 0 0,0 0 0 0 0,0 1 1 0 0,0 0-1 0 0,1-1 1 0 0,-1 2-1 0 0,7-2 0 0 0,55-3 649 0 0,-34 4-497 0 0,30-5-41 0 0,56-6 754 0 0,-1 5 1 0 0,129 10 0 0 0,-57 6-370 0 0,-189-9-562 0 0,-7 22-10583 0 0,4-15 10286 0 0,1-3 3 0 0</inkml:trace>
+</inkml:ink>
+</file>
+
+<file path=ppt/ink/ink74.xml><?xml version="1.0" encoding="utf-8"?>
+<inkml:ink xmlns:inkml="http://www.w3.org/2003/InkML">
+  <inkml:definitions>
+    <inkml:context xml:id="ctx0">
+      <inkml:inkSource xml:id="inkSrc0">
+        <inkml:traceFormat>
+          <inkml:channel name="X" type="integer" min="-2.14748E9" max="2.14748E9" units="cm"/>
+          <inkml:channel name="Y" type="integer" min="-2.14748E9" max="2.14748E9" units="cm"/>
+          <inkml:channel name="F" type="integer" max="32767" units="dev"/>
+        </inkml:traceFormat>
+        <inkml:channelProperties>
+          <inkml:channelProperty channel="X" name="resolution" value="1000" units="1/cm"/>
+          <inkml:channelProperty channel="Y" name="resolution" value="1000" units="1/cm"/>
+          <inkml:channelProperty channel="F" name="resolution" value="0" units="1/dev"/>
+        </inkml:channelProperties>
+      </inkml:inkSource>
+      <inkml:timestamp xml:id="ts0" timeString="2025-08-06T01:06:56.819"/>
+    </inkml:context>
+    <inkml:brush xml:id="br0">
+      <inkml:brushProperty name="width" value="0.035" units="cm"/>
+      <inkml:brushProperty name="height" value="0.035" units="cm"/>
+    </inkml:brush>
+  </inkml:definitions>
+  <inkml:trace contextRef="#ctx0" brushRef="#br0">0 0 18172,'0'1880'0,"993"-1880"0,-993-1880 0,-993 1880 0</inkml:trace>
+</inkml:ink>
+</file>
+
+<file path=ppt/ink/ink75.xml><?xml version="1.0" encoding="utf-8"?>
+<inkml:ink xmlns:inkml="http://www.w3.org/2003/InkML">
+  <inkml:definitions>
+    <inkml:context xml:id="ctx0">
+      <inkml:inkSource xml:id="inkSrc0">
+        <inkml:traceFormat>
+          <inkml:channel name="X" type="integer" min="-2.14748E9" max="2.14748E9" units="cm"/>
+          <inkml:channel name="Y" type="integer" min="-2.14748E9" max="2.14748E9" units="cm"/>
+          <inkml:channel name="F" type="integer" max="32767" units="dev"/>
+          <inkml:channel name="OA" type="integer" max="360" units="deg"/>
+          <inkml:channel name="OE" type="integer" max="90" units="deg"/>
+        </inkml:traceFormat>
+        <inkml:channelProperties>
+          <inkml:channelProperty channel="X" name="resolution" value="1000" units="1/cm"/>
+          <inkml:channelProperty channel="Y" name="resolution" value="1000" units="1/cm"/>
+          <inkml:channelProperty channel="F" name="resolution" value="0" units="1/dev"/>
+          <inkml:channelProperty channel="OA" name="resolution" value="1000" units="1/deg"/>
+          <inkml:channelProperty channel="OE" name="resolution" value="1000" units="1/deg"/>
+        </inkml:channelProperties>
+      </inkml:inkSource>
+      <inkml:timestamp xml:id="ts0" timeString="2025-08-06T01:06:58.917"/>
+    </inkml:context>
+    <inkml:brush xml:id="br0">
+      <inkml:brushProperty name="width" value="0.035" units="cm"/>
+      <inkml:brushProperty name="height" value="0.035" units="cm"/>
+    </inkml:brush>
+  </inkml:definitions>
+  <inkml:trace contextRef="#ctx0" brushRef="#br0">1 109 72 0 0,'4'-10'1295'0'0,"6"-20"-1561"0"0,-8 19 4976 0 0,-1 1 5382 0 0,-2 10-9513 0 0,-3-16-17915 0 0,4 8 19451 0 0,2-7-2908 0 0,0 7 505 0 0</inkml:trace>
+</inkml:ink>
+</file>
+
+<file path=ppt/ink/ink76.xml><?xml version="1.0" encoding="utf-8"?>
+<inkml:ink xmlns:inkml="http://www.w3.org/2003/InkML">
+  <inkml:definitions>
+    <inkml:context xml:id="ctx0">
+      <inkml:inkSource xml:id="inkSrc0">
+        <inkml:traceFormat>
+          <inkml:channel name="X" type="integer" min="-2.14748E9" max="2.14748E9" units="cm"/>
+          <inkml:channel name="Y" type="integer" min="-2.14748E9" max="2.14748E9" units="cm"/>
+          <inkml:channel name="F" type="integer" max="32767" units="dev"/>
+          <inkml:channel name="OA" type="integer" max="360" units="deg"/>
+          <inkml:channel name="OE" type="integer" max="90" units="deg"/>
+        </inkml:traceFormat>
+        <inkml:channelProperties>
+          <inkml:channelProperty channel="X" name="resolution" value="1000" units="1/cm"/>
+          <inkml:channelProperty channel="Y" name="resolution" value="1000" units="1/cm"/>
+          <inkml:channelProperty channel="F" name="resolution" value="0" units="1/dev"/>
+          <inkml:channelProperty channel="OA" name="resolution" value="1000" units="1/deg"/>
+          <inkml:channelProperty channel="OE" name="resolution" value="1000" units="1/deg"/>
+        </inkml:channelProperties>
+      </inkml:inkSource>
+      <inkml:timestamp xml:id="ts0" timeString="2025-08-06T01:07:01.265"/>
+    </inkml:context>
+    <inkml:brush xml:id="br0">
+      <inkml:brushProperty name="width" value="0.035" units="cm"/>
+      <inkml:brushProperty name="height" value="0.035" units="cm"/>
+    </inkml:brush>
+  </inkml:definitions>
+  <inkml:trace contextRef="#ctx0" brushRef="#br0">191 9 104 0 0,'0'0'98'0'0,"0"0"0"0"0,1-1 0 0 0,-1 1 0 0 0,0 0-1 0 0,0 0 1 0 0,0 0 0 0 0,0 0 0 0 0,0 0 0 0 0,1 0 0 0 0,-1-1 0 0 0,0 1 0 0 0,0 0 0 0 0,0 0-1 0 0,0 0 1 0 0,0 0 0 0 0,0 0 0 0 0,0-1 0 0 0,1 1 0 0 0,-1 0 0 0 0,0 0 0 0 0,0 0-1 0 0,0-1 1 0 0,0 1 0 0 0,0 0 0 0 0,0 0 0 0 0,0 0 0 0 0,0-1 0 0 0,0 1 0 0 0,0 0 0 0 0,0 0-1 0 0,0 0 1 0 0,0-1 0 0 0,0 1 0 0 0,0 0 0 0 0,0 0 0 0 0,-1 0 0 0 0,1 0 0 0 0,0-1 0 0 0,0 1-1 0 0,0 0 1 0 0,0 0 0 0 0,0 0 0 0 0,0 0 0 0 0,0-1 0 0 0,-1 1 0 0 0,1 0 0 0 0,0 0 0 0 0,0 0-1 0 0,0 0 1 0 0,0 0 0 0 0,-1 0 0 0 0,1-1 0 0 0,0 1 0 0 0,0 0 0 0 0,-15 6 2358 0 0,-15 16-987 0 0,17-2-1168 0 0,1 0-1 0 0,1 0 1 0 0,1 2 0 0 0,0-1 0 0 0,-10 40 0 0 0,-23 121 466 0 0,35-144-615 0 0,0 20 385 0 0,2 0 1 0 0,2 0-1 0 0,3 0 0 0 0,3 0 0 0 0,2 0 0 0 0,3 0 1 0 0,24 99-1 0 0,-23-128-247 0 0,18 48 0 0 0,-22-69-410 0 0,-1 0 0 0 0,1 0 0 0 0,0 0 0 0 0,1-1 0 0 0,0 1 0 0 0,0-1 0 0 0,1-1 0 0 0,0 1 0 0 0,0-1 0 0 0,11 9 0 0 0,-16-14 22 0 0,0-1 0 0 0,1 0-1 0 0,-1 0 1 0 0,0 0 0 0 0,1 0-1 0 0,-1 0 1 0 0,1 0 0 0 0,-1 0-1 0 0,0 0 1 0 0,1 0-1 0 0,-1-1 1 0 0,0 1 0 0 0,1-1-1 0 0,-1 1 1 0 0,0-1 0 0 0,0 1-1 0 0,1-1 1 0 0,-1 0 0 0 0,0 0-1 0 0,0 1 1 0 0,0-1-1 0 0,0 0 1 0 0,0 0 0 0 0,0 0-1 0 0,0 0 1 0 0,0 0 0 0 0,0 0-1 0 0,-1-1 1 0 0,1 1 0 0 0,0 0-1 0 0,0-2 1 0 0,24-39-3995 0 0,12-36-1370 0 0,9-18 2771 0 0,-36 78 2444 0 0</inkml:trace>
+</inkml:ink>
+</file>
+
+<file path=ppt/ink/ink77.xml><?xml version="1.0" encoding="utf-8"?>
+<inkml:ink xmlns:inkml="http://www.w3.org/2003/InkML">
+  <inkml:definitions>
+    <inkml:context xml:id="ctx0">
+      <inkml:inkSource xml:id="inkSrc0">
+        <inkml:traceFormat>
+          <inkml:channel name="X" type="integer" min="-2.14748E9" max="2.14748E9" units="cm"/>
+          <inkml:channel name="Y" type="integer" min="-2.14748E9" max="2.14748E9" units="cm"/>
+          <inkml:channel name="F" type="integer" max="32767" units="dev"/>
+          <inkml:channel name="OA" type="integer" max="360" units="deg"/>
+          <inkml:channel name="OE" type="integer" max="90" units="deg"/>
+        </inkml:traceFormat>
+        <inkml:channelProperties>
+          <inkml:channelProperty channel="X" name="resolution" value="1000" units="1/cm"/>
+          <inkml:channelProperty channel="Y" name="resolution" value="1000" units="1/cm"/>
+          <inkml:channelProperty channel="F" name="resolution" value="0" units="1/dev"/>
+          <inkml:channelProperty channel="OA" name="resolution" value="1000" units="1/deg"/>
+          <inkml:channelProperty channel="OE" name="resolution" value="1000" units="1/deg"/>
+        </inkml:channelProperties>
+      </inkml:inkSource>
+      <inkml:timestamp xml:id="ts0" timeString="2025-08-06T01:07:01.850"/>
+    </inkml:context>
+    <inkml:brush xml:id="br0">
+      <inkml:brushProperty name="width" value="0.035" units="cm"/>
+      <inkml:brushProperty name="height" value="0.035" units="cm"/>
+    </inkml:brush>
+  </inkml:definitions>
+  <inkml:trace contextRef="#ctx0" brushRef="#br0">210 75 44 0 0,'40'-74'9578'0'0,"-44"74"-9358"0"0,0 1 0 0 0,0 0-1 0 0,0 0 1 0 0,0 1 0 0 0,0-1-1 0 0,1 1 1 0 0,-1 0 0 0 0,1 0-1 0 0,-1 0 1 0 0,1 0-1 0 0,0 1 1 0 0,0-1 0 0 0,0 1-1 0 0,0 0 1 0 0,-5 5 0 0 0,-35 50-110 0 0,25-28 18 0 0,1 1 0 0 0,2 1 0 0 0,1 1-1 0 0,2 0 1 0 0,-11 41 0 0 0,7-6-189 0 0,-11 113 0 0 0,24-144 105 0 0,2 0-1 0 0,2-1 1 0 0,1 1 0 0 0,2-1 0 0 0,2 0-1 0 0,16 60 1 0 0,1-25 523 0 0,3-1-1 0 0,43 81 0 0 0,-52-128-294 0 0,-16-22-525 0 0,0-1 1 0 0,0 1-1 0 0,0 0 1 0 0,1-1 0 0 0,-1 1-1 0 0,0-1 1 0 0,0 1 0 0 0,0-1-1 0 0,1 0 1 0 0,-1 0-1 0 0,0 1 1 0 0,1-1 0 0 0,-1 0-1 0 0,0 0 1 0 0,0 0 0 0 0,1 0-1 0 0,-1 0 1 0 0,0-1-1 0 0,1 1 1 0 0,-1 0 0 0 0,2-1-1 0 0,3-2-951 0 0,1-1 0 0 0,-1 0 0 0 0,0 0 0 0 0,0 0 0 0 0,0-1 0 0 0,9-8 0 0 0,-15 13 1208 0 0,39-33-1884 0 0,-28 23 1620 0 0</inkml:trace>
+</inkml:ink>
+</file>
+
+<file path=ppt/ink/ink78.xml><?xml version="1.0" encoding="utf-8"?>
+<inkml:ink xmlns:inkml="http://www.w3.org/2003/InkML">
+  <inkml:definitions>
+    <inkml:context xml:id="ctx0">
+      <inkml:inkSource xml:id="inkSrc0">
+        <inkml:traceFormat>
+          <inkml:channel name="X" type="integer" min="-2.14748E9" max="2.14748E9" units="cm"/>
+          <inkml:channel name="Y" type="integer" min="-2.14748E9" max="2.14748E9" units="cm"/>
+          <inkml:channel name="F" type="integer" max="32767" units="dev"/>
+          <inkml:channel name="OA" type="integer" max="360" units="deg"/>
+          <inkml:channel name="OE" type="integer" max="90" units="deg"/>
+        </inkml:traceFormat>
+        <inkml:channelProperties>
+          <inkml:channelProperty channel="X" name="resolution" value="1000" units="1/cm"/>
+          <inkml:channelProperty channel="Y" name="resolution" value="1000" units="1/cm"/>
+          <inkml:channelProperty channel="F" name="resolution" value="0" units="1/dev"/>
+          <inkml:channelProperty channel="OA" name="resolution" value="1000" units="1/deg"/>
+          <inkml:channelProperty channel="OE" name="resolution" value="1000" units="1/deg"/>
+        </inkml:channelProperties>
+      </inkml:inkSource>
+      <inkml:timestamp xml:id="ts0" timeString="2025-08-06T01:07:02.619"/>
+    </inkml:context>
+    <inkml:brush xml:id="br0">
+      <inkml:brushProperty name="width" value="0.035" units="cm"/>
+      <inkml:brushProperty name="height" value="0.035" units="cm"/>
+    </inkml:brush>
+  </inkml:definitions>
+  <inkml:trace contextRef="#ctx0" brushRef="#br0">217 25 20 0 0,'9'-12'149'0'0,"-1"0"6980"0"0,-30 21-2814 0 0,10-3-4027 0 0,1 1 0 0 0,-1 1 0 0 0,1 0 1 0 0,1 1-1 0 0,-1 0 0 0 0,1 0 0 0 0,1 1 0 0 0,0 0 0 0 0,0 1 0 0 0,-9 15 0 0 0,7-6-154 0 0,1-1 0 0 0,0 2-1 0 0,2-1 1 0 0,0 1 0 0 0,-8 37-1 0 0,5 9-293 0 0,3 1-1 0 0,2-1 1 0 0,4 74-1 0 0,3-62 828 0 0,3-1-1 0 0,3 0 1 0 0,24 105 0 0 0,19-22 298 0 0,-44-161-1748 0 0,-1 0 0 0 0,0 0-1 0 0,1-1 1 0 0,-1 0-1 0 0,0 0 1 0 0,0 0-1 0 0,0 0 1 0 0,8-4 0 0 0,-9 4-589 0 0,53-16-5757 0 0,1-2 4511 0 0,-46 15 2961 0 0</inkml:trace>
+</inkml:ink>
+</file>
+
+<file path=ppt/ink/ink79.xml><?xml version="1.0" encoding="utf-8"?>
+<inkml:ink xmlns:inkml="http://www.w3.org/2003/InkML">
+  <inkml:definitions>
+    <inkml:context xml:id="ctx0">
+      <inkml:inkSource xml:id="inkSrc0">
+        <inkml:traceFormat>
+          <inkml:channel name="X" type="integer" min="-2.14748E9" max="2.14748E9" units="cm"/>
+          <inkml:channel name="Y" type="integer" min="-2.14748E9" max="2.14748E9" units="cm"/>
+          <inkml:channel name="F" type="integer" max="32767" units="dev"/>
+          <inkml:channel name="OA" type="integer" max="360" units="deg"/>
+          <inkml:channel name="OE" type="integer" max="90" units="deg"/>
+        </inkml:traceFormat>
+        <inkml:channelProperties>
+          <inkml:channelProperty channel="X" name="resolution" value="1000" units="1/cm"/>
+          <inkml:channelProperty channel="Y" name="resolution" value="1000" units="1/cm"/>
+          <inkml:channelProperty channel="F" name="resolution" value="0" units="1/dev"/>
+          <inkml:channelProperty channel="OA" name="resolution" value="1000" units="1/deg"/>
+          <inkml:channelProperty channel="OE" name="resolution" value="1000" units="1/deg"/>
+        </inkml:channelProperties>
+      </inkml:inkSource>
+      <inkml:timestamp xml:id="ts0" timeString="2025-08-06T01:07:03.532"/>
+    </inkml:context>
+    <inkml:brush xml:id="br0">
+      <inkml:brushProperty name="width" value="0.035" units="cm"/>
+      <inkml:brushProperty name="height" value="0.035" units="cm"/>
+    </inkml:brush>
+  </inkml:definitions>
+  <inkml:trace contextRef="#ctx0" brushRef="#br0">245 19 8 0 0,'13'-12'1318'0'0,"-18"6"1101"0"0,3 6-2151 0 0,-1 0 0 0 0,0 0-1 0 0,1 0 1 0 0,-1 0-1 0 0,1 0 1 0 0,-1 0-1 0 0,1 1 1 0 0,-1-1-1 0 0,1 1 1 0 0,-4 1 0 0 0,-6 3 127 0 0,0 2 1 0 0,0-1 0 0 0,1 2 0 0 0,0-1 0 0 0,1 1 0 0 0,0 1 0 0 0,0 0 0 0 0,0 1-1 0 0,1 0 1 0 0,1 0 0 0 0,0 0 0 0 0,0 1 0 0 0,1 1 0 0 0,0-1 0 0 0,1 1 0 0 0,0 0-1 0 0,-6 24 1 0 0,-1 4-179 0 0,2 1 0 0 0,2 0 0 0 0,2 1 0 0 0,-3 56 0 0 0,8-59-60 0 0,1-1 1 0 0,2 1-1 0 0,2-1 0 0 0,1 1 0 0 0,2-1 0 0 0,2 0 0 0 0,2-1 0 0 0,1 1 0 0 0,1-2 0 0 0,2 0 0 0 0,25 44 0 0 0,-26-62 240 0 0,-10-15-47 0 0,-1-1-1 0 0,0 1 1 0 0,1 0-1 0 0,-1 0 1 0 0,0 0 0 0 0,-1 0-1 0 0,1 1 1 0 0,0-1 0 0 0,1 5-1 0 0,-24-12-15884 0 0,-1-5 11358 0 0,12 4 3506 0 0,4 3 429 0 0</inkml:trace>
 </inkml:ink>
 </file>
 
@@ -1173,14 +3803,14 @@
           <inkml:channelProperty channel="OE" name="resolution" value="1000" units="1/deg"/>
         </inkml:channelProperties>
       </inkml:inkSource>
-      <inkml:timestamp xml:id="ts0" timeString="2025-06-04T00:41:05.473"/>
+      <inkml:timestamp xml:id="ts0" timeString="2025-08-06T01:03:49.137"/>
     </inkml:context>
     <inkml:brush xml:id="br0">
       <inkml:brushProperty name="width" value="0.035" units="cm"/>
       <inkml:brushProperty name="height" value="0.035" units="cm"/>
     </inkml:brush>
   </inkml:definitions>
-  <inkml:trace contextRef="#ctx0" brushRef="#br0">1 427 108 0 0,'5'-2'207'0'0,"1"1"327"0"0,-1 0 1 0 0,1 0-1 0 0,0-1 0 0 0,-1 0 1 0 0,1 0-1 0 0,6-4 1 0 0,-12 6-110 0 0,21-30 637 0 0,19-30-2852 0 0,-29 47 1839 0 0,-1-1 0 0 0,-1 0 0 0 0,14-30 0 0 0,-21 39 120 0 0,0-1 0 0 0,-1 1 0 0 0,1-1 0 0 0,-1 0 0 0 0,0 1 0 0 0,-1-1 0 0 0,1 0 0 0 0,-1 0 0 0 0,0 0 0 0 0,-1 1 0 0 0,1-1 0 0 0,-1 0 0 0 0,0 0 0 0 0,-1 1 0 0 0,-2-9 0 0 0,-43-112-6426 0 0,45 117 6005 0 0</inkml:trace>
+  <inkml:trace contextRef="#ctx0" brushRef="#br0">9 1 20 0 0,'0'0'844'0'0,"-8"29"5270"0"0,12 167-1151 0 0,0 9-2423 0 0,-4-205-2570 0 0,12-11-9948 0 0,14-10 6328 0 0,-14 15 3074 0 0,-5 4 353 0 0</inkml:trace>
 </inkml:ink>
 </file>
 
@@ -1204,14 +3834,14 @@
           <inkml:channelProperty channel="OE" name="resolution" value="1000" units="1/deg"/>
         </inkml:channelProperties>
       </inkml:inkSource>
-      <inkml:timestamp xml:id="ts0" timeString="2025-06-04T00:41:05.598"/>
+      <inkml:timestamp xml:id="ts0" timeString="2025-08-06T01:03:52.380"/>
     </inkml:context>
     <inkml:brush xml:id="br0">
       <inkml:brushProperty name="width" value="0.035" units="cm"/>
       <inkml:brushProperty name="height" value="0.035" units="cm"/>
     </inkml:brush>
   </inkml:definitions>
-  <inkml:trace contextRef="#ctx0" brushRef="#br0">180 67 160 0 0,'-2'-2'190'0'0,"0"0"0"0"0,-1 1 1 0 0,1-1-1 0 0,-1 1 0 0 0,1-1 0 0 0,-1 1 0 0 0,0 0 0 0 0,0 0 1 0 0,0 0-1 0 0,1 1 0 0 0,-1-1 0 0 0,0 1 0 0 0,0-1 1 0 0,0 1-1 0 0,-5 0 0 0 0,-49 9 4032 0 0,50-7-4331 0 0,0 0 0 0 0,-1 0 0 0 0,1-1 0 0 0,0 0 0 0 0,-1-1 0 0 0,1 0 0 0 0,-12-1 0 0 0,19 1-21 0 0,0-1 0 0 0,-1 1 0 0 0,1-1 0 0 0,-1 1 0 0 0,1-1 0 0 0,-1 1 0 0 0,1-1 0 0 0,0 1 0 0 0,0-1 0 0 0,-1 1 0 0 0,1-1 0 0 0,0 0 0 0 0,0 1 0 0 0,-1-1 1 0 0,1 1-1 0 0,0-1 0 0 0,0 0 0 0 0,0 1 0 0 0,0-1 0 0 0,0 0 0 0 0,0 1 0 0 0,0-1 0 0 0,0 1 0 0 0,0-1 0 0 0,0 0 0 0 0,1 1 0 0 0,-1-1 0 0 0,0 0 0 0 0,0 1 0 0 0,1-1 0 0 0,-1 1 0 0 0,0-1 0 0 0,1 1 0 0 0,-1-1 0 0 0,0 1 0 0 0,1-1 0 0 0,-1 1 0 0 0,1-1 0 0 0,0 0 0 0 0,18-29-635 0 0,-16 26 419 0 0,3-6 123 0 0</inkml:trace>
+  <inkml:trace contextRef="#ctx0" brushRef="#br0">79 3 180 0 0,'6'-1'7804'0'0,"-12"8"10"0"0,1-1-6292 0 0,1 0-3485 0 0,-12 20 1897 0 0,2 1 0 0 0,1 0 0 0 0,-12 38 0 0 0,24-62 52 0 0,1-3 2 0 0,0 1-1 0 0,0 0 1 0 0,0-1-1 0 0,-1 1 1 0 0,1-1 0 0 0,0 1-1 0 0,0-1 1 0 0,0 1-1 0 0,0-1 1 0 0,0 1-1 0 0,0-1 1 0 0,0 1-1 0 0,0 0 1 0 0,0-1-1 0 0,0 1 1 0 0,1-1-1 0 0,-1 1 1 0 0,0-1-1 0 0,0 1 1 0 0,0-1 0 0 0,1 1-1 0 0,-1-1 1 0 0,0 1-1 0 0,0-1 1 0 0,1 1-1 0 0,-1-1 1 0 0,1 0-1 0 0,-1 1 1 0 0,0-1-1 0 0,1 1 1 0 0,0-1-1 0 0,21 7-232 0 0,22-8 34 0 0,-30-2 211 0 0,1 0 0 0 0,-1-1-1 0 0,0-1 1 0 0,-1 0 0 0 0,1-1 0 0 0,23-14 0 0 0,-31 17 20 0 0,-1 0 1 0 0,0-1 0 0 0,0 0-1 0 0,0 0 1 0 0,0 0 0 0 0,0-1-1 0 0,-1 0 1 0 0,0 1 0 0 0,0-2-1 0 0,0 1 1 0 0,-1 0 0 0 0,0-1-1 0 0,0 1 1 0 0,0-1 0 0 0,-1 0-1 0 0,1 0 1 0 0,-1 0 0 0 0,1-8-1 0 0,-3 13 59 0 0,0-1 0 0 0,0 1 0 0 0,0 0 0 0 0,0-1-1 0 0,0 1 1 0 0,0 0 0 0 0,0-1 0 0 0,0 1 0 0 0,-1 0 0 0 0,1-1-1 0 0,0 1 1 0 0,-1 0 0 0 0,1 0 0 0 0,-1 0 0 0 0,0-1 0 0 0,1 1-1 0 0,-1 0 1 0 0,0 0 0 0 0,0 0 0 0 0,1 0 0 0 0,-1 0-1 0 0,0 0 1 0 0,0 0 0 0 0,-2-1 0 0 0,0 1 91 0 0,0-1 0 0 0,0 0 1 0 0,0 1-1 0 0,0 0 0 0 0,0 0 1 0 0,-1 0-1 0 0,1 0 0 0 0,0 0 0 0 0,-6 0 1 0 0,-7 1 240 0 0,-1-1-1 0 0,0 2 1 0 0,-17 3 0 0 0,27-4-447 0 0,-1 1-327 0 0,-33 6 789 0 0,19 3-7422 0 0,33-7-1014 0 0,16 5 5642 0 0,32 5 184 0 0,-41-9 1903 0 0</inkml:trace>
 </inkml:ink>
 </file>
 
@@ -5088,8 +7718,8 @@
         </p:nvSpPr>
         <p:spPr>
           <a:xfrm>
-            <a:off x="1143225" y="685800"/>
-            <a:ext cx="4572225" cy="3429000"/>
+            <a:off x="381000" y="685800"/>
+            <a:ext cx="6096000" cy="3429000"/>
           </a:xfrm>
           <a:custGeom>
             <a:avLst/>
@@ -28709,12 +31339,114 @@
           </a:ln>
         </p:spPr>
       </p:pic>
+      <mc:AlternateContent xmlns:mc="http://schemas.openxmlformats.org/markup-compatibility/2006">
+        <mc:Choice xmlns:p14="http://schemas.microsoft.com/office/powerpoint/2010/main" Requires="p14">
+          <p:contentPart p14:bwMode="auto" r:id="rId4">
+            <p14:nvContentPartPr>
+              <p14:cNvPr id="24" name="Ink 23">
+                <a:extLst>
+                  <a:ext uri="{FF2B5EF4-FFF2-40B4-BE49-F238E27FC236}">
+                    <a16:creationId xmlns:a16="http://schemas.microsoft.com/office/drawing/2014/main" id="{1AEC5589-7B2C-978F-22C7-536D60FB6599}"/>
+                  </a:ext>
+                </a:extLst>
+              </p14:cNvPr>
+              <p14:cNvContentPartPr/>
+              <p14:nvPr/>
+            </p14:nvContentPartPr>
+            <p14:xfrm>
+              <a:off x="6120180" y="3652380"/>
+              <a:ext cx="252720" cy="134280"/>
+            </p14:xfrm>
+          </p:contentPart>
+        </mc:Choice>
+        <mc:Fallback>
+          <p:pic>
+            <p:nvPicPr>
+              <p:cNvPr id="24" name="Ink 23">
+                <a:extLst>
+                  <a:ext uri="{FF2B5EF4-FFF2-40B4-BE49-F238E27FC236}">
+                    <a16:creationId xmlns:a16="http://schemas.microsoft.com/office/drawing/2014/main" id="{1AEC5589-7B2C-978F-22C7-536D60FB6599}"/>
+                  </a:ext>
+                </a:extLst>
+              </p:cNvPr>
+              <p:cNvPicPr/>
+              <p:nvPr/>
+            </p:nvPicPr>
+            <p:blipFill>
+              <a:blip r:embed="rId5"/>
+              <a:stretch>
+                <a:fillRect/>
+              </a:stretch>
+            </p:blipFill>
+            <p:spPr>
+              <a:xfrm>
+                <a:off x="6114060" y="3646260"/>
+                <a:ext cx="264960" cy="146520"/>
+              </a:xfrm>
+              <a:prstGeom prst="rect">
+                <a:avLst/>
+              </a:prstGeom>
+            </p:spPr>
+          </p:pic>
+        </mc:Fallback>
+      </mc:AlternateContent>
+      <mc:AlternateContent xmlns:mc="http://schemas.openxmlformats.org/markup-compatibility/2006">
+        <mc:Choice xmlns:p14="http://schemas.microsoft.com/office/powerpoint/2010/main" Requires="p14">
+          <p:contentPart p14:bwMode="auto" r:id="rId6">
+            <p14:nvContentPartPr>
+              <p14:cNvPr id="25" name="Ink 24">
+                <a:extLst>
+                  <a:ext uri="{FF2B5EF4-FFF2-40B4-BE49-F238E27FC236}">
+                    <a16:creationId xmlns:a16="http://schemas.microsoft.com/office/drawing/2014/main" id="{93FD5E4B-2B87-3172-1777-2CBB279EA74A}"/>
+                  </a:ext>
+                </a:extLst>
+              </p14:cNvPr>
+              <p14:cNvContentPartPr/>
+              <p14:nvPr/>
+            </p14:nvContentPartPr>
+            <p14:xfrm>
+              <a:off x="6018660" y="3545820"/>
+              <a:ext cx="168840" cy="114840"/>
+            </p14:xfrm>
+          </p:contentPart>
+        </mc:Choice>
+        <mc:Fallback>
+          <p:pic>
+            <p:nvPicPr>
+              <p:cNvPr id="25" name="Ink 24">
+                <a:extLst>
+                  <a:ext uri="{FF2B5EF4-FFF2-40B4-BE49-F238E27FC236}">
+                    <a16:creationId xmlns:a16="http://schemas.microsoft.com/office/drawing/2014/main" id="{93FD5E4B-2B87-3172-1777-2CBB279EA74A}"/>
+                  </a:ext>
+                </a:extLst>
+              </p:cNvPr>
+              <p:cNvPicPr/>
+              <p:nvPr/>
+            </p:nvPicPr>
+            <p:blipFill>
+              <a:blip r:embed="rId7"/>
+              <a:stretch>
+                <a:fillRect/>
+              </a:stretch>
+            </p:blipFill>
+            <p:spPr>
+              <a:xfrm>
+                <a:off x="6012540" y="3539700"/>
+                <a:ext cx="181080" cy="127080"/>
+              </a:xfrm>
+              <a:prstGeom prst="rect">
+                <a:avLst/>
+              </a:prstGeom>
+            </p:spPr>
+          </p:pic>
+        </mc:Fallback>
+      </mc:AlternateContent>
       <p:grpSp>
         <p:nvGrpSpPr>
-          <p:cNvPr id="19" name="Group 18">
+          <p:cNvPr id="28" name="Group 27">
             <a:extLst>
               <a:ext uri="{FF2B5EF4-FFF2-40B4-BE49-F238E27FC236}">
-                <a16:creationId xmlns:a16="http://schemas.microsoft.com/office/drawing/2014/main" id="{FE93B399-3A1D-2EB6-5281-ECEF1C31C379}"/>
+                <a16:creationId xmlns:a16="http://schemas.microsoft.com/office/drawing/2014/main" id="{2025F33C-774D-CCF5-743C-A1DCA28D8FC8}"/>
               </a:ext>
             </a:extLst>
           </p:cNvPr>
@@ -28723,20 +31455,20 @@
         </p:nvGrpSpPr>
         <p:grpSpPr>
           <a:xfrm>
-            <a:off x="243373" y="2158118"/>
-            <a:ext cx="4616640" cy="2382480"/>
-            <a:chOff x="243373" y="2158118"/>
-            <a:chExt cx="4616640" cy="2382480"/>
+            <a:off x="6835140" y="3639060"/>
+            <a:ext cx="427320" cy="205560"/>
+            <a:chOff x="6835140" y="3639060"/>
+            <a:chExt cx="427320" cy="205560"/>
           </a:xfrm>
         </p:grpSpPr>
         <mc:AlternateContent xmlns:mc="http://schemas.openxmlformats.org/markup-compatibility/2006">
           <mc:Choice xmlns:p14="http://schemas.microsoft.com/office/powerpoint/2010/main" Requires="p14">
-            <p:contentPart p14:bwMode="auto" r:id="rId4">
+            <p:contentPart p14:bwMode="auto" r:id="rId8">
               <p14:nvContentPartPr>
-                <p14:cNvPr id="3" name="Ink 2">
+                <p14:cNvPr id="26" name="Ink 25">
                   <a:extLst>
                     <a:ext uri="{FF2B5EF4-FFF2-40B4-BE49-F238E27FC236}">
-                      <a16:creationId xmlns:a16="http://schemas.microsoft.com/office/drawing/2014/main" id="{A6386BAD-A2F2-950A-3604-BD3D5127E9F6}"/>
+                      <a16:creationId xmlns:a16="http://schemas.microsoft.com/office/drawing/2014/main" id="{EF773EAD-1FAC-48B9-F3FE-CFE64E0B3BDA}"/>
                     </a:ext>
                   </a:extLst>
                 </p14:cNvPr>
@@ -28744,120 +31476,18 @@
                 <p14:nvPr/>
               </p14:nvContentPartPr>
               <p14:xfrm>
-                <a:off x="243373" y="4069358"/>
-                <a:ext cx="1344600" cy="471240"/>
+                <a:off x="6859260" y="3645540"/>
+                <a:ext cx="403200" cy="199080"/>
               </p14:xfrm>
             </p:contentPart>
           </mc:Choice>
           <mc:Fallback>
             <p:pic>
               <p:nvPicPr>
-                <p:cNvPr id="3" name="Ink 2">
+                <p:cNvPr id="26" name="Ink 25">
                   <a:extLst>
                     <a:ext uri="{FF2B5EF4-FFF2-40B4-BE49-F238E27FC236}">
-                      <a16:creationId xmlns:a16="http://schemas.microsoft.com/office/drawing/2014/main" id="{A6386BAD-A2F2-950A-3604-BD3D5127E9F6}"/>
-                    </a:ext>
-                  </a:extLst>
-                </p:cNvPr>
-                <p:cNvPicPr/>
-                <p:nvPr/>
-              </p:nvPicPr>
-              <p:blipFill>
-                <a:blip r:embed="rId5"/>
-                <a:stretch>
-                  <a:fillRect/>
-                </a:stretch>
-              </p:blipFill>
-              <p:spPr>
-                <a:xfrm>
-                  <a:off x="237253" y="4063238"/>
-                  <a:ext cx="1356840" cy="483480"/>
-                </a:xfrm>
-                <a:prstGeom prst="rect">
-                  <a:avLst/>
-                </a:prstGeom>
-              </p:spPr>
-            </p:pic>
-          </mc:Fallback>
-        </mc:AlternateContent>
-        <mc:AlternateContent xmlns:mc="http://schemas.openxmlformats.org/markup-compatibility/2006">
-          <mc:Choice xmlns:p14="http://schemas.microsoft.com/office/powerpoint/2010/main" Requires="p14">
-            <p:contentPart p14:bwMode="auto" r:id="rId6">
-              <p14:nvContentPartPr>
-                <p14:cNvPr id="4" name="Ink 3">
-                  <a:extLst>
-                    <a:ext uri="{FF2B5EF4-FFF2-40B4-BE49-F238E27FC236}">
-                      <a16:creationId xmlns:a16="http://schemas.microsoft.com/office/drawing/2014/main" id="{C97540F0-D758-40D0-63CC-5E6903023618}"/>
-                    </a:ext>
-                  </a:extLst>
-                </p14:cNvPr>
-                <p14:cNvContentPartPr/>
-                <p14:nvPr/>
-              </p14:nvContentPartPr>
-              <p14:xfrm>
-                <a:off x="1684453" y="3908078"/>
-                <a:ext cx="106200" cy="97200"/>
-              </p14:xfrm>
-            </p:contentPart>
-          </mc:Choice>
-          <mc:Fallback>
-            <p:pic>
-              <p:nvPicPr>
-                <p:cNvPr id="4" name="Ink 3">
-                  <a:extLst>
-                    <a:ext uri="{FF2B5EF4-FFF2-40B4-BE49-F238E27FC236}">
-                      <a16:creationId xmlns:a16="http://schemas.microsoft.com/office/drawing/2014/main" id="{C97540F0-D758-40D0-63CC-5E6903023618}"/>
-                    </a:ext>
-                  </a:extLst>
-                </p:cNvPr>
-                <p:cNvPicPr/>
-                <p:nvPr/>
-              </p:nvPicPr>
-              <p:blipFill>
-                <a:blip r:embed="rId7"/>
-                <a:stretch>
-                  <a:fillRect/>
-                </a:stretch>
-              </p:blipFill>
-              <p:spPr>
-                <a:xfrm>
-                  <a:off x="1678333" y="3901958"/>
-                  <a:ext cx="118440" cy="109440"/>
-                </a:xfrm>
-                <a:prstGeom prst="rect">
-                  <a:avLst/>
-                </a:prstGeom>
-              </p:spPr>
-            </p:pic>
-          </mc:Fallback>
-        </mc:AlternateContent>
-        <mc:AlternateContent xmlns:mc="http://schemas.openxmlformats.org/markup-compatibility/2006">
-          <mc:Choice xmlns:p14="http://schemas.microsoft.com/office/powerpoint/2010/main" Requires="p14">
-            <p:contentPart p14:bwMode="auto" r:id="rId8">
-              <p14:nvContentPartPr>
-                <p14:cNvPr id="5" name="Ink 4">
-                  <a:extLst>
-                    <a:ext uri="{FF2B5EF4-FFF2-40B4-BE49-F238E27FC236}">
-                      <a16:creationId xmlns:a16="http://schemas.microsoft.com/office/drawing/2014/main" id="{6DF336C5-A659-F16A-631F-4D758928963A}"/>
-                    </a:ext>
-                  </a:extLst>
-                </p14:cNvPr>
-                <p14:cNvContentPartPr/>
-                <p14:nvPr/>
-              </p14:nvContentPartPr>
-              <p14:xfrm>
-                <a:off x="1693813" y="3897998"/>
-                <a:ext cx="73800" cy="129600"/>
-              </p14:xfrm>
-            </p:contentPart>
-          </mc:Choice>
-          <mc:Fallback>
-            <p:pic>
-              <p:nvPicPr>
-                <p:cNvPr id="5" name="Ink 4">
-                  <a:extLst>
-                    <a:ext uri="{FF2B5EF4-FFF2-40B4-BE49-F238E27FC236}">
-                      <a16:creationId xmlns:a16="http://schemas.microsoft.com/office/drawing/2014/main" id="{6DF336C5-A659-F16A-631F-4D758928963A}"/>
+                      <a16:creationId xmlns:a16="http://schemas.microsoft.com/office/drawing/2014/main" id="{EF773EAD-1FAC-48B9-F3FE-CFE64E0B3BDA}"/>
                     </a:ext>
                   </a:extLst>
                 </p:cNvPr>
@@ -28872,8 +31502,8 @@
               </p:blipFill>
               <p:spPr>
                 <a:xfrm>
-                  <a:off x="1687693" y="3891878"/>
-                  <a:ext cx="86040" cy="141840"/>
+                  <a:off x="6853140" y="3639420"/>
+                  <a:ext cx="415440" cy="211320"/>
                 </a:xfrm>
                 <a:prstGeom prst="rect">
                   <a:avLst/>
@@ -28886,10 +31516,10 @@
           <mc:Choice xmlns:p14="http://schemas.microsoft.com/office/powerpoint/2010/main" Requires="p14">
             <p:contentPart p14:bwMode="auto" r:id="rId10">
               <p14:nvContentPartPr>
-                <p14:cNvPr id="7" name="Ink 6">
+                <p14:cNvPr id="27" name="Ink 26">
                   <a:extLst>
                     <a:ext uri="{FF2B5EF4-FFF2-40B4-BE49-F238E27FC236}">
-                      <a16:creationId xmlns:a16="http://schemas.microsoft.com/office/drawing/2014/main" id="{B66F48A6-3559-E387-5B70-DD2198E81150}"/>
+                      <a16:creationId xmlns:a16="http://schemas.microsoft.com/office/drawing/2014/main" id="{DBE5141E-5665-CB79-6358-557A32B5F047}"/>
                     </a:ext>
                   </a:extLst>
                 </p14:cNvPr>
@@ -28897,18 +31527,18 @@
                 <p14:nvPr/>
               </p14:nvContentPartPr>
               <p14:xfrm>
-                <a:off x="1674373" y="3839318"/>
-                <a:ext cx="13320" cy="33120"/>
+                <a:off x="6835140" y="3639060"/>
+                <a:ext cx="136440" cy="94680"/>
               </p14:xfrm>
             </p:contentPart>
           </mc:Choice>
           <mc:Fallback>
             <p:pic>
               <p:nvPicPr>
-                <p:cNvPr id="7" name="Ink 6">
+                <p:cNvPr id="27" name="Ink 26">
                   <a:extLst>
                     <a:ext uri="{FF2B5EF4-FFF2-40B4-BE49-F238E27FC236}">
-                      <a16:creationId xmlns:a16="http://schemas.microsoft.com/office/drawing/2014/main" id="{B66F48A6-3559-E387-5B70-DD2198E81150}"/>
+                      <a16:creationId xmlns:a16="http://schemas.microsoft.com/office/drawing/2014/main" id="{DBE5141E-5665-CB79-6358-557A32B5F047}"/>
                     </a:ext>
                   </a:extLst>
                 </p:cNvPr>
@@ -28923,8 +31553,8 @@
               </p:blipFill>
               <p:spPr>
                 <a:xfrm>
-                  <a:off x="1668253" y="3833198"/>
-                  <a:ext cx="25560" cy="45360"/>
+                  <a:off x="6829020" y="3632940"/>
+                  <a:ext cx="148680" cy="106920"/>
                 </a:xfrm>
                 <a:prstGeom prst="rect">
                   <a:avLst/>
@@ -28933,14 +31563,392 @@
             </p:pic>
           </mc:Fallback>
         </mc:AlternateContent>
+      </p:grpSp>
+      <mc:AlternateContent xmlns:mc="http://schemas.openxmlformats.org/markup-compatibility/2006">
+        <mc:Choice xmlns:p14="http://schemas.microsoft.com/office/powerpoint/2010/main" Requires="p14">
+          <p:contentPart p14:bwMode="auto" r:id="rId12">
+            <p14:nvContentPartPr>
+              <p14:cNvPr id="31" name="Ink 30">
+                <a:extLst>
+                  <a:ext uri="{FF2B5EF4-FFF2-40B4-BE49-F238E27FC236}">
+                    <a16:creationId xmlns:a16="http://schemas.microsoft.com/office/drawing/2014/main" id="{A1DA11F8-86C1-0C96-2550-91D8BFC74E7B}"/>
+                  </a:ext>
+                </a:extLst>
+              </p14:cNvPr>
+              <p14:cNvContentPartPr/>
+              <p14:nvPr/>
+            </p14:nvContentPartPr>
+            <p14:xfrm>
+              <a:off x="4596300" y="2146860"/>
+              <a:ext cx="79920" cy="168120"/>
+            </p14:xfrm>
+          </p:contentPart>
+        </mc:Choice>
+        <mc:Fallback>
+          <p:pic>
+            <p:nvPicPr>
+              <p:cNvPr id="31" name="Ink 30">
+                <a:extLst>
+                  <a:ext uri="{FF2B5EF4-FFF2-40B4-BE49-F238E27FC236}">
+                    <a16:creationId xmlns:a16="http://schemas.microsoft.com/office/drawing/2014/main" id="{A1DA11F8-86C1-0C96-2550-91D8BFC74E7B}"/>
+                  </a:ext>
+                </a:extLst>
+              </p:cNvPr>
+              <p:cNvPicPr/>
+              <p:nvPr/>
+            </p:nvPicPr>
+            <p:blipFill>
+              <a:blip r:embed="rId13"/>
+              <a:stretch>
+                <a:fillRect/>
+              </a:stretch>
+            </p:blipFill>
+            <p:spPr>
+              <a:xfrm>
+                <a:off x="4590180" y="2140740"/>
+                <a:ext cx="92160" cy="180360"/>
+              </a:xfrm>
+              <a:prstGeom prst="rect">
+                <a:avLst/>
+              </a:prstGeom>
+            </p:spPr>
+          </p:pic>
+        </mc:Fallback>
+      </mc:AlternateContent>
+      <mc:AlternateContent xmlns:mc="http://schemas.openxmlformats.org/markup-compatibility/2006">
+        <mc:Choice xmlns:p14="http://schemas.microsoft.com/office/powerpoint/2010/main" Requires="p14">
+          <p:contentPart p14:bwMode="auto" r:id="rId14">
+            <p14:nvContentPartPr>
+              <p14:cNvPr id="32" name="Ink 31">
+                <a:extLst>
+                  <a:ext uri="{FF2B5EF4-FFF2-40B4-BE49-F238E27FC236}">
+                    <a16:creationId xmlns:a16="http://schemas.microsoft.com/office/drawing/2014/main" id="{F86F9C7D-34C0-E6B9-FB77-A57B4D28DF75}"/>
+                  </a:ext>
+                </a:extLst>
+              </p14:cNvPr>
+              <p14:cNvContentPartPr/>
+              <p14:nvPr/>
+            </p14:nvContentPartPr>
+            <p14:xfrm>
+              <a:off x="1444500" y="3604140"/>
+              <a:ext cx="208800" cy="38160"/>
+            </p14:xfrm>
+          </p:contentPart>
+        </mc:Choice>
+        <mc:Fallback>
+          <p:pic>
+            <p:nvPicPr>
+              <p:cNvPr id="32" name="Ink 31">
+                <a:extLst>
+                  <a:ext uri="{FF2B5EF4-FFF2-40B4-BE49-F238E27FC236}">
+                    <a16:creationId xmlns:a16="http://schemas.microsoft.com/office/drawing/2014/main" id="{F86F9C7D-34C0-E6B9-FB77-A57B4D28DF75}"/>
+                  </a:ext>
+                </a:extLst>
+              </p:cNvPr>
+              <p:cNvPicPr/>
+              <p:nvPr/>
+            </p:nvPicPr>
+            <p:blipFill>
+              <a:blip r:embed="rId15"/>
+              <a:stretch>
+                <a:fillRect/>
+              </a:stretch>
+            </p:blipFill>
+            <p:spPr>
+              <a:xfrm>
+                <a:off x="1438380" y="3598020"/>
+                <a:ext cx="221040" cy="50400"/>
+              </a:xfrm>
+              <a:prstGeom prst="rect">
+                <a:avLst/>
+              </a:prstGeom>
+            </p:spPr>
+          </p:pic>
+        </mc:Fallback>
+      </mc:AlternateContent>
+      <mc:AlternateContent xmlns:mc="http://schemas.openxmlformats.org/markup-compatibility/2006">
+        <mc:Choice xmlns:p14="http://schemas.microsoft.com/office/powerpoint/2010/main" Requires="p14">
+          <p:contentPart p14:bwMode="auto" r:id="rId16">
+            <p14:nvContentPartPr>
+              <p14:cNvPr id="34" name="Ink 33">
+                <a:extLst>
+                  <a:ext uri="{FF2B5EF4-FFF2-40B4-BE49-F238E27FC236}">
+                    <a16:creationId xmlns:a16="http://schemas.microsoft.com/office/drawing/2014/main" id="{EF8CA6B9-CA97-16BB-CCB1-E341210A51A2}"/>
+                  </a:ext>
+                </a:extLst>
+              </p14:cNvPr>
+              <p14:cNvContentPartPr/>
+              <p14:nvPr/>
+            </p14:nvContentPartPr>
+            <p14:xfrm>
+              <a:off x="1484100" y="3863700"/>
+              <a:ext cx="266040" cy="72720"/>
+            </p14:xfrm>
+          </p:contentPart>
+        </mc:Choice>
+        <mc:Fallback>
+          <p:pic>
+            <p:nvPicPr>
+              <p:cNvPr id="34" name="Ink 33">
+                <a:extLst>
+                  <a:ext uri="{FF2B5EF4-FFF2-40B4-BE49-F238E27FC236}">
+                    <a16:creationId xmlns:a16="http://schemas.microsoft.com/office/drawing/2014/main" id="{EF8CA6B9-CA97-16BB-CCB1-E341210A51A2}"/>
+                  </a:ext>
+                </a:extLst>
+              </p:cNvPr>
+              <p:cNvPicPr/>
+              <p:nvPr/>
+            </p:nvPicPr>
+            <p:blipFill>
+              <a:blip r:embed="rId17"/>
+              <a:stretch>
+                <a:fillRect/>
+              </a:stretch>
+            </p:blipFill>
+            <p:spPr>
+              <a:xfrm>
+                <a:off x="1477980" y="3857580"/>
+                <a:ext cx="278280" cy="84960"/>
+              </a:xfrm>
+              <a:prstGeom prst="rect">
+                <a:avLst/>
+              </a:prstGeom>
+            </p:spPr>
+          </p:pic>
+        </mc:Fallback>
+      </mc:AlternateContent>
+      <mc:AlternateContent xmlns:mc="http://schemas.openxmlformats.org/markup-compatibility/2006">
+        <mc:Choice xmlns:p14="http://schemas.microsoft.com/office/powerpoint/2010/main" Requires="p14">
+          <p:contentPart p14:bwMode="auto" r:id="rId18">
+            <p14:nvContentPartPr>
+              <p14:cNvPr id="38" name="Ink 37">
+                <a:extLst>
+                  <a:ext uri="{FF2B5EF4-FFF2-40B4-BE49-F238E27FC236}">
+                    <a16:creationId xmlns:a16="http://schemas.microsoft.com/office/drawing/2014/main" id="{57A2C929-7F91-F2E4-96CF-772160773EEC}"/>
+                  </a:ext>
+                </a:extLst>
+              </p14:cNvPr>
+              <p14:cNvContentPartPr/>
+              <p14:nvPr/>
+            </p14:nvContentPartPr>
+            <p14:xfrm>
+              <a:off x="1570140" y="4042260"/>
+              <a:ext cx="23760" cy="155160"/>
+            </p14:xfrm>
+          </p:contentPart>
+        </mc:Choice>
+        <mc:Fallback>
+          <p:pic>
+            <p:nvPicPr>
+              <p:cNvPr id="38" name="Ink 37">
+                <a:extLst>
+                  <a:ext uri="{FF2B5EF4-FFF2-40B4-BE49-F238E27FC236}">
+                    <a16:creationId xmlns:a16="http://schemas.microsoft.com/office/drawing/2014/main" id="{57A2C929-7F91-F2E4-96CF-772160773EEC}"/>
+                  </a:ext>
+                </a:extLst>
+              </p:cNvPr>
+              <p:cNvPicPr/>
+              <p:nvPr/>
+            </p:nvPicPr>
+            <p:blipFill>
+              <a:blip r:embed="rId19"/>
+              <a:stretch>
+                <a:fillRect/>
+              </a:stretch>
+            </p:blipFill>
+            <p:spPr>
+              <a:xfrm>
+                <a:off x="1564020" y="4036140"/>
+                <a:ext cx="36000" cy="167400"/>
+              </a:xfrm>
+              <a:prstGeom prst="rect">
+                <a:avLst/>
+              </a:prstGeom>
+            </p:spPr>
+          </p:pic>
+        </mc:Fallback>
+      </mc:AlternateContent>
+      <mc:AlternateContent xmlns:mc="http://schemas.openxmlformats.org/markup-compatibility/2006">
+        <mc:Choice xmlns:p14="http://schemas.microsoft.com/office/powerpoint/2010/main" Requires="p14">
+          <p:contentPart p14:bwMode="auto" r:id="rId20">
+            <p14:nvContentPartPr>
+              <p14:cNvPr id="44" name="Ink 43">
+                <a:extLst>
+                  <a:ext uri="{FF2B5EF4-FFF2-40B4-BE49-F238E27FC236}">
+                    <a16:creationId xmlns:a16="http://schemas.microsoft.com/office/drawing/2014/main" id="{A751ABB3-DE01-390D-D9FC-2A9143389971}"/>
+                  </a:ext>
+                </a:extLst>
+              </p14:cNvPr>
+              <p14:cNvContentPartPr/>
+              <p14:nvPr/>
+            </p14:nvContentPartPr>
+            <p14:xfrm>
+              <a:off x="1504980" y="4012020"/>
+              <a:ext cx="96480" cy="69480"/>
+            </p14:xfrm>
+          </p:contentPart>
+        </mc:Choice>
+        <mc:Fallback>
+          <p:pic>
+            <p:nvPicPr>
+              <p:cNvPr id="44" name="Ink 43">
+                <a:extLst>
+                  <a:ext uri="{FF2B5EF4-FFF2-40B4-BE49-F238E27FC236}">
+                    <a16:creationId xmlns:a16="http://schemas.microsoft.com/office/drawing/2014/main" id="{A751ABB3-DE01-390D-D9FC-2A9143389971}"/>
+                  </a:ext>
+                </a:extLst>
+              </p:cNvPr>
+              <p:cNvPicPr/>
+              <p:nvPr/>
+            </p:nvPicPr>
+            <p:blipFill>
+              <a:blip r:embed="rId21"/>
+              <a:stretch>
+                <a:fillRect/>
+              </a:stretch>
+            </p:blipFill>
+            <p:spPr>
+              <a:xfrm>
+                <a:off x="1498860" y="4005900"/>
+                <a:ext cx="108720" cy="81720"/>
+              </a:xfrm>
+              <a:prstGeom prst="rect">
+                <a:avLst/>
+              </a:prstGeom>
+            </p:spPr>
+          </p:pic>
+        </mc:Fallback>
+      </mc:AlternateContent>
+      <mc:AlternateContent xmlns:mc="http://schemas.openxmlformats.org/markup-compatibility/2006">
+        <mc:Choice xmlns:p14="http://schemas.microsoft.com/office/powerpoint/2010/main" Requires="p14">
+          <p:contentPart p14:bwMode="auto" r:id="rId22">
+            <p14:nvContentPartPr>
+              <p14:cNvPr id="47" name="Ink 46">
+                <a:extLst>
+                  <a:ext uri="{FF2B5EF4-FFF2-40B4-BE49-F238E27FC236}">
+                    <a16:creationId xmlns:a16="http://schemas.microsoft.com/office/drawing/2014/main" id="{4F3AE93E-2A00-420A-A624-473C689FB60B}"/>
+                  </a:ext>
+                </a:extLst>
+              </p14:cNvPr>
+              <p14:cNvContentPartPr/>
+              <p14:nvPr/>
+            </p14:nvContentPartPr>
+            <p14:xfrm>
+              <a:off x="1314180" y="3372300"/>
+              <a:ext cx="330840" cy="300960"/>
+            </p14:xfrm>
+          </p:contentPart>
+        </mc:Choice>
+        <mc:Fallback>
+          <p:pic>
+            <p:nvPicPr>
+              <p:cNvPr id="47" name="Ink 46">
+                <a:extLst>
+                  <a:ext uri="{FF2B5EF4-FFF2-40B4-BE49-F238E27FC236}">
+                    <a16:creationId xmlns:a16="http://schemas.microsoft.com/office/drawing/2014/main" id="{4F3AE93E-2A00-420A-A624-473C689FB60B}"/>
+                  </a:ext>
+                </a:extLst>
+              </p:cNvPr>
+              <p:cNvPicPr/>
+              <p:nvPr/>
+            </p:nvPicPr>
+            <p:blipFill>
+              <a:blip r:embed="rId23"/>
+              <a:stretch>
+                <a:fillRect/>
+              </a:stretch>
+            </p:blipFill>
+            <p:spPr>
+              <a:xfrm>
+                <a:off x="1308060" y="3366180"/>
+                <a:ext cx="343080" cy="313200"/>
+              </a:xfrm>
+              <a:prstGeom prst="rect">
+                <a:avLst/>
+              </a:prstGeom>
+            </p:spPr>
+          </p:pic>
+        </mc:Fallback>
+      </mc:AlternateContent>
+      <mc:AlternateContent xmlns:mc="http://schemas.openxmlformats.org/markup-compatibility/2006">
+        <mc:Choice xmlns:p14="http://schemas.microsoft.com/office/powerpoint/2010/main" Requires="p14">
+          <p:contentPart p14:bwMode="auto" r:id="rId24">
+            <p14:nvContentPartPr>
+              <p14:cNvPr id="49" name="Ink 48">
+                <a:extLst>
+                  <a:ext uri="{FF2B5EF4-FFF2-40B4-BE49-F238E27FC236}">
+                    <a16:creationId xmlns:a16="http://schemas.microsoft.com/office/drawing/2014/main" id="{C5004E23-E4E0-D9AA-750A-B73241400990}"/>
+                  </a:ext>
+                </a:extLst>
+              </p14:cNvPr>
+              <p14:cNvContentPartPr/>
+              <p14:nvPr/>
+            </p14:nvContentPartPr>
+            <p14:xfrm>
+              <a:off x="1410660" y="3834180"/>
+              <a:ext cx="396000" cy="217080"/>
+            </p14:xfrm>
+          </p:contentPart>
+        </mc:Choice>
+        <mc:Fallback>
+          <p:pic>
+            <p:nvPicPr>
+              <p:cNvPr id="49" name="Ink 48">
+                <a:extLst>
+                  <a:ext uri="{FF2B5EF4-FFF2-40B4-BE49-F238E27FC236}">
+                    <a16:creationId xmlns:a16="http://schemas.microsoft.com/office/drawing/2014/main" id="{C5004E23-E4E0-D9AA-750A-B73241400990}"/>
+                  </a:ext>
+                </a:extLst>
+              </p:cNvPr>
+              <p:cNvPicPr/>
+              <p:nvPr/>
+            </p:nvPicPr>
+            <p:blipFill>
+              <a:blip r:embed="rId25"/>
+              <a:stretch>
+                <a:fillRect/>
+              </a:stretch>
+            </p:blipFill>
+            <p:spPr>
+              <a:xfrm>
+                <a:off x="1404540" y="3828060"/>
+                <a:ext cx="408240" cy="229320"/>
+              </a:xfrm>
+              <a:prstGeom prst="rect">
+                <a:avLst/>
+              </a:prstGeom>
+            </p:spPr>
+          </p:pic>
+        </mc:Fallback>
+      </mc:AlternateContent>
+      <p:grpSp>
+        <p:nvGrpSpPr>
+          <p:cNvPr id="57" name="Group 56">
+            <a:extLst>
+              <a:ext uri="{FF2B5EF4-FFF2-40B4-BE49-F238E27FC236}">
+                <a16:creationId xmlns:a16="http://schemas.microsoft.com/office/drawing/2014/main" id="{8620C1D0-7F5F-D0C1-D2D5-55AC27AB356A}"/>
+              </a:ext>
+            </a:extLst>
+          </p:cNvPr>
+          <p:cNvGrpSpPr/>
+          <p:nvPr/>
+        </p:nvGrpSpPr>
+        <p:grpSpPr>
+          <a:xfrm>
+            <a:off x="2187540" y="3383460"/>
+            <a:ext cx="846360" cy="875880"/>
+            <a:chOff x="2187540" y="3383460"/>
+            <a:chExt cx="846360" cy="875880"/>
+          </a:xfrm>
+        </p:grpSpPr>
         <mc:AlternateContent xmlns:mc="http://schemas.openxmlformats.org/markup-compatibility/2006">
           <mc:Choice xmlns:p14="http://schemas.microsoft.com/office/powerpoint/2010/main" Requires="p14">
-            <p:contentPart p14:bwMode="auto" r:id="rId12">
+            <p:contentPart p14:bwMode="auto" r:id="rId26">
               <p14:nvContentPartPr>
-                <p14:cNvPr id="8" name="Ink 7">
+                <p14:cNvPr id="33" name="Ink 32">
                   <a:extLst>
                     <a:ext uri="{FF2B5EF4-FFF2-40B4-BE49-F238E27FC236}">
-                      <a16:creationId xmlns:a16="http://schemas.microsoft.com/office/drawing/2014/main" id="{A8D69D91-3AE8-1EB2-7C05-DD1F941A1049}"/>
+                      <a16:creationId xmlns:a16="http://schemas.microsoft.com/office/drawing/2014/main" id="{5CC410EC-BC9B-ACC7-AE85-17180960A136}"/>
                     </a:ext>
                   </a:extLst>
                 </p14:cNvPr>
@@ -28948,375 +31956,18 @@
                 <p14:nvPr/>
               </p14:nvContentPartPr>
               <p14:xfrm>
-                <a:off x="1662133" y="3891518"/>
-                <a:ext cx="7920" cy="68400"/>
+                <a:off x="2354580" y="3632580"/>
+                <a:ext cx="237240" cy="39960"/>
               </p14:xfrm>
             </p:contentPart>
           </mc:Choice>
           <mc:Fallback>
             <p:pic>
               <p:nvPicPr>
-                <p:cNvPr id="8" name="Ink 7">
+                <p:cNvPr id="33" name="Ink 32">
                   <a:extLst>
                     <a:ext uri="{FF2B5EF4-FFF2-40B4-BE49-F238E27FC236}">
-                      <a16:creationId xmlns:a16="http://schemas.microsoft.com/office/drawing/2014/main" id="{A8D69D91-3AE8-1EB2-7C05-DD1F941A1049}"/>
-                    </a:ext>
-                  </a:extLst>
-                </p:cNvPr>
-                <p:cNvPicPr/>
-                <p:nvPr/>
-              </p:nvPicPr>
-              <p:blipFill>
-                <a:blip r:embed="rId13"/>
-                <a:stretch>
-                  <a:fillRect/>
-                </a:stretch>
-              </p:blipFill>
-              <p:spPr>
-                <a:xfrm>
-                  <a:off x="1656013" y="3885398"/>
-                  <a:ext cx="20160" cy="80640"/>
-                </a:xfrm>
-                <a:prstGeom prst="rect">
-                  <a:avLst/>
-                </a:prstGeom>
-              </p:spPr>
-            </p:pic>
-          </mc:Fallback>
-        </mc:AlternateContent>
-        <mc:AlternateContent xmlns:mc="http://schemas.openxmlformats.org/markup-compatibility/2006">
-          <mc:Choice xmlns:p14="http://schemas.microsoft.com/office/powerpoint/2010/main" Requires="p14">
-            <p:contentPart p14:bwMode="auto" r:id="rId14">
-              <p14:nvContentPartPr>
-                <p14:cNvPr id="9" name="Ink 8">
-                  <a:extLst>
-                    <a:ext uri="{FF2B5EF4-FFF2-40B4-BE49-F238E27FC236}">
-                      <a16:creationId xmlns:a16="http://schemas.microsoft.com/office/drawing/2014/main" id="{CA04CFD9-AA25-1874-9BA1-27CF76D65A30}"/>
-                    </a:ext>
-                  </a:extLst>
-                </p14:cNvPr>
-                <p14:cNvContentPartPr/>
-                <p14:nvPr/>
-              </p14:nvContentPartPr>
-              <p14:xfrm>
-                <a:off x="1678333" y="3990158"/>
-                <a:ext cx="41040" cy="55800"/>
-              </p14:xfrm>
-            </p:contentPart>
-          </mc:Choice>
-          <mc:Fallback>
-            <p:pic>
-              <p:nvPicPr>
-                <p:cNvPr id="9" name="Ink 8">
-                  <a:extLst>
-                    <a:ext uri="{FF2B5EF4-FFF2-40B4-BE49-F238E27FC236}">
-                      <a16:creationId xmlns:a16="http://schemas.microsoft.com/office/drawing/2014/main" id="{CA04CFD9-AA25-1874-9BA1-27CF76D65A30}"/>
-                    </a:ext>
-                  </a:extLst>
-                </p:cNvPr>
-                <p:cNvPicPr/>
-                <p:nvPr/>
-              </p:nvPicPr>
-              <p:blipFill>
-                <a:blip r:embed="rId15"/>
-                <a:stretch>
-                  <a:fillRect/>
-                </a:stretch>
-              </p:blipFill>
-              <p:spPr>
-                <a:xfrm>
-                  <a:off x="1672213" y="3984038"/>
-                  <a:ext cx="53280" cy="68040"/>
-                </a:xfrm>
-                <a:prstGeom prst="rect">
-                  <a:avLst/>
-                </a:prstGeom>
-              </p:spPr>
-            </p:pic>
-          </mc:Fallback>
-        </mc:AlternateContent>
-        <mc:AlternateContent xmlns:mc="http://schemas.openxmlformats.org/markup-compatibility/2006">
-          <mc:Choice xmlns:p14="http://schemas.microsoft.com/office/powerpoint/2010/main" Requires="p14">
-            <p:contentPart p14:bwMode="auto" r:id="rId16">
-              <p14:nvContentPartPr>
-                <p14:cNvPr id="10" name="Ink 9">
-                  <a:extLst>
-                    <a:ext uri="{FF2B5EF4-FFF2-40B4-BE49-F238E27FC236}">
-                      <a16:creationId xmlns:a16="http://schemas.microsoft.com/office/drawing/2014/main" id="{0043F65D-695D-5D63-44ED-A45E2C364D77}"/>
-                    </a:ext>
-                  </a:extLst>
-                </p14:cNvPr>
-                <p14:cNvContentPartPr/>
-                <p14:nvPr/>
-              </p14:nvContentPartPr>
-              <p14:xfrm>
-                <a:off x="1737733" y="4044158"/>
-                <a:ext cx="66240" cy="9360"/>
-              </p14:xfrm>
-            </p:contentPart>
-          </mc:Choice>
-          <mc:Fallback>
-            <p:pic>
-              <p:nvPicPr>
-                <p:cNvPr id="10" name="Ink 9">
-                  <a:extLst>
-                    <a:ext uri="{FF2B5EF4-FFF2-40B4-BE49-F238E27FC236}">
-                      <a16:creationId xmlns:a16="http://schemas.microsoft.com/office/drawing/2014/main" id="{0043F65D-695D-5D63-44ED-A45E2C364D77}"/>
-                    </a:ext>
-                  </a:extLst>
-                </p:cNvPr>
-                <p:cNvPicPr/>
-                <p:nvPr/>
-              </p:nvPicPr>
-              <p:blipFill>
-                <a:blip r:embed="rId17"/>
-                <a:stretch>
-                  <a:fillRect/>
-                </a:stretch>
-              </p:blipFill>
-              <p:spPr>
-                <a:xfrm>
-                  <a:off x="1731613" y="4038038"/>
-                  <a:ext cx="78480" cy="21600"/>
-                </a:xfrm>
-                <a:prstGeom prst="rect">
-                  <a:avLst/>
-                </a:prstGeom>
-              </p:spPr>
-            </p:pic>
-          </mc:Fallback>
-        </mc:AlternateContent>
-        <mc:AlternateContent xmlns:mc="http://schemas.openxmlformats.org/markup-compatibility/2006">
-          <mc:Choice xmlns:p14="http://schemas.microsoft.com/office/powerpoint/2010/main" Requires="p14">
-            <p:contentPart p14:bwMode="auto" r:id="rId18">
-              <p14:nvContentPartPr>
-                <p14:cNvPr id="11" name="Ink 10">
-                  <a:extLst>
-                    <a:ext uri="{FF2B5EF4-FFF2-40B4-BE49-F238E27FC236}">
-                      <a16:creationId xmlns:a16="http://schemas.microsoft.com/office/drawing/2014/main" id="{BE63A762-3C94-7163-A3CC-51784114AE55}"/>
-                    </a:ext>
-                  </a:extLst>
-                </p14:cNvPr>
-                <p14:cNvContentPartPr/>
-                <p14:nvPr/>
-              </p14:nvContentPartPr>
-              <p14:xfrm>
-                <a:off x="1830973" y="3883958"/>
-                <a:ext cx="63360" cy="153720"/>
-              </p14:xfrm>
-            </p:contentPart>
-          </mc:Choice>
-          <mc:Fallback>
-            <p:pic>
-              <p:nvPicPr>
-                <p:cNvPr id="11" name="Ink 10">
-                  <a:extLst>
-                    <a:ext uri="{FF2B5EF4-FFF2-40B4-BE49-F238E27FC236}">
-                      <a16:creationId xmlns:a16="http://schemas.microsoft.com/office/drawing/2014/main" id="{BE63A762-3C94-7163-A3CC-51784114AE55}"/>
-                    </a:ext>
-                  </a:extLst>
-                </p:cNvPr>
-                <p:cNvPicPr/>
-                <p:nvPr/>
-              </p:nvPicPr>
-              <p:blipFill>
-                <a:blip r:embed="rId19"/>
-                <a:stretch>
-                  <a:fillRect/>
-                </a:stretch>
-              </p:blipFill>
-              <p:spPr>
-                <a:xfrm>
-                  <a:off x="1824853" y="3877838"/>
-                  <a:ext cx="75600" cy="165960"/>
-                </a:xfrm>
-                <a:prstGeom prst="rect">
-                  <a:avLst/>
-                </a:prstGeom>
-              </p:spPr>
-            </p:pic>
-          </mc:Fallback>
-        </mc:AlternateContent>
-        <mc:AlternateContent xmlns:mc="http://schemas.openxmlformats.org/markup-compatibility/2006">
-          <mc:Choice xmlns:p14="http://schemas.microsoft.com/office/powerpoint/2010/main" Requires="p14">
-            <p:contentPart p14:bwMode="auto" r:id="rId20">
-              <p14:nvContentPartPr>
-                <p14:cNvPr id="12" name="Ink 11">
-                  <a:extLst>
-                    <a:ext uri="{FF2B5EF4-FFF2-40B4-BE49-F238E27FC236}">
-                      <a16:creationId xmlns:a16="http://schemas.microsoft.com/office/drawing/2014/main" id="{5CD21ED4-AFBB-9656-C096-2C8621BA6CE9}"/>
-                    </a:ext>
-                  </a:extLst>
-                </p14:cNvPr>
-                <p14:cNvContentPartPr/>
-                <p14:nvPr/>
-              </p14:nvContentPartPr>
-              <p14:xfrm>
-                <a:off x="1802533" y="3820238"/>
-                <a:ext cx="65160" cy="24840"/>
-              </p14:xfrm>
-            </p:contentPart>
-          </mc:Choice>
-          <mc:Fallback>
-            <p:pic>
-              <p:nvPicPr>
-                <p:cNvPr id="12" name="Ink 11">
-                  <a:extLst>
-                    <a:ext uri="{FF2B5EF4-FFF2-40B4-BE49-F238E27FC236}">
-                      <a16:creationId xmlns:a16="http://schemas.microsoft.com/office/drawing/2014/main" id="{5CD21ED4-AFBB-9656-C096-2C8621BA6CE9}"/>
-                    </a:ext>
-                  </a:extLst>
-                </p:cNvPr>
-                <p:cNvPicPr/>
-                <p:nvPr/>
-              </p:nvPicPr>
-              <p:blipFill>
-                <a:blip r:embed="rId21"/>
-                <a:stretch>
-                  <a:fillRect/>
-                </a:stretch>
-              </p:blipFill>
-              <p:spPr>
-                <a:xfrm>
-                  <a:off x="1796413" y="3814118"/>
-                  <a:ext cx="77400" cy="37080"/>
-                </a:xfrm>
-                <a:prstGeom prst="rect">
-                  <a:avLst/>
-                </a:prstGeom>
-              </p:spPr>
-            </p:pic>
-          </mc:Fallback>
-        </mc:AlternateContent>
-        <mc:AlternateContent xmlns:mc="http://schemas.openxmlformats.org/markup-compatibility/2006">
-          <mc:Choice xmlns:p14="http://schemas.microsoft.com/office/powerpoint/2010/main" Requires="p14">
-            <p:contentPart p14:bwMode="auto" r:id="rId22">
-              <p14:nvContentPartPr>
-                <p14:cNvPr id="13" name="Ink 12">
-                  <a:extLst>
-                    <a:ext uri="{FF2B5EF4-FFF2-40B4-BE49-F238E27FC236}">
-                      <a16:creationId xmlns:a16="http://schemas.microsoft.com/office/drawing/2014/main" id="{E2E4225D-7CB3-CF94-B928-BA674646F03B}"/>
-                    </a:ext>
-                  </a:extLst>
-                </p14:cNvPr>
-                <p14:cNvContentPartPr/>
-                <p14:nvPr/>
-              </p14:nvContentPartPr>
-              <p14:xfrm>
-                <a:off x="1938973" y="2158118"/>
-                <a:ext cx="2597400" cy="1585800"/>
-              </p14:xfrm>
-            </p:contentPart>
-          </mc:Choice>
-          <mc:Fallback>
-            <p:pic>
-              <p:nvPicPr>
-                <p:cNvPr id="13" name="Ink 12">
-                  <a:extLst>
-                    <a:ext uri="{FF2B5EF4-FFF2-40B4-BE49-F238E27FC236}">
-                      <a16:creationId xmlns:a16="http://schemas.microsoft.com/office/drawing/2014/main" id="{E2E4225D-7CB3-CF94-B928-BA674646F03B}"/>
-                    </a:ext>
-                  </a:extLst>
-                </p:cNvPr>
-                <p:cNvPicPr/>
-                <p:nvPr/>
-              </p:nvPicPr>
-              <p:blipFill>
-                <a:blip r:embed="rId23"/>
-                <a:stretch>
-                  <a:fillRect/>
-                </a:stretch>
-              </p:blipFill>
-              <p:spPr>
-                <a:xfrm>
-                  <a:off x="1932853" y="2151998"/>
-                  <a:ext cx="2609640" cy="1598040"/>
-                </a:xfrm>
-                <a:prstGeom prst="rect">
-                  <a:avLst/>
-                </a:prstGeom>
-              </p:spPr>
-            </p:pic>
-          </mc:Fallback>
-        </mc:AlternateContent>
-        <mc:AlternateContent xmlns:mc="http://schemas.openxmlformats.org/markup-compatibility/2006">
-          <mc:Choice xmlns:p14="http://schemas.microsoft.com/office/powerpoint/2010/main" Requires="p14">
-            <p:contentPart p14:bwMode="auto" r:id="rId24">
-              <p14:nvContentPartPr>
-                <p14:cNvPr id="14" name="Ink 13">
-                  <a:extLst>
-                    <a:ext uri="{FF2B5EF4-FFF2-40B4-BE49-F238E27FC236}">
-                      <a16:creationId xmlns:a16="http://schemas.microsoft.com/office/drawing/2014/main" id="{064C380F-4D2A-FE8B-7405-0D1616860E79}"/>
-                    </a:ext>
-                  </a:extLst>
-                </p14:cNvPr>
-                <p14:cNvContentPartPr/>
-                <p14:nvPr/>
-              </p14:nvContentPartPr>
-              <p14:xfrm>
-                <a:off x="4444213" y="3385718"/>
-                <a:ext cx="415800" cy="270360"/>
-              </p14:xfrm>
-            </p:contentPart>
-          </mc:Choice>
-          <mc:Fallback>
-            <p:pic>
-              <p:nvPicPr>
-                <p:cNvPr id="14" name="Ink 13">
-                  <a:extLst>
-                    <a:ext uri="{FF2B5EF4-FFF2-40B4-BE49-F238E27FC236}">
-                      <a16:creationId xmlns:a16="http://schemas.microsoft.com/office/drawing/2014/main" id="{064C380F-4D2A-FE8B-7405-0D1616860E79}"/>
-                    </a:ext>
-                  </a:extLst>
-                </p:cNvPr>
-                <p:cNvPicPr/>
-                <p:nvPr/>
-              </p:nvPicPr>
-              <p:blipFill>
-                <a:blip r:embed="rId25"/>
-                <a:stretch>
-                  <a:fillRect/>
-                </a:stretch>
-              </p:blipFill>
-              <p:spPr>
-                <a:xfrm>
-                  <a:off x="4438093" y="3379598"/>
-                  <a:ext cx="428040" cy="282600"/>
-                </a:xfrm>
-                <a:prstGeom prst="rect">
-                  <a:avLst/>
-                </a:prstGeom>
-              </p:spPr>
-            </p:pic>
-          </mc:Fallback>
-        </mc:AlternateContent>
-        <mc:AlternateContent xmlns:mc="http://schemas.openxmlformats.org/markup-compatibility/2006">
-          <mc:Choice xmlns:p14="http://schemas.microsoft.com/office/powerpoint/2010/main" Requires="p14">
-            <p:contentPart p14:bwMode="auto" r:id="rId26">
-              <p14:nvContentPartPr>
-                <p14:cNvPr id="15" name="Ink 14">
-                  <a:extLst>
-                    <a:ext uri="{FF2B5EF4-FFF2-40B4-BE49-F238E27FC236}">
-                      <a16:creationId xmlns:a16="http://schemas.microsoft.com/office/drawing/2014/main" id="{716E2411-9935-B488-7C49-8268A1505C69}"/>
-                    </a:ext>
-                  </a:extLst>
-                </p14:cNvPr>
-                <p14:cNvContentPartPr/>
-                <p14:nvPr/>
-              </p14:nvContentPartPr>
-              <p14:xfrm>
-                <a:off x="4539253" y="3778118"/>
-                <a:ext cx="219600" cy="201960"/>
-              </p14:xfrm>
-            </p:contentPart>
-          </mc:Choice>
-          <mc:Fallback>
-            <p:pic>
-              <p:nvPicPr>
-                <p:cNvPr id="15" name="Ink 14">
-                  <a:extLst>
-                    <a:ext uri="{FF2B5EF4-FFF2-40B4-BE49-F238E27FC236}">
-                      <a16:creationId xmlns:a16="http://schemas.microsoft.com/office/drawing/2014/main" id="{716E2411-9935-B488-7C49-8268A1505C69}"/>
+                      <a16:creationId xmlns:a16="http://schemas.microsoft.com/office/drawing/2014/main" id="{5CC410EC-BC9B-ACC7-AE85-17180960A136}"/>
                     </a:ext>
                   </a:extLst>
                 </p:cNvPr>
@@ -29331,8 +31982,8 @@
               </p:blipFill>
               <p:spPr>
                 <a:xfrm>
-                  <a:off x="4533133" y="3771998"/>
-                  <a:ext cx="231840" cy="214200"/>
+                  <a:off x="2348460" y="3626460"/>
+                  <a:ext cx="249480" cy="52200"/>
                 </a:xfrm>
                 <a:prstGeom prst="rect">
                   <a:avLst/>
@@ -29345,10 +31996,10 @@
           <mc:Choice xmlns:p14="http://schemas.microsoft.com/office/powerpoint/2010/main" Requires="p14">
             <p:contentPart p14:bwMode="auto" r:id="rId28">
               <p14:nvContentPartPr>
-                <p14:cNvPr id="17" name="Ink 16">
+                <p14:cNvPr id="35" name="Ink 34">
                   <a:extLst>
                     <a:ext uri="{FF2B5EF4-FFF2-40B4-BE49-F238E27FC236}">
-                      <a16:creationId xmlns:a16="http://schemas.microsoft.com/office/drawing/2014/main" id="{901A1A52-FE27-AD7A-033A-1B1B4320B636}"/>
+                      <a16:creationId xmlns:a16="http://schemas.microsoft.com/office/drawing/2014/main" id="{13B89904-3471-28AE-850C-A3D54356C1F8}"/>
                     </a:ext>
                   </a:extLst>
                 </p14:cNvPr>
@@ -29356,18 +32007,18 @@
                 <p14:nvPr/>
               </p14:nvContentPartPr>
               <p14:xfrm>
-                <a:off x="1518853" y="4051358"/>
-                <a:ext cx="117000" cy="90360"/>
+                <a:off x="2295540" y="3900420"/>
+                <a:ext cx="204840" cy="37080"/>
               </p14:xfrm>
             </p:contentPart>
           </mc:Choice>
           <mc:Fallback>
             <p:pic>
               <p:nvPicPr>
-                <p:cNvPr id="17" name="Ink 16">
+                <p:cNvPr id="35" name="Ink 34">
                   <a:extLst>
                     <a:ext uri="{FF2B5EF4-FFF2-40B4-BE49-F238E27FC236}">
-                      <a16:creationId xmlns:a16="http://schemas.microsoft.com/office/drawing/2014/main" id="{901A1A52-FE27-AD7A-033A-1B1B4320B636}"/>
+                      <a16:creationId xmlns:a16="http://schemas.microsoft.com/office/drawing/2014/main" id="{13B89904-3471-28AE-850C-A3D54356C1F8}"/>
                     </a:ext>
                   </a:extLst>
                 </p:cNvPr>
@@ -29382,8 +32033,8 @@
               </p:blipFill>
               <p:spPr>
                 <a:xfrm>
-                  <a:off x="1512733" y="4045238"/>
-                  <a:ext cx="129240" cy="102600"/>
+                  <a:off x="2289420" y="3894300"/>
+                  <a:ext cx="217080" cy="49320"/>
                 </a:xfrm>
                 <a:prstGeom prst="rect">
                   <a:avLst/>
@@ -29396,10 +32047,10 @@
           <mc:Choice xmlns:p14="http://schemas.microsoft.com/office/powerpoint/2010/main" Requires="p14">
             <p:contentPart p14:bwMode="auto" r:id="rId30">
               <p14:nvContentPartPr>
-                <p14:cNvPr id="18" name="Ink 17">
+                <p14:cNvPr id="36" name="Ink 35">
                   <a:extLst>
                     <a:ext uri="{FF2B5EF4-FFF2-40B4-BE49-F238E27FC236}">
-                      <a16:creationId xmlns:a16="http://schemas.microsoft.com/office/drawing/2014/main" id="{2E8B4B14-EDD4-0909-DB2D-D5F9BFEC0589}"/>
+                      <a16:creationId xmlns:a16="http://schemas.microsoft.com/office/drawing/2014/main" id="{059BBCC7-AF58-07AE-B9CB-294B91A34341}"/>
                     </a:ext>
                   </a:extLst>
                 </p14:cNvPr>
@@ -29407,18 +32058,18 @@
                 <p14:nvPr/>
               </p14:nvContentPartPr>
               <p14:xfrm>
-                <a:off x="1581853" y="4064318"/>
-                <a:ext cx="44640" cy="46800"/>
+                <a:off x="2725740" y="3932820"/>
+                <a:ext cx="203760" cy="30960"/>
               </p14:xfrm>
             </p:contentPart>
           </mc:Choice>
           <mc:Fallback>
             <p:pic>
               <p:nvPicPr>
-                <p:cNvPr id="18" name="Ink 17">
+                <p:cNvPr id="36" name="Ink 35">
                   <a:extLst>
                     <a:ext uri="{FF2B5EF4-FFF2-40B4-BE49-F238E27FC236}">
-                      <a16:creationId xmlns:a16="http://schemas.microsoft.com/office/drawing/2014/main" id="{2E8B4B14-EDD4-0909-DB2D-D5F9BFEC0589}"/>
+                      <a16:creationId xmlns:a16="http://schemas.microsoft.com/office/drawing/2014/main" id="{059BBCC7-AF58-07AE-B9CB-294B91A34341}"/>
                     </a:ext>
                   </a:extLst>
                 </p:cNvPr>
@@ -29433,8 +32084,2897 @@
               </p:blipFill>
               <p:spPr>
                 <a:xfrm>
-                  <a:off x="1575733" y="4058198"/>
-                  <a:ext cx="56880" cy="59040"/>
+                  <a:off x="2719620" y="3926700"/>
+                  <a:ext cx="216000" cy="43200"/>
+                </a:xfrm>
+                <a:prstGeom prst="rect">
+                  <a:avLst/>
+                </a:prstGeom>
+              </p:spPr>
+            </p:pic>
+          </mc:Fallback>
+        </mc:AlternateContent>
+        <mc:AlternateContent xmlns:mc="http://schemas.openxmlformats.org/markup-compatibility/2006">
+          <mc:Choice xmlns:p14="http://schemas.microsoft.com/office/powerpoint/2010/main" Requires="p14">
+            <p:contentPart p14:bwMode="auto" r:id="rId32">
+              <p14:nvContentPartPr>
+                <p14:cNvPr id="41" name="Ink 40">
+                  <a:extLst>
+                    <a:ext uri="{FF2B5EF4-FFF2-40B4-BE49-F238E27FC236}">
+                      <a16:creationId xmlns:a16="http://schemas.microsoft.com/office/drawing/2014/main" id="{2955C0D3-EB27-57FC-6B59-FF67523E1597}"/>
+                    </a:ext>
+                  </a:extLst>
+                </p14:cNvPr>
+                <p14:cNvContentPartPr/>
+                <p14:nvPr/>
+              </p14:nvContentPartPr>
+              <p14:xfrm>
+                <a:off x="2781180" y="4034340"/>
+                <a:ext cx="11160" cy="223560"/>
+              </p14:xfrm>
+            </p:contentPart>
+          </mc:Choice>
+          <mc:Fallback>
+            <p:pic>
+              <p:nvPicPr>
+                <p:cNvPr id="41" name="Ink 40">
+                  <a:extLst>
+                    <a:ext uri="{FF2B5EF4-FFF2-40B4-BE49-F238E27FC236}">
+                      <a16:creationId xmlns:a16="http://schemas.microsoft.com/office/drawing/2014/main" id="{2955C0D3-EB27-57FC-6B59-FF67523E1597}"/>
+                    </a:ext>
+                  </a:extLst>
+                </p:cNvPr>
+                <p:cNvPicPr/>
+                <p:nvPr/>
+              </p:nvPicPr>
+              <p:blipFill>
+                <a:blip r:embed="rId33"/>
+                <a:stretch>
+                  <a:fillRect/>
+                </a:stretch>
+              </p:blipFill>
+              <p:spPr>
+                <a:xfrm>
+                  <a:off x="2775060" y="4028220"/>
+                  <a:ext cx="23400" cy="235800"/>
+                </a:xfrm>
+                <a:prstGeom prst="rect">
+                  <a:avLst/>
+                </a:prstGeom>
+              </p:spPr>
+            </p:pic>
+          </mc:Fallback>
+        </mc:AlternateContent>
+        <mc:AlternateContent xmlns:mc="http://schemas.openxmlformats.org/markup-compatibility/2006">
+          <mc:Choice xmlns:p14="http://schemas.microsoft.com/office/powerpoint/2010/main" Requires="p14">
+            <p:contentPart p14:bwMode="auto" r:id="rId34">
+              <p14:nvContentPartPr>
+                <p14:cNvPr id="42" name="Ink 41">
+                  <a:extLst>
+                    <a:ext uri="{FF2B5EF4-FFF2-40B4-BE49-F238E27FC236}">
+                      <a16:creationId xmlns:a16="http://schemas.microsoft.com/office/drawing/2014/main" id="{A6A27FE7-FB79-2E16-6744-7678209E6608}"/>
+                    </a:ext>
+                  </a:extLst>
+                </p14:cNvPr>
+                <p14:cNvContentPartPr/>
+                <p14:nvPr/>
+              </p14:nvContentPartPr>
+              <p14:xfrm>
+                <a:off x="2742660" y="4042620"/>
+                <a:ext cx="93240" cy="88200"/>
+              </p14:xfrm>
+            </p:contentPart>
+          </mc:Choice>
+          <mc:Fallback>
+            <p:pic>
+              <p:nvPicPr>
+                <p:cNvPr id="42" name="Ink 41">
+                  <a:extLst>
+                    <a:ext uri="{FF2B5EF4-FFF2-40B4-BE49-F238E27FC236}">
+                      <a16:creationId xmlns:a16="http://schemas.microsoft.com/office/drawing/2014/main" id="{A6A27FE7-FB79-2E16-6744-7678209E6608}"/>
+                    </a:ext>
+                  </a:extLst>
+                </p:cNvPr>
+                <p:cNvPicPr/>
+                <p:nvPr/>
+              </p:nvPicPr>
+              <p:blipFill>
+                <a:blip r:embed="rId35"/>
+                <a:stretch>
+                  <a:fillRect/>
+                </a:stretch>
+              </p:blipFill>
+              <p:spPr>
+                <a:xfrm>
+                  <a:off x="2736540" y="4036500"/>
+                  <a:ext cx="105480" cy="100440"/>
+                </a:xfrm>
+                <a:prstGeom prst="rect">
+                  <a:avLst/>
+                </a:prstGeom>
+              </p:spPr>
+            </p:pic>
+          </mc:Fallback>
+        </mc:AlternateContent>
+        <mc:AlternateContent xmlns:mc="http://schemas.openxmlformats.org/markup-compatibility/2006">
+          <mc:Choice xmlns:p14="http://schemas.microsoft.com/office/powerpoint/2010/main" Requires="p14">
+            <p:contentPart p14:bwMode="auto" r:id="rId36">
+              <p14:nvContentPartPr>
+                <p14:cNvPr id="39" name="Ink 38">
+                  <a:extLst>
+                    <a:ext uri="{FF2B5EF4-FFF2-40B4-BE49-F238E27FC236}">
+                      <a16:creationId xmlns:a16="http://schemas.microsoft.com/office/drawing/2014/main" id="{1711B58A-2E29-200A-7BD2-D95977B1CE94}"/>
+                    </a:ext>
+                  </a:extLst>
+                </p14:cNvPr>
+                <p14:cNvContentPartPr/>
+                <p14:nvPr/>
+              </p14:nvContentPartPr>
+              <p14:xfrm>
+                <a:off x="2329740" y="4063860"/>
+                <a:ext cx="14040" cy="195480"/>
+              </p14:xfrm>
+            </p:contentPart>
+          </mc:Choice>
+          <mc:Fallback>
+            <p:pic>
+              <p:nvPicPr>
+                <p:cNvPr id="39" name="Ink 38">
+                  <a:extLst>
+                    <a:ext uri="{FF2B5EF4-FFF2-40B4-BE49-F238E27FC236}">
+                      <a16:creationId xmlns:a16="http://schemas.microsoft.com/office/drawing/2014/main" id="{1711B58A-2E29-200A-7BD2-D95977B1CE94}"/>
+                    </a:ext>
+                  </a:extLst>
+                </p:cNvPr>
+                <p:cNvPicPr/>
+                <p:nvPr/>
+              </p:nvPicPr>
+              <p:blipFill>
+                <a:blip r:embed="rId37"/>
+                <a:stretch>
+                  <a:fillRect/>
+                </a:stretch>
+              </p:blipFill>
+              <p:spPr>
+                <a:xfrm>
+                  <a:off x="2323620" y="4057740"/>
+                  <a:ext cx="26280" cy="207720"/>
+                </a:xfrm>
+                <a:prstGeom prst="rect">
+                  <a:avLst/>
+                </a:prstGeom>
+              </p:spPr>
+            </p:pic>
+          </mc:Fallback>
+        </mc:AlternateContent>
+        <mc:AlternateContent xmlns:mc="http://schemas.openxmlformats.org/markup-compatibility/2006">
+          <mc:Choice xmlns:p14="http://schemas.microsoft.com/office/powerpoint/2010/main" Requires="p14">
+            <p:contentPart p14:bwMode="auto" r:id="rId38">
+              <p14:nvContentPartPr>
+                <p14:cNvPr id="40" name="Ink 39">
+                  <a:extLst>
+                    <a:ext uri="{FF2B5EF4-FFF2-40B4-BE49-F238E27FC236}">
+                      <a16:creationId xmlns:a16="http://schemas.microsoft.com/office/drawing/2014/main" id="{6CD96AD7-FC5C-5464-809B-A0CC1414A599}"/>
+                    </a:ext>
+                  </a:extLst>
+                </p14:cNvPr>
+                <p14:cNvContentPartPr/>
+                <p14:nvPr/>
+              </p14:nvContentPartPr>
+              <p14:xfrm>
+                <a:off x="2299500" y="4064940"/>
+                <a:ext cx="97560" cy="84240"/>
+              </p14:xfrm>
+            </p:contentPart>
+          </mc:Choice>
+          <mc:Fallback>
+            <p:pic>
+              <p:nvPicPr>
+                <p:cNvPr id="40" name="Ink 39">
+                  <a:extLst>
+                    <a:ext uri="{FF2B5EF4-FFF2-40B4-BE49-F238E27FC236}">
+                      <a16:creationId xmlns:a16="http://schemas.microsoft.com/office/drawing/2014/main" id="{6CD96AD7-FC5C-5464-809B-A0CC1414A599}"/>
+                    </a:ext>
+                  </a:extLst>
+                </p:cNvPr>
+                <p:cNvPicPr/>
+                <p:nvPr/>
+              </p:nvPicPr>
+              <p:blipFill>
+                <a:blip r:embed="rId39"/>
+                <a:stretch>
+                  <a:fillRect/>
+                </a:stretch>
+              </p:blipFill>
+              <p:spPr>
+                <a:xfrm>
+                  <a:off x="2293380" y="4058820"/>
+                  <a:ext cx="109800" cy="96480"/>
+                </a:xfrm>
+                <a:prstGeom prst="rect">
+                  <a:avLst/>
+                </a:prstGeom>
+              </p:spPr>
+            </p:pic>
+          </mc:Fallback>
+        </mc:AlternateContent>
+        <mc:AlternateContent xmlns:mc="http://schemas.openxmlformats.org/markup-compatibility/2006">
+          <mc:Choice xmlns:p14="http://schemas.microsoft.com/office/powerpoint/2010/main" Requires="p14">
+            <p:contentPart p14:bwMode="auto" r:id="rId40">
+              <p14:nvContentPartPr>
+                <p14:cNvPr id="45" name="Ink 44">
+                  <a:extLst>
+                    <a:ext uri="{FF2B5EF4-FFF2-40B4-BE49-F238E27FC236}">
+                      <a16:creationId xmlns:a16="http://schemas.microsoft.com/office/drawing/2014/main" id="{6CB29CFD-74C5-BAF8-D24B-0A3707CE53B6}"/>
+                    </a:ext>
+                  </a:extLst>
+                </p14:cNvPr>
+                <p14:cNvContentPartPr/>
+                <p14:nvPr/>
+              </p14:nvContentPartPr>
+              <p14:xfrm>
+                <a:off x="2296620" y="4071420"/>
+                <a:ext cx="92520" cy="123480"/>
+              </p14:xfrm>
+            </p:contentPart>
+          </mc:Choice>
+          <mc:Fallback>
+            <p:pic>
+              <p:nvPicPr>
+                <p:cNvPr id="45" name="Ink 44">
+                  <a:extLst>
+                    <a:ext uri="{FF2B5EF4-FFF2-40B4-BE49-F238E27FC236}">
+                      <a16:creationId xmlns:a16="http://schemas.microsoft.com/office/drawing/2014/main" id="{6CB29CFD-74C5-BAF8-D24B-0A3707CE53B6}"/>
+                    </a:ext>
+                  </a:extLst>
+                </p:cNvPr>
+                <p:cNvPicPr/>
+                <p:nvPr/>
+              </p:nvPicPr>
+              <p:blipFill>
+                <a:blip r:embed="rId41"/>
+                <a:stretch>
+                  <a:fillRect/>
+                </a:stretch>
+              </p:blipFill>
+              <p:spPr>
+                <a:xfrm>
+                  <a:off x="2290500" y="4065300"/>
+                  <a:ext cx="104760" cy="135720"/>
+                </a:xfrm>
+                <a:prstGeom prst="rect">
+                  <a:avLst/>
+                </a:prstGeom>
+              </p:spPr>
+            </p:pic>
+          </mc:Fallback>
+        </mc:AlternateContent>
+        <mc:AlternateContent xmlns:mc="http://schemas.openxmlformats.org/markup-compatibility/2006">
+          <mc:Choice xmlns:p14="http://schemas.microsoft.com/office/powerpoint/2010/main" Requires="p14">
+            <p:contentPart p14:bwMode="auto" r:id="rId42">
+              <p14:nvContentPartPr>
+                <p14:cNvPr id="50" name="Ink 49">
+                  <a:extLst>
+                    <a:ext uri="{FF2B5EF4-FFF2-40B4-BE49-F238E27FC236}">
+                      <a16:creationId xmlns:a16="http://schemas.microsoft.com/office/drawing/2014/main" id="{CCE9731A-77F6-AED6-0807-7CC56F0B1941}"/>
+                    </a:ext>
+                  </a:extLst>
+                </p14:cNvPr>
+                <p14:cNvContentPartPr/>
+                <p14:nvPr/>
+              </p14:nvContentPartPr>
+              <p14:xfrm>
+                <a:off x="2187540" y="3383460"/>
+                <a:ext cx="404280" cy="268560"/>
+              </p14:xfrm>
+            </p:contentPart>
+          </mc:Choice>
+          <mc:Fallback>
+            <p:pic>
+              <p:nvPicPr>
+                <p:cNvPr id="50" name="Ink 49">
+                  <a:extLst>
+                    <a:ext uri="{FF2B5EF4-FFF2-40B4-BE49-F238E27FC236}">
+                      <a16:creationId xmlns:a16="http://schemas.microsoft.com/office/drawing/2014/main" id="{CCE9731A-77F6-AED6-0807-7CC56F0B1941}"/>
+                    </a:ext>
+                  </a:extLst>
+                </p:cNvPr>
+                <p:cNvPicPr/>
+                <p:nvPr/>
+              </p:nvPicPr>
+              <p:blipFill>
+                <a:blip r:embed="rId43"/>
+                <a:stretch>
+                  <a:fillRect/>
+                </a:stretch>
+              </p:blipFill>
+              <p:spPr>
+                <a:xfrm>
+                  <a:off x="2181420" y="3377340"/>
+                  <a:ext cx="416520" cy="280800"/>
+                </a:xfrm>
+                <a:prstGeom prst="rect">
+                  <a:avLst/>
+                </a:prstGeom>
+              </p:spPr>
+            </p:pic>
+          </mc:Fallback>
+        </mc:AlternateContent>
+        <mc:AlternateContent xmlns:mc="http://schemas.openxmlformats.org/markup-compatibility/2006">
+          <mc:Choice xmlns:p14="http://schemas.microsoft.com/office/powerpoint/2010/main" Requires="p14">
+            <p:contentPart p14:bwMode="auto" r:id="rId44">
+              <p14:nvContentPartPr>
+                <p14:cNvPr id="51" name="Ink 50">
+                  <a:extLst>
+                    <a:ext uri="{FF2B5EF4-FFF2-40B4-BE49-F238E27FC236}">
+                      <a16:creationId xmlns:a16="http://schemas.microsoft.com/office/drawing/2014/main" id="{7D020777-3554-03E1-D8ED-57067F9C9D92}"/>
+                    </a:ext>
+                  </a:extLst>
+                </p14:cNvPr>
+                <p14:cNvContentPartPr/>
+                <p14:nvPr/>
+              </p14:nvContentPartPr>
+              <p14:xfrm>
+                <a:off x="2208420" y="3768660"/>
+                <a:ext cx="310320" cy="263520"/>
+              </p14:xfrm>
+            </p:contentPart>
+          </mc:Choice>
+          <mc:Fallback>
+            <p:pic>
+              <p:nvPicPr>
+                <p:cNvPr id="51" name="Ink 50">
+                  <a:extLst>
+                    <a:ext uri="{FF2B5EF4-FFF2-40B4-BE49-F238E27FC236}">
+                      <a16:creationId xmlns:a16="http://schemas.microsoft.com/office/drawing/2014/main" id="{7D020777-3554-03E1-D8ED-57067F9C9D92}"/>
+                    </a:ext>
+                  </a:extLst>
+                </p:cNvPr>
+                <p:cNvPicPr/>
+                <p:nvPr/>
+              </p:nvPicPr>
+              <p:blipFill>
+                <a:blip r:embed="rId45"/>
+                <a:stretch>
+                  <a:fillRect/>
+                </a:stretch>
+              </p:blipFill>
+              <p:spPr>
+                <a:xfrm>
+                  <a:off x="2202300" y="3762540"/>
+                  <a:ext cx="322560" cy="275760"/>
+                </a:xfrm>
+                <a:prstGeom prst="rect">
+                  <a:avLst/>
+                </a:prstGeom>
+              </p:spPr>
+            </p:pic>
+          </mc:Fallback>
+        </mc:AlternateContent>
+        <mc:AlternateContent xmlns:mc="http://schemas.openxmlformats.org/markup-compatibility/2006">
+          <mc:Choice xmlns:p14="http://schemas.microsoft.com/office/powerpoint/2010/main" Requires="p14">
+            <p:contentPart p14:bwMode="auto" r:id="rId46">
+              <p14:nvContentPartPr>
+                <p14:cNvPr id="53" name="Ink 52">
+                  <a:extLst>
+                    <a:ext uri="{FF2B5EF4-FFF2-40B4-BE49-F238E27FC236}">
+                      <a16:creationId xmlns:a16="http://schemas.microsoft.com/office/drawing/2014/main" id="{0990E5AF-93B5-13B4-B062-A100EC1D19A2}"/>
+                    </a:ext>
+                  </a:extLst>
+                </p14:cNvPr>
+                <p14:cNvContentPartPr/>
+                <p14:nvPr/>
+              </p14:nvContentPartPr>
+              <p14:xfrm>
+                <a:off x="2763180" y="3596940"/>
+                <a:ext cx="11160" cy="3600"/>
+              </p14:xfrm>
+            </p:contentPart>
+          </mc:Choice>
+          <mc:Fallback>
+            <p:pic>
+              <p:nvPicPr>
+                <p:cNvPr id="53" name="Ink 52">
+                  <a:extLst>
+                    <a:ext uri="{FF2B5EF4-FFF2-40B4-BE49-F238E27FC236}">
+                      <a16:creationId xmlns:a16="http://schemas.microsoft.com/office/drawing/2014/main" id="{0990E5AF-93B5-13B4-B062-A100EC1D19A2}"/>
+                    </a:ext>
+                  </a:extLst>
+                </p:cNvPr>
+                <p:cNvPicPr/>
+                <p:nvPr/>
+              </p:nvPicPr>
+              <p:blipFill>
+                <a:blip r:embed="rId47"/>
+                <a:stretch>
+                  <a:fillRect/>
+                </a:stretch>
+              </p:blipFill>
+              <p:spPr>
+                <a:xfrm>
+                  <a:off x="2757060" y="3590820"/>
+                  <a:ext cx="23400" cy="15840"/>
+                </a:xfrm>
+                <a:prstGeom prst="rect">
+                  <a:avLst/>
+                </a:prstGeom>
+              </p:spPr>
+            </p:pic>
+          </mc:Fallback>
+        </mc:AlternateContent>
+        <mc:AlternateContent xmlns:mc="http://schemas.openxmlformats.org/markup-compatibility/2006">
+          <mc:Choice xmlns:p14="http://schemas.microsoft.com/office/powerpoint/2010/main" Requires="p14">
+            <p:contentPart p14:bwMode="auto" r:id="rId48">
+              <p14:nvContentPartPr>
+                <p14:cNvPr id="54" name="Ink 53">
+                  <a:extLst>
+                    <a:ext uri="{FF2B5EF4-FFF2-40B4-BE49-F238E27FC236}">
+                      <a16:creationId xmlns:a16="http://schemas.microsoft.com/office/drawing/2014/main" id="{471F1046-815A-DAF9-514A-DAB879B6CECC}"/>
+                    </a:ext>
+                  </a:extLst>
+                </p14:cNvPr>
+                <p14:cNvContentPartPr/>
+                <p14:nvPr/>
+              </p14:nvContentPartPr>
+              <p14:xfrm>
+                <a:off x="2803860" y="3597300"/>
+                <a:ext cx="47880" cy="11520"/>
+              </p14:xfrm>
+            </p:contentPart>
+          </mc:Choice>
+          <mc:Fallback>
+            <p:pic>
+              <p:nvPicPr>
+                <p:cNvPr id="54" name="Ink 53">
+                  <a:extLst>
+                    <a:ext uri="{FF2B5EF4-FFF2-40B4-BE49-F238E27FC236}">
+                      <a16:creationId xmlns:a16="http://schemas.microsoft.com/office/drawing/2014/main" id="{471F1046-815A-DAF9-514A-DAB879B6CECC}"/>
+                    </a:ext>
+                  </a:extLst>
+                </p:cNvPr>
+                <p:cNvPicPr/>
+                <p:nvPr/>
+              </p:nvPicPr>
+              <p:blipFill>
+                <a:blip r:embed="rId49"/>
+                <a:stretch>
+                  <a:fillRect/>
+                </a:stretch>
+              </p:blipFill>
+              <p:spPr>
+                <a:xfrm>
+                  <a:off x="2797740" y="3591180"/>
+                  <a:ext cx="60120" cy="23760"/>
+                </a:xfrm>
+                <a:prstGeom prst="rect">
+                  <a:avLst/>
+                </a:prstGeom>
+              </p:spPr>
+            </p:pic>
+          </mc:Fallback>
+        </mc:AlternateContent>
+        <mc:AlternateContent xmlns:mc="http://schemas.openxmlformats.org/markup-compatibility/2006">
+          <mc:Choice xmlns:p14="http://schemas.microsoft.com/office/powerpoint/2010/main" Requires="p14">
+            <p:contentPart p14:bwMode="auto" r:id="rId50">
+              <p14:nvContentPartPr>
+                <p14:cNvPr id="55" name="Ink 54">
+                  <a:extLst>
+                    <a:ext uri="{FF2B5EF4-FFF2-40B4-BE49-F238E27FC236}">
+                      <a16:creationId xmlns:a16="http://schemas.microsoft.com/office/drawing/2014/main" id="{32D0CF00-A0EB-CD79-28CE-23A891E31F97}"/>
+                    </a:ext>
+                  </a:extLst>
+                </p14:cNvPr>
+                <p14:cNvContentPartPr/>
+                <p14:nvPr/>
+              </p14:nvContentPartPr>
+              <p14:xfrm>
+                <a:off x="2920500" y="3589020"/>
+                <a:ext cx="25560" cy="40680"/>
+              </p14:xfrm>
+            </p:contentPart>
+          </mc:Choice>
+          <mc:Fallback>
+            <p:pic>
+              <p:nvPicPr>
+                <p:cNvPr id="55" name="Ink 54">
+                  <a:extLst>
+                    <a:ext uri="{FF2B5EF4-FFF2-40B4-BE49-F238E27FC236}">
+                      <a16:creationId xmlns:a16="http://schemas.microsoft.com/office/drawing/2014/main" id="{32D0CF00-A0EB-CD79-28CE-23A891E31F97}"/>
+                    </a:ext>
+                  </a:extLst>
+                </p:cNvPr>
+                <p:cNvPicPr/>
+                <p:nvPr/>
+              </p:nvPicPr>
+              <p:blipFill>
+                <a:blip r:embed="rId51"/>
+                <a:stretch>
+                  <a:fillRect/>
+                </a:stretch>
+              </p:blipFill>
+              <p:spPr>
+                <a:xfrm>
+                  <a:off x="2914380" y="3582900"/>
+                  <a:ext cx="37800" cy="52920"/>
+                </a:xfrm>
+                <a:prstGeom prst="rect">
+                  <a:avLst/>
+                </a:prstGeom>
+              </p:spPr>
+            </p:pic>
+          </mc:Fallback>
+        </mc:AlternateContent>
+        <mc:AlternateContent xmlns:mc="http://schemas.openxmlformats.org/markup-compatibility/2006">
+          <mc:Choice xmlns:p14="http://schemas.microsoft.com/office/powerpoint/2010/main" Requires="p14">
+            <p:contentPart p14:bwMode="auto" r:id="rId52">
+              <p14:nvContentPartPr>
+                <p14:cNvPr id="56" name="Ink 55">
+                  <a:extLst>
+                    <a:ext uri="{FF2B5EF4-FFF2-40B4-BE49-F238E27FC236}">
+                      <a16:creationId xmlns:a16="http://schemas.microsoft.com/office/drawing/2014/main" id="{4C82A42F-EF5C-8438-CFB6-EA80DD368FA4}"/>
+                    </a:ext>
+                  </a:extLst>
+                </p14:cNvPr>
+                <p14:cNvContentPartPr/>
+                <p14:nvPr/>
+              </p14:nvContentPartPr>
+              <p14:xfrm>
+                <a:off x="2659140" y="3796740"/>
+                <a:ext cx="374760" cy="248760"/>
+              </p14:xfrm>
+            </p:contentPart>
+          </mc:Choice>
+          <mc:Fallback>
+            <p:pic>
+              <p:nvPicPr>
+                <p:cNvPr id="56" name="Ink 55">
+                  <a:extLst>
+                    <a:ext uri="{FF2B5EF4-FFF2-40B4-BE49-F238E27FC236}">
+                      <a16:creationId xmlns:a16="http://schemas.microsoft.com/office/drawing/2014/main" id="{4C82A42F-EF5C-8438-CFB6-EA80DD368FA4}"/>
+                    </a:ext>
+                  </a:extLst>
+                </p:cNvPr>
+                <p:cNvPicPr/>
+                <p:nvPr/>
+              </p:nvPicPr>
+              <p:blipFill>
+                <a:blip r:embed="rId53"/>
+                <a:stretch>
+                  <a:fillRect/>
+                </a:stretch>
+              </p:blipFill>
+              <p:spPr>
+                <a:xfrm>
+                  <a:off x="2653020" y="3790620"/>
+                  <a:ext cx="387000" cy="261000"/>
+                </a:xfrm>
+                <a:prstGeom prst="rect">
+                  <a:avLst/>
+                </a:prstGeom>
+              </p:spPr>
+            </p:pic>
+          </mc:Fallback>
+        </mc:AlternateContent>
+      </p:grpSp>
+      <p:grpSp>
+        <p:nvGrpSpPr>
+          <p:cNvPr id="59" name="Group 58">
+            <a:extLst>
+              <a:ext uri="{FF2B5EF4-FFF2-40B4-BE49-F238E27FC236}">
+                <a16:creationId xmlns:a16="http://schemas.microsoft.com/office/drawing/2014/main" id="{A73CFD70-94A8-9159-CB26-50118974BD95}"/>
+              </a:ext>
+            </a:extLst>
+          </p:cNvPr>
+          <p:cNvGrpSpPr/>
+          <p:nvPr/>
+        </p:nvGrpSpPr>
+        <p:grpSpPr>
+          <a:xfrm>
+            <a:off x="3697020" y="2079900"/>
+            <a:ext cx="1985400" cy="1779840"/>
+            <a:chOff x="3697020" y="2079900"/>
+            <a:chExt cx="1985400" cy="1779840"/>
+          </a:xfrm>
+        </p:grpSpPr>
+        <mc:AlternateContent xmlns:mc="http://schemas.openxmlformats.org/markup-compatibility/2006">
+          <mc:Choice xmlns:p14="http://schemas.microsoft.com/office/powerpoint/2010/main" Requires="p14">
+            <p:contentPart p14:bwMode="auto" r:id="rId54">
+              <p14:nvContentPartPr>
+                <p14:cNvPr id="6" name="Ink 5">
+                  <a:extLst>
+                    <a:ext uri="{FF2B5EF4-FFF2-40B4-BE49-F238E27FC236}">
+                      <a16:creationId xmlns:a16="http://schemas.microsoft.com/office/drawing/2014/main" id="{470101C1-654B-B39E-6A5A-27338202BB40}"/>
+                    </a:ext>
+                  </a:extLst>
+                </p14:cNvPr>
+                <p14:cNvContentPartPr/>
+                <p14:nvPr/>
+              </p14:nvContentPartPr>
+              <p14:xfrm>
+                <a:off x="4147740" y="2118420"/>
+                <a:ext cx="692640" cy="562320"/>
+              </p14:xfrm>
+            </p:contentPart>
+          </mc:Choice>
+          <mc:Fallback>
+            <p:pic>
+              <p:nvPicPr>
+                <p:cNvPr id="6" name="Ink 5">
+                  <a:extLst>
+                    <a:ext uri="{FF2B5EF4-FFF2-40B4-BE49-F238E27FC236}">
+                      <a16:creationId xmlns:a16="http://schemas.microsoft.com/office/drawing/2014/main" id="{470101C1-654B-B39E-6A5A-27338202BB40}"/>
+                    </a:ext>
+                  </a:extLst>
+                </p:cNvPr>
+                <p:cNvPicPr/>
+                <p:nvPr/>
+              </p:nvPicPr>
+              <p:blipFill>
+                <a:blip r:embed="rId55"/>
+                <a:stretch>
+                  <a:fillRect/>
+                </a:stretch>
+              </p:blipFill>
+              <p:spPr>
+                <a:xfrm>
+                  <a:off x="4141620" y="2112300"/>
+                  <a:ext cx="704880" cy="574560"/>
+                </a:xfrm>
+                <a:prstGeom prst="rect">
+                  <a:avLst/>
+                </a:prstGeom>
+              </p:spPr>
+            </p:pic>
+          </mc:Fallback>
+        </mc:AlternateContent>
+        <mc:AlternateContent xmlns:mc="http://schemas.openxmlformats.org/markup-compatibility/2006">
+          <mc:Choice xmlns:p14="http://schemas.microsoft.com/office/powerpoint/2010/main" Requires="p14">
+            <p:contentPart p14:bwMode="auto" r:id="rId56">
+              <p14:nvContentPartPr>
+                <p14:cNvPr id="16" name="Ink 15">
+                  <a:extLst>
+                    <a:ext uri="{FF2B5EF4-FFF2-40B4-BE49-F238E27FC236}">
+                      <a16:creationId xmlns:a16="http://schemas.microsoft.com/office/drawing/2014/main" id="{A99D4112-9492-F21E-80F4-E13D2EB7B803}"/>
+                    </a:ext>
+                  </a:extLst>
+                </p14:cNvPr>
+                <p14:cNvContentPartPr/>
+                <p14:nvPr/>
+              </p14:nvContentPartPr>
+              <p14:xfrm>
+                <a:off x="4682700" y="2539260"/>
+                <a:ext cx="671760" cy="1320480"/>
+              </p14:xfrm>
+            </p:contentPart>
+          </mc:Choice>
+          <mc:Fallback>
+            <p:pic>
+              <p:nvPicPr>
+                <p:cNvPr id="16" name="Ink 15">
+                  <a:extLst>
+                    <a:ext uri="{FF2B5EF4-FFF2-40B4-BE49-F238E27FC236}">
+                      <a16:creationId xmlns:a16="http://schemas.microsoft.com/office/drawing/2014/main" id="{A99D4112-9492-F21E-80F4-E13D2EB7B803}"/>
+                    </a:ext>
+                  </a:extLst>
+                </p:cNvPr>
+                <p:cNvPicPr/>
+                <p:nvPr/>
+              </p:nvPicPr>
+              <p:blipFill>
+                <a:blip r:embed="rId57"/>
+                <a:stretch>
+                  <a:fillRect/>
+                </a:stretch>
+              </p:blipFill>
+              <p:spPr>
+                <a:xfrm>
+                  <a:off x="4676580" y="2533140"/>
+                  <a:ext cx="684000" cy="1332720"/>
+                </a:xfrm>
+                <a:prstGeom prst="rect">
+                  <a:avLst/>
+                </a:prstGeom>
+              </p:spPr>
+            </p:pic>
+          </mc:Fallback>
+        </mc:AlternateContent>
+        <mc:AlternateContent xmlns:mc="http://schemas.openxmlformats.org/markup-compatibility/2006">
+          <mc:Choice xmlns:p14="http://schemas.microsoft.com/office/powerpoint/2010/main" Requires="p14">
+            <p:contentPart p14:bwMode="auto" r:id="rId58">
+              <p14:nvContentPartPr>
+                <p14:cNvPr id="20" name="Ink 19">
+                  <a:extLst>
+                    <a:ext uri="{FF2B5EF4-FFF2-40B4-BE49-F238E27FC236}">
+                      <a16:creationId xmlns:a16="http://schemas.microsoft.com/office/drawing/2014/main" id="{FA00E16D-CA66-8631-9A5A-4A5243E53CA7}"/>
+                    </a:ext>
+                  </a:extLst>
+                </p14:cNvPr>
+                <p14:cNvContentPartPr/>
+                <p14:nvPr/>
+              </p14:nvContentPartPr>
+              <p14:xfrm>
+                <a:off x="5161140" y="3292020"/>
+                <a:ext cx="521280" cy="429120"/>
+              </p14:xfrm>
+            </p:contentPart>
+          </mc:Choice>
+          <mc:Fallback>
+            <p:pic>
+              <p:nvPicPr>
+                <p:cNvPr id="20" name="Ink 19">
+                  <a:extLst>
+                    <a:ext uri="{FF2B5EF4-FFF2-40B4-BE49-F238E27FC236}">
+                      <a16:creationId xmlns:a16="http://schemas.microsoft.com/office/drawing/2014/main" id="{FA00E16D-CA66-8631-9A5A-4A5243E53CA7}"/>
+                    </a:ext>
+                  </a:extLst>
+                </p:cNvPr>
+                <p:cNvPicPr/>
+                <p:nvPr/>
+              </p:nvPicPr>
+              <p:blipFill>
+                <a:blip r:embed="rId59"/>
+                <a:stretch>
+                  <a:fillRect/>
+                </a:stretch>
+              </p:blipFill>
+              <p:spPr>
+                <a:xfrm>
+                  <a:off x="5155020" y="3285900"/>
+                  <a:ext cx="533520" cy="441360"/>
+                </a:xfrm>
+                <a:prstGeom prst="rect">
+                  <a:avLst/>
+                </a:prstGeom>
+              </p:spPr>
+            </p:pic>
+          </mc:Fallback>
+        </mc:AlternateContent>
+        <mc:AlternateContent xmlns:mc="http://schemas.openxmlformats.org/markup-compatibility/2006">
+          <mc:Choice xmlns:p14="http://schemas.microsoft.com/office/powerpoint/2010/main" Requires="p14">
+            <p:contentPart p14:bwMode="auto" r:id="rId60">
+              <p14:nvContentPartPr>
+                <p14:cNvPr id="22" name="Ink 21">
+                  <a:extLst>
+                    <a:ext uri="{FF2B5EF4-FFF2-40B4-BE49-F238E27FC236}">
+                      <a16:creationId xmlns:a16="http://schemas.microsoft.com/office/drawing/2014/main" id="{0F244B6C-E502-38FF-9DF3-A1A78446C8B3}"/>
+                    </a:ext>
+                  </a:extLst>
+                </p14:cNvPr>
+                <p14:cNvContentPartPr/>
+                <p14:nvPr/>
+              </p14:nvContentPartPr>
+              <p14:xfrm>
+                <a:off x="5211180" y="3568860"/>
+                <a:ext cx="389160" cy="220680"/>
+              </p14:xfrm>
+            </p:contentPart>
+          </mc:Choice>
+          <mc:Fallback>
+            <p:pic>
+              <p:nvPicPr>
+                <p:cNvPr id="22" name="Ink 21">
+                  <a:extLst>
+                    <a:ext uri="{FF2B5EF4-FFF2-40B4-BE49-F238E27FC236}">
+                      <a16:creationId xmlns:a16="http://schemas.microsoft.com/office/drawing/2014/main" id="{0F244B6C-E502-38FF-9DF3-A1A78446C8B3}"/>
+                    </a:ext>
+                  </a:extLst>
+                </p:cNvPr>
+                <p:cNvPicPr/>
+                <p:nvPr/>
+              </p:nvPicPr>
+              <p:blipFill>
+                <a:blip r:embed="rId61"/>
+                <a:stretch>
+                  <a:fillRect/>
+                </a:stretch>
+              </p:blipFill>
+              <p:spPr>
+                <a:xfrm>
+                  <a:off x="5205060" y="3562740"/>
+                  <a:ext cx="401400" cy="232920"/>
+                </a:xfrm>
+                <a:prstGeom prst="rect">
+                  <a:avLst/>
+                </a:prstGeom>
+              </p:spPr>
+            </p:pic>
+          </mc:Fallback>
+        </mc:AlternateContent>
+        <mc:AlternateContent xmlns:mc="http://schemas.openxmlformats.org/markup-compatibility/2006">
+          <mc:Choice xmlns:p14="http://schemas.microsoft.com/office/powerpoint/2010/main" Requires="p14">
+            <p:contentPart p14:bwMode="auto" r:id="rId62">
+              <p14:nvContentPartPr>
+                <p14:cNvPr id="23" name="Ink 22">
+                  <a:extLst>
+                    <a:ext uri="{FF2B5EF4-FFF2-40B4-BE49-F238E27FC236}">
+                      <a16:creationId xmlns:a16="http://schemas.microsoft.com/office/drawing/2014/main" id="{9C6915B6-50A0-4FAD-FFAA-CD7743845096}"/>
+                    </a:ext>
+                  </a:extLst>
+                </p14:cNvPr>
+                <p14:cNvContentPartPr/>
+                <p14:nvPr/>
+              </p14:nvContentPartPr>
+              <p14:xfrm>
+                <a:off x="5203620" y="3495060"/>
+                <a:ext cx="194040" cy="106560"/>
+              </p14:xfrm>
+            </p:contentPart>
+          </mc:Choice>
+          <mc:Fallback>
+            <p:pic>
+              <p:nvPicPr>
+                <p:cNvPr id="23" name="Ink 22">
+                  <a:extLst>
+                    <a:ext uri="{FF2B5EF4-FFF2-40B4-BE49-F238E27FC236}">
+                      <a16:creationId xmlns:a16="http://schemas.microsoft.com/office/drawing/2014/main" id="{9C6915B6-50A0-4FAD-FFAA-CD7743845096}"/>
+                    </a:ext>
+                  </a:extLst>
+                </p:cNvPr>
+                <p:cNvPicPr/>
+                <p:nvPr/>
+              </p:nvPicPr>
+              <p:blipFill>
+                <a:blip r:embed="rId63"/>
+                <a:stretch>
+                  <a:fillRect/>
+                </a:stretch>
+              </p:blipFill>
+              <p:spPr>
+                <a:xfrm>
+                  <a:off x="5197500" y="3488940"/>
+                  <a:ext cx="206280" cy="118800"/>
+                </a:xfrm>
+                <a:prstGeom prst="rect">
+                  <a:avLst/>
+                </a:prstGeom>
+              </p:spPr>
+            </p:pic>
+          </mc:Fallback>
+        </mc:AlternateContent>
+        <mc:AlternateContent xmlns:mc="http://schemas.openxmlformats.org/markup-compatibility/2006">
+          <mc:Choice xmlns:p14="http://schemas.microsoft.com/office/powerpoint/2010/main" Requires="p14">
+            <p:contentPart p14:bwMode="auto" r:id="rId64">
+              <p14:nvContentPartPr>
+                <p14:cNvPr id="58" name="Ink 57">
+                  <a:extLst>
+                    <a:ext uri="{FF2B5EF4-FFF2-40B4-BE49-F238E27FC236}">
+                      <a16:creationId xmlns:a16="http://schemas.microsoft.com/office/drawing/2014/main" id="{C9C052DD-5C85-EB3F-21DD-CF52BFC587E7}"/>
+                    </a:ext>
+                  </a:extLst>
+                </p14:cNvPr>
+                <p14:cNvContentPartPr/>
+                <p14:nvPr/>
+              </p14:nvContentPartPr>
+              <p14:xfrm>
+                <a:off x="3697020" y="2079900"/>
+                <a:ext cx="754920" cy="561240"/>
+              </p14:xfrm>
+            </p:contentPart>
+          </mc:Choice>
+          <mc:Fallback>
+            <p:pic>
+              <p:nvPicPr>
+                <p:cNvPr id="58" name="Ink 57">
+                  <a:extLst>
+                    <a:ext uri="{FF2B5EF4-FFF2-40B4-BE49-F238E27FC236}">
+                      <a16:creationId xmlns:a16="http://schemas.microsoft.com/office/drawing/2014/main" id="{C9C052DD-5C85-EB3F-21DD-CF52BFC587E7}"/>
+                    </a:ext>
+                  </a:extLst>
+                </p:cNvPr>
+                <p:cNvPicPr/>
+                <p:nvPr/>
+              </p:nvPicPr>
+              <p:blipFill>
+                <a:blip r:embed="rId65"/>
+                <a:stretch>
+                  <a:fillRect/>
+                </a:stretch>
+              </p:blipFill>
+              <p:spPr>
+                <a:xfrm>
+                  <a:off x="3690900" y="2073780"/>
+                  <a:ext cx="767160" cy="573480"/>
+                </a:xfrm>
+                <a:prstGeom prst="rect">
+                  <a:avLst/>
+                </a:prstGeom>
+              </p:spPr>
+            </p:pic>
+          </mc:Fallback>
+        </mc:AlternateContent>
+      </p:grpSp>
+      <p:grpSp>
+        <p:nvGrpSpPr>
+          <p:cNvPr id="278" name="Group 277">
+            <a:extLst>
+              <a:ext uri="{FF2B5EF4-FFF2-40B4-BE49-F238E27FC236}">
+                <a16:creationId xmlns:a16="http://schemas.microsoft.com/office/drawing/2014/main" id="{720B0EBE-6B53-06CE-4B7F-5DC0FAA6FB60}"/>
+              </a:ext>
+            </a:extLst>
+          </p:cNvPr>
+          <p:cNvGrpSpPr/>
+          <p:nvPr/>
+        </p:nvGrpSpPr>
+        <p:grpSpPr>
+          <a:xfrm>
+            <a:off x="529740" y="2322900"/>
+            <a:ext cx="730440" cy="37440"/>
+            <a:chOff x="529740" y="2322900"/>
+            <a:chExt cx="730440" cy="37440"/>
+          </a:xfrm>
+        </p:grpSpPr>
+        <mc:AlternateContent xmlns:mc="http://schemas.openxmlformats.org/markup-compatibility/2006">
+          <mc:Choice xmlns:p14="http://schemas.microsoft.com/office/powerpoint/2010/main" Requires="p14">
+            <p:contentPart p14:bwMode="auto" r:id="rId66">
+              <p14:nvContentPartPr>
+                <p14:cNvPr id="261" name="Ink 260">
+                  <a:extLst>
+                    <a:ext uri="{FF2B5EF4-FFF2-40B4-BE49-F238E27FC236}">
+                      <a16:creationId xmlns:a16="http://schemas.microsoft.com/office/drawing/2014/main" id="{B237C5E3-9A53-A8A5-7BDE-AA9707BACBE1}"/>
+                    </a:ext>
+                  </a:extLst>
+                </p14:cNvPr>
+                <p14:cNvContentPartPr/>
+                <p14:nvPr/>
+              </p14:nvContentPartPr>
+              <p14:xfrm>
+                <a:off x="529740" y="2322900"/>
+                <a:ext cx="98640" cy="15120"/>
+              </p14:xfrm>
+            </p:contentPart>
+          </mc:Choice>
+          <mc:Fallback>
+            <p:pic>
+              <p:nvPicPr>
+                <p:cNvPr id="261" name="Ink 260">
+                  <a:extLst>
+                    <a:ext uri="{FF2B5EF4-FFF2-40B4-BE49-F238E27FC236}">
+                      <a16:creationId xmlns:a16="http://schemas.microsoft.com/office/drawing/2014/main" id="{B237C5E3-9A53-A8A5-7BDE-AA9707BACBE1}"/>
+                    </a:ext>
+                  </a:extLst>
+                </p:cNvPr>
+                <p:cNvPicPr/>
+                <p:nvPr/>
+              </p:nvPicPr>
+              <p:blipFill>
+                <a:blip r:embed="rId67"/>
+                <a:stretch>
+                  <a:fillRect/>
+                </a:stretch>
+              </p:blipFill>
+              <p:spPr>
+                <a:xfrm>
+                  <a:off x="523620" y="2316780"/>
+                  <a:ext cx="110880" cy="27360"/>
+                </a:xfrm>
+                <a:prstGeom prst="rect">
+                  <a:avLst/>
+                </a:prstGeom>
+              </p:spPr>
+            </p:pic>
+          </mc:Fallback>
+        </mc:AlternateContent>
+        <mc:AlternateContent xmlns:mc="http://schemas.openxmlformats.org/markup-compatibility/2006">
+          <mc:Choice xmlns:p14="http://schemas.microsoft.com/office/powerpoint/2010/main" Requires="p14">
+            <p:contentPart p14:bwMode="auto" r:id="rId68">
+              <p14:nvContentPartPr>
+                <p14:cNvPr id="262" name="Ink 261">
+                  <a:extLst>
+                    <a:ext uri="{FF2B5EF4-FFF2-40B4-BE49-F238E27FC236}">
+                      <a16:creationId xmlns:a16="http://schemas.microsoft.com/office/drawing/2014/main" id="{557893AC-D59F-D5F4-46A2-34246C280C5C}"/>
+                    </a:ext>
+                  </a:extLst>
+                </p14:cNvPr>
+                <p14:cNvContentPartPr/>
+                <p14:nvPr/>
+              </p14:nvContentPartPr>
+              <p14:xfrm>
+                <a:off x="715500" y="2326140"/>
+                <a:ext cx="136080" cy="6480"/>
+              </p14:xfrm>
+            </p:contentPart>
+          </mc:Choice>
+          <mc:Fallback>
+            <p:pic>
+              <p:nvPicPr>
+                <p:cNvPr id="262" name="Ink 261">
+                  <a:extLst>
+                    <a:ext uri="{FF2B5EF4-FFF2-40B4-BE49-F238E27FC236}">
+                      <a16:creationId xmlns:a16="http://schemas.microsoft.com/office/drawing/2014/main" id="{557893AC-D59F-D5F4-46A2-34246C280C5C}"/>
+                    </a:ext>
+                  </a:extLst>
+                </p:cNvPr>
+                <p:cNvPicPr/>
+                <p:nvPr/>
+              </p:nvPicPr>
+              <p:blipFill>
+                <a:blip r:embed="rId69"/>
+                <a:stretch>
+                  <a:fillRect/>
+                </a:stretch>
+              </p:blipFill>
+              <p:spPr>
+                <a:xfrm>
+                  <a:off x="709380" y="2320020"/>
+                  <a:ext cx="148320" cy="18720"/>
+                </a:xfrm>
+                <a:prstGeom prst="rect">
+                  <a:avLst/>
+                </a:prstGeom>
+              </p:spPr>
+            </p:pic>
+          </mc:Fallback>
+        </mc:AlternateContent>
+        <mc:AlternateContent xmlns:mc="http://schemas.openxmlformats.org/markup-compatibility/2006">
+          <mc:Choice xmlns:p14="http://schemas.microsoft.com/office/powerpoint/2010/main" Requires="p14">
+            <p:contentPart p14:bwMode="auto" r:id="rId70">
+              <p14:nvContentPartPr>
+                <p14:cNvPr id="263" name="Ink 262">
+                  <a:extLst>
+                    <a:ext uri="{FF2B5EF4-FFF2-40B4-BE49-F238E27FC236}">
+                      <a16:creationId xmlns:a16="http://schemas.microsoft.com/office/drawing/2014/main" id="{33C4AA7F-19A8-B23D-3CE4-73B0CD428B27}"/>
+                    </a:ext>
+                  </a:extLst>
+                </p14:cNvPr>
+                <p14:cNvContentPartPr/>
+                <p14:nvPr/>
+              </p14:nvContentPartPr>
+              <p14:xfrm>
+                <a:off x="967500" y="2343060"/>
+                <a:ext cx="292680" cy="17280"/>
+              </p14:xfrm>
+            </p:contentPart>
+          </mc:Choice>
+          <mc:Fallback>
+            <p:pic>
+              <p:nvPicPr>
+                <p:cNvPr id="263" name="Ink 262">
+                  <a:extLst>
+                    <a:ext uri="{FF2B5EF4-FFF2-40B4-BE49-F238E27FC236}">
+                      <a16:creationId xmlns:a16="http://schemas.microsoft.com/office/drawing/2014/main" id="{33C4AA7F-19A8-B23D-3CE4-73B0CD428B27}"/>
+                    </a:ext>
+                  </a:extLst>
+                </p:cNvPr>
+                <p:cNvPicPr/>
+                <p:nvPr/>
+              </p:nvPicPr>
+              <p:blipFill>
+                <a:blip r:embed="rId71"/>
+                <a:stretch>
+                  <a:fillRect/>
+                </a:stretch>
+              </p:blipFill>
+              <p:spPr>
+                <a:xfrm>
+                  <a:off x="961380" y="2336940"/>
+                  <a:ext cx="304920" cy="29520"/>
+                </a:xfrm>
+                <a:prstGeom prst="rect">
+                  <a:avLst/>
+                </a:prstGeom>
+              </p:spPr>
+            </p:pic>
+          </mc:Fallback>
+        </mc:AlternateContent>
+      </p:grpSp>
+      <mc:AlternateContent xmlns:mc="http://schemas.openxmlformats.org/markup-compatibility/2006">
+        <mc:Choice xmlns:p14="http://schemas.microsoft.com/office/powerpoint/2010/main" Requires="p14">
+          <p:contentPart p14:bwMode="auto" r:id="rId72">
+            <p14:nvContentPartPr>
+              <p14:cNvPr id="274" name="Ink 273">
+                <a:extLst>
+                  <a:ext uri="{FF2B5EF4-FFF2-40B4-BE49-F238E27FC236}">
+                    <a16:creationId xmlns:a16="http://schemas.microsoft.com/office/drawing/2014/main" id="{C562EDF7-59DB-948B-3C9D-8BF927BE9B55}"/>
+                  </a:ext>
+                </a:extLst>
+              </p14:cNvPr>
+              <p14:cNvContentPartPr/>
+              <p14:nvPr/>
+            </p14:nvContentPartPr>
+            <p14:xfrm>
+              <a:off x="2105460" y="2444580"/>
+              <a:ext cx="186120" cy="51480"/>
+            </p14:xfrm>
+          </p:contentPart>
+        </mc:Choice>
+        <mc:Fallback>
+          <p:pic>
+            <p:nvPicPr>
+              <p:cNvPr id="274" name="Ink 273">
+                <a:extLst>
+                  <a:ext uri="{FF2B5EF4-FFF2-40B4-BE49-F238E27FC236}">
+                    <a16:creationId xmlns:a16="http://schemas.microsoft.com/office/drawing/2014/main" id="{C562EDF7-59DB-948B-3C9D-8BF927BE9B55}"/>
+                  </a:ext>
+                </a:extLst>
+              </p:cNvPr>
+              <p:cNvPicPr/>
+              <p:nvPr/>
+            </p:nvPicPr>
+            <p:blipFill>
+              <a:blip r:embed="rId73"/>
+              <a:stretch>
+                <a:fillRect/>
+              </a:stretch>
+            </p:blipFill>
+            <p:spPr>
+              <a:xfrm>
+                <a:off x="2099340" y="2438460"/>
+                <a:ext cx="198360" cy="63720"/>
+              </a:xfrm>
+              <a:prstGeom prst="rect">
+                <a:avLst/>
+              </a:prstGeom>
+            </p:spPr>
+          </p:pic>
+        </mc:Fallback>
+      </mc:AlternateContent>
+      <p:grpSp>
+        <p:nvGrpSpPr>
+          <p:cNvPr id="291" name="Group 290">
+            <a:extLst>
+              <a:ext uri="{FF2B5EF4-FFF2-40B4-BE49-F238E27FC236}">
+                <a16:creationId xmlns:a16="http://schemas.microsoft.com/office/drawing/2014/main" id="{AA10DAA5-8FDA-7ED3-4DC5-D8D675E0EA13}"/>
+              </a:ext>
+            </a:extLst>
+          </p:cNvPr>
+          <p:cNvGrpSpPr/>
+          <p:nvPr/>
+        </p:nvGrpSpPr>
+        <p:grpSpPr>
+          <a:xfrm>
+            <a:off x="414180" y="1725300"/>
+            <a:ext cx="1127160" cy="478440"/>
+            <a:chOff x="414180" y="1725300"/>
+            <a:chExt cx="1127160" cy="478440"/>
+          </a:xfrm>
+        </p:grpSpPr>
+        <mc:AlternateContent xmlns:mc="http://schemas.openxmlformats.org/markup-compatibility/2006">
+          <mc:Choice xmlns:p14="http://schemas.microsoft.com/office/powerpoint/2010/main" Requires="p14">
+            <p:contentPart p14:bwMode="auto" r:id="rId74">
+              <p14:nvContentPartPr>
+                <p14:cNvPr id="257" name="Ink 256">
+                  <a:extLst>
+                    <a:ext uri="{FF2B5EF4-FFF2-40B4-BE49-F238E27FC236}">
+                      <a16:creationId xmlns:a16="http://schemas.microsoft.com/office/drawing/2014/main" id="{06121646-CC24-7BD5-10F6-E371B98097A2}"/>
+                    </a:ext>
+                  </a:extLst>
+                </p14:cNvPr>
+                <p14:cNvContentPartPr/>
+                <p14:nvPr/>
+              </p14:nvContentPartPr>
+              <p14:xfrm>
+                <a:off x="498780" y="2100420"/>
+                <a:ext cx="100080" cy="10800"/>
+              </p14:xfrm>
+            </p:contentPart>
+          </mc:Choice>
+          <mc:Fallback>
+            <p:pic>
+              <p:nvPicPr>
+                <p:cNvPr id="257" name="Ink 256">
+                  <a:extLst>
+                    <a:ext uri="{FF2B5EF4-FFF2-40B4-BE49-F238E27FC236}">
+                      <a16:creationId xmlns:a16="http://schemas.microsoft.com/office/drawing/2014/main" id="{06121646-CC24-7BD5-10F6-E371B98097A2}"/>
+                    </a:ext>
+                  </a:extLst>
+                </p:cNvPr>
+                <p:cNvPicPr/>
+                <p:nvPr/>
+              </p:nvPicPr>
+              <p:blipFill>
+                <a:blip r:embed="rId75"/>
+                <a:stretch>
+                  <a:fillRect/>
+                </a:stretch>
+              </p:blipFill>
+              <p:spPr>
+                <a:xfrm>
+                  <a:off x="492660" y="2094300"/>
+                  <a:ext cx="112320" cy="23040"/>
+                </a:xfrm>
+                <a:prstGeom prst="rect">
+                  <a:avLst/>
+                </a:prstGeom>
+              </p:spPr>
+            </p:pic>
+          </mc:Fallback>
+        </mc:AlternateContent>
+        <mc:AlternateContent xmlns:mc="http://schemas.openxmlformats.org/markup-compatibility/2006">
+          <mc:Choice xmlns:p14="http://schemas.microsoft.com/office/powerpoint/2010/main" Requires="p14">
+            <p:contentPart p14:bwMode="auto" r:id="rId76">
+              <p14:nvContentPartPr>
+                <p14:cNvPr id="258" name="Ink 257">
+                  <a:extLst>
+                    <a:ext uri="{FF2B5EF4-FFF2-40B4-BE49-F238E27FC236}">
+                      <a16:creationId xmlns:a16="http://schemas.microsoft.com/office/drawing/2014/main" id="{F5E46275-C416-8DA7-F24A-6A378D9B862A}"/>
+                    </a:ext>
+                  </a:extLst>
+                </p14:cNvPr>
+                <p14:cNvContentPartPr/>
+                <p14:nvPr/>
+              </p14:nvContentPartPr>
+              <p14:xfrm>
+                <a:off x="720540" y="2119500"/>
+                <a:ext cx="103680" cy="360"/>
+              </p14:xfrm>
+            </p:contentPart>
+          </mc:Choice>
+          <mc:Fallback>
+            <p:pic>
+              <p:nvPicPr>
+                <p:cNvPr id="258" name="Ink 257">
+                  <a:extLst>
+                    <a:ext uri="{FF2B5EF4-FFF2-40B4-BE49-F238E27FC236}">
+                      <a16:creationId xmlns:a16="http://schemas.microsoft.com/office/drawing/2014/main" id="{F5E46275-C416-8DA7-F24A-6A378D9B862A}"/>
+                    </a:ext>
+                  </a:extLst>
+                </p:cNvPr>
+                <p:cNvPicPr/>
+                <p:nvPr/>
+              </p:nvPicPr>
+              <p:blipFill>
+                <a:blip r:embed="rId77"/>
+                <a:stretch>
+                  <a:fillRect/>
+                </a:stretch>
+              </p:blipFill>
+              <p:spPr>
+                <a:xfrm>
+                  <a:off x="714420" y="2113380"/>
+                  <a:ext cx="115920" cy="12600"/>
+                </a:xfrm>
+                <a:prstGeom prst="rect">
+                  <a:avLst/>
+                </a:prstGeom>
+              </p:spPr>
+            </p:pic>
+          </mc:Fallback>
+        </mc:AlternateContent>
+        <mc:AlternateContent xmlns:mc="http://schemas.openxmlformats.org/markup-compatibility/2006">
+          <mc:Choice xmlns:p14="http://schemas.microsoft.com/office/powerpoint/2010/main" Requires="p14">
+            <p:contentPart p14:bwMode="auto" r:id="rId78">
+              <p14:nvContentPartPr>
+                <p14:cNvPr id="259" name="Ink 258">
+                  <a:extLst>
+                    <a:ext uri="{FF2B5EF4-FFF2-40B4-BE49-F238E27FC236}">
+                      <a16:creationId xmlns:a16="http://schemas.microsoft.com/office/drawing/2014/main" id="{D4204B77-7E44-EBA0-EAB6-3BA8DEDCB7F1}"/>
+                    </a:ext>
+                  </a:extLst>
+                </p14:cNvPr>
+                <p14:cNvContentPartPr/>
+                <p14:nvPr/>
+              </p14:nvContentPartPr>
+              <p14:xfrm>
+                <a:off x="913140" y="2100060"/>
+                <a:ext cx="114480" cy="14040"/>
+              </p14:xfrm>
+            </p:contentPart>
+          </mc:Choice>
+          <mc:Fallback>
+            <p:pic>
+              <p:nvPicPr>
+                <p:cNvPr id="259" name="Ink 258">
+                  <a:extLst>
+                    <a:ext uri="{FF2B5EF4-FFF2-40B4-BE49-F238E27FC236}">
+                      <a16:creationId xmlns:a16="http://schemas.microsoft.com/office/drawing/2014/main" id="{D4204B77-7E44-EBA0-EAB6-3BA8DEDCB7F1}"/>
+                    </a:ext>
+                  </a:extLst>
+                </p:cNvPr>
+                <p:cNvPicPr/>
+                <p:nvPr/>
+              </p:nvPicPr>
+              <p:blipFill>
+                <a:blip r:embed="rId79"/>
+                <a:stretch>
+                  <a:fillRect/>
+                </a:stretch>
+              </p:blipFill>
+              <p:spPr>
+                <a:xfrm>
+                  <a:off x="907020" y="2093940"/>
+                  <a:ext cx="126720" cy="26280"/>
+                </a:xfrm>
+                <a:prstGeom prst="rect">
+                  <a:avLst/>
+                </a:prstGeom>
+              </p:spPr>
+            </p:pic>
+          </mc:Fallback>
+        </mc:AlternateContent>
+        <mc:AlternateContent xmlns:mc="http://schemas.openxmlformats.org/markup-compatibility/2006">
+          <mc:Choice xmlns:p14="http://schemas.microsoft.com/office/powerpoint/2010/main" Requires="p14">
+            <p:contentPart p14:bwMode="auto" r:id="rId80">
+              <p14:nvContentPartPr>
+                <p14:cNvPr id="260" name="Ink 259">
+                  <a:extLst>
+                    <a:ext uri="{FF2B5EF4-FFF2-40B4-BE49-F238E27FC236}">
+                      <a16:creationId xmlns:a16="http://schemas.microsoft.com/office/drawing/2014/main" id="{926DD3B9-065C-1574-4842-BF4089AE32CF}"/>
+                    </a:ext>
+                  </a:extLst>
+                </p14:cNvPr>
+                <p14:cNvContentPartPr/>
+                <p14:nvPr/>
+              </p14:nvContentPartPr>
+              <p14:xfrm>
+                <a:off x="1137780" y="2085300"/>
+                <a:ext cx="140760" cy="11160"/>
+              </p14:xfrm>
+            </p:contentPart>
+          </mc:Choice>
+          <mc:Fallback>
+            <p:pic>
+              <p:nvPicPr>
+                <p:cNvPr id="260" name="Ink 259">
+                  <a:extLst>
+                    <a:ext uri="{FF2B5EF4-FFF2-40B4-BE49-F238E27FC236}">
+                      <a16:creationId xmlns:a16="http://schemas.microsoft.com/office/drawing/2014/main" id="{926DD3B9-065C-1574-4842-BF4089AE32CF}"/>
+                    </a:ext>
+                  </a:extLst>
+                </p:cNvPr>
+                <p:cNvPicPr/>
+                <p:nvPr/>
+              </p:nvPicPr>
+              <p:blipFill>
+                <a:blip r:embed="rId81"/>
+                <a:stretch>
+                  <a:fillRect/>
+                </a:stretch>
+              </p:blipFill>
+              <p:spPr>
+                <a:xfrm>
+                  <a:off x="1131660" y="2079180"/>
+                  <a:ext cx="153000" cy="23400"/>
+                </a:xfrm>
+                <a:prstGeom prst="rect">
+                  <a:avLst/>
+                </a:prstGeom>
+              </p:spPr>
+            </p:pic>
+          </mc:Fallback>
+        </mc:AlternateContent>
+        <mc:AlternateContent xmlns:mc="http://schemas.openxmlformats.org/markup-compatibility/2006">
+          <mc:Choice xmlns:p14="http://schemas.microsoft.com/office/powerpoint/2010/main" Requires="p14">
+            <p:contentPart p14:bwMode="auto" r:id="rId82">
+              <p14:nvContentPartPr>
+                <p14:cNvPr id="60" name="Ink 59">
+                  <a:extLst>
+                    <a:ext uri="{FF2B5EF4-FFF2-40B4-BE49-F238E27FC236}">
+                      <a16:creationId xmlns:a16="http://schemas.microsoft.com/office/drawing/2014/main" id="{1C9B7566-A9FE-CD50-7173-AF0AED6BE6D2}"/>
+                    </a:ext>
+                  </a:extLst>
+                </p14:cNvPr>
+                <p14:cNvContentPartPr/>
+                <p14:nvPr/>
+              </p14:nvContentPartPr>
+              <p14:xfrm>
+                <a:off x="659340" y="1808460"/>
+                <a:ext cx="1440" cy="4320"/>
+              </p14:xfrm>
+            </p:contentPart>
+          </mc:Choice>
+          <mc:Fallback>
+            <p:pic>
+              <p:nvPicPr>
+                <p:cNvPr id="60" name="Ink 59">
+                  <a:extLst>
+                    <a:ext uri="{FF2B5EF4-FFF2-40B4-BE49-F238E27FC236}">
+                      <a16:creationId xmlns:a16="http://schemas.microsoft.com/office/drawing/2014/main" id="{1C9B7566-A9FE-CD50-7173-AF0AED6BE6D2}"/>
+                    </a:ext>
+                  </a:extLst>
+                </p:cNvPr>
+                <p:cNvPicPr/>
+                <p:nvPr/>
+              </p:nvPicPr>
+              <p:blipFill>
+                <a:blip r:embed="rId83"/>
+                <a:stretch>
+                  <a:fillRect/>
+                </a:stretch>
+              </p:blipFill>
+              <p:spPr>
+                <a:xfrm>
+                  <a:off x="653220" y="1802340"/>
+                  <a:ext cx="13680" cy="16560"/>
+                </a:xfrm>
+                <a:prstGeom prst="rect">
+                  <a:avLst/>
+                </a:prstGeom>
+              </p:spPr>
+            </p:pic>
+          </mc:Fallback>
+        </mc:AlternateContent>
+        <mc:AlternateContent xmlns:mc="http://schemas.openxmlformats.org/markup-compatibility/2006">
+          <mc:Choice xmlns:p14="http://schemas.microsoft.com/office/powerpoint/2010/main" Requires="p14">
+            <p:contentPart p14:bwMode="auto" r:id="rId84">
+              <p14:nvContentPartPr>
+                <p14:cNvPr id="61" name="Ink 60">
+                  <a:extLst>
+                    <a:ext uri="{FF2B5EF4-FFF2-40B4-BE49-F238E27FC236}">
+                      <a16:creationId xmlns:a16="http://schemas.microsoft.com/office/drawing/2014/main" id="{34113BA6-C72A-6947-2B67-90CBFBF1B03C}"/>
+                    </a:ext>
+                  </a:extLst>
+                </p14:cNvPr>
+                <p14:cNvContentPartPr/>
+                <p14:nvPr/>
+              </p14:nvContentPartPr>
+              <p14:xfrm>
+                <a:off x="551340" y="1878660"/>
+                <a:ext cx="86040" cy="9360"/>
+              </p14:xfrm>
+            </p:contentPart>
+          </mc:Choice>
+          <mc:Fallback>
+            <p:pic>
+              <p:nvPicPr>
+                <p:cNvPr id="61" name="Ink 60">
+                  <a:extLst>
+                    <a:ext uri="{FF2B5EF4-FFF2-40B4-BE49-F238E27FC236}">
+                      <a16:creationId xmlns:a16="http://schemas.microsoft.com/office/drawing/2014/main" id="{34113BA6-C72A-6947-2B67-90CBFBF1B03C}"/>
+                    </a:ext>
+                  </a:extLst>
+                </p:cNvPr>
+                <p:cNvPicPr/>
+                <p:nvPr/>
+              </p:nvPicPr>
+              <p:blipFill>
+                <a:blip r:embed="rId85"/>
+                <a:stretch>
+                  <a:fillRect/>
+                </a:stretch>
+              </p:blipFill>
+              <p:spPr>
+                <a:xfrm>
+                  <a:off x="545220" y="1872540"/>
+                  <a:ext cx="98280" cy="21600"/>
+                </a:xfrm>
+                <a:prstGeom prst="rect">
+                  <a:avLst/>
+                </a:prstGeom>
+              </p:spPr>
+            </p:pic>
+          </mc:Fallback>
+        </mc:AlternateContent>
+        <mc:AlternateContent xmlns:mc="http://schemas.openxmlformats.org/markup-compatibility/2006">
+          <mc:Choice xmlns:p14="http://schemas.microsoft.com/office/powerpoint/2010/main" Requires="p14">
+            <p:contentPart p14:bwMode="auto" r:id="rId86">
+              <p14:nvContentPartPr>
+                <p14:cNvPr id="62" name="Ink 61">
+                  <a:extLst>
+                    <a:ext uri="{FF2B5EF4-FFF2-40B4-BE49-F238E27FC236}">
+                      <a16:creationId xmlns:a16="http://schemas.microsoft.com/office/drawing/2014/main" id="{6279EC76-99E0-2C56-6BA5-EC5F8DD82C9A}"/>
+                    </a:ext>
+                  </a:extLst>
+                </p14:cNvPr>
+                <p14:cNvContentPartPr/>
+                <p14:nvPr/>
+              </p14:nvContentPartPr>
+              <p14:xfrm>
+                <a:off x="709740" y="1900260"/>
+                <a:ext cx="56160" cy="5400"/>
+              </p14:xfrm>
+            </p:contentPart>
+          </mc:Choice>
+          <mc:Fallback>
+            <p:pic>
+              <p:nvPicPr>
+                <p:cNvPr id="62" name="Ink 61">
+                  <a:extLst>
+                    <a:ext uri="{FF2B5EF4-FFF2-40B4-BE49-F238E27FC236}">
+                      <a16:creationId xmlns:a16="http://schemas.microsoft.com/office/drawing/2014/main" id="{6279EC76-99E0-2C56-6BA5-EC5F8DD82C9A}"/>
+                    </a:ext>
+                  </a:extLst>
+                </p:cNvPr>
+                <p:cNvPicPr/>
+                <p:nvPr/>
+              </p:nvPicPr>
+              <p:blipFill>
+                <a:blip r:embed="rId87"/>
+                <a:stretch>
+                  <a:fillRect/>
+                </a:stretch>
+              </p:blipFill>
+              <p:spPr>
+                <a:xfrm>
+                  <a:off x="703620" y="1894140"/>
+                  <a:ext cx="68400" cy="17640"/>
+                </a:xfrm>
+                <a:prstGeom prst="rect">
+                  <a:avLst/>
+                </a:prstGeom>
+              </p:spPr>
+            </p:pic>
+          </mc:Fallback>
+        </mc:AlternateContent>
+        <mc:AlternateContent xmlns:mc="http://schemas.openxmlformats.org/markup-compatibility/2006">
+          <mc:Choice xmlns:p14="http://schemas.microsoft.com/office/powerpoint/2010/main" Requires="p14">
+            <p:contentPart p14:bwMode="auto" r:id="rId88">
+              <p14:nvContentPartPr>
+                <p14:cNvPr id="63" name="Ink 62">
+                  <a:extLst>
+                    <a:ext uri="{FF2B5EF4-FFF2-40B4-BE49-F238E27FC236}">
+                      <a16:creationId xmlns:a16="http://schemas.microsoft.com/office/drawing/2014/main" id="{A8415F27-B78E-5367-B829-BBE21A7A357A}"/>
+                    </a:ext>
+                  </a:extLst>
+                </p14:cNvPr>
+                <p14:cNvContentPartPr/>
+                <p14:nvPr/>
+              </p14:nvContentPartPr>
+              <p14:xfrm>
+                <a:off x="831060" y="1896660"/>
+                <a:ext cx="99360" cy="10440"/>
+              </p14:xfrm>
+            </p:contentPart>
+          </mc:Choice>
+          <mc:Fallback>
+            <p:pic>
+              <p:nvPicPr>
+                <p:cNvPr id="63" name="Ink 62">
+                  <a:extLst>
+                    <a:ext uri="{FF2B5EF4-FFF2-40B4-BE49-F238E27FC236}">
+                      <a16:creationId xmlns:a16="http://schemas.microsoft.com/office/drawing/2014/main" id="{A8415F27-B78E-5367-B829-BBE21A7A357A}"/>
+                    </a:ext>
+                  </a:extLst>
+                </p:cNvPr>
+                <p:cNvPicPr/>
+                <p:nvPr/>
+              </p:nvPicPr>
+              <p:blipFill>
+                <a:blip r:embed="rId89"/>
+                <a:stretch>
+                  <a:fillRect/>
+                </a:stretch>
+              </p:blipFill>
+              <p:spPr>
+                <a:xfrm>
+                  <a:off x="824940" y="1890540"/>
+                  <a:ext cx="111600" cy="22680"/>
+                </a:xfrm>
+                <a:prstGeom prst="rect">
+                  <a:avLst/>
+                </a:prstGeom>
+              </p:spPr>
+            </p:pic>
+          </mc:Fallback>
+        </mc:AlternateContent>
+        <mc:AlternateContent xmlns:mc="http://schemas.openxmlformats.org/markup-compatibility/2006">
+          <mc:Choice xmlns:p14="http://schemas.microsoft.com/office/powerpoint/2010/main" Requires="p14">
+            <p:contentPart p14:bwMode="auto" r:id="rId90">
+              <p14:nvContentPartPr>
+                <p14:cNvPr id="256" name="Ink 255">
+                  <a:extLst>
+                    <a:ext uri="{FF2B5EF4-FFF2-40B4-BE49-F238E27FC236}">
+                      <a16:creationId xmlns:a16="http://schemas.microsoft.com/office/drawing/2014/main" id="{83BCEF72-B7CC-BC15-EE86-A420AC83D0E9}"/>
+                    </a:ext>
+                  </a:extLst>
+                </p14:cNvPr>
+                <p14:cNvContentPartPr/>
+                <p14:nvPr/>
+              </p14:nvContentPartPr>
+              <p14:xfrm>
+                <a:off x="1087740" y="1871100"/>
+                <a:ext cx="201600" cy="6840"/>
+              </p14:xfrm>
+            </p:contentPart>
+          </mc:Choice>
+          <mc:Fallback>
+            <p:pic>
+              <p:nvPicPr>
+                <p:cNvPr id="256" name="Ink 255">
+                  <a:extLst>
+                    <a:ext uri="{FF2B5EF4-FFF2-40B4-BE49-F238E27FC236}">
+                      <a16:creationId xmlns:a16="http://schemas.microsoft.com/office/drawing/2014/main" id="{83BCEF72-B7CC-BC15-EE86-A420AC83D0E9}"/>
+                    </a:ext>
+                  </a:extLst>
+                </p:cNvPr>
+                <p:cNvPicPr/>
+                <p:nvPr/>
+              </p:nvPicPr>
+              <p:blipFill>
+                <a:blip r:embed="rId91"/>
+                <a:stretch>
+                  <a:fillRect/>
+                </a:stretch>
+              </p:blipFill>
+              <p:spPr>
+                <a:xfrm>
+                  <a:off x="1081620" y="1864980"/>
+                  <a:ext cx="213840" cy="19080"/>
+                </a:xfrm>
+                <a:prstGeom prst="rect">
+                  <a:avLst/>
+                </a:prstGeom>
+              </p:spPr>
+            </p:pic>
+          </mc:Fallback>
+        </mc:AlternateContent>
+        <mc:AlternateContent xmlns:mc="http://schemas.openxmlformats.org/markup-compatibility/2006">
+          <mc:Choice xmlns:p14="http://schemas.microsoft.com/office/powerpoint/2010/main" Requires="p14">
+            <p:contentPart p14:bwMode="auto" r:id="rId92">
+              <p14:nvContentPartPr>
+                <p14:cNvPr id="281" name="Ink 280">
+                  <a:extLst>
+                    <a:ext uri="{FF2B5EF4-FFF2-40B4-BE49-F238E27FC236}">
+                      <a16:creationId xmlns:a16="http://schemas.microsoft.com/office/drawing/2014/main" id="{4032D900-3D06-9596-8C5E-5462D7A43317}"/>
+                    </a:ext>
+                  </a:extLst>
+                </p14:cNvPr>
+                <p14:cNvContentPartPr/>
+                <p14:nvPr/>
+              </p14:nvContentPartPr>
+              <p14:xfrm>
+                <a:off x="478980" y="1725300"/>
+                <a:ext cx="141120" cy="271800"/>
+              </p14:xfrm>
+            </p:contentPart>
+          </mc:Choice>
+          <mc:Fallback>
+            <p:pic>
+              <p:nvPicPr>
+                <p:cNvPr id="281" name="Ink 280">
+                  <a:extLst>
+                    <a:ext uri="{FF2B5EF4-FFF2-40B4-BE49-F238E27FC236}">
+                      <a16:creationId xmlns:a16="http://schemas.microsoft.com/office/drawing/2014/main" id="{4032D900-3D06-9596-8C5E-5462D7A43317}"/>
+                    </a:ext>
+                  </a:extLst>
+                </p:cNvPr>
+                <p:cNvPicPr/>
+                <p:nvPr/>
+              </p:nvPicPr>
+              <p:blipFill>
+                <a:blip r:embed="rId93"/>
+                <a:stretch>
+                  <a:fillRect/>
+                </a:stretch>
+              </p:blipFill>
+              <p:spPr>
+                <a:xfrm>
+                  <a:off x="472860" y="1719180"/>
+                  <a:ext cx="153360" cy="284040"/>
+                </a:xfrm>
+                <a:prstGeom prst="rect">
+                  <a:avLst/>
+                </a:prstGeom>
+              </p:spPr>
+            </p:pic>
+          </mc:Fallback>
+        </mc:AlternateContent>
+        <mc:AlternateContent xmlns:mc="http://schemas.openxmlformats.org/markup-compatibility/2006">
+          <mc:Choice xmlns:p14="http://schemas.microsoft.com/office/powerpoint/2010/main" Requires="p14">
+            <p:contentPart p14:bwMode="auto" r:id="rId94">
+              <p14:nvContentPartPr>
+                <p14:cNvPr id="282" name="Ink 281">
+                  <a:extLst>
+                    <a:ext uri="{FF2B5EF4-FFF2-40B4-BE49-F238E27FC236}">
+                      <a16:creationId xmlns:a16="http://schemas.microsoft.com/office/drawing/2014/main" id="{F085E2B1-305F-E547-C794-06047104C8A3}"/>
+                    </a:ext>
+                  </a:extLst>
+                </p14:cNvPr>
+                <p14:cNvContentPartPr/>
+                <p14:nvPr/>
+              </p14:nvContentPartPr>
+              <p14:xfrm>
+                <a:off x="1333620" y="1745460"/>
+                <a:ext cx="111960" cy="216360"/>
+              </p14:xfrm>
+            </p:contentPart>
+          </mc:Choice>
+          <mc:Fallback>
+            <p:pic>
+              <p:nvPicPr>
+                <p:cNvPr id="282" name="Ink 281">
+                  <a:extLst>
+                    <a:ext uri="{FF2B5EF4-FFF2-40B4-BE49-F238E27FC236}">
+                      <a16:creationId xmlns:a16="http://schemas.microsoft.com/office/drawing/2014/main" id="{F085E2B1-305F-E547-C794-06047104C8A3}"/>
+                    </a:ext>
+                  </a:extLst>
+                </p:cNvPr>
+                <p:cNvPicPr/>
+                <p:nvPr/>
+              </p:nvPicPr>
+              <p:blipFill>
+                <a:blip r:embed="rId95"/>
+                <a:stretch>
+                  <a:fillRect/>
+                </a:stretch>
+              </p:blipFill>
+              <p:spPr>
+                <a:xfrm>
+                  <a:off x="1327500" y="1739340"/>
+                  <a:ext cx="124200" cy="228600"/>
+                </a:xfrm>
+                <a:prstGeom prst="rect">
+                  <a:avLst/>
+                </a:prstGeom>
+              </p:spPr>
+            </p:pic>
+          </mc:Fallback>
+        </mc:AlternateContent>
+        <mc:AlternateContent xmlns:mc="http://schemas.openxmlformats.org/markup-compatibility/2006">
+          <mc:Choice xmlns:p14="http://schemas.microsoft.com/office/powerpoint/2010/main" Requires="p14">
+            <p:contentPart p14:bwMode="auto" r:id="rId96">
+              <p14:nvContentPartPr>
+                <p14:cNvPr id="286" name="Ink 285">
+                  <a:extLst>
+                    <a:ext uri="{FF2B5EF4-FFF2-40B4-BE49-F238E27FC236}">
+                      <a16:creationId xmlns:a16="http://schemas.microsoft.com/office/drawing/2014/main" id="{C78FEF22-1E11-25DC-0C37-A74F4F44F6F9}"/>
+                    </a:ext>
+                  </a:extLst>
+                </p14:cNvPr>
+                <p14:cNvContentPartPr/>
+                <p14:nvPr/>
+              </p14:nvContentPartPr>
+              <p14:xfrm>
+                <a:off x="414180" y="2026620"/>
+                <a:ext cx="138600" cy="177120"/>
+              </p14:xfrm>
+            </p:contentPart>
+          </mc:Choice>
+          <mc:Fallback>
+            <p:pic>
+              <p:nvPicPr>
+                <p:cNvPr id="286" name="Ink 285">
+                  <a:extLst>
+                    <a:ext uri="{FF2B5EF4-FFF2-40B4-BE49-F238E27FC236}">
+                      <a16:creationId xmlns:a16="http://schemas.microsoft.com/office/drawing/2014/main" id="{C78FEF22-1E11-25DC-0C37-A74F4F44F6F9}"/>
+                    </a:ext>
+                  </a:extLst>
+                </p:cNvPr>
+                <p:cNvPicPr/>
+                <p:nvPr/>
+              </p:nvPicPr>
+              <p:blipFill>
+                <a:blip r:embed="rId97"/>
+                <a:stretch>
+                  <a:fillRect/>
+                </a:stretch>
+              </p:blipFill>
+              <p:spPr>
+                <a:xfrm>
+                  <a:off x="408060" y="2020500"/>
+                  <a:ext cx="150840" cy="189360"/>
+                </a:xfrm>
+                <a:prstGeom prst="rect">
+                  <a:avLst/>
+                </a:prstGeom>
+              </p:spPr>
+            </p:pic>
+          </mc:Fallback>
+        </mc:AlternateContent>
+        <mc:AlternateContent xmlns:mc="http://schemas.openxmlformats.org/markup-compatibility/2006">
+          <mc:Choice xmlns:p14="http://schemas.microsoft.com/office/powerpoint/2010/main" Requires="p14">
+            <p:contentPart p14:bwMode="auto" r:id="rId98">
+              <p14:nvContentPartPr>
+                <p14:cNvPr id="287" name="Ink 286">
+                  <a:extLst>
+                    <a:ext uri="{FF2B5EF4-FFF2-40B4-BE49-F238E27FC236}">
+                      <a16:creationId xmlns:a16="http://schemas.microsoft.com/office/drawing/2014/main" id="{6A8E4DAE-C994-2F04-48C2-BE78042FD7F6}"/>
+                    </a:ext>
+                  </a:extLst>
+                </p14:cNvPr>
+                <p14:cNvContentPartPr/>
+                <p14:nvPr/>
+              </p14:nvContentPartPr>
+              <p14:xfrm>
+                <a:off x="1432620" y="1981260"/>
+                <a:ext cx="108720" cy="183960"/>
+              </p14:xfrm>
+            </p:contentPart>
+          </mc:Choice>
+          <mc:Fallback>
+            <p:pic>
+              <p:nvPicPr>
+                <p:cNvPr id="287" name="Ink 286">
+                  <a:extLst>
+                    <a:ext uri="{FF2B5EF4-FFF2-40B4-BE49-F238E27FC236}">
+                      <a16:creationId xmlns:a16="http://schemas.microsoft.com/office/drawing/2014/main" id="{6A8E4DAE-C994-2F04-48C2-BE78042FD7F6}"/>
+                    </a:ext>
+                  </a:extLst>
+                </p:cNvPr>
+                <p:cNvPicPr/>
+                <p:nvPr/>
+              </p:nvPicPr>
+              <p:blipFill>
+                <a:blip r:embed="rId99"/>
+                <a:stretch>
+                  <a:fillRect/>
+                </a:stretch>
+              </p:blipFill>
+              <p:spPr>
+                <a:xfrm>
+                  <a:off x="1426500" y="1975140"/>
+                  <a:ext cx="120960" cy="196200"/>
+                </a:xfrm>
+                <a:prstGeom prst="rect">
+                  <a:avLst/>
+                </a:prstGeom>
+              </p:spPr>
+            </p:pic>
+          </mc:Fallback>
+        </mc:AlternateContent>
+      </p:grpSp>
+      <mc:AlternateContent xmlns:mc="http://schemas.openxmlformats.org/markup-compatibility/2006">
+        <mc:Choice xmlns:p14="http://schemas.microsoft.com/office/powerpoint/2010/main" Requires="p14">
+          <p:contentPart p14:bwMode="auto" r:id="rId100">
+            <p14:nvContentPartPr>
+              <p14:cNvPr id="293" name="Ink 292">
+                <a:extLst>
+                  <a:ext uri="{FF2B5EF4-FFF2-40B4-BE49-F238E27FC236}">
+                    <a16:creationId xmlns:a16="http://schemas.microsoft.com/office/drawing/2014/main" id="{F7519062-6549-7270-3B2E-A79CE6C824DD}"/>
+                  </a:ext>
+                </a:extLst>
+              </p14:cNvPr>
+              <p14:cNvContentPartPr/>
+              <p14:nvPr/>
+            </p14:nvContentPartPr>
+            <p14:xfrm>
+              <a:off x="388980" y="1675620"/>
+              <a:ext cx="1030320" cy="368280"/>
+            </p14:xfrm>
+          </p:contentPart>
+        </mc:Choice>
+        <mc:Fallback>
+          <p:pic>
+            <p:nvPicPr>
+              <p:cNvPr id="293" name="Ink 292">
+                <a:extLst>
+                  <a:ext uri="{FF2B5EF4-FFF2-40B4-BE49-F238E27FC236}">
+                    <a16:creationId xmlns:a16="http://schemas.microsoft.com/office/drawing/2014/main" id="{F7519062-6549-7270-3B2E-A79CE6C824DD}"/>
+                  </a:ext>
+                </a:extLst>
+              </p:cNvPr>
+              <p:cNvPicPr/>
+              <p:nvPr/>
+            </p:nvPicPr>
+            <p:blipFill>
+              <a:blip r:embed="rId101"/>
+              <a:stretch>
+                <a:fillRect/>
+              </a:stretch>
+            </p:blipFill>
+            <p:spPr>
+              <a:xfrm>
+                <a:off x="382860" y="1669500"/>
+                <a:ext cx="1042560" cy="380520"/>
+              </a:xfrm>
+              <a:prstGeom prst="rect">
+                <a:avLst/>
+              </a:prstGeom>
+            </p:spPr>
+          </p:pic>
+        </mc:Fallback>
+      </mc:AlternateContent>
+      <p:grpSp>
+        <p:nvGrpSpPr>
+          <p:cNvPr id="304" name="Group 303">
+            <a:extLst>
+              <a:ext uri="{FF2B5EF4-FFF2-40B4-BE49-F238E27FC236}">
+                <a16:creationId xmlns:a16="http://schemas.microsoft.com/office/drawing/2014/main" id="{39E1F5D7-D9E3-A1CE-FA56-6D69E09CF236}"/>
+              </a:ext>
+            </a:extLst>
+          </p:cNvPr>
+          <p:cNvGrpSpPr/>
+          <p:nvPr/>
+        </p:nvGrpSpPr>
+        <p:grpSpPr>
+          <a:xfrm>
+            <a:off x="1918620" y="1647180"/>
+            <a:ext cx="1037160" cy="622440"/>
+            <a:chOff x="1918620" y="1647180"/>
+            <a:chExt cx="1037160" cy="622440"/>
+          </a:xfrm>
+        </p:grpSpPr>
+        <mc:AlternateContent xmlns:mc="http://schemas.openxmlformats.org/markup-compatibility/2006">
+          <mc:Choice xmlns:p14="http://schemas.microsoft.com/office/powerpoint/2010/main" Requires="p14">
+            <p:contentPart p14:bwMode="auto" r:id="rId102">
+              <p14:nvContentPartPr>
+                <p14:cNvPr id="264" name="Ink 263">
+                  <a:extLst>
+                    <a:ext uri="{FF2B5EF4-FFF2-40B4-BE49-F238E27FC236}">
+                      <a16:creationId xmlns:a16="http://schemas.microsoft.com/office/drawing/2014/main" id="{1E402EB8-44A0-1149-6F0A-A03332AD06FE}"/>
+                    </a:ext>
+                  </a:extLst>
+                </p14:cNvPr>
+                <p14:cNvContentPartPr/>
+                <p14:nvPr/>
+              </p14:nvContentPartPr>
+              <p14:xfrm>
+                <a:off x="2094300" y="1870020"/>
+                <a:ext cx="63360" cy="4320"/>
+              </p14:xfrm>
+            </p:contentPart>
+          </mc:Choice>
+          <mc:Fallback>
+            <p:pic>
+              <p:nvPicPr>
+                <p:cNvPr id="264" name="Ink 263">
+                  <a:extLst>
+                    <a:ext uri="{FF2B5EF4-FFF2-40B4-BE49-F238E27FC236}">
+                      <a16:creationId xmlns:a16="http://schemas.microsoft.com/office/drawing/2014/main" id="{1E402EB8-44A0-1149-6F0A-A03332AD06FE}"/>
+                    </a:ext>
+                  </a:extLst>
+                </p:cNvPr>
+                <p:cNvPicPr/>
+                <p:nvPr/>
+              </p:nvPicPr>
+              <p:blipFill>
+                <a:blip r:embed="rId103"/>
+                <a:stretch>
+                  <a:fillRect/>
+                </a:stretch>
+              </p:blipFill>
+              <p:spPr>
+                <a:xfrm>
+                  <a:off x="2088180" y="1863900"/>
+                  <a:ext cx="75600" cy="16560"/>
+                </a:xfrm>
+                <a:prstGeom prst="rect">
+                  <a:avLst/>
+                </a:prstGeom>
+              </p:spPr>
+            </p:pic>
+          </mc:Fallback>
+        </mc:AlternateContent>
+        <mc:AlternateContent xmlns:mc="http://schemas.openxmlformats.org/markup-compatibility/2006">
+          <mc:Choice xmlns:p14="http://schemas.microsoft.com/office/powerpoint/2010/main" Requires="p14">
+            <p:contentPart p14:bwMode="auto" r:id="rId104">
+              <p14:nvContentPartPr>
+                <p14:cNvPr id="265" name="Ink 264">
+                  <a:extLst>
+                    <a:ext uri="{FF2B5EF4-FFF2-40B4-BE49-F238E27FC236}">
+                      <a16:creationId xmlns:a16="http://schemas.microsoft.com/office/drawing/2014/main" id="{864A8F08-EADC-4C64-0C15-B705716DA4D2}"/>
+                    </a:ext>
+                  </a:extLst>
+                </p14:cNvPr>
+                <p14:cNvContentPartPr/>
+                <p14:nvPr/>
+              </p14:nvContentPartPr>
+              <p14:xfrm>
+                <a:off x="2254140" y="1871820"/>
+                <a:ext cx="142920" cy="13680"/>
+              </p14:xfrm>
+            </p:contentPart>
+          </mc:Choice>
+          <mc:Fallback>
+            <p:pic>
+              <p:nvPicPr>
+                <p:cNvPr id="265" name="Ink 264">
+                  <a:extLst>
+                    <a:ext uri="{FF2B5EF4-FFF2-40B4-BE49-F238E27FC236}">
+                      <a16:creationId xmlns:a16="http://schemas.microsoft.com/office/drawing/2014/main" id="{864A8F08-EADC-4C64-0C15-B705716DA4D2}"/>
+                    </a:ext>
+                  </a:extLst>
+                </p:cNvPr>
+                <p:cNvPicPr/>
+                <p:nvPr/>
+              </p:nvPicPr>
+              <p:blipFill>
+                <a:blip r:embed="rId105"/>
+                <a:stretch>
+                  <a:fillRect/>
+                </a:stretch>
+              </p:blipFill>
+              <p:spPr>
+                <a:xfrm>
+                  <a:off x="2248020" y="1865700"/>
+                  <a:ext cx="155160" cy="25920"/>
+                </a:xfrm>
+                <a:prstGeom prst="rect">
+                  <a:avLst/>
+                </a:prstGeom>
+              </p:spPr>
+            </p:pic>
+          </mc:Fallback>
+        </mc:AlternateContent>
+        <mc:AlternateContent xmlns:mc="http://schemas.openxmlformats.org/markup-compatibility/2006">
+          <mc:Choice xmlns:p14="http://schemas.microsoft.com/office/powerpoint/2010/main" Requires="p14">
+            <p:contentPart p14:bwMode="auto" r:id="rId106">
+              <p14:nvContentPartPr>
+                <p14:cNvPr id="266" name="Ink 265">
+                  <a:extLst>
+                    <a:ext uri="{FF2B5EF4-FFF2-40B4-BE49-F238E27FC236}">
+                      <a16:creationId xmlns:a16="http://schemas.microsoft.com/office/drawing/2014/main" id="{57A5CF14-84B8-B3C6-6C13-78BF7DB403D6}"/>
+                    </a:ext>
+                  </a:extLst>
+                </p14:cNvPr>
+                <p14:cNvContentPartPr/>
+                <p14:nvPr/>
+              </p14:nvContentPartPr>
+              <p14:xfrm>
+                <a:off x="2490660" y="1871820"/>
+                <a:ext cx="133920" cy="13680"/>
+              </p14:xfrm>
+            </p:contentPart>
+          </mc:Choice>
+          <mc:Fallback>
+            <p:pic>
+              <p:nvPicPr>
+                <p:cNvPr id="266" name="Ink 265">
+                  <a:extLst>
+                    <a:ext uri="{FF2B5EF4-FFF2-40B4-BE49-F238E27FC236}">
+                      <a16:creationId xmlns:a16="http://schemas.microsoft.com/office/drawing/2014/main" id="{57A5CF14-84B8-B3C6-6C13-78BF7DB403D6}"/>
+                    </a:ext>
+                  </a:extLst>
+                </p:cNvPr>
+                <p:cNvPicPr/>
+                <p:nvPr/>
+              </p:nvPicPr>
+              <p:blipFill>
+                <a:blip r:embed="rId107"/>
+                <a:stretch>
+                  <a:fillRect/>
+                </a:stretch>
+              </p:blipFill>
+              <p:spPr>
+                <a:xfrm>
+                  <a:off x="2484540" y="1865700"/>
+                  <a:ext cx="146160" cy="25920"/>
+                </a:xfrm>
+                <a:prstGeom prst="rect">
+                  <a:avLst/>
+                </a:prstGeom>
+              </p:spPr>
+            </p:pic>
+          </mc:Fallback>
+        </mc:AlternateContent>
+        <mc:AlternateContent xmlns:mc="http://schemas.openxmlformats.org/markup-compatibility/2006">
+          <mc:Choice xmlns:p14="http://schemas.microsoft.com/office/powerpoint/2010/main" Requires="p14">
+            <p:contentPart p14:bwMode="auto" r:id="rId108">
+              <p14:nvContentPartPr>
+                <p14:cNvPr id="267" name="Ink 266">
+                  <a:extLst>
+                    <a:ext uri="{FF2B5EF4-FFF2-40B4-BE49-F238E27FC236}">
+                      <a16:creationId xmlns:a16="http://schemas.microsoft.com/office/drawing/2014/main" id="{3F9730AF-239A-F190-5218-47C3999CACEE}"/>
+                    </a:ext>
+                  </a:extLst>
+                </p14:cNvPr>
+                <p14:cNvContentPartPr/>
+                <p14:nvPr/>
+              </p14:nvContentPartPr>
+              <p14:xfrm>
+                <a:off x="2040300" y="2029140"/>
+                <a:ext cx="65520" cy="12960"/>
+              </p14:xfrm>
+            </p:contentPart>
+          </mc:Choice>
+          <mc:Fallback>
+            <p:pic>
+              <p:nvPicPr>
+                <p:cNvPr id="267" name="Ink 266">
+                  <a:extLst>
+                    <a:ext uri="{FF2B5EF4-FFF2-40B4-BE49-F238E27FC236}">
+                      <a16:creationId xmlns:a16="http://schemas.microsoft.com/office/drawing/2014/main" id="{3F9730AF-239A-F190-5218-47C3999CACEE}"/>
+                    </a:ext>
+                  </a:extLst>
+                </p:cNvPr>
+                <p:cNvPicPr/>
+                <p:nvPr/>
+              </p:nvPicPr>
+              <p:blipFill>
+                <a:blip r:embed="rId109"/>
+                <a:stretch>
+                  <a:fillRect/>
+                </a:stretch>
+              </p:blipFill>
+              <p:spPr>
+                <a:xfrm>
+                  <a:off x="2034180" y="2023020"/>
+                  <a:ext cx="77760" cy="25200"/>
+                </a:xfrm>
+                <a:prstGeom prst="rect">
+                  <a:avLst/>
+                </a:prstGeom>
+              </p:spPr>
+            </p:pic>
+          </mc:Fallback>
+        </mc:AlternateContent>
+        <mc:AlternateContent xmlns:mc="http://schemas.openxmlformats.org/markup-compatibility/2006">
+          <mc:Choice xmlns:p14="http://schemas.microsoft.com/office/powerpoint/2010/main" Requires="p14">
+            <p:contentPart p14:bwMode="auto" r:id="rId110">
+              <p14:nvContentPartPr>
+                <p14:cNvPr id="268" name="Ink 267">
+                  <a:extLst>
+                    <a:ext uri="{FF2B5EF4-FFF2-40B4-BE49-F238E27FC236}">
+                      <a16:creationId xmlns:a16="http://schemas.microsoft.com/office/drawing/2014/main" id="{C1D37BF6-B168-1951-F2DB-AB45687AACA1}"/>
+                    </a:ext>
+                  </a:extLst>
+                </p14:cNvPr>
+                <p14:cNvContentPartPr/>
+                <p14:nvPr/>
+              </p14:nvContentPartPr>
+              <p14:xfrm>
+                <a:off x="2220660" y="2030940"/>
+                <a:ext cx="139320" cy="5760"/>
+              </p14:xfrm>
+            </p:contentPart>
+          </mc:Choice>
+          <mc:Fallback>
+            <p:pic>
+              <p:nvPicPr>
+                <p:cNvPr id="268" name="Ink 267">
+                  <a:extLst>
+                    <a:ext uri="{FF2B5EF4-FFF2-40B4-BE49-F238E27FC236}">
+                      <a16:creationId xmlns:a16="http://schemas.microsoft.com/office/drawing/2014/main" id="{C1D37BF6-B168-1951-F2DB-AB45687AACA1}"/>
+                    </a:ext>
+                  </a:extLst>
+                </p:cNvPr>
+                <p:cNvPicPr/>
+                <p:nvPr/>
+              </p:nvPicPr>
+              <p:blipFill>
+                <a:blip r:embed="rId111"/>
+                <a:stretch>
+                  <a:fillRect/>
+                </a:stretch>
+              </p:blipFill>
+              <p:spPr>
+                <a:xfrm>
+                  <a:off x="2214540" y="2024820"/>
+                  <a:ext cx="151560" cy="18000"/>
+                </a:xfrm>
+                <a:prstGeom prst="rect">
+                  <a:avLst/>
+                </a:prstGeom>
+              </p:spPr>
+            </p:pic>
+          </mc:Fallback>
+        </mc:AlternateContent>
+        <mc:AlternateContent xmlns:mc="http://schemas.openxmlformats.org/markup-compatibility/2006">
+          <mc:Choice xmlns:p14="http://schemas.microsoft.com/office/powerpoint/2010/main" Requires="p14">
+            <p:contentPart p14:bwMode="auto" r:id="rId112">
+              <p14:nvContentPartPr>
+                <p14:cNvPr id="269" name="Ink 268">
+                  <a:extLst>
+                    <a:ext uri="{FF2B5EF4-FFF2-40B4-BE49-F238E27FC236}">
+                      <a16:creationId xmlns:a16="http://schemas.microsoft.com/office/drawing/2014/main" id="{86A16F07-5F06-3517-3FAC-C002A96C3047}"/>
+                    </a:ext>
+                  </a:extLst>
+                </p14:cNvPr>
+                <p14:cNvContentPartPr/>
+                <p14:nvPr/>
+              </p14:nvContentPartPr>
+              <p14:xfrm>
+                <a:off x="2446740" y="2013300"/>
+                <a:ext cx="81360" cy="11520"/>
+              </p14:xfrm>
+            </p:contentPart>
+          </mc:Choice>
+          <mc:Fallback>
+            <p:pic>
+              <p:nvPicPr>
+                <p:cNvPr id="269" name="Ink 268">
+                  <a:extLst>
+                    <a:ext uri="{FF2B5EF4-FFF2-40B4-BE49-F238E27FC236}">
+                      <a16:creationId xmlns:a16="http://schemas.microsoft.com/office/drawing/2014/main" id="{86A16F07-5F06-3517-3FAC-C002A96C3047}"/>
+                    </a:ext>
+                  </a:extLst>
+                </p:cNvPr>
+                <p:cNvPicPr/>
+                <p:nvPr/>
+              </p:nvPicPr>
+              <p:blipFill>
+                <a:blip r:embed="rId113"/>
+                <a:stretch>
+                  <a:fillRect/>
+                </a:stretch>
+              </p:blipFill>
+              <p:spPr>
+                <a:xfrm>
+                  <a:off x="2440620" y="2007180"/>
+                  <a:ext cx="93600" cy="23760"/>
+                </a:xfrm>
+                <a:prstGeom prst="rect">
+                  <a:avLst/>
+                </a:prstGeom>
+              </p:spPr>
+            </p:pic>
+          </mc:Fallback>
+        </mc:AlternateContent>
+        <mc:AlternateContent xmlns:mc="http://schemas.openxmlformats.org/markup-compatibility/2006">
+          <mc:Choice xmlns:p14="http://schemas.microsoft.com/office/powerpoint/2010/main" Requires="p14">
+            <p:contentPart p14:bwMode="auto" r:id="rId114">
+              <p14:nvContentPartPr>
+                <p14:cNvPr id="270" name="Ink 269">
+                  <a:extLst>
+                    <a:ext uri="{FF2B5EF4-FFF2-40B4-BE49-F238E27FC236}">
+                      <a16:creationId xmlns:a16="http://schemas.microsoft.com/office/drawing/2014/main" id="{ACD78BCE-C093-01B6-6D50-A260F5905D73}"/>
+                    </a:ext>
+                  </a:extLst>
+                </p14:cNvPr>
+                <p14:cNvContentPartPr/>
+                <p14:nvPr/>
+              </p14:nvContentPartPr>
+              <p14:xfrm>
+                <a:off x="2636100" y="2003940"/>
+                <a:ext cx="50760" cy="32040"/>
+              </p14:xfrm>
+            </p:contentPart>
+          </mc:Choice>
+          <mc:Fallback>
+            <p:pic>
+              <p:nvPicPr>
+                <p:cNvPr id="270" name="Ink 269">
+                  <a:extLst>
+                    <a:ext uri="{FF2B5EF4-FFF2-40B4-BE49-F238E27FC236}">
+                      <a16:creationId xmlns:a16="http://schemas.microsoft.com/office/drawing/2014/main" id="{ACD78BCE-C093-01B6-6D50-A260F5905D73}"/>
+                    </a:ext>
+                  </a:extLst>
+                </p:cNvPr>
+                <p:cNvPicPr/>
+                <p:nvPr/>
+              </p:nvPicPr>
+              <p:blipFill>
+                <a:blip r:embed="rId115"/>
+                <a:stretch>
+                  <a:fillRect/>
+                </a:stretch>
+              </p:blipFill>
+              <p:spPr>
+                <a:xfrm>
+                  <a:off x="2629980" y="1997820"/>
+                  <a:ext cx="63000" cy="44280"/>
+                </a:xfrm>
+                <a:prstGeom prst="rect">
+                  <a:avLst/>
+                </a:prstGeom>
+              </p:spPr>
+            </p:pic>
+          </mc:Fallback>
+        </mc:AlternateContent>
+        <mc:AlternateContent xmlns:mc="http://schemas.openxmlformats.org/markup-compatibility/2006">
+          <mc:Choice xmlns:p14="http://schemas.microsoft.com/office/powerpoint/2010/main" Requires="p14">
+            <p:contentPart p14:bwMode="auto" r:id="rId116">
+              <p14:nvContentPartPr>
+                <p14:cNvPr id="271" name="Ink 270">
+                  <a:extLst>
+                    <a:ext uri="{FF2B5EF4-FFF2-40B4-BE49-F238E27FC236}">
+                      <a16:creationId xmlns:a16="http://schemas.microsoft.com/office/drawing/2014/main" id="{50FFC634-2F88-4D74-8A31-014BD4514DA2}"/>
+                    </a:ext>
+                  </a:extLst>
+                </p14:cNvPr>
+                <p14:cNvContentPartPr/>
+                <p14:nvPr/>
+              </p14:nvContentPartPr>
+              <p14:xfrm>
+                <a:off x="2070180" y="2230740"/>
+                <a:ext cx="46800" cy="10800"/>
+              </p14:xfrm>
+            </p:contentPart>
+          </mc:Choice>
+          <mc:Fallback>
+            <p:pic>
+              <p:nvPicPr>
+                <p:cNvPr id="271" name="Ink 270">
+                  <a:extLst>
+                    <a:ext uri="{FF2B5EF4-FFF2-40B4-BE49-F238E27FC236}">
+                      <a16:creationId xmlns:a16="http://schemas.microsoft.com/office/drawing/2014/main" id="{50FFC634-2F88-4D74-8A31-014BD4514DA2}"/>
+                    </a:ext>
+                  </a:extLst>
+                </p:cNvPr>
+                <p:cNvPicPr/>
+                <p:nvPr/>
+              </p:nvPicPr>
+              <p:blipFill>
+                <a:blip r:embed="rId117"/>
+                <a:stretch>
+                  <a:fillRect/>
+                </a:stretch>
+              </p:blipFill>
+              <p:spPr>
+                <a:xfrm>
+                  <a:off x="2064060" y="2224620"/>
+                  <a:ext cx="59040" cy="23040"/>
+                </a:xfrm>
+                <a:prstGeom prst="rect">
+                  <a:avLst/>
+                </a:prstGeom>
+              </p:spPr>
+            </p:pic>
+          </mc:Fallback>
+        </mc:AlternateContent>
+        <mc:AlternateContent xmlns:mc="http://schemas.openxmlformats.org/markup-compatibility/2006">
+          <mc:Choice xmlns:p14="http://schemas.microsoft.com/office/powerpoint/2010/main" Requires="p14">
+            <p:contentPart p14:bwMode="auto" r:id="rId118">
+              <p14:nvContentPartPr>
+                <p14:cNvPr id="272" name="Ink 271">
+                  <a:extLst>
+                    <a:ext uri="{FF2B5EF4-FFF2-40B4-BE49-F238E27FC236}">
+                      <a16:creationId xmlns:a16="http://schemas.microsoft.com/office/drawing/2014/main" id="{A8518A96-740D-2B60-0416-6B621770EC4D}"/>
+                    </a:ext>
+                  </a:extLst>
+                </p14:cNvPr>
+                <p14:cNvContentPartPr/>
+                <p14:nvPr/>
+              </p14:nvContentPartPr>
+              <p14:xfrm>
+                <a:off x="2235060" y="2220660"/>
+                <a:ext cx="205200" cy="19080"/>
+              </p14:xfrm>
+            </p:contentPart>
+          </mc:Choice>
+          <mc:Fallback>
+            <p:pic>
+              <p:nvPicPr>
+                <p:cNvPr id="272" name="Ink 271">
+                  <a:extLst>
+                    <a:ext uri="{FF2B5EF4-FFF2-40B4-BE49-F238E27FC236}">
+                      <a16:creationId xmlns:a16="http://schemas.microsoft.com/office/drawing/2014/main" id="{A8518A96-740D-2B60-0416-6B621770EC4D}"/>
+                    </a:ext>
+                  </a:extLst>
+                </p:cNvPr>
+                <p:cNvPicPr/>
+                <p:nvPr/>
+              </p:nvPicPr>
+              <p:blipFill>
+                <a:blip r:embed="rId119"/>
+                <a:stretch>
+                  <a:fillRect/>
+                </a:stretch>
+              </p:blipFill>
+              <p:spPr>
+                <a:xfrm>
+                  <a:off x="2228940" y="2214540"/>
+                  <a:ext cx="217440" cy="31320"/>
+                </a:xfrm>
+                <a:prstGeom prst="rect">
+                  <a:avLst/>
+                </a:prstGeom>
+              </p:spPr>
+            </p:pic>
+          </mc:Fallback>
+        </mc:AlternateContent>
+        <mc:AlternateContent xmlns:mc="http://schemas.openxmlformats.org/markup-compatibility/2006">
+          <mc:Choice xmlns:p14="http://schemas.microsoft.com/office/powerpoint/2010/main" Requires="p14">
+            <p:contentPart p14:bwMode="auto" r:id="rId120">
+              <p14:nvContentPartPr>
+                <p14:cNvPr id="273" name="Ink 272">
+                  <a:extLst>
+                    <a:ext uri="{FF2B5EF4-FFF2-40B4-BE49-F238E27FC236}">
+                      <a16:creationId xmlns:a16="http://schemas.microsoft.com/office/drawing/2014/main" id="{E0EC11BD-B628-6138-2958-61720F8DD3A2}"/>
+                    </a:ext>
+                  </a:extLst>
+                </p14:cNvPr>
+                <p14:cNvContentPartPr/>
+                <p14:nvPr/>
+              </p14:nvContentPartPr>
+              <p14:xfrm>
+                <a:off x="2544660" y="2215980"/>
+                <a:ext cx="174960" cy="53640"/>
+              </p14:xfrm>
+            </p:contentPart>
+          </mc:Choice>
+          <mc:Fallback>
+            <p:pic>
+              <p:nvPicPr>
+                <p:cNvPr id="273" name="Ink 272">
+                  <a:extLst>
+                    <a:ext uri="{FF2B5EF4-FFF2-40B4-BE49-F238E27FC236}">
+                      <a16:creationId xmlns:a16="http://schemas.microsoft.com/office/drawing/2014/main" id="{E0EC11BD-B628-6138-2958-61720F8DD3A2}"/>
+                    </a:ext>
+                  </a:extLst>
+                </p:cNvPr>
+                <p:cNvPicPr/>
+                <p:nvPr/>
+              </p:nvPicPr>
+              <p:blipFill>
+                <a:blip r:embed="rId121"/>
+                <a:stretch>
+                  <a:fillRect/>
+                </a:stretch>
+              </p:blipFill>
+              <p:spPr>
+                <a:xfrm>
+                  <a:off x="2538540" y="2209860"/>
+                  <a:ext cx="187200" cy="65880"/>
+                </a:xfrm>
+                <a:prstGeom prst="rect">
+                  <a:avLst/>
+                </a:prstGeom>
+              </p:spPr>
+            </p:pic>
+          </mc:Fallback>
+        </mc:AlternateContent>
+        <mc:AlternateContent xmlns:mc="http://schemas.openxmlformats.org/markup-compatibility/2006">
+          <mc:Choice xmlns:p14="http://schemas.microsoft.com/office/powerpoint/2010/main" Requires="p14">
+            <p:contentPart p14:bwMode="auto" r:id="rId122">
+              <p14:nvContentPartPr>
+                <p14:cNvPr id="284" name="Ink 283">
+                  <a:extLst>
+                    <a:ext uri="{FF2B5EF4-FFF2-40B4-BE49-F238E27FC236}">
+                      <a16:creationId xmlns:a16="http://schemas.microsoft.com/office/drawing/2014/main" id="{0F895C57-8B1C-0252-5E18-8FCCC7F1C597}"/>
+                    </a:ext>
+                  </a:extLst>
+                </p14:cNvPr>
+                <p14:cNvContentPartPr/>
+                <p14:nvPr/>
+              </p14:nvContentPartPr>
+              <p14:xfrm>
+                <a:off x="1918620" y="1697220"/>
+                <a:ext cx="104400" cy="247320"/>
+              </p14:xfrm>
+            </p:contentPart>
+          </mc:Choice>
+          <mc:Fallback>
+            <p:pic>
+              <p:nvPicPr>
+                <p:cNvPr id="284" name="Ink 283">
+                  <a:extLst>
+                    <a:ext uri="{FF2B5EF4-FFF2-40B4-BE49-F238E27FC236}">
+                      <a16:creationId xmlns:a16="http://schemas.microsoft.com/office/drawing/2014/main" id="{0F895C57-8B1C-0252-5E18-8FCCC7F1C597}"/>
+                    </a:ext>
+                  </a:extLst>
+                </p:cNvPr>
+                <p:cNvPicPr/>
+                <p:nvPr/>
+              </p:nvPicPr>
+              <p:blipFill>
+                <a:blip r:embed="rId123"/>
+                <a:stretch>
+                  <a:fillRect/>
+                </a:stretch>
+              </p:blipFill>
+              <p:spPr>
+                <a:xfrm>
+                  <a:off x="1912500" y="1691100"/>
+                  <a:ext cx="116640" cy="259560"/>
+                </a:xfrm>
+                <a:prstGeom prst="rect">
+                  <a:avLst/>
+                </a:prstGeom>
+              </p:spPr>
+            </p:pic>
+          </mc:Fallback>
+        </mc:AlternateContent>
+        <mc:AlternateContent xmlns:mc="http://schemas.openxmlformats.org/markup-compatibility/2006">
+          <mc:Choice xmlns:p14="http://schemas.microsoft.com/office/powerpoint/2010/main" Requires="p14">
+            <p:contentPart p14:bwMode="auto" r:id="rId124">
+              <p14:nvContentPartPr>
+                <p14:cNvPr id="285" name="Ink 284">
+                  <a:extLst>
+                    <a:ext uri="{FF2B5EF4-FFF2-40B4-BE49-F238E27FC236}">
+                      <a16:creationId xmlns:a16="http://schemas.microsoft.com/office/drawing/2014/main" id="{DA2CB252-01EE-D025-4DB9-D80CCB8BB445}"/>
+                    </a:ext>
+                  </a:extLst>
+                </p14:cNvPr>
+                <p14:cNvContentPartPr/>
+                <p14:nvPr/>
+              </p14:nvContentPartPr>
+              <p14:xfrm>
+                <a:off x="2822220" y="1647180"/>
+                <a:ext cx="97560" cy="284760"/>
+              </p14:xfrm>
+            </p:contentPart>
+          </mc:Choice>
+          <mc:Fallback>
+            <p:pic>
+              <p:nvPicPr>
+                <p:cNvPr id="285" name="Ink 284">
+                  <a:extLst>
+                    <a:ext uri="{FF2B5EF4-FFF2-40B4-BE49-F238E27FC236}">
+                      <a16:creationId xmlns:a16="http://schemas.microsoft.com/office/drawing/2014/main" id="{DA2CB252-01EE-D025-4DB9-D80CCB8BB445}"/>
+                    </a:ext>
+                  </a:extLst>
+                </p:cNvPr>
+                <p:cNvPicPr/>
+                <p:nvPr/>
+              </p:nvPicPr>
+              <p:blipFill>
+                <a:blip r:embed="rId125"/>
+                <a:stretch>
+                  <a:fillRect/>
+                </a:stretch>
+              </p:blipFill>
+              <p:spPr>
+                <a:xfrm>
+                  <a:off x="2816100" y="1641060"/>
+                  <a:ext cx="109800" cy="297000"/>
+                </a:xfrm>
+                <a:prstGeom prst="rect">
+                  <a:avLst/>
+                </a:prstGeom>
+              </p:spPr>
+            </p:pic>
+          </mc:Fallback>
+        </mc:AlternateContent>
+        <mc:AlternateContent xmlns:mc="http://schemas.openxmlformats.org/markup-compatibility/2006">
+          <mc:Choice xmlns:p14="http://schemas.microsoft.com/office/powerpoint/2010/main" Requires="p14">
+            <p:contentPart p14:bwMode="auto" r:id="rId126">
+              <p14:nvContentPartPr>
+                <p14:cNvPr id="288" name="Ink 287">
+                  <a:extLst>
+                    <a:ext uri="{FF2B5EF4-FFF2-40B4-BE49-F238E27FC236}">
+                      <a16:creationId xmlns:a16="http://schemas.microsoft.com/office/drawing/2014/main" id="{A1D00B98-37C7-6453-3BBD-097C7C15612A}"/>
+                    </a:ext>
+                  </a:extLst>
+                </p14:cNvPr>
+                <p14:cNvContentPartPr/>
+                <p14:nvPr/>
+              </p14:nvContentPartPr>
+              <p14:xfrm>
+                <a:off x="1947420" y="1910700"/>
+                <a:ext cx="137160" cy="218880"/>
+              </p14:xfrm>
+            </p:contentPart>
+          </mc:Choice>
+          <mc:Fallback>
+            <p:pic>
+              <p:nvPicPr>
+                <p:cNvPr id="288" name="Ink 287">
+                  <a:extLst>
+                    <a:ext uri="{FF2B5EF4-FFF2-40B4-BE49-F238E27FC236}">
+                      <a16:creationId xmlns:a16="http://schemas.microsoft.com/office/drawing/2014/main" id="{A1D00B98-37C7-6453-3BBD-097C7C15612A}"/>
+                    </a:ext>
+                  </a:extLst>
+                </p:cNvPr>
+                <p:cNvPicPr/>
+                <p:nvPr/>
+              </p:nvPicPr>
+              <p:blipFill>
+                <a:blip r:embed="rId127"/>
+                <a:stretch>
+                  <a:fillRect/>
+                </a:stretch>
+              </p:blipFill>
+              <p:spPr>
+                <a:xfrm>
+                  <a:off x="1941300" y="1904580"/>
+                  <a:ext cx="149400" cy="231120"/>
+                </a:xfrm>
+                <a:prstGeom prst="rect">
+                  <a:avLst/>
+                </a:prstGeom>
+              </p:spPr>
+            </p:pic>
+          </mc:Fallback>
+        </mc:AlternateContent>
+        <mc:AlternateContent xmlns:mc="http://schemas.openxmlformats.org/markup-compatibility/2006">
+          <mc:Choice xmlns:p14="http://schemas.microsoft.com/office/powerpoint/2010/main" Requires="p14">
+            <p:contentPart p14:bwMode="auto" r:id="rId128">
+              <p14:nvContentPartPr>
+                <p14:cNvPr id="289" name="Ink 288">
+                  <a:extLst>
+                    <a:ext uri="{FF2B5EF4-FFF2-40B4-BE49-F238E27FC236}">
+                      <a16:creationId xmlns:a16="http://schemas.microsoft.com/office/drawing/2014/main" id="{634BF37E-643E-F8EB-6305-5D8F2DB5AA7F}"/>
+                    </a:ext>
+                  </a:extLst>
+                </p14:cNvPr>
+                <p14:cNvContentPartPr/>
+                <p14:nvPr/>
+              </p14:nvContentPartPr>
+              <p14:xfrm>
+                <a:off x="2722860" y="1912500"/>
+                <a:ext cx="87840" cy="232200"/>
+              </p14:xfrm>
+            </p:contentPart>
+          </mc:Choice>
+          <mc:Fallback>
+            <p:pic>
+              <p:nvPicPr>
+                <p:cNvPr id="289" name="Ink 288">
+                  <a:extLst>
+                    <a:ext uri="{FF2B5EF4-FFF2-40B4-BE49-F238E27FC236}">
+                      <a16:creationId xmlns:a16="http://schemas.microsoft.com/office/drawing/2014/main" id="{634BF37E-643E-F8EB-6305-5D8F2DB5AA7F}"/>
+                    </a:ext>
+                  </a:extLst>
+                </p:cNvPr>
+                <p:cNvPicPr/>
+                <p:nvPr/>
+              </p:nvPicPr>
+              <p:blipFill>
+                <a:blip r:embed="rId129"/>
+                <a:stretch>
+                  <a:fillRect/>
+                </a:stretch>
+              </p:blipFill>
+              <p:spPr>
+                <a:xfrm>
+                  <a:off x="2716740" y="1906380"/>
+                  <a:ext cx="100080" cy="244440"/>
+                </a:xfrm>
+                <a:prstGeom prst="rect">
+                  <a:avLst/>
+                </a:prstGeom>
+              </p:spPr>
+            </p:pic>
+          </mc:Fallback>
+        </mc:AlternateContent>
+        <mc:AlternateContent xmlns:mc="http://schemas.openxmlformats.org/markup-compatibility/2006">
+          <mc:Choice xmlns:p14="http://schemas.microsoft.com/office/powerpoint/2010/main" Requires="p14">
+            <p:contentPart p14:bwMode="auto" r:id="rId130">
+              <p14:nvContentPartPr>
+                <p14:cNvPr id="294" name="Ink 293">
+                  <a:extLst>
+                    <a:ext uri="{FF2B5EF4-FFF2-40B4-BE49-F238E27FC236}">
+                      <a16:creationId xmlns:a16="http://schemas.microsoft.com/office/drawing/2014/main" id="{A113539B-848C-E176-0156-A4957D42BAEF}"/>
+                    </a:ext>
+                  </a:extLst>
+                </p14:cNvPr>
+                <p14:cNvContentPartPr/>
+                <p14:nvPr/>
+              </p14:nvContentPartPr>
+              <p14:xfrm>
+                <a:off x="1920060" y="1691460"/>
+                <a:ext cx="1035720" cy="374400"/>
+              </p14:xfrm>
+            </p:contentPart>
+          </mc:Choice>
+          <mc:Fallback>
+            <p:pic>
+              <p:nvPicPr>
+                <p:cNvPr id="294" name="Ink 293">
+                  <a:extLst>
+                    <a:ext uri="{FF2B5EF4-FFF2-40B4-BE49-F238E27FC236}">
+                      <a16:creationId xmlns:a16="http://schemas.microsoft.com/office/drawing/2014/main" id="{A113539B-848C-E176-0156-A4957D42BAEF}"/>
+                    </a:ext>
+                  </a:extLst>
+                </p:cNvPr>
+                <p:cNvPicPr/>
+                <p:nvPr/>
+              </p:nvPicPr>
+              <p:blipFill>
+                <a:blip r:embed="rId131"/>
+                <a:stretch>
+                  <a:fillRect/>
+                </a:stretch>
+              </p:blipFill>
+              <p:spPr>
+                <a:xfrm>
+                  <a:off x="1913940" y="1685340"/>
+                  <a:ext cx="1047960" cy="386640"/>
+                </a:xfrm>
+                <a:prstGeom prst="rect">
+                  <a:avLst/>
+                </a:prstGeom>
+              </p:spPr>
+            </p:pic>
+          </mc:Fallback>
+        </mc:AlternateContent>
+        <mc:AlternateContent xmlns:mc="http://schemas.openxmlformats.org/markup-compatibility/2006">
+          <mc:Choice xmlns:p14="http://schemas.microsoft.com/office/powerpoint/2010/main" Requires="p14">
+            <p:contentPart p14:bwMode="auto" r:id="rId132">
+              <p14:nvContentPartPr>
+                <p14:cNvPr id="295" name="Ink 294">
+                  <a:extLst>
+                    <a:ext uri="{FF2B5EF4-FFF2-40B4-BE49-F238E27FC236}">
+                      <a16:creationId xmlns:a16="http://schemas.microsoft.com/office/drawing/2014/main" id="{3709DAF8-BFA0-09CE-13A5-606A066E8C1D}"/>
+                    </a:ext>
+                  </a:extLst>
+                </p14:cNvPr>
+                <p14:cNvContentPartPr/>
+                <p14:nvPr/>
+              </p14:nvContentPartPr>
+              <p14:xfrm>
+                <a:off x="2094300" y="1890900"/>
+                <a:ext cx="91080" cy="13680"/>
+              </p14:xfrm>
+            </p:contentPart>
+          </mc:Choice>
+          <mc:Fallback>
+            <p:pic>
+              <p:nvPicPr>
+                <p:cNvPr id="295" name="Ink 294">
+                  <a:extLst>
+                    <a:ext uri="{FF2B5EF4-FFF2-40B4-BE49-F238E27FC236}">
+                      <a16:creationId xmlns:a16="http://schemas.microsoft.com/office/drawing/2014/main" id="{3709DAF8-BFA0-09CE-13A5-606A066E8C1D}"/>
+                    </a:ext>
+                  </a:extLst>
+                </p:cNvPr>
+                <p:cNvPicPr/>
+                <p:nvPr/>
+              </p:nvPicPr>
+              <p:blipFill>
+                <a:blip r:embed="rId133"/>
+                <a:stretch>
+                  <a:fillRect/>
+                </a:stretch>
+              </p:blipFill>
+              <p:spPr>
+                <a:xfrm>
+                  <a:off x="2088180" y="1884780"/>
+                  <a:ext cx="103320" cy="25920"/>
+                </a:xfrm>
+                <a:prstGeom prst="rect">
+                  <a:avLst/>
+                </a:prstGeom>
+              </p:spPr>
+            </p:pic>
+          </mc:Fallback>
+        </mc:AlternateContent>
+        <mc:AlternateContent xmlns:mc="http://schemas.openxmlformats.org/markup-compatibility/2006">
+          <mc:Choice xmlns:p14="http://schemas.microsoft.com/office/powerpoint/2010/main" Requires="p14">
+            <p:contentPart p14:bwMode="auto" r:id="rId134">
+              <p14:nvContentPartPr>
+                <p14:cNvPr id="296" name="Ink 295">
+                  <a:extLst>
+                    <a:ext uri="{FF2B5EF4-FFF2-40B4-BE49-F238E27FC236}">
+                      <a16:creationId xmlns:a16="http://schemas.microsoft.com/office/drawing/2014/main" id="{B47D20DC-1433-8FD5-8C30-41FBD9A18A69}"/>
+                    </a:ext>
+                  </a:extLst>
+                </p14:cNvPr>
+                <p14:cNvContentPartPr/>
+                <p14:nvPr/>
+              </p14:nvContentPartPr>
+              <p14:xfrm>
+                <a:off x="2269260" y="1889820"/>
+                <a:ext cx="97200" cy="11880"/>
+              </p14:xfrm>
+            </p:contentPart>
+          </mc:Choice>
+          <mc:Fallback>
+            <p:pic>
+              <p:nvPicPr>
+                <p:cNvPr id="296" name="Ink 295">
+                  <a:extLst>
+                    <a:ext uri="{FF2B5EF4-FFF2-40B4-BE49-F238E27FC236}">
+                      <a16:creationId xmlns:a16="http://schemas.microsoft.com/office/drawing/2014/main" id="{B47D20DC-1433-8FD5-8C30-41FBD9A18A69}"/>
+                    </a:ext>
+                  </a:extLst>
+                </p:cNvPr>
+                <p:cNvPicPr/>
+                <p:nvPr/>
+              </p:nvPicPr>
+              <p:blipFill>
+                <a:blip r:embed="rId135"/>
+                <a:stretch>
+                  <a:fillRect/>
+                </a:stretch>
+              </p:blipFill>
+              <p:spPr>
+                <a:xfrm>
+                  <a:off x="2263140" y="1883700"/>
+                  <a:ext cx="109440" cy="24120"/>
+                </a:xfrm>
+                <a:prstGeom prst="rect">
+                  <a:avLst/>
+                </a:prstGeom>
+              </p:spPr>
+            </p:pic>
+          </mc:Fallback>
+        </mc:AlternateContent>
+        <mc:AlternateContent xmlns:mc="http://schemas.openxmlformats.org/markup-compatibility/2006">
+          <mc:Choice xmlns:p14="http://schemas.microsoft.com/office/powerpoint/2010/main" Requires="p14">
+            <p:contentPart p14:bwMode="auto" r:id="rId136">
+              <p14:nvContentPartPr>
+                <p14:cNvPr id="297" name="Ink 296">
+                  <a:extLst>
+                    <a:ext uri="{FF2B5EF4-FFF2-40B4-BE49-F238E27FC236}">
+                      <a16:creationId xmlns:a16="http://schemas.microsoft.com/office/drawing/2014/main" id="{E82D44BD-E2B5-13EE-3AF8-0D3D7DE6973A}"/>
+                    </a:ext>
+                  </a:extLst>
+                </p14:cNvPr>
+                <p14:cNvContentPartPr/>
+                <p14:nvPr/>
+              </p14:nvContentPartPr>
+              <p14:xfrm>
+                <a:off x="2491740" y="1878660"/>
+                <a:ext cx="111240" cy="12600"/>
+              </p14:xfrm>
+            </p:contentPart>
+          </mc:Choice>
+          <mc:Fallback>
+            <p:pic>
+              <p:nvPicPr>
+                <p:cNvPr id="297" name="Ink 296">
+                  <a:extLst>
+                    <a:ext uri="{FF2B5EF4-FFF2-40B4-BE49-F238E27FC236}">
+                      <a16:creationId xmlns:a16="http://schemas.microsoft.com/office/drawing/2014/main" id="{E82D44BD-E2B5-13EE-3AF8-0D3D7DE6973A}"/>
+                    </a:ext>
+                  </a:extLst>
+                </p:cNvPr>
+                <p:cNvPicPr/>
+                <p:nvPr/>
+              </p:nvPicPr>
+              <p:blipFill>
+                <a:blip r:embed="rId137"/>
+                <a:stretch>
+                  <a:fillRect/>
+                </a:stretch>
+              </p:blipFill>
+              <p:spPr>
+                <a:xfrm>
+                  <a:off x="2485620" y="1872540"/>
+                  <a:ext cx="123480" cy="24840"/>
+                </a:xfrm>
+                <a:prstGeom prst="rect">
+                  <a:avLst/>
+                </a:prstGeom>
+              </p:spPr>
+            </p:pic>
+          </mc:Fallback>
+        </mc:AlternateContent>
+        <mc:AlternateContent xmlns:mc="http://schemas.openxmlformats.org/markup-compatibility/2006">
+          <mc:Choice xmlns:p14="http://schemas.microsoft.com/office/powerpoint/2010/main" Requires="p14">
+            <p:contentPart p14:bwMode="auto" r:id="rId138">
+              <p14:nvContentPartPr>
+                <p14:cNvPr id="298" name="Ink 297">
+                  <a:extLst>
+                    <a:ext uri="{FF2B5EF4-FFF2-40B4-BE49-F238E27FC236}">
+                      <a16:creationId xmlns:a16="http://schemas.microsoft.com/office/drawing/2014/main" id="{B349701F-A157-39F4-3B15-C0E8C8E654AB}"/>
+                    </a:ext>
+                  </a:extLst>
+                </p14:cNvPr>
+                <p14:cNvContentPartPr/>
+                <p14:nvPr/>
+              </p14:nvContentPartPr>
+              <p14:xfrm>
+                <a:off x="2694420" y="1894860"/>
+                <a:ext cx="117720" cy="27720"/>
+              </p14:xfrm>
+            </p:contentPart>
+          </mc:Choice>
+          <mc:Fallback>
+            <p:pic>
+              <p:nvPicPr>
+                <p:cNvPr id="298" name="Ink 297">
+                  <a:extLst>
+                    <a:ext uri="{FF2B5EF4-FFF2-40B4-BE49-F238E27FC236}">
+                      <a16:creationId xmlns:a16="http://schemas.microsoft.com/office/drawing/2014/main" id="{B349701F-A157-39F4-3B15-C0E8C8E654AB}"/>
+                    </a:ext>
+                  </a:extLst>
+                </p:cNvPr>
+                <p:cNvPicPr/>
+                <p:nvPr/>
+              </p:nvPicPr>
+              <p:blipFill>
+                <a:blip r:embed="rId139"/>
+                <a:stretch>
+                  <a:fillRect/>
+                </a:stretch>
+              </p:blipFill>
+              <p:spPr>
+                <a:xfrm>
+                  <a:off x="2688300" y="1888740"/>
+                  <a:ext cx="129960" cy="39960"/>
+                </a:xfrm>
+                <a:prstGeom prst="rect">
+                  <a:avLst/>
+                </a:prstGeom>
+              </p:spPr>
+            </p:pic>
+          </mc:Fallback>
+        </mc:AlternateContent>
+        <mc:AlternateContent xmlns:mc="http://schemas.openxmlformats.org/markup-compatibility/2006">
+          <mc:Choice xmlns:p14="http://schemas.microsoft.com/office/powerpoint/2010/main" Requires="p14">
+            <p:contentPart p14:bwMode="auto" r:id="rId140">
+              <p14:nvContentPartPr>
+                <p14:cNvPr id="303" name="Ink 302">
+                  <a:extLst>
+                    <a:ext uri="{FF2B5EF4-FFF2-40B4-BE49-F238E27FC236}">
+                      <a16:creationId xmlns:a16="http://schemas.microsoft.com/office/drawing/2014/main" id="{DB6F3528-2DDF-5A89-9316-A4488C0B35A1}"/>
+                    </a:ext>
+                  </a:extLst>
+                </p14:cNvPr>
+                <p14:cNvContentPartPr/>
+                <p14:nvPr/>
+              </p14:nvContentPartPr>
+              <p14:xfrm>
+                <a:off x="2142900" y="1668420"/>
+                <a:ext cx="750960" cy="193680"/>
+              </p14:xfrm>
+            </p:contentPart>
+          </mc:Choice>
+          <mc:Fallback>
+            <p:pic>
+              <p:nvPicPr>
+                <p:cNvPr id="303" name="Ink 302">
+                  <a:extLst>
+                    <a:ext uri="{FF2B5EF4-FFF2-40B4-BE49-F238E27FC236}">
+                      <a16:creationId xmlns:a16="http://schemas.microsoft.com/office/drawing/2014/main" id="{DB6F3528-2DDF-5A89-9316-A4488C0B35A1}"/>
+                    </a:ext>
+                  </a:extLst>
+                </p:cNvPr>
+                <p:cNvPicPr/>
+                <p:nvPr/>
+              </p:nvPicPr>
+              <p:blipFill>
+                <a:blip r:embed="rId141"/>
+                <a:stretch>
+                  <a:fillRect/>
+                </a:stretch>
+              </p:blipFill>
+              <p:spPr>
+                <a:xfrm>
+                  <a:off x="2136780" y="1662300"/>
+                  <a:ext cx="763200" cy="205920"/>
                 </a:xfrm>
                 <a:prstGeom prst="rect">
                   <a:avLst/>
@@ -29567,7 +35107,7 @@
               <a:buNone/>
             </a:pPr>
             <a:r>
-              <a:rPr lang="en" sz="2100" i="1">
+              <a:rPr lang="en" sz="2100" i="1" dirty="0">
                 <a:latin typeface="Twentieth Century"/>
                 <a:ea typeface="Twentieth Century"/>
                 <a:cs typeface="Twentieth Century"/>
@@ -29576,7 +35116,7 @@
               <a:t>El mecanismo de atención permite al decoder </a:t>
             </a:r>
             <a:r>
-              <a:rPr lang="en" sz="2100" b="1" i="1">
+              <a:rPr lang="en" sz="2100" b="1" i="1" dirty="0">
                 <a:latin typeface="Twentieth Century"/>
                 <a:ea typeface="Twentieth Century"/>
                 <a:cs typeface="Twentieth Century"/>
@@ -29585,7 +35125,7 @@
               <a:t>utilizar las partes más relevantes </a:t>
             </a:r>
             <a:r>
-              <a:rPr lang="en" sz="2100" i="1">
+              <a:rPr lang="en" sz="2100" i="1" dirty="0">
                 <a:latin typeface="Twentieth Century"/>
                 <a:ea typeface="Twentieth Century"/>
                 <a:cs typeface="Twentieth Century"/>
@@ -29594,7 +35134,7 @@
               <a:t>de la entrada </a:t>
             </a:r>
             <a:r>
-              <a:rPr lang="en" sz="2100" b="1" i="1">
+              <a:rPr lang="en" sz="2100" b="1" i="1" dirty="0">
                 <a:latin typeface="Twentieth Century"/>
                 <a:ea typeface="Twentieth Century"/>
                 <a:cs typeface="Twentieth Century"/>
@@ -29603,7 +35143,7 @@
               <a:t>como una suma ponderada </a:t>
             </a:r>
             <a:r>
-              <a:rPr lang="en" sz="2100" i="1">
+              <a:rPr lang="en" sz="2100" i="1" dirty="0">
                 <a:latin typeface="Twentieth Century"/>
                 <a:ea typeface="Twentieth Century"/>
                 <a:cs typeface="Twentieth Century"/>
@@ -29611,7 +35151,7 @@
               </a:rPr>
               <a:t>del vector de entrada codificados para predecir la siguiente palabra.</a:t>
             </a:r>
-            <a:endParaRPr sz="1100"/>
+            <a:endParaRPr sz="1100" dirty="0"/>
           </a:p>
           <a:p>
             <a:pPr marL="0" marR="0" lvl="0" indent="0" algn="ctr" rtl="0">
@@ -29623,7 +35163,7 @@
               </a:spcAft>
               <a:buNone/>
             </a:pPr>
-            <a:endParaRPr sz="2100" i="1">
+            <a:endParaRPr sz="2100" i="1" dirty="0">
               <a:latin typeface="Twentieth Century"/>
               <a:ea typeface="Twentieth Century"/>
               <a:cs typeface="Twentieth Century"/>
@@ -29641,7 +35181,7 @@
               <a:buNone/>
             </a:pPr>
             <a:r>
-              <a:rPr lang="en" sz="2100" i="1">
+              <a:rPr lang="en" sz="2100" i="1" dirty="0">
                 <a:latin typeface="Twentieth Century"/>
                 <a:ea typeface="Twentieth Century"/>
                 <a:cs typeface="Twentieth Century"/>
@@ -29650,7 +35190,7 @@
               <a:t>Una </a:t>
             </a:r>
             <a:r>
-              <a:rPr lang="en" sz="2100" b="1" i="1">
+              <a:rPr lang="en" sz="2100" b="1" i="1" dirty="0">
                 <a:latin typeface="Twentieth Century"/>
                 <a:ea typeface="Twentieth Century"/>
                 <a:cs typeface="Twentieth Century"/>
@@ -29659,7 +35199,7 @@
               <a:t>palabra relevante </a:t>
             </a:r>
             <a:r>
-              <a:rPr lang="en" sz="2100" i="1">
+              <a:rPr lang="en" sz="2100" i="1" dirty="0">
                 <a:latin typeface="Twentieth Century"/>
                 <a:ea typeface="Twentieth Century"/>
                 <a:cs typeface="Twentieth Century"/>
@@ -29668,7 +35208,7 @@
               <a:t>tendrá un </a:t>
             </a:r>
             <a:r>
-              <a:rPr lang="en" sz="2100" b="1" i="1">
+              <a:rPr lang="en" sz="2100" b="1" i="1" dirty="0">
                 <a:latin typeface="Twentieth Century"/>
                 <a:ea typeface="Twentieth Century"/>
                 <a:cs typeface="Twentieth Century"/>
@@ -29677,7 +35217,7 @@
               <a:t>mayor peso </a:t>
             </a:r>
             <a:r>
-              <a:rPr lang="en" sz="2100" i="1">
+              <a:rPr lang="en" sz="2100" i="1" dirty="0">
                 <a:latin typeface="Twentieth Century"/>
                 <a:ea typeface="Twentieth Century"/>
                 <a:cs typeface="Twentieth Century"/>
@@ -29685,7 +35225,7 @@
               </a:rPr>
               <a:t>que una palabra no relevante</a:t>
             </a:r>
-            <a:endParaRPr sz="2100" i="1">
+            <a:endParaRPr sz="2100" i="1" dirty="0">
               <a:latin typeface="Twentieth Century"/>
               <a:ea typeface="Twentieth Century"/>
               <a:cs typeface="Twentieth Century"/>
@@ -29756,10 +35296,10 @@
               <a:buNone/>
             </a:pPr>
             <a:r>
-              <a:rPr lang="en"/>
+              <a:rPr lang="en" dirty="0"/>
               <a:t>Redes recurrentes - Mecanismos de atención</a:t>
             </a:r>
-            <a:endParaRPr/>
+            <a:endParaRPr dirty="0"/>
           </a:p>
         </p:txBody>
       </p:sp>
@@ -32357,6 +37897,558 @@
           </a:p>
         </p:txBody>
       </p:sp>
+      <mc:AlternateContent xmlns:mc="http://schemas.openxmlformats.org/markup-compatibility/2006">
+        <mc:Choice xmlns:p14="http://schemas.microsoft.com/office/powerpoint/2010/main" Requires="p14">
+          <p:contentPart p14:bwMode="auto" r:id="rId17">
+            <p14:nvContentPartPr>
+              <p14:cNvPr id="3" name="Ink 2">
+                <a:extLst>
+                  <a:ext uri="{FF2B5EF4-FFF2-40B4-BE49-F238E27FC236}">
+                    <a16:creationId xmlns:a16="http://schemas.microsoft.com/office/drawing/2014/main" id="{6E22F2DF-6723-A24B-2D8C-CCDA2641AF23}"/>
+                  </a:ext>
+                </a:extLst>
+              </p14:cNvPr>
+              <p14:cNvContentPartPr/>
+              <p14:nvPr/>
+            </p14:nvContentPartPr>
+            <p14:xfrm>
+              <a:off x="3545460" y="3105900"/>
+              <a:ext cx="343080" cy="713160"/>
+            </p14:xfrm>
+          </p:contentPart>
+        </mc:Choice>
+        <mc:Fallback>
+          <p:pic>
+            <p:nvPicPr>
+              <p:cNvPr id="3" name="Ink 2">
+                <a:extLst>
+                  <a:ext uri="{FF2B5EF4-FFF2-40B4-BE49-F238E27FC236}">
+                    <a16:creationId xmlns:a16="http://schemas.microsoft.com/office/drawing/2014/main" id="{6E22F2DF-6723-A24B-2D8C-CCDA2641AF23}"/>
+                  </a:ext>
+                </a:extLst>
+              </p:cNvPr>
+              <p:cNvPicPr/>
+              <p:nvPr/>
+            </p:nvPicPr>
+            <p:blipFill>
+              <a:blip r:embed="rId18"/>
+              <a:stretch>
+                <a:fillRect/>
+              </a:stretch>
+            </p:blipFill>
+            <p:spPr>
+              <a:xfrm>
+                <a:off x="3539340" y="3099780"/>
+                <a:ext cx="355320" cy="725400"/>
+              </a:xfrm>
+              <a:prstGeom prst="rect">
+                <a:avLst/>
+              </a:prstGeom>
+            </p:spPr>
+          </p:pic>
+        </mc:Fallback>
+      </mc:AlternateContent>
+      <p:grpSp>
+        <p:nvGrpSpPr>
+          <p:cNvPr id="6" name="Group 5">
+            <a:extLst>
+              <a:ext uri="{FF2B5EF4-FFF2-40B4-BE49-F238E27FC236}">
+                <a16:creationId xmlns:a16="http://schemas.microsoft.com/office/drawing/2014/main" id="{758CD048-FFA4-9894-E7C0-8457950C5B02}"/>
+              </a:ext>
+            </a:extLst>
+          </p:cNvPr>
+          <p:cNvGrpSpPr/>
+          <p:nvPr/>
+        </p:nvGrpSpPr>
+        <p:grpSpPr>
+          <a:xfrm>
+            <a:off x="1723860" y="3082140"/>
+            <a:ext cx="2283840" cy="740880"/>
+            <a:chOff x="1723860" y="3082140"/>
+            <a:chExt cx="2283840" cy="740880"/>
+          </a:xfrm>
+        </p:grpSpPr>
+        <mc:AlternateContent xmlns:mc="http://schemas.openxmlformats.org/markup-compatibility/2006">
+          <mc:Choice xmlns:p14="http://schemas.microsoft.com/office/powerpoint/2010/main" Requires="p14">
+            <p:contentPart p14:bwMode="auto" r:id="rId19">
+              <p14:nvContentPartPr>
+                <p14:cNvPr id="4" name="Ink 3">
+                  <a:extLst>
+                    <a:ext uri="{FF2B5EF4-FFF2-40B4-BE49-F238E27FC236}">
+                      <a16:creationId xmlns:a16="http://schemas.microsoft.com/office/drawing/2014/main" id="{B33276FF-2430-5846-0B5E-2FA0640B1AE0}"/>
+                    </a:ext>
+                  </a:extLst>
+                </p14:cNvPr>
+                <p14:cNvContentPartPr/>
+                <p14:nvPr/>
+              </p14:nvContentPartPr>
+              <p14:xfrm>
+                <a:off x="1723860" y="3393180"/>
+                <a:ext cx="1896480" cy="387720"/>
+              </p14:xfrm>
+            </p:contentPart>
+          </mc:Choice>
+          <mc:Fallback>
+            <p:pic>
+              <p:nvPicPr>
+                <p:cNvPr id="4" name="Ink 3">
+                  <a:extLst>
+                    <a:ext uri="{FF2B5EF4-FFF2-40B4-BE49-F238E27FC236}">
+                      <a16:creationId xmlns:a16="http://schemas.microsoft.com/office/drawing/2014/main" id="{B33276FF-2430-5846-0B5E-2FA0640B1AE0}"/>
+                    </a:ext>
+                  </a:extLst>
+                </p:cNvPr>
+                <p:cNvPicPr/>
+                <p:nvPr/>
+              </p:nvPicPr>
+              <p:blipFill>
+                <a:blip r:embed="rId20"/>
+                <a:stretch>
+                  <a:fillRect/>
+                </a:stretch>
+              </p:blipFill>
+              <p:spPr>
+                <a:xfrm>
+                  <a:off x="1717740" y="3387060"/>
+                  <a:ext cx="1908720" cy="399960"/>
+                </a:xfrm>
+                <a:prstGeom prst="rect">
+                  <a:avLst/>
+                </a:prstGeom>
+              </p:spPr>
+            </p:pic>
+          </mc:Fallback>
+        </mc:AlternateContent>
+        <mc:AlternateContent xmlns:mc="http://schemas.openxmlformats.org/markup-compatibility/2006">
+          <mc:Choice xmlns:p14="http://schemas.microsoft.com/office/powerpoint/2010/main" Requires="p14">
+            <p:contentPart p14:bwMode="auto" r:id="rId21">
+              <p14:nvContentPartPr>
+                <p14:cNvPr id="5" name="Ink 4">
+                  <a:extLst>
+                    <a:ext uri="{FF2B5EF4-FFF2-40B4-BE49-F238E27FC236}">
+                      <a16:creationId xmlns:a16="http://schemas.microsoft.com/office/drawing/2014/main" id="{9DA9DCCB-1942-C6EF-857C-3069501DB955}"/>
+                    </a:ext>
+                  </a:extLst>
+                </p14:cNvPr>
+                <p14:cNvContentPartPr/>
+                <p14:nvPr/>
+              </p14:nvContentPartPr>
+              <p14:xfrm>
+                <a:off x="3527820" y="3082140"/>
+                <a:ext cx="479880" cy="740880"/>
+              </p14:xfrm>
+            </p:contentPart>
+          </mc:Choice>
+          <mc:Fallback>
+            <p:pic>
+              <p:nvPicPr>
+                <p:cNvPr id="5" name="Ink 4">
+                  <a:extLst>
+                    <a:ext uri="{FF2B5EF4-FFF2-40B4-BE49-F238E27FC236}">
+                      <a16:creationId xmlns:a16="http://schemas.microsoft.com/office/drawing/2014/main" id="{9DA9DCCB-1942-C6EF-857C-3069501DB955}"/>
+                    </a:ext>
+                  </a:extLst>
+                </p:cNvPr>
+                <p:cNvPicPr/>
+                <p:nvPr/>
+              </p:nvPicPr>
+              <p:blipFill>
+                <a:blip r:embed="rId22"/>
+                <a:stretch>
+                  <a:fillRect/>
+                </a:stretch>
+              </p:blipFill>
+              <p:spPr>
+                <a:xfrm>
+                  <a:off x="3521700" y="3076020"/>
+                  <a:ext cx="492120" cy="753120"/>
+                </a:xfrm>
+                <a:prstGeom prst="rect">
+                  <a:avLst/>
+                </a:prstGeom>
+              </p:spPr>
+            </p:pic>
+          </mc:Fallback>
+        </mc:AlternateContent>
+      </p:grpSp>
+      <mc:AlternateContent xmlns:mc="http://schemas.openxmlformats.org/markup-compatibility/2006">
+        <mc:Choice xmlns:p14="http://schemas.microsoft.com/office/powerpoint/2010/main" Requires="p14">
+          <p:contentPart p14:bwMode="auto" r:id="rId23">
+            <p14:nvContentPartPr>
+              <p14:cNvPr id="7" name="Ink 6">
+                <a:extLst>
+                  <a:ext uri="{FF2B5EF4-FFF2-40B4-BE49-F238E27FC236}">
+                    <a16:creationId xmlns:a16="http://schemas.microsoft.com/office/drawing/2014/main" id="{0FE5F255-1F1C-DCF8-CAEE-5567C6A5E19B}"/>
+                  </a:ext>
+                </a:extLst>
+              </p14:cNvPr>
+              <p14:cNvContentPartPr/>
+              <p14:nvPr/>
+            </p14:nvContentPartPr>
+            <p14:xfrm>
+              <a:off x="3568500" y="3108420"/>
+              <a:ext cx="317880" cy="20520"/>
+            </p14:xfrm>
+          </p:contentPart>
+        </mc:Choice>
+        <mc:Fallback>
+          <p:pic>
+            <p:nvPicPr>
+              <p:cNvPr id="7" name="Ink 6">
+                <a:extLst>
+                  <a:ext uri="{FF2B5EF4-FFF2-40B4-BE49-F238E27FC236}">
+                    <a16:creationId xmlns:a16="http://schemas.microsoft.com/office/drawing/2014/main" id="{0FE5F255-1F1C-DCF8-CAEE-5567C6A5E19B}"/>
+                  </a:ext>
+                </a:extLst>
+              </p:cNvPr>
+              <p:cNvPicPr/>
+              <p:nvPr/>
+            </p:nvPicPr>
+            <p:blipFill>
+              <a:blip r:embed="rId24"/>
+              <a:stretch>
+                <a:fillRect/>
+              </a:stretch>
+            </p:blipFill>
+            <p:spPr>
+              <a:xfrm>
+                <a:off x="3562380" y="3102300"/>
+                <a:ext cx="330120" cy="32760"/>
+              </a:xfrm>
+              <a:prstGeom prst="rect">
+                <a:avLst/>
+              </a:prstGeom>
+            </p:spPr>
+          </p:pic>
+        </mc:Fallback>
+      </mc:AlternateContent>
+      <mc:AlternateContent xmlns:mc="http://schemas.openxmlformats.org/markup-compatibility/2006">
+        <mc:Choice xmlns:p14="http://schemas.microsoft.com/office/powerpoint/2010/main" Requires="p14">
+          <p:contentPart p14:bwMode="auto" r:id="rId25">
+            <p14:nvContentPartPr>
+              <p14:cNvPr id="9" name="Ink 8">
+                <a:extLst>
+                  <a:ext uri="{FF2B5EF4-FFF2-40B4-BE49-F238E27FC236}">
+                    <a16:creationId xmlns:a16="http://schemas.microsoft.com/office/drawing/2014/main" id="{7639F04C-BBC4-0C61-72E9-98EB66BE33AA}"/>
+                  </a:ext>
+                </a:extLst>
+              </p14:cNvPr>
+              <p14:cNvContentPartPr/>
+              <p14:nvPr/>
+            </p14:nvContentPartPr>
+            <p14:xfrm>
+              <a:off x="3500136" y="3164689"/>
+              <a:ext cx="357768" cy="677302"/>
+            </p14:xfrm>
+          </p:contentPart>
+        </mc:Choice>
+        <mc:Fallback>
+          <p:pic>
+            <p:nvPicPr>
+              <p:cNvPr id="9" name="Ink 8">
+                <a:extLst>
+                  <a:ext uri="{FF2B5EF4-FFF2-40B4-BE49-F238E27FC236}">
+                    <a16:creationId xmlns:a16="http://schemas.microsoft.com/office/drawing/2014/main" id="{7639F04C-BBC4-0C61-72E9-98EB66BE33AA}"/>
+                  </a:ext>
+                </a:extLst>
+              </p:cNvPr>
+              <p:cNvPicPr/>
+              <p:nvPr/>
+            </p:nvPicPr>
+            <p:blipFill>
+              <a:blip r:embed="rId26"/>
+              <a:stretch>
+                <a:fillRect/>
+              </a:stretch>
+            </p:blipFill>
+            <p:spPr>
+              <a:xfrm>
+                <a:off x="3494017" y="3158568"/>
+                <a:ext cx="370006" cy="689545"/>
+              </a:xfrm>
+              <a:prstGeom prst="rect">
+                <a:avLst/>
+              </a:prstGeom>
+            </p:spPr>
+          </p:pic>
+        </mc:Fallback>
+      </mc:AlternateContent>
+      <mc:AlternateContent xmlns:mc="http://schemas.openxmlformats.org/markup-compatibility/2006">
+        <mc:Choice xmlns:p14="http://schemas.microsoft.com/office/powerpoint/2010/main" Requires="p14">
+          <p:contentPart p14:bwMode="auto" r:id="rId27">
+            <p14:nvContentPartPr>
+              <p14:cNvPr id="10" name="Ink 9">
+                <a:extLst>
+                  <a:ext uri="{FF2B5EF4-FFF2-40B4-BE49-F238E27FC236}">
+                    <a16:creationId xmlns:a16="http://schemas.microsoft.com/office/drawing/2014/main" id="{976C2998-CBB3-091B-EC9D-A54147A09367}"/>
+                  </a:ext>
+                </a:extLst>
+              </p14:cNvPr>
+              <p14:cNvContentPartPr/>
+              <p14:nvPr/>
+            </p14:nvContentPartPr>
+            <p14:xfrm>
+              <a:off x="2887020" y="4287420"/>
+              <a:ext cx="6480" cy="39600"/>
+            </p14:xfrm>
+          </p:contentPart>
+        </mc:Choice>
+        <mc:Fallback>
+          <p:pic>
+            <p:nvPicPr>
+              <p:cNvPr id="10" name="Ink 9">
+                <a:extLst>
+                  <a:ext uri="{FF2B5EF4-FFF2-40B4-BE49-F238E27FC236}">
+                    <a16:creationId xmlns:a16="http://schemas.microsoft.com/office/drawing/2014/main" id="{976C2998-CBB3-091B-EC9D-A54147A09367}"/>
+                  </a:ext>
+                </a:extLst>
+              </p:cNvPr>
+              <p:cNvPicPr/>
+              <p:nvPr/>
+            </p:nvPicPr>
+            <p:blipFill>
+              <a:blip r:embed="rId28"/>
+              <a:stretch>
+                <a:fillRect/>
+              </a:stretch>
+            </p:blipFill>
+            <p:spPr>
+              <a:xfrm>
+                <a:off x="2880900" y="4281300"/>
+                <a:ext cx="18720" cy="51840"/>
+              </a:xfrm>
+              <a:prstGeom prst="rect">
+                <a:avLst/>
+              </a:prstGeom>
+            </p:spPr>
+          </p:pic>
+        </mc:Fallback>
+      </mc:AlternateContent>
+      <p:grpSp>
+        <p:nvGrpSpPr>
+          <p:cNvPr id="15" name="Group 14">
+            <a:extLst>
+              <a:ext uri="{FF2B5EF4-FFF2-40B4-BE49-F238E27FC236}">
+                <a16:creationId xmlns:a16="http://schemas.microsoft.com/office/drawing/2014/main" id="{28889A49-5EF9-E12C-E967-7AD063E5145F}"/>
+              </a:ext>
+            </a:extLst>
+          </p:cNvPr>
+          <p:cNvGrpSpPr/>
+          <p:nvPr/>
+        </p:nvGrpSpPr>
+        <p:grpSpPr>
+          <a:xfrm>
+            <a:off x="1636380" y="3194460"/>
+            <a:ext cx="1185840" cy="519120"/>
+            <a:chOff x="1636380" y="3194460"/>
+            <a:chExt cx="1185840" cy="519120"/>
+          </a:xfrm>
+        </p:grpSpPr>
+        <mc:AlternateContent xmlns:mc="http://schemas.openxmlformats.org/markup-compatibility/2006">
+          <mc:Choice xmlns:p14="http://schemas.microsoft.com/office/powerpoint/2010/main" Requires="p14">
+            <p:contentPart p14:bwMode="auto" r:id="rId29">
+              <p14:nvContentPartPr>
+                <p14:cNvPr id="11" name="Ink 10">
+                  <a:extLst>
+                    <a:ext uri="{FF2B5EF4-FFF2-40B4-BE49-F238E27FC236}">
+                      <a16:creationId xmlns:a16="http://schemas.microsoft.com/office/drawing/2014/main" id="{F7F3E7B2-4409-818E-9DE1-8FC115BB99F5}"/>
+                    </a:ext>
+                  </a:extLst>
+                </p14:cNvPr>
+                <p14:cNvContentPartPr/>
+                <p14:nvPr/>
+              </p14:nvContentPartPr>
+              <p14:xfrm>
+                <a:off x="1636380" y="3292020"/>
+                <a:ext cx="107280" cy="421560"/>
+              </p14:xfrm>
+            </p:contentPart>
+          </mc:Choice>
+          <mc:Fallback>
+            <p:pic>
+              <p:nvPicPr>
+                <p:cNvPr id="11" name="Ink 10">
+                  <a:extLst>
+                    <a:ext uri="{FF2B5EF4-FFF2-40B4-BE49-F238E27FC236}">
+                      <a16:creationId xmlns:a16="http://schemas.microsoft.com/office/drawing/2014/main" id="{F7F3E7B2-4409-818E-9DE1-8FC115BB99F5}"/>
+                    </a:ext>
+                  </a:extLst>
+                </p:cNvPr>
+                <p:cNvPicPr/>
+                <p:nvPr/>
+              </p:nvPicPr>
+              <p:blipFill>
+                <a:blip r:embed="rId30"/>
+                <a:stretch>
+                  <a:fillRect/>
+                </a:stretch>
+              </p:blipFill>
+              <p:spPr>
+                <a:xfrm>
+                  <a:off x="1630260" y="3285900"/>
+                  <a:ext cx="119520" cy="433800"/>
+                </a:xfrm>
+                <a:prstGeom prst="rect">
+                  <a:avLst/>
+                </a:prstGeom>
+              </p:spPr>
+            </p:pic>
+          </mc:Fallback>
+        </mc:AlternateContent>
+        <mc:AlternateContent xmlns:mc="http://schemas.openxmlformats.org/markup-compatibility/2006">
+          <mc:Choice xmlns:p14="http://schemas.microsoft.com/office/powerpoint/2010/main" Requires="p14">
+            <p:contentPart p14:bwMode="auto" r:id="rId31">
+              <p14:nvContentPartPr>
+                <p14:cNvPr id="12" name="Ink 11">
+                  <a:extLst>
+                    <a:ext uri="{FF2B5EF4-FFF2-40B4-BE49-F238E27FC236}">
+                      <a16:creationId xmlns:a16="http://schemas.microsoft.com/office/drawing/2014/main" id="{3A8E3C2E-DC47-4654-3CE7-420427700874}"/>
+                    </a:ext>
+                  </a:extLst>
+                </p14:cNvPr>
+                <p14:cNvContentPartPr/>
+                <p14:nvPr/>
+              </p14:nvContentPartPr>
+              <p14:xfrm>
+                <a:off x="1966140" y="3194460"/>
+                <a:ext cx="108720" cy="436320"/>
+              </p14:xfrm>
+            </p:contentPart>
+          </mc:Choice>
+          <mc:Fallback>
+            <p:pic>
+              <p:nvPicPr>
+                <p:cNvPr id="12" name="Ink 11">
+                  <a:extLst>
+                    <a:ext uri="{FF2B5EF4-FFF2-40B4-BE49-F238E27FC236}">
+                      <a16:creationId xmlns:a16="http://schemas.microsoft.com/office/drawing/2014/main" id="{3A8E3C2E-DC47-4654-3CE7-420427700874}"/>
+                    </a:ext>
+                  </a:extLst>
+                </p:cNvPr>
+                <p:cNvPicPr/>
+                <p:nvPr/>
+              </p:nvPicPr>
+              <p:blipFill>
+                <a:blip r:embed="rId32"/>
+                <a:stretch>
+                  <a:fillRect/>
+                </a:stretch>
+              </p:blipFill>
+              <p:spPr>
+                <a:xfrm>
+                  <a:off x="1960020" y="3188340"/>
+                  <a:ext cx="120960" cy="448560"/>
+                </a:xfrm>
+                <a:prstGeom prst="rect">
+                  <a:avLst/>
+                </a:prstGeom>
+              </p:spPr>
+            </p:pic>
+          </mc:Fallback>
+        </mc:AlternateContent>
+        <mc:AlternateContent xmlns:mc="http://schemas.openxmlformats.org/markup-compatibility/2006">
+          <mc:Choice xmlns:p14="http://schemas.microsoft.com/office/powerpoint/2010/main" Requires="p14">
+            <p:contentPart p14:bwMode="auto" r:id="rId33">
+              <p14:nvContentPartPr>
+                <p14:cNvPr id="13" name="Ink 12">
+                  <a:extLst>
+                    <a:ext uri="{FF2B5EF4-FFF2-40B4-BE49-F238E27FC236}">
+                      <a16:creationId xmlns:a16="http://schemas.microsoft.com/office/drawing/2014/main" id="{249E1FEE-3A81-DF43-CDA0-072C3BCB63B4}"/>
+                    </a:ext>
+                  </a:extLst>
+                </p14:cNvPr>
+                <p14:cNvContentPartPr/>
+                <p14:nvPr/>
+              </p14:nvContentPartPr>
+              <p14:xfrm>
+                <a:off x="2329380" y="3239100"/>
+                <a:ext cx="100800" cy="433440"/>
+              </p14:xfrm>
+            </p:contentPart>
+          </mc:Choice>
+          <mc:Fallback>
+            <p:pic>
+              <p:nvPicPr>
+                <p:cNvPr id="13" name="Ink 12">
+                  <a:extLst>
+                    <a:ext uri="{FF2B5EF4-FFF2-40B4-BE49-F238E27FC236}">
+                      <a16:creationId xmlns:a16="http://schemas.microsoft.com/office/drawing/2014/main" id="{249E1FEE-3A81-DF43-CDA0-072C3BCB63B4}"/>
+                    </a:ext>
+                  </a:extLst>
+                </p:cNvPr>
+                <p:cNvPicPr/>
+                <p:nvPr/>
+              </p:nvPicPr>
+              <p:blipFill>
+                <a:blip r:embed="rId34"/>
+                <a:stretch>
+                  <a:fillRect/>
+                </a:stretch>
+              </p:blipFill>
+              <p:spPr>
+                <a:xfrm>
+                  <a:off x="2323260" y="3232980"/>
+                  <a:ext cx="113040" cy="445680"/>
+                </a:xfrm>
+                <a:prstGeom prst="rect">
+                  <a:avLst/>
+                </a:prstGeom>
+              </p:spPr>
+            </p:pic>
+          </mc:Fallback>
+        </mc:AlternateContent>
+        <mc:AlternateContent xmlns:mc="http://schemas.openxmlformats.org/markup-compatibility/2006">
+          <mc:Choice xmlns:p14="http://schemas.microsoft.com/office/powerpoint/2010/main" Requires="p14">
+            <p:contentPart p14:bwMode="auto" r:id="rId35">
+              <p14:nvContentPartPr>
+                <p14:cNvPr id="14" name="Ink 13">
+                  <a:extLst>
+                    <a:ext uri="{FF2B5EF4-FFF2-40B4-BE49-F238E27FC236}">
+                      <a16:creationId xmlns:a16="http://schemas.microsoft.com/office/drawing/2014/main" id="{15B26C43-9A01-CFB7-623F-2F41117750A4}"/>
+                    </a:ext>
+                  </a:extLst>
+                </p14:cNvPr>
+                <p14:cNvContentPartPr/>
+                <p14:nvPr/>
+              </p14:nvContentPartPr>
+              <p14:xfrm>
+                <a:off x="2728980" y="3223980"/>
+                <a:ext cx="93240" cy="363600"/>
+              </p14:xfrm>
+            </p:contentPart>
+          </mc:Choice>
+          <mc:Fallback>
+            <p:pic>
+              <p:nvPicPr>
+                <p:cNvPr id="14" name="Ink 13">
+                  <a:extLst>
+                    <a:ext uri="{FF2B5EF4-FFF2-40B4-BE49-F238E27FC236}">
+                      <a16:creationId xmlns:a16="http://schemas.microsoft.com/office/drawing/2014/main" id="{15B26C43-9A01-CFB7-623F-2F41117750A4}"/>
+                    </a:ext>
+                  </a:extLst>
+                </p:cNvPr>
+                <p:cNvPicPr/>
+                <p:nvPr/>
+              </p:nvPicPr>
+              <p:blipFill>
+                <a:blip r:embed="rId36"/>
+                <a:stretch>
+                  <a:fillRect/>
+                </a:stretch>
+              </p:blipFill>
+              <p:spPr>
+                <a:xfrm>
+                  <a:off x="2722860" y="3217860"/>
+                  <a:ext cx="105480" cy="375840"/>
+                </a:xfrm>
+                <a:prstGeom prst="rect">
+                  <a:avLst/>
+                </a:prstGeom>
+              </p:spPr>
+            </p:pic>
+          </mc:Fallback>
+        </mc:AlternateContent>
+      </p:grpSp>
     </p:spTree>
   </p:cSld>
   <p:clrMapOvr>
